--- a/presentation/final.pptx
+++ b/presentation/final.pptx
@@ -5,7 +5,7 @@
     <p:sldMasterId id="2147483648" r:id="rId1"/>
   </p:sldMasterIdLst>
   <p:notesMasterIdLst>
-    <p:notesMasterId r:id="rId14"/>
+    <p:notesMasterId r:id="rId20"/>
   </p:notesMasterIdLst>
   <p:sldIdLst>
     <p:sldId id="257" r:id="rId2"/>
@@ -19,7 +19,13 @@
     <p:sldId id="264" r:id="rId10"/>
     <p:sldId id="260" r:id="rId11"/>
     <p:sldId id="271" r:id="rId12"/>
-    <p:sldId id="266" r:id="rId13"/>
+    <p:sldId id="306" r:id="rId13"/>
+    <p:sldId id="304" r:id="rId14"/>
+    <p:sldId id="300" r:id="rId15"/>
+    <p:sldId id="303" r:id="rId16"/>
+    <p:sldId id="305" r:id="rId17"/>
+    <p:sldId id="302" r:id="rId18"/>
+    <p:sldId id="266" r:id="rId19"/>
   </p:sldIdLst>
   <p:sldSz cx="12192000" cy="6858000"/>
   <p:notesSz cx="6858000" cy="9144000"/>
@@ -118,6 +124,11 @@
       </a:defRPr>
     </a:lvl9pPr>
   </p:defaultTextStyle>
+  <p:extLst>
+    <p:ext uri="{EFAFB233-063F-42B5-8137-9DF3F51BA10A}">
+      <p15:sldGuideLst xmlns:p15="http://schemas.microsoft.com/office/powerpoint/2012/main"/>
+    </p:ext>
+  </p:extLst>
 </p:presentation>
 </file>
 
@@ -261,7 +272,7 @@
           <a:p>
             <a:fld id="{1F128C8A-7665-2E48-AE79-3C17475A6744}" type="datetimeFigureOut">
               <a:rPr lang="en-US" smtClean="0"/>
-              <a:t>12/25/18</a:t>
+              <a:t>12/25/2018</a:t>
             </a:fld>
             <a:endParaRPr lang="en-US"/>
           </a:p>
@@ -325,38 +336,37 @@
           <a:p>
             <a:pPr lvl="0"/>
             <a:r>
-              <a:rPr lang="en-US" smtClean="0"/>
+              <a:rPr lang="en-US"/>
               <a:t>Click to edit Master text styles</a:t>
             </a:r>
           </a:p>
           <a:p>
             <a:pPr lvl="1"/>
             <a:r>
-              <a:rPr lang="en-US" smtClean="0"/>
+              <a:rPr lang="en-US"/>
               <a:t>Second level</a:t>
             </a:r>
           </a:p>
           <a:p>
             <a:pPr lvl="2"/>
             <a:r>
-              <a:rPr lang="en-US" smtClean="0"/>
+              <a:rPr lang="en-US"/>
               <a:t>Third level</a:t>
             </a:r>
           </a:p>
           <a:p>
             <a:pPr lvl="3"/>
             <a:r>
-              <a:rPr lang="en-US" smtClean="0"/>
+              <a:rPr lang="en-US"/>
               <a:t>Fourth level</a:t>
             </a:r>
           </a:p>
           <a:p>
             <a:pPr lvl="4"/>
             <a:r>
-              <a:rPr lang="en-US" smtClean="0"/>
+              <a:rPr lang="en-US"/>
               <a:t>Fifth level</a:t>
             </a:r>
-            <a:endParaRPr lang="en-US"/>
           </a:p>
         </p:txBody>
       </p:sp>
@@ -655,10 +665,9 @@
           </a:lstStyle>
           <a:p>
             <a:r>
-              <a:rPr lang="en-US" smtClean="0"/>
+              <a:rPr lang="en-US"/>
               <a:t>Click to edit Master title style</a:t>
             </a:r>
-            <a:endParaRPr lang="en-US"/>
           </a:p>
         </p:txBody>
       </p:sp>
@@ -720,10 +729,9 @@
           </a:lstStyle>
           <a:p>
             <a:r>
-              <a:rPr lang="en-US" smtClean="0"/>
+              <a:rPr lang="en-US"/>
               <a:t>Click to edit Master subtitle style</a:t>
             </a:r>
-            <a:endParaRPr lang="en-US"/>
           </a:p>
         </p:txBody>
       </p:sp>
@@ -744,7 +752,7 @@
           <a:p>
             <a:fld id="{CF82F7AB-E95A-0844-8073-FE3960868F46}" type="datetimeFigureOut">
               <a:rPr lang="en-US" smtClean="0"/>
-              <a:t>12/25/18</a:t>
+              <a:t>12/25/2018</a:t>
             </a:fld>
             <a:endParaRPr lang="en-US"/>
           </a:p>
@@ -838,10 +846,9 @@
           <a:lstStyle/>
           <a:p>
             <a:r>
-              <a:rPr lang="en-US" smtClean="0"/>
+              <a:rPr lang="en-US"/>
               <a:t>Click to edit Master title style</a:t>
             </a:r>
-            <a:endParaRPr lang="en-US"/>
           </a:p>
         </p:txBody>
       </p:sp>
@@ -862,38 +869,37 @@
           <a:p>
             <a:pPr lvl="0"/>
             <a:r>
-              <a:rPr lang="en-US" smtClean="0"/>
+              <a:rPr lang="en-US"/>
               <a:t>Click to edit Master text styles</a:t>
             </a:r>
           </a:p>
           <a:p>
             <a:pPr lvl="1"/>
             <a:r>
-              <a:rPr lang="en-US" smtClean="0"/>
+              <a:rPr lang="en-US"/>
               <a:t>Second level</a:t>
             </a:r>
           </a:p>
           <a:p>
             <a:pPr lvl="2"/>
             <a:r>
-              <a:rPr lang="en-US" smtClean="0"/>
+              <a:rPr lang="en-US"/>
               <a:t>Third level</a:t>
             </a:r>
           </a:p>
           <a:p>
             <a:pPr lvl="3"/>
             <a:r>
-              <a:rPr lang="en-US" smtClean="0"/>
+              <a:rPr lang="en-US"/>
               <a:t>Fourth level</a:t>
             </a:r>
           </a:p>
           <a:p>
             <a:pPr lvl="4"/>
             <a:r>
-              <a:rPr lang="en-US" smtClean="0"/>
+              <a:rPr lang="en-US"/>
               <a:t>Fifth level</a:t>
             </a:r>
-            <a:endParaRPr lang="en-US"/>
           </a:p>
         </p:txBody>
       </p:sp>
@@ -914,7 +920,7 @@
           <a:p>
             <a:fld id="{CF82F7AB-E95A-0844-8073-FE3960868F46}" type="datetimeFigureOut">
               <a:rPr lang="en-US" smtClean="0"/>
-              <a:t>12/25/18</a:t>
+              <a:t>12/25/2018</a:t>
             </a:fld>
             <a:endParaRPr lang="en-US"/>
           </a:p>
@@ -1013,10 +1019,9 @@
           <a:lstStyle/>
           <a:p>
             <a:r>
-              <a:rPr lang="en-US" smtClean="0"/>
+              <a:rPr lang="en-US"/>
               <a:t>Click to edit Master title style</a:t>
             </a:r>
-            <a:endParaRPr lang="en-US"/>
           </a:p>
         </p:txBody>
       </p:sp>
@@ -1042,38 +1047,37 @@
           <a:p>
             <a:pPr lvl="0"/>
             <a:r>
-              <a:rPr lang="en-US" smtClean="0"/>
+              <a:rPr lang="en-US"/>
               <a:t>Click to edit Master text styles</a:t>
             </a:r>
           </a:p>
           <a:p>
             <a:pPr lvl="1"/>
             <a:r>
-              <a:rPr lang="en-US" smtClean="0"/>
+              <a:rPr lang="en-US"/>
               <a:t>Second level</a:t>
             </a:r>
           </a:p>
           <a:p>
             <a:pPr lvl="2"/>
             <a:r>
-              <a:rPr lang="en-US" smtClean="0"/>
+              <a:rPr lang="en-US"/>
               <a:t>Third level</a:t>
             </a:r>
           </a:p>
           <a:p>
             <a:pPr lvl="3"/>
             <a:r>
-              <a:rPr lang="en-US" smtClean="0"/>
+              <a:rPr lang="en-US"/>
               <a:t>Fourth level</a:t>
             </a:r>
           </a:p>
           <a:p>
             <a:pPr lvl="4"/>
             <a:r>
-              <a:rPr lang="en-US" smtClean="0"/>
+              <a:rPr lang="en-US"/>
               <a:t>Fifth level</a:t>
             </a:r>
-            <a:endParaRPr lang="en-US"/>
           </a:p>
         </p:txBody>
       </p:sp>
@@ -1094,7 +1098,7 @@
           <a:p>
             <a:fld id="{CF82F7AB-E95A-0844-8073-FE3960868F46}" type="datetimeFigureOut">
               <a:rPr lang="en-US" smtClean="0"/>
-              <a:t>12/25/18</a:t>
+              <a:t>12/25/2018</a:t>
             </a:fld>
             <a:endParaRPr lang="en-US"/>
           </a:p>
@@ -1188,10 +1192,9 @@
           <a:lstStyle/>
           <a:p>
             <a:r>
-              <a:rPr lang="en-US" smtClean="0"/>
+              <a:rPr lang="en-US"/>
               <a:t>Click to edit Master title style</a:t>
             </a:r>
-            <a:endParaRPr lang="en-US"/>
           </a:p>
         </p:txBody>
       </p:sp>
@@ -1212,38 +1215,37 @@
           <a:p>
             <a:pPr lvl="0"/>
             <a:r>
-              <a:rPr lang="en-US" smtClean="0"/>
+              <a:rPr lang="en-US"/>
               <a:t>Click to edit Master text styles</a:t>
             </a:r>
           </a:p>
           <a:p>
             <a:pPr lvl="1"/>
             <a:r>
-              <a:rPr lang="en-US" smtClean="0"/>
+              <a:rPr lang="en-US"/>
               <a:t>Second level</a:t>
             </a:r>
           </a:p>
           <a:p>
             <a:pPr lvl="2"/>
             <a:r>
-              <a:rPr lang="en-US" smtClean="0"/>
+              <a:rPr lang="en-US"/>
               <a:t>Third level</a:t>
             </a:r>
           </a:p>
           <a:p>
             <a:pPr lvl="3"/>
             <a:r>
-              <a:rPr lang="en-US" smtClean="0"/>
+              <a:rPr lang="en-US"/>
               <a:t>Fourth level</a:t>
             </a:r>
           </a:p>
           <a:p>
             <a:pPr lvl="4"/>
             <a:r>
-              <a:rPr lang="en-US" smtClean="0"/>
+              <a:rPr lang="en-US"/>
               <a:t>Fifth level</a:t>
             </a:r>
-            <a:endParaRPr lang="en-US"/>
           </a:p>
         </p:txBody>
       </p:sp>
@@ -1264,7 +1266,7 @@
           <a:p>
             <a:fld id="{CF82F7AB-E95A-0844-8073-FE3960868F46}" type="datetimeFigureOut">
               <a:rPr lang="en-US" smtClean="0"/>
-              <a:t>12/25/18</a:t>
+              <a:t>12/25/2018</a:t>
             </a:fld>
             <a:endParaRPr lang="en-US"/>
           </a:p>
@@ -1367,10 +1369,9 @@
           </a:lstStyle>
           <a:p>
             <a:r>
-              <a:rPr lang="en-US" smtClean="0"/>
+              <a:rPr lang="en-US"/>
               <a:t>Click to edit Master title style</a:t>
             </a:r>
-            <a:endParaRPr lang="en-US"/>
           </a:p>
         </p:txBody>
       </p:sp>
@@ -1487,7 +1488,7 @@
           <a:p>
             <a:pPr lvl="0"/>
             <a:r>
-              <a:rPr lang="en-US" smtClean="0"/>
+              <a:rPr lang="en-US"/>
               <a:t>Click to edit Master text styles</a:t>
             </a:r>
           </a:p>
@@ -1510,7 +1511,7 @@
           <a:p>
             <a:fld id="{CF82F7AB-E95A-0844-8073-FE3960868F46}" type="datetimeFigureOut">
               <a:rPr lang="en-US" smtClean="0"/>
-              <a:t>12/25/18</a:t>
+              <a:t>12/25/2018</a:t>
             </a:fld>
             <a:endParaRPr lang="en-US"/>
           </a:p>
@@ -1604,10 +1605,9 @@
           <a:lstStyle/>
           <a:p>
             <a:r>
-              <a:rPr lang="en-US" smtClean="0"/>
+              <a:rPr lang="en-US"/>
               <a:t>Click to edit Master title style</a:t>
             </a:r>
-            <a:endParaRPr lang="en-US"/>
           </a:p>
         </p:txBody>
       </p:sp>
@@ -1633,38 +1633,37 @@
           <a:p>
             <a:pPr lvl="0"/>
             <a:r>
-              <a:rPr lang="en-US" smtClean="0"/>
+              <a:rPr lang="en-US"/>
               <a:t>Click to edit Master text styles</a:t>
             </a:r>
           </a:p>
           <a:p>
             <a:pPr lvl="1"/>
             <a:r>
-              <a:rPr lang="en-US" smtClean="0"/>
+              <a:rPr lang="en-US"/>
               <a:t>Second level</a:t>
             </a:r>
           </a:p>
           <a:p>
             <a:pPr lvl="2"/>
             <a:r>
-              <a:rPr lang="en-US" smtClean="0"/>
+              <a:rPr lang="en-US"/>
               <a:t>Third level</a:t>
             </a:r>
           </a:p>
           <a:p>
             <a:pPr lvl="3"/>
             <a:r>
-              <a:rPr lang="en-US" smtClean="0"/>
+              <a:rPr lang="en-US"/>
               <a:t>Fourth level</a:t>
             </a:r>
           </a:p>
           <a:p>
             <a:pPr lvl="4"/>
             <a:r>
-              <a:rPr lang="en-US" smtClean="0"/>
+              <a:rPr lang="en-US"/>
               <a:t>Fifth level</a:t>
             </a:r>
-            <a:endParaRPr lang="en-US"/>
           </a:p>
         </p:txBody>
       </p:sp>
@@ -1690,38 +1689,37 @@
           <a:p>
             <a:pPr lvl="0"/>
             <a:r>
-              <a:rPr lang="en-US" smtClean="0"/>
+              <a:rPr lang="en-US"/>
               <a:t>Click to edit Master text styles</a:t>
             </a:r>
           </a:p>
           <a:p>
             <a:pPr lvl="1"/>
             <a:r>
-              <a:rPr lang="en-US" smtClean="0"/>
+              <a:rPr lang="en-US"/>
               <a:t>Second level</a:t>
             </a:r>
           </a:p>
           <a:p>
             <a:pPr lvl="2"/>
             <a:r>
-              <a:rPr lang="en-US" smtClean="0"/>
+              <a:rPr lang="en-US"/>
               <a:t>Third level</a:t>
             </a:r>
           </a:p>
           <a:p>
             <a:pPr lvl="3"/>
             <a:r>
-              <a:rPr lang="en-US" smtClean="0"/>
+              <a:rPr lang="en-US"/>
               <a:t>Fourth level</a:t>
             </a:r>
           </a:p>
           <a:p>
             <a:pPr lvl="4"/>
             <a:r>
-              <a:rPr lang="en-US" smtClean="0"/>
+              <a:rPr lang="en-US"/>
               <a:t>Fifth level</a:t>
             </a:r>
-            <a:endParaRPr lang="en-US"/>
           </a:p>
         </p:txBody>
       </p:sp>
@@ -1742,7 +1740,7 @@
           <a:p>
             <a:fld id="{CF82F7AB-E95A-0844-8073-FE3960868F46}" type="datetimeFigureOut">
               <a:rPr lang="en-US" smtClean="0"/>
-              <a:t>12/25/18</a:t>
+              <a:t>12/25/2018</a:t>
             </a:fld>
             <a:endParaRPr lang="en-US"/>
           </a:p>
@@ -1841,10 +1839,9 @@
           <a:lstStyle/>
           <a:p>
             <a:r>
-              <a:rPr lang="en-US" smtClean="0"/>
+              <a:rPr lang="en-US"/>
               <a:t>Click to edit Master title style</a:t>
             </a:r>
-            <a:endParaRPr lang="en-US"/>
           </a:p>
         </p:txBody>
       </p:sp>
@@ -1907,7 +1904,7 @@
           <a:p>
             <a:pPr lvl="0"/>
             <a:r>
-              <a:rPr lang="en-US" smtClean="0"/>
+              <a:rPr lang="en-US"/>
               <a:t>Click to edit Master text styles</a:t>
             </a:r>
           </a:p>
@@ -1935,38 +1932,37 @@
           <a:p>
             <a:pPr lvl="0"/>
             <a:r>
-              <a:rPr lang="en-US" smtClean="0"/>
+              <a:rPr lang="en-US"/>
               <a:t>Click to edit Master text styles</a:t>
             </a:r>
           </a:p>
           <a:p>
             <a:pPr lvl="1"/>
             <a:r>
-              <a:rPr lang="en-US" smtClean="0"/>
+              <a:rPr lang="en-US"/>
               <a:t>Second level</a:t>
             </a:r>
           </a:p>
           <a:p>
             <a:pPr lvl="2"/>
             <a:r>
-              <a:rPr lang="en-US" smtClean="0"/>
+              <a:rPr lang="en-US"/>
               <a:t>Third level</a:t>
             </a:r>
           </a:p>
           <a:p>
             <a:pPr lvl="3"/>
             <a:r>
-              <a:rPr lang="en-US" smtClean="0"/>
+              <a:rPr lang="en-US"/>
               <a:t>Fourth level</a:t>
             </a:r>
           </a:p>
           <a:p>
             <a:pPr lvl="4"/>
             <a:r>
-              <a:rPr lang="en-US" smtClean="0"/>
+              <a:rPr lang="en-US"/>
               <a:t>Fifth level</a:t>
             </a:r>
-            <a:endParaRPr lang="en-US"/>
           </a:p>
         </p:txBody>
       </p:sp>
@@ -2029,7 +2025,7 @@
           <a:p>
             <a:pPr lvl="0"/>
             <a:r>
-              <a:rPr lang="en-US" smtClean="0"/>
+              <a:rPr lang="en-US"/>
               <a:t>Click to edit Master text styles</a:t>
             </a:r>
           </a:p>
@@ -2057,38 +2053,37 @@
           <a:p>
             <a:pPr lvl="0"/>
             <a:r>
-              <a:rPr lang="en-US" smtClean="0"/>
+              <a:rPr lang="en-US"/>
               <a:t>Click to edit Master text styles</a:t>
             </a:r>
           </a:p>
           <a:p>
             <a:pPr lvl="1"/>
             <a:r>
-              <a:rPr lang="en-US" smtClean="0"/>
+              <a:rPr lang="en-US"/>
               <a:t>Second level</a:t>
             </a:r>
           </a:p>
           <a:p>
             <a:pPr lvl="2"/>
             <a:r>
-              <a:rPr lang="en-US" smtClean="0"/>
+              <a:rPr lang="en-US"/>
               <a:t>Third level</a:t>
             </a:r>
           </a:p>
           <a:p>
             <a:pPr lvl="3"/>
             <a:r>
-              <a:rPr lang="en-US" smtClean="0"/>
+              <a:rPr lang="en-US"/>
               <a:t>Fourth level</a:t>
             </a:r>
           </a:p>
           <a:p>
             <a:pPr lvl="4"/>
             <a:r>
-              <a:rPr lang="en-US" smtClean="0"/>
+              <a:rPr lang="en-US"/>
               <a:t>Fifth level</a:t>
             </a:r>
-            <a:endParaRPr lang="en-US"/>
           </a:p>
         </p:txBody>
       </p:sp>
@@ -2109,7 +2104,7 @@
           <a:p>
             <a:fld id="{CF82F7AB-E95A-0844-8073-FE3960868F46}" type="datetimeFigureOut">
               <a:rPr lang="en-US" smtClean="0"/>
-              <a:t>12/25/18</a:t>
+              <a:t>12/25/2018</a:t>
             </a:fld>
             <a:endParaRPr lang="en-US"/>
           </a:p>
@@ -2203,10 +2198,9 @@
           <a:lstStyle/>
           <a:p>
             <a:r>
-              <a:rPr lang="en-US" smtClean="0"/>
+              <a:rPr lang="en-US"/>
               <a:t>Click to edit Master title style</a:t>
             </a:r>
-            <a:endParaRPr lang="en-US"/>
           </a:p>
         </p:txBody>
       </p:sp>
@@ -2227,7 +2221,7 @@
           <a:p>
             <a:fld id="{CF82F7AB-E95A-0844-8073-FE3960868F46}" type="datetimeFigureOut">
               <a:rPr lang="en-US" smtClean="0"/>
-              <a:t>12/25/18</a:t>
+              <a:t>12/25/2018</a:t>
             </a:fld>
             <a:endParaRPr lang="en-US"/>
           </a:p>
@@ -2322,7 +2316,7 @@
           <a:p>
             <a:fld id="{CF82F7AB-E95A-0844-8073-FE3960868F46}" type="datetimeFigureOut">
               <a:rPr lang="en-US" smtClean="0"/>
-              <a:t>12/25/18</a:t>
+              <a:t>12/25/2018</a:t>
             </a:fld>
             <a:endParaRPr lang="en-US"/>
           </a:p>
@@ -2425,10 +2419,9 @@
           </a:lstStyle>
           <a:p>
             <a:r>
-              <a:rPr lang="en-US" smtClean="0"/>
+              <a:rPr lang="en-US"/>
               <a:t>Click to edit Master title style</a:t>
             </a:r>
-            <a:endParaRPr lang="en-US"/>
           </a:p>
         </p:txBody>
       </p:sp>
@@ -2482,38 +2475,37 @@
           <a:p>
             <a:pPr lvl="0"/>
             <a:r>
-              <a:rPr lang="en-US" smtClean="0"/>
+              <a:rPr lang="en-US"/>
               <a:t>Click to edit Master text styles</a:t>
             </a:r>
           </a:p>
           <a:p>
             <a:pPr lvl="1"/>
             <a:r>
-              <a:rPr lang="en-US" smtClean="0"/>
+              <a:rPr lang="en-US"/>
               <a:t>Second level</a:t>
             </a:r>
           </a:p>
           <a:p>
             <a:pPr lvl="2"/>
             <a:r>
-              <a:rPr lang="en-US" smtClean="0"/>
+              <a:rPr lang="en-US"/>
               <a:t>Third level</a:t>
             </a:r>
           </a:p>
           <a:p>
             <a:pPr lvl="3"/>
             <a:r>
-              <a:rPr lang="en-US" smtClean="0"/>
+              <a:rPr lang="en-US"/>
               <a:t>Fourth level</a:t>
             </a:r>
           </a:p>
           <a:p>
             <a:pPr lvl="4"/>
             <a:r>
-              <a:rPr lang="en-US" smtClean="0"/>
+              <a:rPr lang="en-US"/>
               <a:t>Fifth level</a:t>
             </a:r>
-            <a:endParaRPr lang="en-US"/>
           </a:p>
         </p:txBody>
       </p:sp>
@@ -2576,7 +2568,7 @@
           <a:p>
             <a:pPr lvl="0"/>
             <a:r>
-              <a:rPr lang="en-US" smtClean="0"/>
+              <a:rPr lang="en-US"/>
               <a:t>Click to edit Master text styles</a:t>
             </a:r>
           </a:p>
@@ -2599,7 +2591,7 @@
           <a:p>
             <a:fld id="{CF82F7AB-E95A-0844-8073-FE3960868F46}" type="datetimeFigureOut">
               <a:rPr lang="en-US" smtClean="0"/>
-              <a:t>12/25/18</a:t>
+              <a:t>12/25/2018</a:t>
             </a:fld>
             <a:endParaRPr lang="en-US"/>
           </a:p>
@@ -2702,10 +2694,9 @@
           </a:lstStyle>
           <a:p>
             <a:r>
-              <a:rPr lang="en-US" smtClean="0"/>
+              <a:rPr lang="en-US"/>
               <a:t>Click to edit Master title style</a:t>
             </a:r>
-            <a:endParaRPr lang="en-US"/>
           </a:p>
         </p:txBody>
       </p:sp>
@@ -2829,7 +2820,7 @@
           <a:p>
             <a:pPr lvl="0"/>
             <a:r>
-              <a:rPr lang="en-US" smtClean="0"/>
+              <a:rPr lang="en-US"/>
               <a:t>Click to edit Master text styles</a:t>
             </a:r>
           </a:p>
@@ -2852,7 +2843,7 @@
           <a:p>
             <a:fld id="{CF82F7AB-E95A-0844-8073-FE3960868F46}" type="datetimeFigureOut">
               <a:rPr lang="en-US" smtClean="0"/>
-              <a:t>12/25/18</a:t>
+              <a:t>12/25/2018</a:t>
             </a:fld>
             <a:endParaRPr lang="en-US"/>
           </a:p>
@@ -2961,10 +2952,9 @@
           <a:lstStyle/>
           <a:p>
             <a:r>
-              <a:rPr lang="en-US" smtClean="0"/>
+              <a:rPr lang="en-US"/>
               <a:t>Click to edit Master title style</a:t>
             </a:r>
-            <a:endParaRPr lang="en-US"/>
           </a:p>
         </p:txBody>
       </p:sp>
@@ -2995,38 +2985,37 @@
           <a:p>
             <a:pPr lvl="0"/>
             <a:r>
-              <a:rPr lang="en-US" smtClean="0"/>
+              <a:rPr lang="en-US"/>
               <a:t>Click to edit Master text styles</a:t>
             </a:r>
           </a:p>
           <a:p>
             <a:pPr lvl="1"/>
             <a:r>
-              <a:rPr lang="en-US" smtClean="0"/>
+              <a:rPr lang="en-US"/>
               <a:t>Second level</a:t>
             </a:r>
           </a:p>
           <a:p>
             <a:pPr lvl="2"/>
             <a:r>
-              <a:rPr lang="en-US" smtClean="0"/>
+              <a:rPr lang="en-US"/>
               <a:t>Third level</a:t>
             </a:r>
           </a:p>
           <a:p>
             <a:pPr lvl="3"/>
             <a:r>
-              <a:rPr lang="en-US" smtClean="0"/>
+              <a:rPr lang="en-US"/>
               <a:t>Fourth level</a:t>
             </a:r>
           </a:p>
           <a:p>
             <a:pPr lvl="4"/>
             <a:r>
-              <a:rPr lang="en-US" smtClean="0"/>
+              <a:rPr lang="en-US"/>
               <a:t>Fifth level</a:t>
             </a:r>
-            <a:endParaRPr lang="en-US"/>
           </a:p>
         </p:txBody>
       </p:sp>
@@ -3065,7 +3054,7 @@
           <a:p>
             <a:fld id="{CF82F7AB-E95A-0844-8073-FE3960868F46}" type="datetimeFigureOut">
               <a:rPr lang="en-US" smtClean="0"/>
-              <a:t>12/25/18</a:t>
+              <a:t>12/25/2018</a:t>
             </a:fld>
             <a:endParaRPr lang="en-US"/>
           </a:p>
@@ -3475,7 +3464,7 @@
           <p:cNvPr id="26" name="사각형: 둥근 모서리 25">
             <a:extLst>
               <a:ext uri="{FF2B5EF4-FFF2-40B4-BE49-F238E27FC236}">
-                <a16:creationId xmlns="" xmlns:a16="http://schemas.microsoft.com/office/drawing/2014/main" id="{6EF4AACF-BF98-4D1B-815E-F2B21068B69C}"/>
+                <a16:creationId xmlns:a16="http://schemas.microsoft.com/office/drawing/2014/main" id="{6EF4AACF-BF98-4D1B-815E-F2B21068B69C}"/>
               </a:ext>
             </a:extLst>
           </p:cNvPr>
@@ -3539,7 +3528,7 @@
           <p:cNvPr id="25" name="사각형: 둥근 모서리 24">
             <a:extLst>
               <a:ext uri="{FF2B5EF4-FFF2-40B4-BE49-F238E27FC236}">
-                <a16:creationId xmlns="" xmlns:a16="http://schemas.microsoft.com/office/drawing/2014/main" id="{2B540C0C-C67A-4CCA-936F-6F1BF9B33AA6}"/>
+                <a16:creationId xmlns:a16="http://schemas.microsoft.com/office/drawing/2014/main" id="{2B540C0C-C67A-4CCA-936F-6F1BF9B33AA6}"/>
               </a:ext>
             </a:extLst>
           </p:cNvPr>
@@ -3603,7 +3592,7 @@
           <p:cNvPr id="11" name="TextBox 10">
             <a:extLst>
               <a:ext uri="{FF2B5EF4-FFF2-40B4-BE49-F238E27FC236}">
-                <a16:creationId xmlns="" xmlns:a16="http://schemas.microsoft.com/office/drawing/2014/main" id="{5F5C2694-2958-48AC-A495-3A4D740A8E48}"/>
+                <a16:creationId xmlns:a16="http://schemas.microsoft.com/office/drawing/2014/main" id="{5F5C2694-2958-48AC-A495-3A4D740A8E48}"/>
               </a:ext>
             </a:extLst>
           </p:cNvPr>
@@ -3656,7 +3645,7 @@
           <p:cNvPr id="12" name="TextBox 11">
             <a:extLst>
               <a:ext uri="{FF2B5EF4-FFF2-40B4-BE49-F238E27FC236}">
-                <a16:creationId xmlns="" xmlns:a16="http://schemas.microsoft.com/office/drawing/2014/main" id="{AFFF3868-DADC-439E-953C-BAD4581A3B8A}"/>
+                <a16:creationId xmlns:a16="http://schemas.microsoft.com/office/drawing/2014/main" id="{AFFF3868-DADC-439E-953C-BAD4581A3B8A}"/>
               </a:ext>
             </a:extLst>
           </p:cNvPr>
@@ -3717,7 +3706,7 @@
               <p14:cNvPr id="14" name="잉크 13">
                 <a:extLst>
                   <a:ext uri="{FF2B5EF4-FFF2-40B4-BE49-F238E27FC236}">
-                    <a16:creationId xmlns="" xmlns:a16="http://schemas.microsoft.com/office/drawing/2014/main" id="{B55D4335-1F91-4444-A146-73388C8EF92F}"/>
+                    <a16:creationId xmlns:a16="http://schemas.microsoft.com/office/drawing/2014/main" id="{B55D4335-1F91-4444-A146-73388C8EF92F}"/>
                   </a:ext>
                 </a:extLst>
               </p14:cNvPr>
@@ -3766,7 +3755,7 @@
           <p:cNvPr id="27" name="직사각형 26">
             <a:extLst>
               <a:ext uri="{FF2B5EF4-FFF2-40B4-BE49-F238E27FC236}">
-                <a16:creationId xmlns="" xmlns:a16="http://schemas.microsoft.com/office/drawing/2014/main" id="{7B485AC3-93BA-4C5D-BD3E-4C24FE11A689}"/>
+                <a16:creationId xmlns:a16="http://schemas.microsoft.com/office/drawing/2014/main" id="{7B485AC3-93BA-4C5D-BD3E-4C24FE11A689}"/>
               </a:ext>
             </a:extLst>
           </p:cNvPr>
@@ -3822,7 +3811,7 @@
           <p:cNvPr id="2" name="TextBox 1">
             <a:extLst>
               <a:ext uri="{FF2B5EF4-FFF2-40B4-BE49-F238E27FC236}">
-                <a16:creationId xmlns="" xmlns:a16="http://schemas.microsoft.com/office/drawing/2014/main" id="{046AE835-647E-4C28-AD79-943FAA6BB463}"/>
+                <a16:creationId xmlns:a16="http://schemas.microsoft.com/office/drawing/2014/main" id="{046AE835-647E-4C28-AD79-943FAA6BB463}"/>
               </a:ext>
             </a:extLst>
           </p:cNvPr>
@@ -4084,7 +4073,7 @@
           <p:cNvPr id="6" name="그룹 5">
             <a:extLst>
               <a:ext uri="{FF2B5EF4-FFF2-40B4-BE49-F238E27FC236}">
-                <a16:creationId xmlns="" xmlns:a16="http://schemas.microsoft.com/office/drawing/2014/main" id="{A87738A6-DCCB-44F8-BC8F-5630746B8082}"/>
+                <a16:creationId xmlns:a16="http://schemas.microsoft.com/office/drawing/2014/main" id="{A87738A6-DCCB-44F8-BC8F-5630746B8082}"/>
               </a:ext>
             </a:extLst>
           </p:cNvPr>
@@ -4104,7 +4093,7 @@
             <p:cNvPr id="3" name="TextBox 2">
               <a:extLst>
                 <a:ext uri="{FF2B5EF4-FFF2-40B4-BE49-F238E27FC236}">
-                  <a16:creationId xmlns="" xmlns:a16="http://schemas.microsoft.com/office/drawing/2014/main" id="{3F15D2F0-3EF3-4014-88BD-F1E9CEE28153}"/>
+                  <a16:creationId xmlns:a16="http://schemas.microsoft.com/office/drawing/2014/main" id="{3F15D2F0-3EF3-4014-88BD-F1E9CEE28153}"/>
                 </a:ext>
               </a:extLst>
             </p:cNvPr>
@@ -4128,7 +4117,7 @@
             <a:lstStyle/>
             <a:p>
               <a:r>
-                <a:rPr lang="en-US" altLang="ko-KR" sz="4800" spc="-300" dirty="0" smtClean="0">
+                <a:rPr lang="en-US" altLang="ko-KR" sz="4800" spc="-300" dirty="0">
                   <a:solidFill>
                     <a:srgbClr val="FFCE38"/>
                   </a:solidFill>
@@ -4162,7 +4151,7 @@
             <p:cNvPr id="4" name="TextBox 3">
               <a:extLst>
                 <a:ext uri="{FF2B5EF4-FFF2-40B4-BE49-F238E27FC236}">
-                  <a16:creationId xmlns="" xmlns:a16="http://schemas.microsoft.com/office/drawing/2014/main" id="{EE9EE9DD-4219-4C6F-BCF5-B48D9535E62E}"/>
+                  <a16:creationId xmlns:a16="http://schemas.microsoft.com/office/drawing/2014/main" id="{EE9EE9DD-4219-4C6F-BCF5-B48D9535E62E}"/>
                 </a:ext>
               </a:extLst>
             </p:cNvPr>
@@ -4186,7 +4175,7 @@
             <a:lstStyle/>
             <a:p>
               <a:r>
-                <a:rPr lang="en-US" altLang="ko-KR" spc="-150" dirty="0" smtClean="0">
+                <a:rPr lang="en-US" altLang="ko-KR" spc="-150" dirty="0">
                   <a:solidFill>
                     <a:schemeClr val="tx1">
                       <a:lumMod val="75000"/>
@@ -4198,20 +4187,10 @@
                 </a:rPr>
                 <a:t>Algorithm</a:t>
               </a:r>
-              <a:endParaRPr lang="en-US" altLang="ko-KR" spc="-150" dirty="0">
-                <a:solidFill>
-                  <a:schemeClr val="tx1">
-                    <a:lumMod val="75000"/>
-                    <a:lumOff val="25000"/>
-                  </a:schemeClr>
-                </a:solidFill>
-                <a:latin typeface="KoPub돋움체 Medium" panose="00000600000000000000" pitchFamily="2" charset="-127"/>
-                <a:ea typeface="KoPub돋움체 Medium" panose="00000600000000000000" pitchFamily="2" charset="-127"/>
-              </a:endParaRPr>
             </a:p>
             <a:p>
               <a:r>
-                <a:rPr lang="en-US" altLang="ko-KR" spc="-150" dirty="0" smtClean="0">
+                <a:rPr lang="en-US" altLang="ko-KR" spc="-150" dirty="0">
                   <a:solidFill>
                     <a:schemeClr val="tx1">
                       <a:lumMod val="75000"/>
@@ -4242,7 +4221,7 @@
           <p:cNvPr id="9" name="직사각형 8">
             <a:extLst>
               <a:ext uri="{FF2B5EF4-FFF2-40B4-BE49-F238E27FC236}">
-                <a16:creationId xmlns="" xmlns:a16="http://schemas.microsoft.com/office/drawing/2014/main" id="{B946531F-0ED7-40C3-B576-4F56E0B23959}"/>
+                <a16:creationId xmlns:a16="http://schemas.microsoft.com/office/drawing/2014/main" id="{B946531F-0ED7-40C3-B576-4F56E0B23959}"/>
               </a:ext>
             </a:extLst>
           </p:cNvPr>
@@ -4296,7 +4275,7 @@
           <p:cNvPr id="24" name="직각 삼각형 23">
             <a:extLst>
               <a:ext uri="{FF2B5EF4-FFF2-40B4-BE49-F238E27FC236}">
-                <a16:creationId xmlns="" xmlns:a16="http://schemas.microsoft.com/office/drawing/2014/main" id="{A21687B3-DD91-4897-B11B-1D36E99F5FBD}"/>
+                <a16:creationId xmlns:a16="http://schemas.microsoft.com/office/drawing/2014/main" id="{A21687B3-DD91-4897-B11B-1D36E99F5FBD}"/>
               </a:ext>
             </a:extLst>
           </p:cNvPr>
@@ -4348,7 +4327,7 @@
           <p:cNvPr id="18" name="직사각형 17">
             <a:extLst>
               <a:ext uri="{FF2B5EF4-FFF2-40B4-BE49-F238E27FC236}">
-                <a16:creationId xmlns="" xmlns:a16="http://schemas.microsoft.com/office/drawing/2014/main" id="{FC56DBEE-CFA2-427D-A54E-C69EBB5FAD8F}"/>
+                <a16:creationId xmlns:a16="http://schemas.microsoft.com/office/drawing/2014/main" id="{FC56DBEE-CFA2-427D-A54E-C69EBB5FAD8F}"/>
               </a:ext>
             </a:extLst>
           </p:cNvPr>
@@ -4402,7 +4381,7 @@
           <p:cNvPr id="16" name="이등변 삼각형 15">
             <a:extLst>
               <a:ext uri="{FF2B5EF4-FFF2-40B4-BE49-F238E27FC236}">
-                <a16:creationId xmlns="" xmlns:a16="http://schemas.microsoft.com/office/drawing/2014/main" id="{6A579E04-95AD-4A49-B2DC-F82AC5E07A92}"/>
+                <a16:creationId xmlns:a16="http://schemas.microsoft.com/office/drawing/2014/main" id="{6A579E04-95AD-4A49-B2DC-F82AC5E07A92}"/>
               </a:ext>
             </a:extLst>
           </p:cNvPr>
@@ -4504,16 +4483,16 @@
           <a:lstStyle/>
           <a:p>
             <a:r>
-              <a:rPr lang="en-US" altLang="ko-KR" dirty="0" smtClean="0"/>
+              <a:rPr lang="en-US" altLang="ko-KR" dirty="0"/>
               <a:t>Why?</a:t>
             </a:r>
           </a:p>
           <a:p>
-            <a:endParaRPr lang="en-US" altLang="ko-KR" dirty="0" smtClean="0"/>
-          </a:p>
-          <a:p>
-            <a:r>
-              <a:rPr lang="ko-KR" altLang="en-US" dirty="0" smtClean="0"/>
+            <a:endParaRPr lang="en-US" altLang="ko-KR" dirty="0"/>
+          </a:p>
+          <a:p>
+            <a:r>
+              <a:rPr lang="ko-KR" altLang="en-US" dirty="0"/>
               <a:t>교차점 노드로 만들어진 그래프를 통해서 이동수단 노드까지 가는 최단 경로를 구하기 위해서 사용</a:t>
             </a:r>
             <a:endParaRPr lang="en-US" dirty="0"/>
@@ -4543,7 +4522,7 @@
           <a:lstStyle/>
           <a:p>
             <a:r>
-              <a:rPr lang="en-US" dirty="0" smtClean="0">
+              <a:rPr lang="en-US" dirty="0">
                 <a:solidFill>
                   <a:schemeClr val="accent4">
                     <a:lumMod val="75000"/>
@@ -4555,60 +4534,60 @@
           </a:p>
           <a:p>
             <a:r>
-              <a:rPr lang="en-US" altLang="ko-KR" sz="1600" dirty="0" smtClean="0"/>
+              <a:rPr lang="en-US" altLang="ko-KR" sz="1600" dirty="0"/>
               <a:t>201</a:t>
             </a:r>
             <a:r>
-              <a:rPr lang="ko-KR" altLang="en-US" sz="1600" dirty="0" smtClean="0"/>
+              <a:rPr lang="ko-KR" altLang="en-US" sz="1600" dirty="0"/>
               <a:t> </a:t>
             </a:r>
             <a:r>
-              <a:rPr lang="en-US" altLang="ko-KR" sz="1600" dirty="0" smtClean="0"/>
+              <a:rPr lang="en-US" altLang="ko-KR" sz="1600" dirty="0"/>
               <a:t>-&gt;</a:t>
             </a:r>
             <a:r>
-              <a:rPr lang="ko-KR" altLang="en-US" sz="1600" dirty="0" smtClean="0"/>
+              <a:rPr lang="ko-KR" altLang="en-US" sz="1600" dirty="0"/>
               <a:t> </a:t>
             </a:r>
             <a:r>
-              <a:rPr lang="en-US" altLang="ko-KR" sz="1600" dirty="0" smtClean="0"/>
+              <a:rPr lang="en-US" altLang="ko-KR" sz="1600" dirty="0"/>
               <a:t>402</a:t>
             </a:r>
             <a:r>
-              <a:rPr lang="ko-KR" altLang="en-US" sz="1600" dirty="0" smtClean="0"/>
+              <a:rPr lang="ko-KR" altLang="en-US" sz="1600" dirty="0"/>
               <a:t> 이동</a:t>
             </a:r>
-            <a:endParaRPr lang="en-US" altLang="ko-KR" sz="1600" dirty="0" smtClean="0"/>
-          </a:p>
-          <a:p>
-            <a:r>
-              <a:rPr lang="en-US" altLang="ko-KR" sz="1600" dirty="0" smtClean="0"/>
+            <a:endParaRPr lang="en-US" altLang="ko-KR" sz="1600" dirty="0"/>
+          </a:p>
+          <a:p>
+            <a:r>
+              <a:rPr lang="en-US" altLang="ko-KR" sz="1600" dirty="0"/>
               <a:t>2</a:t>
             </a:r>
             <a:r>
-              <a:rPr lang="ko-KR" altLang="en-US" sz="1600" dirty="0" smtClean="0"/>
+              <a:rPr lang="ko-KR" altLang="en-US" sz="1600" dirty="0"/>
               <a:t>층 </a:t>
             </a:r>
             <a:r>
-              <a:rPr lang="en-US" altLang="ko-KR" sz="1600" dirty="0" smtClean="0"/>
+              <a:rPr lang="en-US" altLang="ko-KR" sz="1600" dirty="0"/>
               <a:t>4</a:t>
             </a:r>
             <a:r>
-              <a:rPr lang="ko-KR" altLang="en-US" sz="1600" dirty="0" smtClean="0"/>
+              <a:rPr lang="ko-KR" altLang="en-US" sz="1600" dirty="0"/>
               <a:t>층 그래프에 계단 노드 추가</a:t>
             </a:r>
-            <a:endParaRPr lang="en-US" altLang="ko-KR" sz="1600" dirty="0" smtClean="0"/>
-          </a:p>
-          <a:p>
-            <a:r>
-              <a:rPr lang="ko-KR" altLang="en-US" sz="1600" dirty="0" smtClean="0"/>
+            <a:endParaRPr lang="en-US" altLang="ko-KR" sz="1600" dirty="0"/>
+          </a:p>
+          <a:p>
+            <a:r>
+              <a:rPr lang="ko-KR" altLang="en-US" sz="1600" dirty="0"/>
               <a:t>계단 이동 경로</a:t>
             </a:r>
-            <a:endParaRPr lang="en-US" sz="1600" dirty="0" smtClean="0"/>
-          </a:p>
-          <a:p>
-            <a:r>
-              <a:rPr lang="en-US" dirty="0" smtClean="0">
+            <a:endParaRPr lang="en-US" sz="1600" dirty="0"/>
+          </a:p>
+          <a:p>
+            <a:r>
+              <a:rPr lang="en-US" dirty="0">
                 <a:solidFill>
                   <a:schemeClr val="accent4">
                     <a:lumMod val="75000"/>
@@ -4620,83 +4599,83 @@
           </a:p>
           <a:p>
             <a:r>
-              <a:rPr lang="en-US" sz="1600" dirty="0" smtClean="0"/>
+              <a:rPr lang="en-US" sz="1600" dirty="0"/>
               <a:t>4</a:t>
             </a:r>
             <a:r>
-              <a:rPr lang="en-US" altLang="ko-KR" sz="1600" dirty="0" smtClean="0"/>
+              <a:rPr lang="en-US" altLang="ko-KR" sz="1600" dirty="0"/>
               <a:t>12</a:t>
             </a:r>
             <a:r>
-              <a:rPr lang="en-US" sz="1600" dirty="0" smtClean="0"/>
+              <a:rPr lang="en-US" sz="1600" dirty="0"/>
               <a:t> -&gt; 8</a:t>
             </a:r>
             <a:r>
-              <a:rPr lang="en-US" altLang="ko-KR" sz="1600" dirty="0" smtClean="0"/>
+              <a:rPr lang="en-US" altLang="ko-KR" sz="1600" dirty="0"/>
               <a:t>12</a:t>
             </a:r>
             <a:r>
-              <a:rPr lang="en-US" sz="1600" dirty="0" smtClean="0"/>
+              <a:rPr lang="en-US" sz="1600" dirty="0"/>
               <a:t> </a:t>
             </a:r>
             <a:r>
-              <a:rPr lang="ko-KR" altLang="en-US" sz="1600" dirty="0" smtClean="0"/>
+              <a:rPr lang="ko-KR" altLang="en-US" sz="1600" dirty="0"/>
               <a:t>이동</a:t>
             </a:r>
             <a:r>
-              <a:rPr lang="en-US" sz="1600" dirty="0" smtClean="0"/>
+              <a:rPr lang="en-US" sz="1600" dirty="0"/>
               <a:t> </a:t>
             </a:r>
           </a:p>
           <a:p>
             <a:r>
-              <a:rPr lang="en-US" altLang="ko-KR" sz="1600" dirty="0" smtClean="0"/>
+              <a:rPr lang="en-US" altLang="ko-KR" sz="1600" dirty="0"/>
               <a:t>4</a:t>
             </a:r>
             <a:r>
-              <a:rPr lang="ko-KR" altLang="en-US" sz="1600" dirty="0" smtClean="0"/>
+              <a:rPr lang="ko-KR" altLang="en-US" sz="1600" dirty="0"/>
               <a:t>층 그래프에 </a:t>
             </a:r>
             <a:r>
-              <a:rPr lang="en-US" altLang="ko-KR" sz="1600" dirty="0" smtClean="0"/>
+              <a:rPr lang="en-US" altLang="ko-KR" sz="1600" dirty="0"/>
               <a:t>412,</a:t>
             </a:r>
             <a:r>
-              <a:rPr lang="ko-KR" altLang="en-US" sz="1600" dirty="0" smtClean="0"/>
+              <a:rPr lang="ko-KR" altLang="en-US" sz="1600" dirty="0"/>
               <a:t> 엘레베이터 추가</a:t>
             </a:r>
-            <a:endParaRPr lang="en-US" altLang="ko-KR" sz="1600" dirty="0" smtClean="0"/>
-          </a:p>
-          <a:p>
-            <a:r>
-              <a:rPr lang="en-US" altLang="ko-KR" sz="1600" dirty="0" smtClean="0"/>
+            <a:endParaRPr lang="en-US" altLang="ko-KR" sz="1600" dirty="0"/>
+          </a:p>
+          <a:p>
+            <a:r>
+              <a:rPr lang="en-US" altLang="ko-KR" sz="1600" dirty="0"/>
               <a:t>8</a:t>
             </a:r>
             <a:r>
-              <a:rPr lang="ko-KR" altLang="en-US" sz="1600" dirty="0" smtClean="0"/>
+              <a:rPr lang="ko-KR" altLang="en-US" sz="1600" dirty="0"/>
               <a:t>층 그래프에 </a:t>
             </a:r>
             <a:r>
-              <a:rPr lang="en-US" altLang="ko-KR" sz="1600" dirty="0" smtClean="0"/>
+              <a:rPr lang="en-US" altLang="ko-KR" sz="1600" dirty="0"/>
               <a:t>812</a:t>
             </a:r>
             <a:r>
-              <a:rPr lang="ko-KR" altLang="en-US" sz="1600" dirty="0" smtClean="0"/>
+              <a:rPr lang="ko-KR" altLang="en-US" sz="1600" dirty="0"/>
               <a:t> </a:t>
             </a:r>
             <a:r>
-              <a:rPr lang="en-US" altLang="ko-KR" sz="1600" dirty="0" smtClean="0"/>
+              <a:rPr lang="en-US" altLang="ko-KR" sz="1600" dirty="0"/>
               <a:t>,</a:t>
             </a:r>
             <a:r>
-              <a:rPr lang="ko-KR" altLang="en-US" sz="1600" dirty="0" smtClean="0"/>
+              <a:rPr lang="ko-KR" altLang="en-US" sz="1600" dirty="0"/>
               <a:t> 엘레베이터 추가</a:t>
             </a:r>
-            <a:endParaRPr lang="en-US" altLang="ko-KR" sz="1600" dirty="0" smtClean="0"/>
-          </a:p>
-          <a:p>
-            <a:r>
-              <a:rPr lang="en-US" dirty="0" smtClean="0">
+            <a:endParaRPr lang="en-US" altLang="ko-KR" sz="1600" dirty="0"/>
+          </a:p>
+          <a:p>
+            <a:r>
+              <a:rPr lang="en-US" dirty="0">
                 <a:solidFill>
                   <a:schemeClr val="accent4">
                     <a:lumMod val="75000"/>
@@ -4708,86 +4687,86 @@
           </a:p>
           <a:p>
             <a:r>
-              <a:rPr lang="en-US" altLang="ko-KR" sz="1600" dirty="0" smtClean="0"/>
+              <a:rPr lang="en-US" altLang="ko-KR" sz="1600" dirty="0"/>
               <a:t>321</a:t>
             </a:r>
             <a:r>
-              <a:rPr lang="ko-KR" altLang="en-US" sz="1600" dirty="0" smtClean="0"/>
+              <a:rPr lang="ko-KR" altLang="en-US" sz="1600" dirty="0"/>
               <a:t> </a:t>
             </a:r>
             <a:r>
-              <a:rPr lang="en-US" altLang="ko-KR" sz="1600" dirty="0" smtClean="0"/>
+              <a:rPr lang="en-US" altLang="ko-KR" sz="1600" dirty="0"/>
               <a:t>-&gt;</a:t>
             </a:r>
             <a:r>
-              <a:rPr lang="ko-KR" altLang="en-US" sz="1600" dirty="0" smtClean="0"/>
+              <a:rPr lang="ko-KR" altLang="en-US" sz="1600" dirty="0"/>
               <a:t> </a:t>
             </a:r>
             <a:r>
-              <a:rPr lang="en-US" altLang="ko-KR" sz="1600" dirty="0" smtClean="0"/>
+              <a:rPr lang="en-US" altLang="ko-KR" sz="1600" dirty="0"/>
               <a:t>810</a:t>
             </a:r>
             <a:r>
-              <a:rPr lang="ko-KR" altLang="en-US" sz="1600" dirty="0" smtClean="0"/>
+              <a:rPr lang="ko-KR" altLang="en-US" sz="1600" dirty="0"/>
               <a:t> 이동</a:t>
             </a:r>
-            <a:endParaRPr lang="en-US" altLang="ko-KR" sz="1600" dirty="0" smtClean="0"/>
-          </a:p>
-          <a:p>
-            <a:r>
-              <a:rPr lang="en-US" altLang="ko-KR" sz="1600" dirty="0" smtClean="0"/>
+            <a:endParaRPr lang="en-US" altLang="ko-KR" sz="1600" dirty="0"/>
+          </a:p>
+          <a:p>
+            <a:r>
+              <a:rPr lang="en-US" altLang="ko-KR" sz="1600" dirty="0"/>
               <a:t>3</a:t>
             </a:r>
             <a:r>
-              <a:rPr lang="ko-KR" altLang="en-US" sz="1600" dirty="0" smtClean="0"/>
+              <a:rPr lang="ko-KR" altLang="en-US" sz="1600" dirty="0"/>
               <a:t>층 그래프에 </a:t>
             </a:r>
             <a:r>
-              <a:rPr lang="en-US" altLang="ko-KR" sz="1600" dirty="0" smtClean="0"/>
+              <a:rPr lang="en-US" altLang="ko-KR" sz="1600" dirty="0"/>
               <a:t>321</a:t>
             </a:r>
             <a:r>
-              <a:rPr lang="ko-KR" altLang="en-US" sz="1600" dirty="0" smtClean="0"/>
+              <a:rPr lang="ko-KR" altLang="en-US" sz="1600" dirty="0"/>
               <a:t> 및 엘레베이터 추가</a:t>
             </a:r>
-            <a:endParaRPr lang="en-US" altLang="ko-KR" sz="1600" dirty="0" smtClean="0"/>
-          </a:p>
-          <a:p>
-            <a:r>
-              <a:rPr lang="en-US" altLang="ko-KR" sz="1600" dirty="0" smtClean="0"/>
+            <a:endParaRPr lang="en-US" altLang="ko-KR" sz="1600" dirty="0"/>
+          </a:p>
+          <a:p>
+            <a:r>
+              <a:rPr lang="en-US" altLang="ko-KR" sz="1600" dirty="0"/>
               <a:t>7</a:t>
             </a:r>
             <a:r>
-              <a:rPr lang="ko-KR" altLang="en-US" sz="1600" dirty="0" smtClean="0"/>
+              <a:rPr lang="ko-KR" altLang="en-US" sz="1600" dirty="0"/>
               <a:t>층 그래프에 엘레베이터 및 계단 노드 추가</a:t>
             </a:r>
-            <a:endParaRPr lang="en-US" altLang="ko-KR" sz="1600" dirty="0" smtClean="0"/>
-          </a:p>
-          <a:p>
-            <a:r>
-              <a:rPr lang="en-US" altLang="ko-KR" sz="1600" dirty="0" smtClean="0"/>
+            <a:endParaRPr lang="en-US" altLang="ko-KR" sz="1600" dirty="0"/>
+          </a:p>
+          <a:p>
+            <a:r>
+              <a:rPr lang="en-US" altLang="ko-KR" sz="1600" dirty="0"/>
               <a:t>8</a:t>
             </a:r>
             <a:r>
-              <a:rPr lang="ko-KR" altLang="en-US" sz="1600" dirty="0" smtClean="0"/>
+              <a:rPr lang="ko-KR" altLang="en-US" sz="1600" dirty="0"/>
               <a:t>층 그래프에 계단노드 및 </a:t>
             </a:r>
             <a:r>
-              <a:rPr lang="en-US" altLang="ko-KR" sz="1600" dirty="0" smtClean="0"/>
+              <a:rPr lang="en-US" altLang="ko-KR" sz="1600" dirty="0"/>
               <a:t>810</a:t>
             </a:r>
             <a:r>
-              <a:rPr lang="ko-KR" altLang="en-US" sz="1600" dirty="0" smtClean="0"/>
+              <a:rPr lang="ko-KR" altLang="en-US" sz="1600" dirty="0"/>
               <a:t> 노드 추가</a:t>
             </a:r>
-            <a:endParaRPr lang="en-US" altLang="ko-KR" sz="1600" dirty="0" smtClean="0"/>
-          </a:p>
-          <a:p>
-            <a:r>
-              <a:rPr lang="ko-KR" altLang="en-US" sz="1600" dirty="0" smtClean="0"/>
+            <a:endParaRPr lang="en-US" altLang="ko-KR" sz="1600" dirty="0"/>
+          </a:p>
+          <a:p>
+            <a:r>
+              <a:rPr lang="ko-KR" altLang="en-US" sz="1600" dirty="0"/>
               <a:t>모든 시나리오에 다익스트라를 통한 경로 리턴</a:t>
             </a:r>
-            <a:endParaRPr lang="en-US" sz="1600" dirty="0" smtClean="0"/>
+            <a:endParaRPr lang="en-US" sz="1600" dirty="0"/>
           </a:p>
           <a:p>
             <a:endParaRPr lang="en-US" dirty="0"/>
@@ -4829,7 +4808,7 @@
           <p:cNvPr id="26" name="사각형: 둥근 모서리 25">
             <a:extLst>
               <a:ext uri="{FF2B5EF4-FFF2-40B4-BE49-F238E27FC236}">
-                <a16:creationId xmlns="" xmlns:a16="http://schemas.microsoft.com/office/drawing/2014/main" id="{6EF4AACF-BF98-4D1B-815E-F2B21068B69C}"/>
+                <a16:creationId xmlns:a16="http://schemas.microsoft.com/office/drawing/2014/main" id="{6EF4AACF-BF98-4D1B-815E-F2B21068B69C}"/>
               </a:ext>
             </a:extLst>
           </p:cNvPr>
@@ -4893,7 +4872,7 @@
           <p:cNvPr id="25" name="사각형: 둥근 모서리 24">
             <a:extLst>
               <a:ext uri="{FF2B5EF4-FFF2-40B4-BE49-F238E27FC236}">
-                <a16:creationId xmlns="" xmlns:a16="http://schemas.microsoft.com/office/drawing/2014/main" id="{2B540C0C-C67A-4CCA-936F-6F1BF9B33AA6}"/>
+                <a16:creationId xmlns:a16="http://schemas.microsoft.com/office/drawing/2014/main" id="{2B540C0C-C67A-4CCA-936F-6F1BF9B33AA6}"/>
               </a:ext>
             </a:extLst>
           </p:cNvPr>
@@ -4957,7 +4936,7 @@
           <p:cNvPr id="11" name="TextBox 10">
             <a:extLst>
               <a:ext uri="{FF2B5EF4-FFF2-40B4-BE49-F238E27FC236}">
-                <a16:creationId xmlns="" xmlns:a16="http://schemas.microsoft.com/office/drawing/2014/main" id="{5F5C2694-2958-48AC-A495-3A4D740A8E48}"/>
+                <a16:creationId xmlns:a16="http://schemas.microsoft.com/office/drawing/2014/main" id="{5F5C2694-2958-48AC-A495-3A4D740A8E48}"/>
               </a:ext>
             </a:extLst>
           </p:cNvPr>
@@ -5001,7 +4980,7 @@
           <p:cNvPr id="27" name="직사각형 26">
             <a:extLst>
               <a:ext uri="{FF2B5EF4-FFF2-40B4-BE49-F238E27FC236}">
-                <a16:creationId xmlns="" xmlns:a16="http://schemas.microsoft.com/office/drawing/2014/main" id="{7B485AC3-93BA-4C5D-BD3E-4C24FE11A689}"/>
+                <a16:creationId xmlns:a16="http://schemas.microsoft.com/office/drawing/2014/main" id="{7B485AC3-93BA-4C5D-BD3E-4C24FE11A689}"/>
               </a:ext>
             </a:extLst>
           </p:cNvPr>
@@ -5057,7 +5036,7 @@
           <p:cNvPr id="9" name="사각형: 둥근 모서리 25">
             <a:extLst>
               <a:ext uri="{FF2B5EF4-FFF2-40B4-BE49-F238E27FC236}">
-                <a16:creationId xmlns="" xmlns:a16="http://schemas.microsoft.com/office/drawing/2014/main" id="{6EF4AACF-BF98-4D1B-815E-F2B21068B69C}"/>
+                <a16:creationId xmlns:a16="http://schemas.microsoft.com/office/drawing/2014/main" id="{6EF4AACF-BF98-4D1B-815E-F2B21068B69C}"/>
               </a:ext>
             </a:extLst>
           </p:cNvPr>
@@ -5121,7 +5100,7 @@
           <p:cNvPr id="10" name="TextBox 9">
             <a:extLst>
               <a:ext uri="{FF2B5EF4-FFF2-40B4-BE49-F238E27FC236}">
-                <a16:creationId xmlns="" xmlns:a16="http://schemas.microsoft.com/office/drawing/2014/main" id="{AFFF3868-DADC-439E-953C-BAD4581A3B8A}"/>
+                <a16:creationId xmlns:a16="http://schemas.microsoft.com/office/drawing/2014/main" id="{AFFF3868-DADC-439E-953C-BAD4581A3B8A}"/>
               </a:ext>
             </a:extLst>
           </p:cNvPr>
@@ -5146,7 +5125,7 @@
           <a:p>
             <a:pPr algn="ctr"/>
             <a:r>
-              <a:rPr lang="ko-KR" altLang="en-US" sz="2800" spc="-150" dirty="0" smtClean="0">
+              <a:rPr lang="ko-KR" altLang="en-US" sz="2800" spc="-150" dirty="0">
                 <a:solidFill>
                   <a:srgbClr val="41A30D"/>
                 </a:solidFill>
@@ -5189,15 +5168,15 @@
           <a:lstStyle/>
           <a:p>
             <a:r>
-              <a:rPr lang="ko-KR" altLang="en-US" dirty="0" smtClean="0"/>
+              <a:rPr lang="ko-KR" altLang="en-US" dirty="0"/>
               <a:t>천용진 </a:t>
             </a:r>
             <a:r>
-              <a:rPr lang="en-US" altLang="ko-KR" dirty="0" smtClean="0"/>
+              <a:rPr lang="en-US" altLang="ko-KR" dirty="0"/>
               <a:t>/</a:t>
             </a:r>
             <a:r>
-              <a:rPr lang="ko-KR" altLang="en-US" dirty="0" smtClean="0"/>
+              <a:rPr lang="ko-KR" altLang="en-US" dirty="0"/>
               <a:t> 김현태</a:t>
             </a:r>
             <a:endParaRPr lang="en-US" dirty="0"/>
@@ -5227,15 +5206,15 @@
           <a:lstStyle/>
           <a:p>
             <a:r>
-              <a:rPr lang="ko-KR" altLang="en-US" dirty="0" smtClean="0"/>
+              <a:rPr lang="ko-KR" altLang="en-US" dirty="0"/>
               <a:t>박성환 </a:t>
             </a:r>
             <a:r>
-              <a:rPr lang="en-US" altLang="ko-KR" dirty="0" smtClean="0"/>
+              <a:rPr lang="en-US" altLang="ko-KR" dirty="0"/>
               <a:t>/</a:t>
             </a:r>
             <a:r>
-              <a:rPr lang="ko-KR" altLang="en-US" dirty="0" smtClean="0"/>
+              <a:rPr lang="ko-KR" altLang="en-US" dirty="0"/>
               <a:t> 윤종하  </a:t>
             </a:r>
             <a:endParaRPr lang="en-US" dirty="0"/>
@@ -5247,7 +5226,7 @@
           <p:cNvPr id="15" name="TextBox 14">
             <a:extLst>
               <a:ext uri="{FF2B5EF4-FFF2-40B4-BE49-F238E27FC236}">
-                <a16:creationId xmlns="" xmlns:a16="http://schemas.microsoft.com/office/drawing/2014/main" id="{AFFF3868-DADC-439E-953C-BAD4581A3B8A}"/>
+                <a16:creationId xmlns:a16="http://schemas.microsoft.com/office/drawing/2014/main" id="{AFFF3868-DADC-439E-953C-BAD4581A3B8A}"/>
               </a:ext>
             </a:extLst>
           </p:cNvPr>
@@ -5272,7 +5251,7 @@
           <a:p>
             <a:pPr algn="ctr"/>
             <a:r>
-              <a:rPr lang="ko-KR" altLang="en-US" sz="2800" spc="-150" dirty="0" smtClean="0">
+              <a:rPr lang="ko-KR" altLang="en-US" sz="2800" spc="-150" dirty="0">
                 <a:solidFill>
                   <a:srgbClr val="41A30D"/>
                 </a:solidFill>
@@ -5377,12 +5356,3641 @@
           <a:chExt cx="0" cy="0"/>
         </a:xfrm>
       </p:grpSpPr>
+      <p:grpSp>
+        <p:nvGrpSpPr>
+          <p:cNvPr id="6" name="그룹 5">
+            <a:extLst>
+              <a:ext uri="{FF2B5EF4-FFF2-40B4-BE49-F238E27FC236}">
+                <a16:creationId xmlns:a16="http://schemas.microsoft.com/office/drawing/2014/main" id="{A87738A6-DCCB-44F8-BC8F-5630746B8082}"/>
+              </a:ext>
+            </a:extLst>
+          </p:cNvPr>
+          <p:cNvGrpSpPr/>
+          <p:nvPr/>
+        </p:nvGrpSpPr>
+        <p:grpSpPr>
+          <a:xfrm>
+            <a:off x="388879" y="279400"/>
+            <a:ext cx="2059196" cy="877163"/>
+            <a:chOff x="598391" y="347144"/>
+            <a:chExt cx="2059196" cy="877163"/>
+          </a:xfrm>
+        </p:grpSpPr>
+        <p:sp>
+          <p:nvSpPr>
+            <p:cNvPr id="3" name="TextBox 2">
+              <a:extLst>
+                <a:ext uri="{FF2B5EF4-FFF2-40B4-BE49-F238E27FC236}">
+                  <a16:creationId xmlns:a16="http://schemas.microsoft.com/office/drawing/2014/main" id="{3F15D2F0-3EF3-4014-88BD-F1E9CEE28153}"/>
+                </a:ext>
+              </a:extLst>
+            </p:cNvPr>
+            <p:cNvSpPr txBox="1"/>
+            <p:nvPr/>
+          </p:nvSpPr>
+          <p:spPr>
+            <a:xfrm>
+              <a:off x="598391" y="347144"/>
+              <a:ext cx="822960" cy="830997"/>
+            </a:xfrm>
+            <a:prstGeom prst="rect">
+              <a:avLst/>
+            </a:prstGeom>
+            <a:noFill/>
+          </p:spPr>
+          <p:txBody>
+            <a:bodyPr wrap="square" rtlCol="0">
+              <a:spAutoFit/>
+            </a:bodyPr>
+            <a:lstStyle/>
+            <a:p>
+              <a:r>
+                <a:rPr lang="en-US" altLang="ko-KR" sz="4800" spc="-300" dirty="0">
+                  <a:solidFill>
+                    <a:srgbClr val="FAA818"/>
+                  </a:solidFill>
+                  <a:latin typeface="KoPub돋움체 Medium" panose="00000600000000000000" pitchFamily="2" charset="-127"/>
+                  <a:ea typeface="KoPub돋움체 Medium" panose="00000600000000000000" pitchFamily="2" charset="-127"/>
+                </a:rPr>
+                <a:t>Vs</a:t>
+              </a:r>
+              <a:endParaRPr lang="ko-KR" altLang="en-US" sz="4800" spc="-300" dirty="0">
+                <a:solidFill>
+                  <a:srgbClr val="FAA818"/>
+                </a:solidFill>
+                <a:latin typeface="KoPub돋움체 Medium" panose="00000600000000000000" pitchFamily="2" charset="-127"/>
+                <a:ea typeface="KoPub돋움체 Medium" panose="00000600000000000000" pitchFamily="2" charset="-127"/>
+              </a:endParaRPr>
+            </a:p>
+          </p:txBody>
+        </p:sp>
+        <p:sp>
+          <p:nvSpPr>
+            <p:cNvPr id="4" name="TextBox 3">
+              <a:extLst>
+                <a:ext uri="{FF2B5EF4-FFF2-40B4-BE49-F238E27FC236}">
+                  <a16:creationId xmlns:a16="http://schemas.microsoft.com/office/drawing/2014/main" id="{EE9EE9DD-4219-4C6F-BCF5-B48D9535E62E}"/>
+                </a:ext>
+              </a:extLst>
+            </p:cNvPr>
+            <p:cNvSpPr txBox="1"/>
+            <p:nvPr/>
+          </p:nvSpPr>
+          <p:spPr>
+            <a:xfrm>
+              <a:off x="1421351" y="577976"/>
+              <a:ext cx="1236236" cy="646331"/>
+            </a:xfrm>
+            <a:prstGeom prst="rect">
+              <a:avLst/>
+            </a:prstGeom>
+            <a:noFill/>
+          </p:spPr>
+          <p:txBody>
+            <a:bodyPr wrap="none" rtlCol="0">
+              <a:spAutoFit/>
+            </a:bodyPr>
+            <a:lstStyle/>
+            <a:p>
+              <a:r>
+                <a:rPr lang="en-US" altLang="ko-KR" spc="-150" dirty="0">
+                  <a:solidFill>
+                    <a:schemeClr val="tx1">
+                      <a:lumMod val="75000"/>
+                      <a:lumOff val="25000"/>
+                    </a:schemeClr>
+                  </a:solidFill>
+                  <a:latin typeface="KoPub돋움체 Medium" panose="00000600000000000000" pitchFamily="2" charset="-127"/>
+                  <a:ea typeface="KoPub돋움체 Medium" panose="00000600000000000000" pitchFamily="2" charset="-127"/>
+                </a:rPr>
+                <a:t>Data</a:t>
+              </a:r>
+            </a:p>
+            <a:p>
+              <a:r>
+                <a:rPr lang="en-US" altLang="ko-KR" spc="-150" dirty="0">
+                  <a:solidFill>
+                    <a:schemeClr val="tx1">
+                      <a:lumMod val="75000"/>
+                      <a:lumOff val="25000"/>
+                    </a:schemeClr>
+                  </a:solidFill>
+                  <a:latin typeface="KoPub돋움체 Medium" panose="00000600000000000000" pitchFamily="2" charset="-127"/>
+                  <a:ea typeface="KoPub돋움체 Medium" panose="00000600000000000000" pitchFamily="2" charset="-127"/>
+                </a:rPr>
+                <a:t>Visualization</a:t>
+              </a:r>
+              <a:endParaRPr lang="ko-KR" altLang="en-US" spc="-150" dirty="0">
+                <a:solidFill>
+                  <a:schemeClr val="tx1">
+                    <a:lumMod val="75000"/>
+                    <a:lumOff val="25000"/>
+                  </a:schemeClr>
+                </a:solidFill>
+                <a:latin typeface="KoPub돋움체 Medium" panose="00000600000000000000" pitchFamily="2" charset="-127"/>
+                <a:ea typeface="KoPub돋움체 Medium" panose="00000600000000000000" pitchFamily="2" charset="-127"/>
+              </a:endParaRPr>
+            </a:p>
+          </p:txBody>
+        </p:sp>
+      </p:grpSp>
+      <p:sp>
+        <p:nvSpPr>
+          <p:cNvPr id="9" name="직사각형 8">
+            <a:extLst>
+              <a:ext uri="{FF2B5EF4-FFF2-40B4-BE49-F238E27FC236}">
+                <a16:creationId xmlns:a16="http://schemas.microsoft.com/office/drawing/2014/main" id="{B946531F-0ED7-40C3-B576-4F56E0B23959}"/>
+              </a:ext>
+            </a:extLst>
+          </p:cNvPr>
+          <p:cNvSpPr/>
+          <p:nvPr/>
+        </p:nvSpPr>
+        <p:spPr>
+          <a:xfrm>
+            <a:off x="0" y="6654800"/>
+            <a:ext cx="12192000" cy="203200"/>
+          </a:xfrm>
+          <a:prstGeom prst="rect">
+            <a:avLst/>
+          </a:prstGeom>
+          <a:solidFill>
+            <a:srgbClr val="FAA818">
+              <a:alpha val="79000"/>
+            </a:srgbClr>
+          </a:solidFill>
+          <a:ln>
+            <a:noFill/>
+          </a:ln>
+        </p:spPr>
+        <p:style>
+          <a:lnRef idx="2">
+            <a:schemeClr val="accent1">
+              <a:shade val="50000"/>
+            </a:schemeClr>
+          </a:lnRef>
+          <a:fillRef idx="1">
+            <a:schemeClr val="accent1"/>
+          </a:fillRef>
+          <a:effectRef idx="0">
+            <a:schemeClr val="accent1"/>
+          </a:effectRef>
+          <a:fontRef idx="minor">
+            <a:schemeClr val="lt1"/>
+          </a:fontRef>
+        </p:style>
+        <p:txBody>
+          <a:bodyPr rtlCol="0" anchor="ctr"/>
+          <a:lstStyle/>
+          <a:p>
+            <a:pPr algn="ctr"/>
+            <a:endParaRPr lang="ko-KR" altLang="en-US"/>
+          </a:p>
+        </p:txBody>
+      </p:sp>
+      <p:sp>
+        <p:nvSpPr>
+          <p:cNvPr id="24" name="직각 삼각형 23">
+            <a:extLst>
+              <a:ext uri="{FF2B5EF4-FFF2-40B4-BE49-F238E27FC236}">
+                <a16:creationId xmlns:a16="http://schemas.microsoft.com/office/drawing/2014/main" id="{A21687B3-DD91-4897-B11B-1D36E99F5FBD}"/>
+              </a:ext>
+            </a:extLst>
+          </p:cNvPr>
+          <p:cNvSpPr/>
+          <p:nvPr/>
+        </p:nvSpPr>
+        <p:spPr>
+          <a:xfrm flipV="1">
+            <a:off x="120228" y="119183"/>
+            <a:ext cx="335280" cy="335280"/>
+          </a:xfrm>
+          <a:prstGeom prst="rtTriangle">
+            <a:avLst/>
+          </a:prstGeom>
+          <a:solidFill>
+            <a:srgbClr val="FFCE38"/>
+          </a:solidFill>
+          <a:ln>
+            <a:noFill/>
+          </a:ln>
+        </p:spPr>
+        <p:style>
+          <a:lnRef idx="2">
+            <a:schemeClr val="accent1">
+              <a:shade val="50000"/>
+            </a:schemeClr>
+          </a:lnRef>
+          <a:fillRef idx="1">
+            <a:schemeClr val="accent1"/>
+          </a:fillRef>
+          <a:effectRef idx="0">
+            <a:schemeClr val="accent1"/>
+          </a:effectRef>
+          <a:fontRef idx="minor">
+            <a:schemeClr val="lt1"/>
+          </a:fontRef>
+        </p:style>
+        <p:txBody>
+          <a:bodyPr rtlCol="0" anchor="ctr"/>
+          <a:lstStyle/>
+          <a:p>
+            <a:pPr algn="ctr"/>
+            <a:endParaRPr lang="ko-KR" altLang="en-US"/>
+          </a:p>
+        </p:txBody>
+      </p:sp>
+      <p:pic>
+        <p:nvPicPr>
+          <p:cNvPr id="10" name="온라인 미디어 4">
+            <a:hlinkClick r:id="" action="ppaction://media"/>
+            <a:extLst>
+              <a:ext uri="{FF2B5EF4-FFF2-40B4-BE49-F238E27FC236}">
+                <a16:creationId xmlns:a16="http://schemas.microsoft.com/office/drawing/2014/main" id="{49523D52-D0FE-45D1-B960-D53508FE85AF}"/>
+              </a:ext>
+            </a:extLst>
+          </p:cNvPr>
+          <p:cNvPicPr>
+            <a:picLocks noRot="1" noChangeAspect="1"/>
+          </p:cNvPicPr>
+          <p:nvPr>
+            <a:videoFile r:link="rId1"/>
+          </p:nvPr>
+        </p:nvPicPr>
+        <p:blipFill>
+          <a:blip r:embed="rId3"/>
+          <a:stretch>
+            <a:fillRect/>
+          </a:stretch>
+        </p:blipFill>
+        <p:spPr>
+          <a:xfrm>
+            <a:off x="1660274" y="1315833"/>
+            <a:ext cx="8533603" cy="4800152"/>
+          </a:xfrm>
+          <a:prstGeom prst="rect">
+            <a:avLst/>
+          </a:prstGeom>
+        </p:spPr>
+      </p:pic>
+    </p:spTree>
+    <p:extLst>
+      <p:ext uri="{BB962C8B-B14F-4D97-AF65-F5344CB8AC3E}">
+        <p14:creationId xmlns:p14="http://schemas.microsoft.com/office/powerpoint/2010/main" val="3551086762"/>
+      </p:ext>
+    </p:extLst>
+  </p:cSld>
+  <p:clrMapOvr>
+    <a:masterClrMapping/>
+  </p:clrMapOvr>
+</p:sld>
+</file>
+
+<file path=ppt/slides/slide13.xml><?xml version="1.0" encoding="utf-8"?>
+<p:sld xmlns:a="http://schemas.openxmlformats.org/drawingml/2006/main" xmlns:r="http://schemas.openxmlformats.org/officeDocument/2006/relationships" xmlns:p="http://schemas.openxmlformats.org/presentationml/2006/main">
+  <p:cSld>
+    <p:spTree>
+      <p:nvGrpSpPr>
+        <p:cNvPr id="1" name=""/>
+        <p:cNvGrpSpPr/>
+        <p:nvPr/>
+      </p:nvGrpSpPr>
+      <p:grpSpPr>
+        <a:xfrm>
+          <a:off x="0" y="0"/>
+          <a:ext cx="0" cy="0"/>
+          <a:chOff x="0" y="0"/>
+          <a:chExt cx="0" cy="0"/>
+        </a:xfrm>
+      </p:grpSpPr>
+      <p:sp>
+        <p:nvSpPr>
+          <p:cNvPr id="18" name="직사각형 17">
+            <a:extLst>
+              <a:ext uri="{FF2B5EF4-FFF2-40B4-BE49-F238E27FC236}">
+                <a16:creationId xmlns:a16="http://schemas.microsoft.com/office/drawing/2014/main" id="{FC56DBEE-CFA2-427D-A54E-C69EBB5FAD8F}"/>
+              </a:ext>
+            </a:extLst>
+          </p:cNvPr>
+          <p:cNvSpPr/>
+          <p:nvPr/>
+        </p:nvSpPr>
+        <p:spPr>
+          <a:xfrm>
+            <a:off x="0" y="1315833"/>
+            <a:ext cx="12192000" cy="4888470"/>
+          </a:xfrm>
+          <a:prstGeom prst="rect">
+            <a:avLst/>
+          </a:prstGeom>
+          <a:solidFill>
+            <a:srgbClr val="FFCE38">
+              <a:alpha val="13000"/>
+            </a:srgbClr>
+          </a:solidFill>
+          <a:ln>
+            <a:noFill/>
+          </a:ln>
+        </p:spPr>
+        <p:style>
+          <a:lnRef idx="2">
+            <a:schemeClr val="accent1">
+              <a:shade val="50000"/>
+            </a:schemeClr>
+          </a:lnRef>
+          <a:fillRef idx="1">
+            <a:schemeClr val="accent1"/>
+          </a:fillRef>
+          <a:effectRef idx="0">
+            <a:schemeClr val="accent1"/>
+          </a:effectRef>
+          <a:fontRef idx="minor">
+            <a:schemeClr val="lt1"/>
+          </a:fontRef>
+        </p:style>
+        <p:txBody>
+          <a:bodyPr rtlCol="0" anchor="ctr"/>
+          <a:lstStyle/>
+          <a:p>
+            <a:pPr algn="ctr"/>
+            <a:endParaRPr lang="ko-KR" altLang="en-US" dirty="0"/>
+          </a:p>
+        </p:txBody>
+      </p:sp>
+      <p:grpSp>
+        <p:nvGrpSpPr>
+          <p:cNvPr id="6" name="그룹 5">
+            <a:extLst>
+              <a:ext uri="{FF2B5EF4-FFF2-40B4-BE49-F238E27FC236}">
+                <a16:creationId xmlns:a16="http://schemas.microsoft.com/office/drawing/2014/main" id="{A87738A6-DCCB-44F8-BC8F-5630746B8082}"/>
+              </a:ext>
+            </a:extLst>
+          </p:cNvPr>
+          <p:cNvGrpSpPr/>
+          <p:nvPr/>
+        </p:nvGrpSpPr>
+        <p:grpSpPr>
+          <a:xfrm>
+            <a:off x="388879" y="279400"/>
+            <a:ext cx="2059196" cy="877163"/>
+            <a:chOff x="598391" y="347144"/>
+            <a:chExt cx="2059196" cy="877163"/>
+          </a:xfrm>
+        </p:grpSpPr>
+        <p:sp>
+          <p:nvSpPr>
+            <p:cNvPr id="3" name="TextBox 2">
+              <a:extLst>
+                <a:ext uri="{FF2B5EF4-FFF2-40B4-BE49-F238E27FC236}">
+                  <a16:creationId xmlns:a16="http://schemas.microsoft.com/office/drawing/2014/main" id="{3F15D2F0-3EF3-4014-88BD-F1E9CEE28153}"/>
+                </a:ext>
+              </a:extLst>
+            </p:cNvPr>
+            <p:cNvSpPr txBox="1"/>
+            <p:nvPr/>
+          </p:nvSpPr>
+          <p:spPr>
+            <a:xfrm>
+              <a:off x="598391" y="347144"/>
+              <a:ext cx="822960" cy="830997"/>
+            </a:xfrm>
+            <a:prstGeom prst="rect">
+              <a:avLst/>
+            </a:prstGeom>
+            <a:noFill/>
+          </p:spPr>
+          <p:txBody>
+            <a:bodyPr wrap="square" rtlCol="0">
+              <a:spAutoFit/>
+            </a:bodyPr>
+            <a:lstStyle/>
+            <a:p>
+              <a:r>
+                <a:rPr lang="en-US" altLang="ko-KR" sz="4800" spc="-300" dirty="0">
+                  <a:solidFill>
+                    <a:srgbClr val="FAA818"/>
+                  </a:solidFill>
+                  <a:latin typeface="KoPub돋움체 Medium" panose="00000600000000000000" pitchFamily="2" charset="-127"/>
+                  <a:ea typeface="KoPub돋움체 Medium" panose="00000600000000000000" pitchFamily="2" charset="-127"/>
+                </a:rPr>
+                <a:t>Vs</a:t>
+              </a:r>
+              <a:endParaRPr lang="ko-KR" altLang="en-US" sz="4800" spc="-300" dirty="0">
+                <a:solidFill>
+                  <a:srgbClr val="FAA818"/>
+                </a:solidFill>
+                <a:latin typeface="KoPub돋움체 Medium" panose="00000600000000000000" pitchFamily="2" charset="-127"/>
+                <a:ea typeface="KoPub돋움체 Medium" panose="00000600000000000000" pitchFamily="2" charset="-127"/>
+              </a:endParaRPr>
+            </a:p>
+          </p:txBody>
+        </p:sp>
+        <p:sp>
+          <p:nvSpPr>
+            <p:cNvPr id="4" name="TextBox 3">
+              <a:extLst>
+                <a:ext uri="{FF2B5EF4-FFF2-40B4-BE49-F238E27FC236}">
+                  <a16:creationId xmlns:a16="http://schemas.microsoft.com/office/drawing/2014/main" id="{EE9EE9DD-4219-4C6F-BCF5-B48D9535E62E}"/>
+                </a:ext>
+              </a:extLst>
+            </p:cNvPr>
+            <p:cNvSpPr txBox="1"/>
+            <p:nvPr/>
+          </p:nvSpPr>
+          <p:spPr>
+            <a:xfrm>
+              <a:off x="1421351" y="577976"/>
+              <a:ext cx="1236236" cy="646331"/>
+            </a:xfrm>
+            <a:prstGeom prst="rect">
+              <a:avLst/>
+            </a:prstGeom>
+            <a:noFill/>
+          </p:spPr>
+          <p:txBody>
+            <a:bodyPr wrap="none" rtlCol="0">
+              <a:spAutoFit/>
+            </a:bodyPr>
+            <a:lstStyle/>
+            <a:p>
+              <a:r>
+                <a:rPr lang="en-US" altLang="ko-KR" spc="-150" dirty="0">
+                  <a:solidFill>
+                    <a:schemeClr val="tx1">
+                      <a:lumMod val="75000"/>
+                      <a:lumOff val="25000"/>
+                    </a:schemeClr>
+                  </a:solidFill>
+                  <a:latin typeface="KoPub돋움체 Medium" panose="00000600000000000000" pitchFamily="2" charset="-127"/>
+                  <a:ea typeface="KoPub돋움체 Medium" panose="00000600000000000000" pitchFamily="2" charset="-127"/>
+                </a:rPr>
+                <a:t>Data</a:t>
+              </a:r>
+            </a:p>
+            <a:p>
+              <a:r>
+                <a:rPr lang="en-US" altLang="ko-KR" spc="-150" dirty="0">
+                  <a:solidFill>
+                    <a:schemeClr val="tx1">
+                      <a:lumMod val="75000"/>
+                      <a:lumOff val="25000"/>
+                    </a:schemeClr>
+                  </a:solidFill>
+                  <a:latin typeface="KoPub돋움체 Medium" panose="00000600000000000000" pitchFamily="2" charset="-127"/>
+                  <a:ea typeface="KoPub돋움체 Medium" panose="00000600000000000000" pitchFamily="2" charset="-127"/>
+                </a:rPr>
+                <a:t>Visualization</a:t>
+              </a:r>
+              <a:endParaRPr lang="ko-KR" altLang="en-US" spc="-150" dirty="0">
+                <a:solidFill>
+                  <a:schemeClr val="tx1">
+                    <a:lumMod val="75000"/>
+                    <a:lumOff val="25000"/>
+                  </a:schemeClr>
+                </a:solidFill>
+                <a:latin typeface="KoPub돋움체 Medium" panose="00000600000000000000" pitchFamily="2" charset="-127"/>
+                <a:ea typeface="KoPub돋움체 Medium" panose="00000600000000000000" pitchFamily="2" charset="-127"/>
+              </a:endParaRPr>
+            </a:p>
+          </p:txBody>
+        </p:sp>
+      </p:grpSp>
+      <p:sp>
+        <p:nvSpPr>
+          <p:cNvPr id="9" name="직사각형 8">
+            <a:extLst>
+              <a:ext uri="{FF2B5EF4-FFF2-40B4-BE49-F238E27FC236}">
+                <a16:creationId xmlns:a16="http://schemas.microsoft.com/office/drawing/2014/main" id="{B946531F-0ED7-40C3-B576-4F56E0B23959}"/>
+              </a:ext>
+            </a:extLst>
+          </p:cNvPr>
+          <p:cNvSpPr/>
+          <p:nvPr/>
+        </p:nvSpPr>
+        <p:spPr>
+          <a:xfrm>
+            <a:off x="0" y="6654800"/>
+            <a:ext cx="12192000" cy="203200"/>
+          </a:xfrm>
+          <a:prstGeom prst="rect">
+            <a:avLst/>
+          </a:prstGeom>
+          <a:solidFill>
+            <a:srgbClr val="FAA818">
+              <a:alpha val="79000"/>
+            </a:srgbClr>
+          </a:solidFill>
+          <a:ln>
+            <a:noFill/>
+          </a:ln>
+        </p:spPr>
+        <p:style>
+          <a:lnRef idx="2">
+            <a:schemeClr val="accent1">
+              <a:shade val="50000"/>
+            </a:schemeClr>
+          </a:lnRef>
+          <a:fillRef idx="1">
+            <a:schemeClr val="accent1"/>
+          </a:fillRef>
+          <a:effectRef idx="0">
+            <a:schemeClr val="accent1"/>
+          </a:effectRef>
+          <a:fontRef idx="minor">
+            <a:schemeClr val="lt1"/>
+          </a:fontRef>
+        </p:style>
+        <p:txBody>
+          <a:bodyPr rtlCol="0" anchor="ctr"/>
+          <a:lstStyle/>
+          <a:p>
+            <a:pPr algn="ctr"/>
+            <a:endParaRPr lang="ko-KR" altLang="en-US"/>
+          </a:p>
+        </p:txBody>
+      </p:sp>
+      <p:sp>
+        <p:nvSpPr>
+          <p:cNvPr id="24" name="직각 삼각형 23">
+            <a:extLst>
+              <a:ext uri="{FF2B5EF4-FFF2-40B4-BE49-F238E27FC236}">
+                <a16:creationId xmlns:a16="http://schemas.microsoft.com/office/drawing/2014/main" id="{A21687B3-DD91-4897-B11B-1D36E99F5FBD}"/>
+              </a:ext>
+            </a:extLst>
+          </p:cNvPr>
+          <p:cNvSpPr/>
+          <p:nvPr/>
+        </p:nvSpPr>
+        <p:spPr>
+          <a:xfrm flipV="1">
+            <a:off x="120228" y="119183"/>
+            <a:ext cx="335280" cy="335280"/>
+          </a:xfrm>
+          <a:prstGeom prst="rtTriangle">
+            <a:avLst/>
+          </a:prstGeom>
+          <a:solidFill>
+            <a:srgbClr val="FFCE38"/>
+          </a:solidFill>
+          <a:ln>
+            <a:noFill/>
+          </a:ln>
+        </p:spPr>
+        <p:style>
+          <a:lnRef idx="2">
+            <a:schemeClr val="accent1">
+              <a:shade val="50000"/>
+            </a:schemeClr>
+          </a:lnRef>
+          <a:fillRef idx="1">
+            <a:schemeClr val="accent1"/>
+          </a:fillRef>
+          <a:effectRef idx="0">
+            <a:schemeClr val="accent1"/>
+          </a:effectRef>
+          <a:fontRef idx="minor">
+            <a:schemeClr val="lt1"/>
+          </a:fontRef>
+        </p:style>
+        <p:txBody>
+          <a:bodyPr rtlCol="0" anchor="ctr"/>
+          <a:lstStyle/>
+          <a:p>
+            <a:pPr algn="ctr"/>
+            <a:endParaRPr lang="ko-KR" altLang="en-US"/>
+          </a:p>
+        </p:txBody>
+      </p:sp>
+      <p:sp>
+        <p:nvSpPr>
+          <p:cNvPr id="11" name="직사각형 10">
+            <a:extLst>
+              <a:ext uri="{FF2B5EF4-FFF2-40B4-BE49-F238E27FC236}">
+                <a16:creationId xmlns:a16="http://schemas.microsoft.com/office/drawing/2014/main" id="{7BB487F8-F61C-4893-AC9E-6AFB71E51C65}"/>
+              </a:ext>
+            </a:extLst>
+          </p:cNvPr>
+          <p:cNvSpPr/>
+          <p:nvPr/>
+        </p:nvSpPr>
+        <p:spPr>
+          <a:xfrm>
+            <a:off x="-456255" y="1560894"/>
+            <a:ext cx="4572424" cy="1015663"/>
+          </a:xfrm>
+          <a:prstGeom prst="rect">
+            <a:avLst/>
+          </a:prstGeom>
+        </p:spPr>
+        <p:txBody>
+          <a:bodyPr wrap="square">
+            <a:spAutoFit/>
+          </a:bodyPr>
+          <a:lstStyle/>
+          <a:p>
+            <a:pPr algn="ctr"/>
+            <a:r>
+              <a:rPr lang="ko-KR" altLang="en-US" sz="6000" b="1" spc="-150" dirty="0">
+                <a:ln>
+                  <a:solidFill>
+                    <a:schemeClr val="bg1">
+                      <a:alpha val="30000"/>
+                    </a:schemeClr>
+                  </a:solidFill>
+                </a:ln>
+                <a:solidFill>
+                  <a:schemeClr val="tx1">
+                    <a:lumMod val="95000"/>
+                    <a:lumOff val="5000"/>
+                  </a:schemeClr>
+                </a:solidFill>
+                <a:latin typeface="KoPub돋움체 Light" panose="00000300000000000000" pitchFamily="2" charset="-127"/>
+                <a:ea typeface="KoPub돋움체 Light" panose="00000300000000000000" pitchFamily="2" charset="-127"/>
+              </a:rPr>
+              <a:t>목표</a:t>
+            </a:r>
+            <a:endParaRPr lang="en-US" altLang="ko-KR" sz="6000" b="1" spc="-150" dirty="0">
+              <a:ln>
+                <a:solidFill>
+                  <a:schemeClr val="bg1">
+                    <a:alpha val="30000"/>
+                  </a:schemeClr>
+                </a:solidFill>
+              </a:ln>
+              <a:solidFill>
+                <a:schemeClr val="tx1">
+                  <a:lumMod val="95000"/>
+                  <a:lumOff val="5000"/>
+                </a:schemeClr>
+              </a:solidFill>
+              <a:latin typeface="KoPub돋움체 Light" panose="00000300000000000000" pitchFamily="2" charset="-127"/>
+              <a:ea typeface="KoPub돋움체 Light" panose="00000300000000000000" pitchFamily="2" charset="-127"/>
+            </a:endParaRPr>
+          </a:p>
+        </p:txBody>
+      </p:sp>
+      <p:sp>
+        <p:nvSpPr>
+          <p:cNvPr id="12" name="직사각형 11">
+            <a:extLst>
+              <a:ext uri="{FF2B5EF4-FFF2-40B4-BE49-F238E27FC236}">
+                <a16:creationId xmlns:a16="http://schemas.microsoft.com/office/drawing/2014/main" id="{68E8765E-D111-4232-97A1-075C2C919EED}"/>
+              </a:ext>
+            </a:extLst>
+          </p:cNvPr>
+          <p:cNvSpPr/>
+          <p:nvPr/>
+        </p:nvSpPr>
+        <p:spPr>
+          <a:xfrm>
+            <a:off x="1112561" y="3171548"/>
+            <a:ext cx="9966877" cy="1631216"/>
+          </a:xfrm>
+          <a:prstGeom prst="rect">
+            <a:avLst/>
+          </a:prstGeom>
+        </p:spPr>
+        <p:txBody>
+          <a:bodyPr wrap="square">
+            <a:spAutoFit/>
+          </a:bodyPr>
+          <a:lstStyle/>
+          <a:p>
+            <a:r>
+              <a:rPr lang="en-US" altLang="ko-KR" sz="2000" b="1" spc="-150" dirty="0">
+                <a:ln>
+                  <a:solidFill>
+                    <a:schemeClr val="bg1">
+                      <a:alpha val="30000"/>
+                    </a:schemeClr>
+                  </a:solidFill>
+                </a:ln>
+                <a:solidFill>
+                  <a:schemeClr val="tx1">
+                    <a:lumMod val="95000"/>
+                    <a:lumOff val="5000"/>
+                  </a:schemeClr>
+                </a:solidFill>
+                <a:latin typeface="KoPub돋움체 Light" panose="00000300000000000000" pitchFamily="2" charset="-127"/>
+                <a:ea typeface="KoPub돋움체 Light" panose="00000300000000000000" pitchFamily="2" charset="-127"/>
+              </a:rPr>
+              <a:t>1. 3D visualization</a:t>
+            </a:r>
+          </a:p>
+          <a:p>
+            <a:pPr marL="457200" indent="-457200">
+              <a:buAutoNum type="arabicPeriod"/>
+            </a:pPr>
+            <a:endParaRPr lang="en-US" altLang="ko-KR" sz="2000" b="1" spc="-150" dirty="0">
+              <a:ln>
+                <a:solidFill>
+                  <a:schemeClr val="bg1">
+                    <a:alpha val="30000"/>
+                  </a:schemeClr>
+                </a:solidFill>
+              </a:ln>
+              <a:solidFill>
+                <a:schemeClr val="tx1">
+                  <a:lumMod val="95000"/>
+                  <a:lumOff val="5000"/>
+                </a:schemeClr>
+              </a:solidFill>
+              <a:latin typeface="KoPub돋움체 Light" panose="00000300000000000000" pitchFamily="2" charset="-127"/>
+              <a:ea typeface="KoPub돋움체 Light" panose="00000300000000000000" pitchFamily="2" charset="-127"/>
+            </a:endParaRPr>
+          </a:p>
+          <a:p>
+            <a:r>
+              <a:rPr lang="en-US" altLang="ko-KR" sz="2000" b="1" spc="-150" dirty="0">
+                <a:ln>
+                  <a:solidFill>
+                    <a:schemeClr val="bg1">
+                      <a:alpha val="30000"/>
+                    </a:schemeClr>
+                  </a:solidFill>
+                </a:ln>
+                <a:solidFill>
+                  <a:schemeClr val="tx1">
+                    <a:lumMod val="95000"/>
+                    <a:lumOff val="5000"/>
+                  </a:schemeClr>
+                </a:solidFill>
+                <a:latin typeface="KoPub돋움체 Light" panose="00000300000000000000" pitchFamily="2" charset="-127"/>
+                <a:ea typeface="KoPub돋움체 Light" panose="00000300000000000000" pitchFamily="2" charset="-127"/>
+              </a:rPr>
+              <a:t>2. </a:t>
+            </a:r>
+            <a:r>
+              <a:rPr lang="ko-KR" altLang="en-US" sz="2000" b="1" spc="-150" dirty="0">
+                <a:ln>
+                  <a:solidFill>
+                    <a:schemeClr val="bg1">
+                      <a:alpha val="30000"/>
+                    </a:schemeClr>
+                  </a:solidFill>
+                </a:ln>
+                <a:solidFill>
+                  <a:schemeClr val="tx1">
+                    <a:lumMod val="95000"/>
+                    <a:lumOff val="5000"/>
+                  </a:schemeClr>
+                </a:solidFill>
+                <a:latin typeface="KoPub돋움체 Light" panose="00000300000000000000" pitchFamily="2" charset="-127"/>
+                <a:ea typeface="KoPub돋움체 Light" panose="00000300000000000000" pitchFamily="2" charset="-127"/>
+              </a:rPr>
+              <a:t>같은 층 안에서의 이동 역시 최단의 경로로 시각적인 안내</a:t>
+            </a:r>
+            <a:endParaRPr lang="en-US" altLang="ko-KR" sz="2000" b="1" spc="-150" dirty="0">
+              <a:ln>
+                <a:solidFill>
+                  <a:schemeClr val="bg1">
+                    <a:alpha val="30000"/>
+                  </a:schemeClr>
+                </a:solidFill>
+              </a:ln>
+              <a:solidFill>
+                <a:schemeClr val="tx1">
+                  <a:lumMod val="95000"/>
+                  <a:lumOff val="5000"/>
+                </a:schemeClr>
+              </a:solidFill>
+              <a:latin typeface="KoPub돋움체 Light" panose="00000300000000000000" pitchFamily="2" charset="-127"/>
+              <a:ea typeface="KoPub돋움체 Light" panose="00000300000000000000" pitchFamily="2" charset="-127"/>
+            </a:endParaRPr>
+          </a:p>
+          <a:p>
+            <a:endParaRPr lang="en-US" altLang="ko-KR" sz="2000" b="1" spc="-150" dirty="0">
+              <a:ln>
+                <a:solidFill>
+                  <a:schemeClr val="bg1">
+                    <a:alpha val="30000"/>
+                  </a:schemeClr>
+                </a:solidFill>
+              </a:ln>
+              <a:solidFill>
+                <a:schemeClr val="tx1">
+                  <a:lumMod val="95000"/>
+                  <a:lumOff val="5000"/>
+                </a:schemeClr>
+              </a:solidFill>
+              <a:latin typeface="KoPub돋움체 Light" panose="00000300000000000000" pitchFamily="2" charset="-127"/>
+              <a:ea typeface="KoPub돋움체 Light" panose="00000300000000000000" pitchFamily="2" charset="-127"/>
+            </a:endParaRPr>
+          </a:p>
+          <a:p>
+            <a:r>
+              <a:rPr lang="en-US" altLang="ko-KR" sz="2000" b="1" spc="-150" dirty="0">
+                <a:ln>
+                  <a:solidFill>
+                    <a:schemeClr val="bg1">
+                      <a:alpha val="30000"/>
+                    </a:schemeClr>
+                  </a:solidFill>
+                </a:ln>
+                <a:solidFill>
+                  <a:schemeClr val="tx1">
+                    <a:lumMod val="95000"/>
+                    <a:lumOff val="5000"/>
+                  </a:schemeClr>
+                </a:solidFill>
+                <a:latin typeface="KoPub돋움체 Light" panose="00000300000000000000" pitchFamily="2" charset="-127"/>
+                <a:ea typeface="KoPub돋움체 Light" panose="00000300000000000000" pitchFamily="2" charset="-127"/>
+              </a:rPr>
+              <a:t>3. </a:t>
+            </a:r>
+            <a:r>
+              <a:rPr lang="ko-KR" altLang="en-US" sz="2000" b="1" spc="-150" dirty="0">
+                <a:ln>
+                  <a:solidFill>
+                    <a:schemeClr val="bg1">
+                      <a:alpha val="30000"/>
+                    </a:schemeClr>
+                  </a:solidFill>
+                </a:ln>
+                <a:solidFill>
+                  <a:schemeClr val="tx1">
+                    <a:lumMod val="95000"/>
+                    <a:lumOff val="5000"/>
+                  </a:schemeClr>
+                </a:solidFill>
+                <a:latin typeface="KoPub돋움체 Light" panose="00000300000000000000" pitchFamily="2" charset="-127"/>
+                <a:ea typeface="KoPub돋움체 Light" panose="00000300000000000000" pitchFamily="2" charset="-127"/>
+              </a:rPr>
+              <a:t>사용자에게 자유로운 시점 전환을 지원해 제공된 경로를 볼 수 있도록</a:t>
+            </a:r>
+            <a:endParaRPr lang="en-US" altLang="ko-KR" sz="2000" b="1" spc="-150" dirty="0">
+              <a:ln>
+                <a:solidFill>
+                  <a:schemeClr val="bg1">
+                    <a:alpha val="30000"/>
+                  </a:schemeClr>
+                </a:solidFill>
+              </a:ln>
+              <a:solidFill>
+                <a:schemeClr val="tx1">
+                  <a:lumMod val="95000"/>
+                  <a:lumOff val="5000"/>
+                </a:schemeClr>
+              </a:solidFill>
+              <a:latin typeface="KoPub돋움체 Light" panose="00000300000000000000" pitchFamily="2" charset="-127"/>
+              <a:ea typeface="KoPub돋움체 Light" panose="00000300000000000000" pitchFamily="2" charset="-127"/>
+            </a:endParaRPr>
+          </a:p>
+        </p:txBody>
+      </p:sp>
+    </p:spTree>
+    <p:extLst>
+      <p:ext uri="{BB962C8B-B14F-4D97-AF65-F5344CB8AC3E}">
+        <p14:creationId xmlns:p14="http://schemas.microsoft.com/office/powerpoint/2010/main" val="3123256091"/>
+      </p:ext>
+    </p:extLst>
+  </p:cSld>
+  <p:clrMapOvr>
+    <a:masterClrMapping/>
+  </p:clrMapOvr>
+</p:sld>
+</file>
+
+<file path=ppt/slides/slide14.xml><?xml version="1.0" encoding="utf-8"?>
+<p:sld xmlns:a="http://schemas.openxmlformats.org/drawingml/2006/main" xmlns:r="http://schemas.openxmlformats.org/officeDocument/2006/relationships" xmlns:p="http://schemas.openxmlformats.org/presentationml/2006/main">
+  <p:cSld>
+    <p:spTree>
+      <p:nvGrpSpPr>
+        <p:cNvPr id="1" name=""/>
+        <p:cNvGrpSpPr/>
+        <p:nvPr/>
+      </p:nvGrpSpPr>
+      <p:grpSpPr>
+        <a:xfrm>
+          <a:off x="0" y="0"/>
+          <a:ext cx="0" cy="0"/>
+          <a:chOff x="0" y="0"/>
+          <a:chExt cx="0" cy="0"/>
+        </a:xfrm>
+      </p:grpSpPr>
+      <p:sp>
+        <p:nvSpPr>
+          <p:cNvPr id="18" name="직사각형 17">
+            <a:extLst>
+              <a:ext uri="{FF2B5EF4-FFF2-40B4-BE49-F238E27FC236}">
+                <a16:creationId xmlns:a16="http://schemas.microsoft.com/office/drawing/2014/main" id="{FC56DBEE-CFA2-427D-A54E-C69EBB5FAD8F}"/>
+              </a:ext>
+            </a:extLst>
+          </p:cNvPr>
+          <p:cNvSpPr/>
+          <p:nvPr/>
+        </p:nvSpPr>
+        <p:spPr>
+          <a:xfrm>
+            <a:off x="0" y="1315833"/>
+            <a:ext cx="12192000" cy="4888470"/>
+          </a:xfrm>
+          <a:prstGeom prst="rect">
+            <a:avLst/>
+          </a:prstGeom>
+          <a:solidFill>
+            <a:srgbClr val="FFCE38">
+              <a:alpha val="13000"/>
+            </a:srgbClr>
+          </a:solidFill>
+          <a:ln>
+            <a:noFill/>
+          </a:ln>
+        </p:spPr>
+        <p:style>
+          <a:lnRef idx="2">
+            <a:schemeClr val="accent1">
+              <a:shade val="50000"/>
+            </a:schemeClr>
+          </a:lnRef>
+          <a:fillRef idx="1">
+            <a:schemeClr val="accent1"/>
+          </a:fillRef>
+          <a:effectRef idx="0">
+            <a:schemeClr val="accent1"/>
+          </a:effectRef>
+          <a:fontRef idx="minor">
+            <a:schemeClr val="lt1"/>
+          </a:fontRef>
+        </p:style>
+        <p:txBody>
+          <a:bodyPr rtlCol="0" anchor="ctr"/>
+          <a:lstStyle/>
+          <a:p>
+            <a:pPr algn="ctr"/>
+            <a:endParaRPr lang="ko-KR" altLang="en-US" dirty="0"/>
+          </a:p>
+        </p:txBody>
+      </p:sp>
+      <p:grpSp>
+        <p:nvGrpSpPr>
+          <p:cNvPr id="6" name="그룹 5">
+            <a:extLst>
+              <a:ext uri="{FF2B5EF4-FFF2-40B4-BE49-F238E27FC236}">
+                <a16:creationId xmlns:a16="http://schemas.microsoft.com/office/drawing/2014/main" id="{A87738A6-DCCB-44F8-BC8F-5630746B8082}"/>
+              </a:ext>
+            </a:extLst>
+          </p:cNvPr>
+          <p:cNvGrpSpPr/>
+          <p:nvPr/>
+        </p:nvGrpSpPr>
+        <p:grpSpPr>
+          <a:xfrm>
+            <a:off x="388879" y="279400"/>
+            <a:ext cx="2059196" cy="877163"/>
+            <a:chOff x="598391" y="347144"/>
+            <a:chExt cx="2059196" cy="877163"/>
+          </a:xfrm>
+        </p:grpSpPr>
+        <p:sp>
+          <p:nvSpPr>
+            <p:cNvPr id="3" name="TextBox 2">
+              <a:extLst>
+                <a:ext uri="{FF2B5EF4-FFF2-40B4-BE49-F238E27FC236}">
+                  <a16:creationId xmlns:a16="http://schemas.microsoft.com/office/drawing/2014/main" id="{3F15D2F0-3EF3-4014-88BD-F1E9CEE28153}"/>
+                </a:ext>
+              </a:extLst>
+            </p:cNvPr>
+            <p:cNvSpPr txBox="1"/>
+            <p:nvPr/>
+          </p:nvSpPr>
+          <p:spPr>
+            <a:xfrm>
+              <a:off x="598391" y="347144"/>
+              <a:ext cx="822960" cy="830997"/>
+            </a:xfrm>
+            <a:prstGeom prst="rect">
+              <a:avLst/>
+            </a:prstGeom>
+            <a:noFill/>
+          </p:spPr>
+          <p:txBody>
+            <a:bodyPr wrap="square" rtlCol="0">
+              <a:spAutoFit/>
+            </a:bodyPr>
+            <a:lstStyle/>
+            <a:p>
+              <a:r>
+                <a:rPr lang="en-US" altLang="ko-KR" sz="4800" spc="-300" dirty="0">
+                  <a:solidFill>
+                    <a:srgbClr val="FAA818"/>
+                  </a:solidFill>
+                  <a:latin typeface="KoPub돋움체 Medium" panose="00000600000000000000" pitchFamily="2" charset="-127"/>
+                  <a:ea typeface="KoPub돋움체 Medium" panose="00000600000000000000" pitchFamily="2" charset="-127"/>
+                </a:rPr>
+                <a:t>Vs</a:t>
+              </a:r>
+              <a:endParaRPr lang="ko-KR" altLang="en-US" sz="4800" spc="-300" dirty="0">
+                <a:solidFill>
+                  <a:srgbClr val="FAA818"/>
+                </a:solidFill>
+                <a:latin typeface="KoPub돋움체 Medium" panose="00000600000000000000" pitchFamily="2" charset="-127"/>
+                <a:ea typeface="KoPub돋움체 Medium" panose="00000600000000000000" pitchFamily="2" charset="-127"/>
+              </a:endParaRPr>
+            </a:p>
+          </p:txBody>
+        </p:sp>
+        <p:sp>
+          <p:nvSpPr>
+            <p:cNvPr id="4" name="TextBox 3">
+              <a:extLst>
+                <a:ext uri="{FF2B5EF4-FFF2-40B4-BE49-F238E27FC236}">
+                  <a16:creationId xmlns:a16="http://schemas.microsoft.com/office/drawing/2014/main" id="{EE9EE9DD-4219-4C6F-BCF5-B48D9535E62E}"/>
+                </a:ext>
+              </a:extLst>
+            </p:cNvPr>
+            <p:cNvSpPr txBox="1"/>
+            <p:nvPr/>
+          </p:nvSpPr>
+          <p:spPr>
+            <a:xfrm>
+              <a:off x="1421351" y="577976"/>
+              <a:ext cx="1236236" cy="646331"/>
+            </a:xfrm>
+            <a:prstGeom prst="rect">
+              <a:avLst/>
+            </a:prstGeom>
+            <a:noFill/>
+          </p:spPr>
+          <p:txBody>
+            <a:bodyPr wrap="none" rtlCol="0">
+              <a:spAutoFit/>
+            </a:bodyPr>
+            <a:lstStyle/>
+            <a:p>
+              <a:r>
+                <a:rPr lang="en-US" altLang="ko-KR" spc="-150" dirty="0">
+                  <a:solidFill>
+                    <a:schemeClr val="tx1">
+                      <a:lumMod val="75000"/>
+                      <a:lumOff val="25000"/>
+                    </a:schemeClr>
+                  </a:solidFill>
+                  <a:latin typeface="KoPub돋움체 Medium" panose="00000600000000000000" pitchFamily="2" charset="-127"/>
+                  <a:ea typeface="KoPub돋움체 Medium" panose="00000600000000000000" pitchFamily="2" charset="-127"/>
+                </a:rPr>
+                <a:t>Data</a:t>
+              </a:r>
+            </a:p>
+            <a:p>
+              <a:r>
+                <a:rPr lang="en-US" altLang="ko-KR" spc="-150" dirty="0">
+                  <a:solidFill>
+                    <a:schemeClr val="tx1">
+                      <a:lumMod val="75000"/>
+                      <a:lumOff val="25000"/>
+                    </a:schemeClr>
+                  </a:solidFill>
+                  <a:latin typeface="KoPub돋움체 Medium" panose="00000600000000000000" pitchFamily="2" charset="-127"/>
+                  <a:ea typeface="KoPub돋움체 Medium" panose="00000600000000000000" pitchFamily="2" charset="-127"/>
+                </a:rPr>
+                <a:t>Visualization</a:t>
+              </a:r>
+              <a:endParaRPr lang="ko-KR" altLang="en-US" spc="-150" dirty="0">
+                <a:solidFill>
+                  <a:schemeClr val="tx1">
+                    <a:lumMod val="75000"/>
+                    <a:lumOff val="25000"/>
+                  </a:schemeClr>
+                </a:solidFill>
+                <a:latin typeface="KoPub돋움체 Medium" panose="00000600000000000000" pitchFamily="2" charset="-127"/>
+                <a:ea typeface="KoPub돋움체 Medium" panose="00000600000000000000" pitchFamily="2" charset="-127"/>
+              </a:endParaRPr>
+            </a:p>
+          </p:txBody>
+        </p:sp>
+      </p:grpSp>
+      <p:sp>
+        <p:nvSpPr>
+          <p:cNvPr id="9" name="직사각형 8">
+            <a:extLst>
+              <a:ext uri="{FF2B5EF4-FFF2-40B4-BE49-F238E27FC236}">
+                <a16:creationId xmlns:a16="http://schemas.microsoft.com/office/drawing/2014/main" id="{B946531F-0ED7-40C3-B576-4F56E0B23959}"/>
+              </a:ext>
+            </a:extLst>
+          </p:cNvPr>
+          <p:cNvSpPr/>
+          <p:nvPr/>
+        </p:nvSpPr>
+        <p:spPr>
+          <a:xfrm>
+            <a:off x="0" y="6654800"/>
+            <a:ext cx="12192000" cy="203200"/>
+          </a:xfrm>
+          <a:prstGeom prst="rect">
+            <a:avLst/>
+          </a:prstGeom>
+          <a:solidFill>
+            <a:srgbClr val="FAA818">
+              <a:alpha val="79000"/>
+            </a:srgbClr>
+          </a:solidFill>
+          <a:ln>
+            <a:noFill/>
+          </a:ln>
+        </p:spPr>
+        <p:style>
+          <a:lnRef idx="2">
+            <a:schemeClr val="accent1">
+              <a:shade val="50000"/>
+            </a:schemeClr>
+          </a:lnRef>
+          <a:fillRef idx="1">
+            <a:schemeClr val="accent1"/>
+          </a:fillRef>
+          <a:effectRef idx="0">
+            <a:schemeClr val="accent1"/>
+          </a:effectRef>
+          <a:fontRef idx="minor">
+            <a:schemeClr val="lt1"/>
+          </a:fontRef>
+        </p:style>
+        <p:txBody>
+          <a:bodyPr rtlCol="0" anchor="ctr"/>
+          <a:lstStyle/>
+          <a:p>
+            <a:pPr algn="ctr"/>
+            <a:endParaRPr lang="ko-KR" altLang="en-US"/>
+          </a:p>
+        </p:txBody>
+      </p:sp>
+      <p:sp>
+        <p:nvSpPr>
+          <p:cNvPr id="24" name="직각 삼각형 23">
+            <a:extLst>
+              <a:ext uri="{FF2B5EF4-FFF2-40B4-BE49-F238E27FC236}">
+                <a16:creationId xmlns:a16="http://schemas.microsoft.com/office/drawing/2014/main" id="{A21687B3-DD91-4897-B11B-1D36E99F5FBD}"/>
+              </a:ext>
+            </a:extLst>
+          </p:cNvPr>
+          <p:cNvSpPr/>
+          <p:nvPr/>
+        </p:nvSpPr>
+        <p:spPr>
+          <a:xfrm flipV="1">
+            <a:off x="120228" y="119183"/>
+            <a:ext cx="335280" cy="335280"/>
+          </a:xfrm>
+          <a:prstGeom prst="rtTriangle">
+            <a:avLst/>
+          </a:prstGeom>
+          <a:solidFill>
+            <a:srgbClr val="FFCE38"/>
+          </a:solidFill>
+          <a:ln>
+            <a:noFill/>
+          </a:ln>
+        </p:spPr>
+        <p:style>
+          <a:lnRef idx="2">
+            <a:schemeClr val="accent1">
+              <a:shade val="50000"/>
+            </a:schemeClr>
+          </a:lnRef>
+          <a:fillRef idx="1">
+            <a:schemeClr val="accent1"/>
+          </a:fillRef>
+          <a:effectRef idx="0">
+            <a:schemeClr val="accent1"/>
+          </a:effectRef>
+          <a:fontRef idx="minor">
+            <a:schemeClr val="lt1"/>
+          </a:fontRef>
+        </p:style>
+        <p:txBody>
+          <a:bodyPr rtlCol="0" anchor="ctr"/>
+          <a:lstStyle/>
+          <a:p>
+            <a:pPr algn="ctr"/>
+            <a:endParaRPr lang="ko-KR" altLang="en-US"/>
+          </a:p>
+        </p:txBody>
+      </p:sp>
+      <p:pic>
+        <p:nvPicPr>
+          <p:cNvPr id="2050" name="Picture 2" descr="mayaì ëí ì´ë¯¸ì§ ê²ìê²°ê³¼">
+            <a:extLst>
+              <a:ext uri="{FF2B5EF4-FFF2-40B4-BE49-F238E27FC236}">
+                <a16:creationId xmlns:a16="http://schemas.microsoft.com/office/drawing/2014/main" id="{D6E339B7-DB0E-40E9-843F-CEF3F452B820}"/>
+              </a:ext>
+            </a:extLst>
+          </p:cNvPr>
+          <p:cNvPicPr>
+            <a:picLocks noChangeAspect="1" noChangeArrowheads="1"/>
+          </p:cNvPicPr>
+          <p:nvPr/>
+        </p:nvPicPr>
+        <p:blipFill>
+          <a:blip r:embed="rId2">
+            <a:extLst>
+              <a:ext uri="{28A0092B-C50C-407E-A947-70E740481C1C}">
+                <a14:useLocalDpi xmlns:a14="http://schemas.microsoft.com/office/drawing/2010/main" val="0"/>
+              </a:ext>
+            </a:extLst>
+          </a:blip>
+          <a:srcRect/>
+          <a:stretch>
+            <a:fillRect/>
+          </a:stretch>
+        </p:blipFill>
+        <p:spPr bwMode="auto">
+          <a:xfrm>
+            <a:off x="1211839" y="1838642"/>
+            <a:ext cx="3686175" cy="1257300"/>
+          </a:xfrm>
+          <a:prstGeom prst="rect">
+            <a:avLst/>
+          </a:prstGeom>
+          <a:noFill/>
+          <a:extLst>
+            <a:ext uri="{909E8E84-426E-40DD-AFC4-6F175D3DCCD1}">
+              <a14:hiddenFill xmlns:a14="http://schemas.microsoft.com/office/drawing/2010/main">
+                <a:solidFill>
+                  <a:srgbClr val="FFFFFF"/>
+                </a:solidFill>
+              </a14:hiddenFill>
+            </a:ext>
+          </a:extLst>
+        </p:spPr>
+      </p:pic>
+      <p:pic>
+        <p:nvPicPr>
+          <p:cNvPr id="2052" name="Picture 4" descr="openglì ëí ì´ë¯¸ì§ ê²ìê²°ê³¼">
+            <a:extLst>
+              <a:ext uri="{FF2B5EF4-FFF2-40B4-BE49-F238E27FC236}">
+                <a16:creationId xmlns:a16="http://schemas.microsoft.com/office/drawing/2014/main" id="{6F5F2ED8-B593-4462-857A-DBCA9C05FE45}"/>
+              </a:ext>
+            </a:extLst>
+          </p:cNvPr>
+          <p:cNvPicPr>
+            <a:picLocks noChangeAspect="1" noChangeArrowheads="1"/>
+          </p:cNvPicPr>
+          <p:nvPr/>
+        </p:nvPicPr>
+        <p:blipFill>
+          <a:blip r:embed="rId3">
+            <a:extLst>
+              <a:ext uri="{28A0092B-C50C-407E-A947-70E740481C1C}">
+                <a14:useLocalDpi xmlns:a14="http://schemas.microsoft.com/office/drawing/2010/main" val="0"/>
+              </a:ext>
+            </a:extLst>
+          </a:blip>
+          <a:srcRect/>
+          <a:stretch>
+            <a:fillRect/>
+          </a:stretch>
+        </p:blipFill>
+        <p:spPr bwMode="auto">
+          <a:xfrm>
+            <a:off x="6898949" y="3760068"/>
+            <a:ext cx="4191000" cy="1828800"/>
+          </a:xfrm>
+          <a:prstGeom prst="rect">
+            <a:avLst/>
+          </a:prstGeom>
+          <a:noFill/>
+          <a:extLst>
+            <a:ext uri="{909E8E84-426E-40DD-AFC4-6F175D3DCCD1}">
+              <a14:hiddenFill xmlns:a14="http://schemas.microsoft.com/office/drawing/2010/main">
+                <a:solidFill>
+                  <a:srgbClr val="FFFFFF"/>
+                </a:solidFill>
+              </a14:hiddenFill>
+            </a:ext>
+          </a:extLst>
+        </p:spPr>
+      </p:pic>
+      <p:sp>
+        <p:nvSpPr>
+          <p:cNvPr id="11" name="직사각형 10">
+            <a:extLst>
+              <a:ext uri="{FF2B5EF4-FFF2-40B4-BE49-F238E27FC236}">
+                <a16:creationId xmlns:a16="http://schemas.microsoft.com/office/drawing/2014/main" id="{7BB487F8-F61C-4893-AC9E-6AFB71E51C65}"/>
+              </a:ext>
+            </a:extLst>
+          </p:cNvPr>
+          <p:cNvSpPr/>
+          <p:nvPr/>
+        </p:nvSpPr>
+        <p:spPr>
+          <a:xfrm>
+            <a:off x="5238595" y="2313403"/>
+            <a:ext cx="4572424" cy="307777"/>
+          </a:xfrm>
+          <a:prstGeom prst="rect">
+            <a:avLst/>
+          </a:prstGeom>
+        </p:spPr>
+        <p:txBody>
+          <a:bodyPr wrap="square">
+            <a:spAutoFit/>
+          </a:bodyPr>
+          <a:lstStyle/>
+          <a:p>
+            <a:pPr algn="ctr"/>
+            <a:r>
+              <a:rPr lang="ko-KR" altLang="en-US" sz="1400" b="1" spc="-150" dirty="0">
+                <a:ln>
+                  <a:solidFill>
+                    <a:schemeClr val="bg1">
+                      <a:alpha val="30000"/>
+                    </a:schemeClr>
+                  </a:solidFill>
+                </a:ln>
+                <a:solidFill>
+                  <a:schemeClr val="tx1">
+                    <a:lumMod val="95000"/>
+                    <a:lumOff val="5000"/>
+                  </a:schemeClr>
+                </a:solidFill>
+                <a:latin typeface="KoPub돋움체 Light" panose="00000300000000000000" pitchFamily="2" charset="-127"/>
+                <a:ea typeface="KoPub돋움체 Light" panose="00000300000000000000" pitchFamily="2" charset="-127"/>
+              </a:rPr>
+              <a:t>도면 이용</a:t>
+            </a:r>
+            <a:r>
+              <a:rPr lang="en-US" altLang="ko-KR" sz="1400" b="1" spc="-150" dirty="0">
+                <a:ln>
+                  <a:solidFill>
+                    <a:schemeClr val="bg1">
+                      <a:alpha val="30000"/>
+                    </a:schemeClr>
+                  </a:solidFill>
+                </a:ln>
+                <a:solidFill>
+                  <a:schemeClr val="tx1">
+                    <a:lumMod val="95000"/>
+                    <a:lumOff val="5000"/>
+                  </a:schemeClr>
+                </a:solidFill>
+                <a:latin typeface="KoPub돋움체 Light" panose="00000300000000000000" pitchFamily="2" charset="-127"/>
+                <a:ea typeface="KoPub돋움체 Light" panose="00000300000000000000" pitchFamily="2" charset="-127"/>
+              </a:rPr>
+              <a:t>, </a:t>
+            </a:r>
+            <a:r>
+              <a:rPr lang="ko-KR" altLang="en-US" sz="1400" b="1" spc="-150" dirty="0">
+                <a:ln>
+                  <a:solidFill>
+                    <a:schemeClr val="bg1">
+                      <a:alpha val="30000"/>
+                    </a:schemeClr>
+                  </a:solidFill>
+                </a:ln>
+                <a:solidFill>
+                  <a:schemeClr val="tx1">
+                    <a:lumMod val="95000"/>
+                    <a:lumOff val="5000"/>
+                  </a:schemeClr>
+                </a:solidFill>
+                <a:latin typeface="KoPub돋움체 Light" panose="00000300000000000000" pitchFamily="2" charset="-127"/>
+                <a:ea typeface="KoPub돋움체 Light" panose="00000300000000000000" pitchFamily="2" charset="-127"/>
+              </a:rPr>
+              <a:t>층별 모델링을 통한 오브젝트 파일 생성</a:t>
+            </a:r>
+            <a:endParaRPr lang="en-US" altLang="ko-KR" sz="1400" b="1" spc="-150" dirty="0">
+              <a:ln>
+                <a:solidFill>
+                  <a:schemeClr val="bg1">
+                    <a:alpha val="30000"/>
+                  </a:schemeClr>
+                </a:solidFill>
+              </a:ln>
+              <a:solidFill>
+                <a:schemeClr val="tx1">
+                  <a:lumMod val="95000"/>
+                  <a:lumOff val="5000"/>
+                </a:schemeClr>
+              </a:solidFill>
+              <a:latin typeface="KoPub돋움체 Light" panose="00000300000000000000" pitchFamily="2" charset="-127"/>
+              <a:ea typeface="KoPub돋움체 Light" panose="00000300000000000000" pitchFamily="2" charset="-127"/>
+            </a:endParaRPr>
+          </a:p>
+        </p:txBody>
+      </p:sp>
+      <p:sp>
+        <p:nvSpPr>
+          <p:cNvPr id="12" name="직사각형 11">
+            <a:extLst>
+              <a:ext uri="{FF2B5EF4-FFF2-40B4-BE49-F238E27FC236}">
+                <a16:creationId xmlns:a16="http://schemas.microsoft.com/office/drawing/2014/main" id="{68E8765E-D111-4232-97A1-075C2C919EED}"/>
+              </a:ext>
+            </a:extLst>
+          </p:cNvPr>
+          <p:cNvSpPr/>
+          <p:nvPr/>
+        </p:nvSpPr>
+        <p:spPr>
+          <a:xfrm>
+            <a:off x="2326525" y="4412858"/>
+            <a:ext cx="4572424" cy="523220"/>
+          </a:xfrm>
+          <a:prstGeom prst="rect">
+            <a:avLst/>
+          </a:prstGeom>
+        </p:spPr>
+        <p:txBody>
+          <a:bodyPr wrap="square">
+            <a:spAutoFit/>
+          </a:bodyPr>
+          <a:lstStyle/>
+          <a:p>
+            <a:pPr algn="ctr"/>
+            <a:r>
+              <a:rPr lang="en-US" altLang="ko-KR" sz="1400" b="1" spc="-150" dirty="0">
+                <a:ln>
+                  <a:solidFill>
+                    <a:schemeClr val="bg1">
+                      <a:alpha val="30000"/>
+                    </a:schemeClr>
+                  </a:solidFill>
+                </a:ln>
+                <a:solidFill>
+                  <a:schemeClr val="tx1">
+                    <a:lumMod val="95000"/>
+                    <a:lumOff val="5000"/>
+                  </a:schemeClr>
+                </a:solidFill>
+                <a:latin typeface="KoPub돋움체 Light" panose="00000300000000000000" pitchFamily="2" charset="-127"/>
+                <a:ea typeface="KoPub돋움체 Light" panose="00000300000000000000" pitchFamily="2" charset="-127"/>
+              </a:rPr>
+              <a:t>MAYA</a:t>
+            </a:r>
+            <a:r>
+              <a:rPr lang="ko-KR" altLang="en-US" sz="1400" b="1" spc="-150" dirty="0">
+                <a:ln>
+                  <a:solidFill>
+                    <a:schemeClr val="bg1">
+                      <a:alpha val="30000"/>
+                    </a:schemeClr>
+                  </a:solidFill>
+                </a:ln>
+                <a:solidFill>
+                  <a:schemeClr val="tx1">
+                    <a:lumMod val="95000"/>
+                    <a:lumOff val="5000"/>
+                  </a:schemeClr>
+                </a:solidFill>
+                <a:latin typeface="KoPub돋움체 Light" panose="00000300000000000000" pitchFamily="2" charset="-127"/>
+                <a:ea typeface="KoPub돋움체 Light" panose="00000300000000000000" pitchFamily="2" charset="-127"/>
+              </a:rPr>
+              <a:t>를 통해 제작된 오브젝트 파일 이용</a:t>
+            </a:r>
+            <a:endParaRPr lang="en-US" altLang="ko-KR" sz="1400" b="1" spc="-150" dirty="0">
+              <a:ln>
+                <a:solidFill>
+                  <a:schemeClr val="bg1">
+                    <a:alpha val="30000"/>
+                  </a:schemeClr>
+                </a:solidFill>
+              </a:ln>
+              <a:solidFill>
+                <a:schemeClr val="tx1">
+                  <a:lumMod val="95000"/>
+                  <a:lumOff val="5000"/>
+                </a:schemeClr>
+              </a:solidFill>
+              <a:latin typeface="KoPub돋움체 Light" panose="00000300000000000000" pitchFamily="2" charset="-127"/>
+              <a:ea typeface="KoPub돋움체 Light" panose="00000300000000000000" pitchFamily="2" charset="-127"/>
+            </a:endParaRPr>
+          </a:p>
+          <a:p>
+            <a:pPr algn="ctr"/>
+            <a:r>
+              <a:rPr lang="ko-KR" altLang="en-US" sz="1400" b="1" spc="-150" dirty="0">
+                <a:ln>
+                  <a:solidFill>
+                    <a:schemeClr val="bg1">
+                      <a:alpha val="30000"/>
+                    </a:schemeClr>
+                  </a:solidFill>
+                </a:ln>
+                <a:solidFill>
+                  <a:schemeClr val="tx1">
+                    <a:lumMod val="95000"/>
+                    <a:lumOff val="5000"/>
+                  </a:schemeClr>
+                </a:solidFill>
+                <a:latin typeface="KoPub돋움체 Light" panose="00000300000000000000" pitchFamily="2" charset="-127"/>
+                <a:ea typeface="KoPub돋움체 Light" panose="00000300000000000000" pitchFamily="2" charset="-127"/>
+              </a:rPr>
+              <a:t>알고리즘 과 결합해 경로 안내 지도 생성</a:t>
+            </a:r>
+            <a:endParaRPr lang="en-US" altLang="ko-KR" sz="1400" b="1" spc="-150" dirty="0">
+              <a:ln>
+                <a:solidFill>
+                  <a:schemeClr val="bg1">
+                    <a:alpha val="30000"/>
+                  </a:schemeClr>
+                </a:solidFill>
+              </a:ln>
+              <a:solidFill>
+                <a:schemeClr val="tx1">
+                  <a:lumMod val="95000"/>
+                  <a:lumOff val="5000"/>
+                </a:schemeClr>
+              </a:solidFill>
+              <a:latin typeface="KoPub돋움체 Light" panose="00000300000000000000" pitchFamily="2" charset="-127"/>
+              <a:ea typeface="KoPub돋움체 Light" panose="00000300000000000000" pitchFamily="2" charset="-127"/>
+            </a:endParaRPr>
+          </a:p>
+        </p:txBody>
+      </p:sp>
+    </p:spTree>
+    <p:extLst>
+      <p:ext uri="{BB962C8B-B14F-4D97-AF65-F5344CB8AC3E}">
+        <p14:creationId xmlns:p14="http://schemas.microsoft.com/office/powerpoint/2010/main" val="2369990032"/>
+      </p:ext>
+    </p:extLst>
+  </p:cSld>
+  <p:clrMapOvr>
+    <a:masterClrMapping/>
+  </p:clrMapOvr>
+</p:sld>
+</file>
+
+<file path=ppt/slides/slide15.xml><?xml version="1.0" encoding="utf-8"?>
+<p:sld xmlns:a="http://schemas.openxmlformats.org/drawingml/2006/main" xmlns:r="http://schemas.openxmlformats.org/officeDocument/2006/relationships" xmlns:p="http://schemas.openxmlformats.org/presentationml/2006/main">
+  <p:cSld>
+    <p:spTree>
+      <p:nvGrpSpPr>
+        <p:cNvPr id="1" name=""/>
+        <p:cNvGrpSpPr/>
+        <p:nvPr/>
+      </p:nvGrpSpPr>
+      <p:grpSpPr>
+        <a:xfrm>
+          <a:off x="0" y="0"/>
+          <a:ext cx="0" cy="0"/>
+          <a:chOff x="0" y="0"/>
+          <a:chExt cx="0" cy="0"/>
+        </a:xfrm>
+      </p:grpSpPr>
+      <p:sp>
+        <p:nvSpPr>
+          <p:cNvPr id="18" name="직사각형 17">
+            <a:extLst>
+              <a:ext uri="{FF2B5EF4-FFF2-40B4-BE49-F238E27FC236}">
+                <a16:creationId xmlns:a16="http://schemas.microsoft.com/office/drawing/2014/main" id="{FC56DBEE-CFA2-427D-A54E-C69EBB5FAD8F}"/>
+              </a:ext>
+            </a:extLst>
+          </p:cNvPr>
+          <p:cNvSpPr/>
+          <p:nvPr/>
+        </p:nvSpPr>
+        <p:spPr>
+          <a:xfrm>
+            <a:off x="0" y="1315833"/>
+            <a:ext cx="12192000" cy="4888470"/>
+          </a:xfrm>
+          <a:prstGeom prst="rect">
+            <a:avLst/>
+          </a:prstGeom>
+          <a:solidFill>
+            <a:srgbClr val="FFCE38">
+              <a:alpha val="13000"/>
+            </a:srgbClr>
+          </a:solidFill>
+          <a:ln>
+            <a:noFill/>
+          </a:ln>
+        </p:spPr>
+        <p:style>
+          <a:lnRef idx="2">
+            <a:schemeClr val="accent1">
+              <a:shade val="50000"/>
+            </a:schemeClr>
+          </a:lnRef>
+          <a:fillRef idx="1">
+            <a:schemeClr val="accent1"/>
+          </a:fillRef>
+          <a:effectRef idx="0">
+            <a:schemeClr val="accent1"/>
+          </a:effectRef>
+          <a:fontRef idx="minor">
+            <a:schemeClr val="lt1"/>
+          </a:fontRef>
+        </p:style>
+        <p:txBody>
+          <a:bodyPr rtlCol="0" anchor="ctr"/>
+          <a:lstStyle/>
+          <a:p>
+            <a:pPr algn="ctr"/>
+            <a:endParaRPr lang="ko-KR" altLang="en-US" dirty="0"/>
+          </a:p>
+        </p:txBody>
+      </p:sp>
+      <p:grpSp>
+        <p:nvGrpSpPr>
+          <p:cNvPr id="6" name="그룹 5">
+            <a:extLst>
+              <a:ext uri="{FF2B5EF4-FFF2-40B4-BE49-F238E27FC236}">
+                <a16:creationId xmlns:a16="http://schemas.microsoft.com/office/drawing/2014/main" id="{A87738A6-DCCB-44F8-BC8F-5630746B8082}"/>
+              </a:ext>
+            </a:extLst>
+          </p:cNvPr>
+          <p:cNvGrpSpPr/>
+          <p:nvPr/>
+        </p:nvGrpSpPr>
+        <p:grpSpPr>
+          <a:xfrm>
+            <a:off x="388879" y="279400"/>
+            <a:ext cx="2059196" cy="877163"/>
+            <a:chOff x="598391" y="347144"/>
+            <a:chExt cx="2059196" cy="877163"/>
+          </a:xfrm>
+        </p:grpSpPr>
+        <p:sp>
+          <p:nvSpPr>
+            <p:cNvPr id="3" name="TextBox 2">
+              <a:extLst>
+                <a:ext uri="{FF2B5EF4-FFF2-40B4-BE49-F238E27FC236}">
+                  <a16:creationId xmlns:a16="http://schemas.microsoft.com/office/drawing/2014/main" id="{3F15D2F0-3EF3-4014-88BD-F1E9CEE28153}"/>
+                </a:ext>
+              </a:extLst>
+            </p:cNvPr>
+            <p:cNvSpPr txBox="1"/>
+            <p:nvPr/>
+          </p:nvSpPr>
+          <p:spPr>
+            <a:xfrm>
+              <a:off x="598391" y="347144"/>
+              <a:ext cx="822960" cy="830997"/>
+            </a:xfrm>
+            <a:prstGeom prst="rect">
+              <a:avLst/>
+            </a:prstGeom>
+            <a:noFill/>
+          </p:spPr>
+          <p:txBody>
+            <a:bodyPr wrap="square" rtlCol="0">
+              <a:spAutoFit/>
+            </a:bodyPr>
+            <a:lstStyle/>
+            <a:p>
+              <a:r>
+                <a:rPr lang="en-US" altLang="ko-KR" sz="4800" spc="-300" dirty="0">
+                  <a:solidFill>
+                    <a:srgbClr val="FAA818"/>
+                  </a:solidFill>
+                  <a:latin typeface="KoPub돋움체 Medium" panose="00000600000000000000" pitchFamily="2" charset="-127"/>
+                  <a:ea typeface="KoPub돋움체 Medium" panose="00000600000000000000" pitchFamily="2" charset="-127"/>
+                </a:rPr>
+                <a:t>Vs</a:t>
+              </a:r>
+              <a:endParaRPr lang="ko-KR" altLang="en-US" sz="4800" spc="-300" dirty="0">
+                <a:solidFill>
+                  <a:srgbClr val="FAA818"/>
+                </a:solidFill>
+                <a:latin typeface="KoPub돋움체 Medium" panose="00000600000000000000" pitchFamily="2" charset="-127"/>
+                <a:ea typeface="KoPub돋움체 Medium" panose="00000600000000000000" pitchFamily="2" charset="-127"/>
+              </a:endParaRPr>
+            </a:p>
+          </p:txBody>
+        </p:sp>
+        <p:sp>
+          <p:nvSpPr>
+            <p:cNvPr id="4" name="TextBox 3">
+              <a:extLst>
+                <a:ext uri="{FF2B5EF4-FFF2-40B4-BE49-F238E27FC236}">
+                  <a16:creationId xmlns:a16="http://schemas.microsoft.com/office/drawing/2014/main" id="{EE9EE9DD-4219-4C6F-BCF5-B48D9535E62E}"/>
+                </a:ext>
+              </a:extLst>
+            </p:cNvPr>
+            <p:cNvSpPr txBox="1"/>
+            <p:nvPr/>
+          </p:nvSpPr>
+          <p:spPr>
+            <a:xfrm>
+              <a:off x="1421351" y="577976"/>
+              <a:ext cx="1236236" cy="646331"/>
+            </a:xfrm>
+            <a:prstGeom prst="rect">
+              <a:avLst/>
+            </a:prstGeom>
+            <a:noFill/>
+          </p:spPr>
+          <p:txBody>
+            <a:bodyPr wrap="none" rtlCol="0">
+              <a:spAutoFit/>
+            </a:bodyPr>
+            <a:lstStyle/>
+            <a:p>
+              <a:r>
+                <a:rPr lang="en-US" altLang="ko-KR" spc="-150" dirty="0">
+                  <a:solidFill>
+                    <a:schemeClr val="tx1">
+                      <a:lumMod val="75000"/>
+                      <a:lumOff val="25000"/>
+                    </a:schemeClr>
+                  </a:solidFill>
+                  <a:latin typeface="KoPub돋움체 Medium" panose="00000600000000000000" pitchFamily="2" charset="-127"/>
+                  <a:ea typeface="KoPub돋움체 Medium" panose="00000600000000000000" pitchFamily="2" charset="-127"/>
+                </a:rPr>
+                <a:t>Data</a:t>
+              </a:r>
+            </a:p>
+            <a:p>
+              <a:r>
+                <a:rPr lang="en-US" altLang="ko-KR" spc="-150" dirty="0">
+                  <a:solidFill>
+                    <a:schemeClr val="tx1">
+                      <a:lumMod val="75000"/>
+                      <a:lumOff val="25000"/>
+                    </a:schemeClr>
+                  </a:solidFill>
+                  <a:latin typeface="KoPub돋움체 Medium" panose="00000600000000000000" pitchFamily="2" charset="-127"/>
+                  <a:ea typeface="KoPub돋움체 Medium" panose="00000600000000000000" pitchFamily="2" charset="-127"/>
+                </a:rPr>
+                <a:t>Visualization</a:t>
+              </a:r>
+              <a:endParaRPr lang="ko-KR" altLang="en-US" spc="-150" dirty="0">
+                <a:solidFill>
+                  <a:schemeClr val="tx1">
+                    <a:lumMod val="75000"/>
+                    <a:lumOff val="25000"/>
+                  </a:schemeClr>
+                </a:solidFill>
+                <a:latin typeface="KoPub돋움체 Medium" panose="00000600000000000000" pitchFamily="2" charset="-127"/>
+                <a:ea typeface="KoPub돋움체 Medium" panose="00000600000000000000" pitchFamily="2" charset="-127"/>
+              </a:endParaRPr>
+            </a:p>
+          </p:txBody>
+        </p:sp>
+      </p:grpSp>
+      <p:sp>
+        <p:nvSpPr>
+          <p:cNvPr id="9" name="직사각형 8">
+            <a:extLst>
+              <a:ext uri="{FF2B5EF4-FFF2-40B4-BE49-F238E27FC236}">
+                <a16:creationId xmlns:a16="http://schemas.microsoft.com/office/drawing/2014/main" id="{B946531F-0ED7-40C3-B576-4F56E0B23959}"/>
+              </a:ext>
+            </a:extLst>
+          </p:cNvPr>
+          <p:cNvSpPr/>
+          <p:nvPr/>
+        </p:nvSpPr>
+        <p:spPr>
+          <a:xfrm>
+            <a:off x="0" y="6654800"/>
+            <a:ext cx="12192000" cy="203200"/>
+          </a:xfrm>
+          <a:prstGeom prst="rect">
+            <a:avLst/>
+          </a:prstGeom>
+          <a:solidFill>
+            <a:srgbClr val="FAA818">
+              <a:alpha val="79000"/>
+            </a:srgbClr>
+          </a:solidFill>
+          <a:ln>
+            <a:noFill/>
+          </a:ln>
+        </p:spPr>
+        <p:style>
+          <a:lnRef idx="2">
+            <a:schemeClr val="accent1">
+              <a:shade val="50000"/>
+            </a:schemeClr>
+          </a:lnRef>
+          <a:fillRef idx="1">
+            <a:schemeClr val="accent1"/>
+          </a:fillRef>
+          <a:effectRef idx="0">
+            <a:schemeClr val="accent1"/>
+          </a:effectRef>
+          <a:fontRef idx="minor">
+            <a:schemeClr val="lt1"/>
+          </a:fontRef>
+        </p:style>
+        <p:txBody>
+          <a:bodyPr rtlCol="0" anchor="ctr"/>
+          <a:lstStyle/>
+          <a:p>
+            <a:pPr algn="ctr"/>
+            <a:endParaRPr lang="ko-KR" altLang="en-US"/>
+          </a:p>
+        </p:txBody>
+      </p:sp>
+      <p:sp>
+        <p:nvSpPr>
+          <p:cNvPr id="24" name="직각 삼각형 23">
+            <a:extLst>
+              <a:ext uri="{FF2B5EF4-FFF2-40B4-BE49-F238E27FC236}">
+                <a16:creationId xmlns:a16="http://schemas.microsoft.com/office/drawing/2014/main" id="{A21687B3-DD91-4897-B11B-1D36E99F5FBD}"/>
+              </a:ext>
+            </a:extLst>
+          </p:cNvPr>
+          <p:cNvSpPr/>
+          <p:nvPr/>
+        </p:nvSpPr>
+        <p:spPr>
+          <a:xfrm flipV="1">
+            <a:off x="120228" y="119183"/>
+            <a:ext cx="335280" cy="335280"/>
+          </a:xfrm>
+          <a:prstGeom prst="rtTriangle">
+            <a:avLst/>
+          </a:prstGeom>
+          <a:solidFill>
+            <a:srgbClr val="FFCE38"/>
+          </a:solidFill>
+          <a:ln>
+            <a:noFill/>
+          </a:ln>
+        </p:spPr>
+        <p:style>
+          <a:lnRef idx="2">
+            <a:schemeClr val="accent1">
+              <a:shade val="50000"/>
+            </a:schemeClr>
+          </a:lnRef>
+          <a:fillRef idx="1">
+            <a:schemeClr val="accent1"/>
+          </a:fillRef>
+          <a:effectRef idx="0">
+            <a:schemeClr val="accent1"/>
+          </a:effectRef>
+          <a:fontRef idx="minor">
+            <a:schemeClr val="lt1"/>
+          </a:fontRef>
+        </p:style>
+        <p:txBody>
+          <a:bodyPr rtlCol="0" anchor="ctr"/>
+          <a:lstStyle/>
+          <a:p>
+            <a:pPr algn="ctr"/>
+            <a:endParaRPr lang="ko-KR" altLang="en-US"/>
+          </a:p>
+        </p:txBody>
+      </p:sp>
+      <p:sp>
+        <p:nvSpPr>
+          <p:cNvPr id="11" name="직사각형 10">
+            <a:extLst>
+              <a:ext uri="{FF2B5EF4-FFF2-40B4-BE49-F238E27FC236}">
+                <a16:creationId xmlns:a16="http://schemas.microsoft.com/office/drawing/2014/main" id="{7BB487F8-F61C-4893-AC9E-6AFB71E51C65}"/>
+              </a:ext>
+            </a:extLst>
+          </p:cNvPr>
+          <p:cNvSpPr/>
+          <p:nvPr/>
+        </p:nvSpPr>
+        <p:spPr>
+          <a:xfrm>
+            <a:off x="800359" y="1552218"/>
+            <a:ext cx="4572424" cy="1015663"/>
+          </a:xfrm>
+          <a:prstGeom prst="rect">
+            <a:avLst/>
+          </a:prstGeom>
+        </p:spPr>
+        <p:txBody>
+          <a:bodyPr wrap="square">
+            <a:spAutoFit/>
+          </a:bodyPr>
+          <a:lstStyle/>
+          <a:p>
+            <a:pPr algn="ctr"/>
+            <a:r>
+              <a:rPr lang="en-US" altLang="ko-KR" sz="6000" b="1" spc="-150" dirty="0">
+                <a:ln>
+                  <a:solidFill>
+                    <a:schemeClr val="bg1">
+                      <a:alpha val="30000"/>
+                    </a:schemeClr>
+                  </a:solidFill>
+                </a:ln>
+                <a:solidFill>
+                  <a:schemeClr val="tx1">
+                    <a:lumMod val="95000"/>
+                    <a:lumOff val="5000"/>
+                  </a:schemeClr>
+                </a:solidFill>
+                <a:latin typeface="KoPub돋움체 Light" panose="00000300000000000000" pitchFamily="2" charset="-127"/>
+                <a:ea typeface="KoPub돋움체 Light" panose="00000300000000000000" pitchFamily="2" charset="-127"/>
+              </a:rPr>
+              <a:t>Why </a:t>
+            </a:r>
+            <a:r>
+              <a:rPr lang="en-US" altLang="ko-KR" sz="6000" b="1" spc="-150" dirty="0" err="1">
+                <a:ln>
+                  <a:solidFill>
+                    <a:schemeClr val="bg1">
+                      <a:alpha val="30000"/>
+                    </a:schemeClr>
+                  </a:solidFill>
+                </a:ln>
+                <a:solidFill>
+                  <a:schemeClr val="accent1">
+                    <a:lumMod val="60000"/>
+                    <a:lumOff val="40000"/>
+                  </a:schemeClr>
+                </a:solidFill>
+                <a:latin typeface="KoPub돋움체 Light" panose="00000300000000000000" pitchFamily="2" charset="-127"/>
+                <a:ea typeface="KoPub돋움체 Light" panose="00000300000000000000" pitchFamily="2" charset="-127"/>
+              </a:rPr>
+              <a:t>opengl</a:t>
+            </a:r>
+            <a:r>
+              <a:rPr lang="en-US" altLang="ko-KR" sz="6000" b="1" spc="-150" dirty="0">
+                <a:ln>
+                  <a:solidFill>
+                    <a:schemeClr val="bg1">
+                      <a:alpha val="30000"/>
+                    </a:schemeClr>
+                  </a:solidFill>
+                </a:ln>
+                <a:solidFill>
+                  <a:schemeClr val="tx1">
+                    <a:lumMod val="95000"/>
+                    <a:lumOff val="5000"/>
+                  </a:schemeClr>
+                </a:solidFill>
+                <a:latin typeface="KoPub돋움체 Light" panose="00000300000000000000" pitchFamily="2" charset="-127"/>
+                <a:ea typeface="KoPub돋움체 Light" panose="00000300000000000000" pitchFamily="2" charset="-127"/>
+              </a:rPr>
+              <a:t>?</a:t>
+            </a:r>
+          </a:p>
+        </p:txBody>
+      </p:sp>
+      <p:sp>
+        <p:nvSpPr>
+          <p:cNvPr id="12" name="직사각형 11">
+            <a:extLst>
+              <a:ext uri="{FF2B5EF4-FFF2-40B4-BE49-F238E27FC236}">
+                <a16:creationId xmlns:a16="http://schemas.microsoft.com/office/drawing/2014/main" id="{68E8765E-D111-4232-97A1-075C2C919EED}"/>
+              </a:ext>
+            </a:extLst>
+          </p:cNvPr>
+          <p:cNvSpPr/>
+          <p:nvPr/>
+        </p:nvSpPr>
+        <p:spPr>
+          <a:xfrm>
+            <a:off x="1112561" y="3018378"/>
+            <a:ext cx="9966877" cy="2862322"/>
+          </a:xfrm>
+          <a:prstGeom prst="rect">
+            <a:avLst/>
+          </a:prstGeom>
+        </p:spPr>
+        <p:txBody>
+          <a:bodyPr wrap="square">
+            <a:spAutoFit/>
+          </a:bodyPr>
+          <a:lstStyle/>
+          <a:p>
+            <a:pPr algn="ctr"/>
+            <a:r>
+              <a:rPr lang="en-US" altLang="ko-KR" sz="2000" b="1" spc="-150" dirty="0">
+                <a:ln>
+                  <a:solidFill>
+                    <a:schemeClr val="bg1">
+                      <a:alpha val="30000"/>
+                    </a:schemeClr>
+                  </a:solidFill>
+                </a:ln>
+                <a:solidFill>
+                  <a:schemeClr val="tx1">
+                    <a:lumMod val="95000"/>
+                    <a:lumOff val="5000"/>
+                  </a:schemeClr>
+                </a:solidFill>
+                <a:latin typeface="KoPub돋움체 Light" panose="00000300000000000000" pitchFamily="2" charset="-127"/>
+                <a:ea typeface="KoPub돋움체 Light" panose="00000300000000000000" pitchFamily="2" charset="-127"/>
+              </a:rPr>
+              <a:t>C++</a:t>
+            </a:r>
+            <a:r>
+              <a:rPr lang="ko-KR" altLang="en-US" sz="2000" b="1" spc="-150" dirty="0">
+                <a:ln>
+                  <a:solidFill>
+                    <a:schemeClr val="bg1">
+                      <a:alpha val="30000"/>
+                    </a:schemeClr>
+                  </a:solidFill>
+                </a:ln>
+                <a:solidFill>
+                  <a:schemeClr val="tx1">
+                    <a:lumMod val="95000"/>
+                    <a:lumOff val="5000"/>
+                  </a:schemeClr>
+                </a:solidFill>
+                <a:latin typeface="KoPub돋움체 Light" panose="00000300000000000000" pitchFamily="2" charset="-127"/>
+                <a:ea typeface="KoPub돋움체 Light" panose="00000300000000000000" pitchFamily="2" charset="-127"/>
+              </a:rPr>
+              <a:t>을 사용해 구현하는 만큼 시각화 역시 </a:t>
+            </a:r>
+            <a:r>
+              <a:rPr lang="en-US" altLang="ko-KR" sz="2000" b="1" spc="-150" dirty="0">
+                <a:ln>
+                  <a:solidFill>
+                    <a:schemeClr val="bg1">
+                      <a:alpha val="30000"/>
+                    </a:schemeClr>
+                  </a:solidFill>
+                </a:ln>
+                <a:solidFill>
+                  <a:schemeClr val="tx1">
+                    <a:lumMod val="95000"/>
+                    <a:lumOff val="5000"/>
+                  </a:schemeClr>
+                </a:solidFill>
+                <a:latin typeface="KoPub돋움체 Light" panose="00000300000000000000" pitchFamily="2" charset="-127"/>
+                <a:ea typeface="KoPub돋움체 Light" panose="00000300000000000000" pitchFamily="2" charset="-127"/>
+              </a:rPr>
+              <a:t>C++ </a:t>
+            </a:r>
+            <a:r>
+              <a:rPr lang="ko-KR" altLang="en-US" sz="2000" b="1" spc="-150" dirty="0">
+                <a:ln>
+                  <a:solidFill>
+                    <a:schemeClr val="bg1">
+                      <a:alpha val="30000"/>
+                    </a:schemeClr>
+                  </a:solidFill>
+                </a:ln>
+                <a:solidFill>
+                  <a:schemeClr val="tx1">
+                    <a:lumMod val="95000"/>
+                    <a:lumOff val="5000"/>
+                  </a:schemeClr>
+                </a:solidFill>
+                <a:latin typeface="KoPub돋움체 Light" panose="00000300000000000000" pitchFamily="2" charset="-127"/>
+                <a:ea typeface="KoPub돋움체 Light" panose="00000300000000000000" pitchFamily="2" charset="-127"/>
+              </a:rPr>
+              <a:t>범주 안에서 시각화 해결 목표</a:t>
+            </a:r>
+            <a:endParaRPr lang="en-US" altLang="ko-KR" sz="2000" b="1" spc="-150" dirty="0">
+              <a:ln>
+                <a:solidFill>
+                  <a:schemeClr val="bg1">
+                    <a:alpha val="30000"/>
+                  </a:schemeClr>
+                </a:solidFill>
+              </a:ln>
+              <a:solidFill>
+                <a:schemeClr val="tx1">
+                  <a:lumMod val="95000"/>
+                  <a:lumOff val="5000"/>
+                </a:schemeClr>
+              </a:solidFill>
+              <a:latin typeface="KoPub돋움체 Light" panose="00000300000000000000" pitchFamily="2" charset="-127"/>
+              <a:ea typeface="KoPub돋움체 Light" panose="00000300000000000000" pitchFamily="2" charset="-127"/>
+            </a:endParaRPr>
+          </a:p>
+          <a:p>
+            <a:pPr algn="ctr"/>
+            <a:endParaRPr lang="en-US" altLang="ko-KR" sz="2000" b="1" spc="-150" dirty="0">
+              <a:ln>
+                <a:solidFill>
+                  <a:schemeClr val="bg1">
+                    <a:alpha val="30000"/>
+                  </a:schemeClr>
+                </a:solidFill>
+              </a:ln>
+              <a:solidFill>
+                <a:schemeClr val="tx1">
+                  <a:lumMod val="95000"/>
+                  <a:lumOff val="5000"/>
+                </a:schemeClr>
+              </a:solidFill>
+              <a:latin typeface="KoPub돋움체 Light" panose="00000300000000000000" pitchFamily="2" charset="-127"/>
+              <a:ea typeface="KoPub돋움체 Light" panose="00000300000000000000" pitchFamily="2" charset="-127"/>
+            </a:endParaRPr>
+          </a:p>
+          <a:p>
+            <a:pPr algn="ctr"/>
+            <a:endParaRPr lang="en-US" altLang="ko-KR" sz="2000" b="1" spc="-150" dirty="0">
+              <a:ln>
+                <a:solidFill>
+                  <a:schemeClr val="bg1">
+                    <a:alpha val="30000"/>
+                  </a:schemeClr>
+                </a:solidFill>
+              </a:ln>
+              <a:solidFill>
+                <a:schemeClr val="tx1">
+                  <a:lumMod val="95000"/>
+                  <a:lumOff val="5000"/>
+                </a:schemeClr>
+              </a:solidFill>
+              <a:latin typeface="KoPub돋움체 Light" panose="00000300000000000000" pitchFamily="2" charset="-127"/>
+              <a:ea typeface="KoPub돋움체 Light" panose="00000300000000000000" pitchFamily="2" charset="-127"/>
+            </a:endParaRPr>
+          </a:p>
+          <a:p>
+            <a:pPr algn="ctr"/>
+            <a:r>
+              <a:rPr lang="en-US" altLang="ko-KR" sz="2000" b="1" spc="-150" dirty="0">
+                <a:ln>
+                  <a:solidFill>
+                    <a:schemeClr val="bg1">
+                      <a:alpha val="30000"/>
+                    </a:schemeClr>
+                  </a:solidFill>
+                </a:ln>
+                <a:solidFill>
+                  <a:schemeClr val="tx1">
+                    <a:lumMod val="95000"/>
+                    <a:lumOff val="5000"/>
+                  </a:schemeClr>
+                </a:solidFill>
+                <a:latin typeface="KoPub돋움체 Light" panose="00000300000000000000" pitchFamily="2" charset="-127"/>
+                <a:ea typeface="KoPub돋움체 Light" panose="00000300000000000000" pitchFamily="2" charset="-127"/>
+              </a:rPr>
+              <a:t>OS</a:t>
+            </a:r>
+            <a:r>
+              <a:rPr lang="ko-KR" altLang="en-US" sz="2000" b="1" spc="-150" dirty="0">
+                <a:ln>
+                  <a:solidFill>
+                    <a:schemeClr val="bg1">
+                      <a:alpha val="30000"/>
+                    </a:schemeClr>
+                  </a:solidFill>
+                </a:ln>
+                <a:solidFill>
+                  <a:schemeClr val="tx1">
+                    <a:lumMod val="95000"/>
+                    <a:lumOff val="5000"/>
+                  </a:schemeClr>
+                </a:solidFill>
+                <a:latin typeface="KoPub돋움체 Light" panose="00000300000000000000" pitchFamily="2" charset="-127"/>
+                <a:ea typeface="KoPub돋움체 Light" panose="00000300000000000000" pitchFamily="2" charset="-127"/>
+              </a:rPr>
+              <a:t>에 독립적인 라이브러리 </a:t>
+            </a:r>
+            <a:r>
+              <a:rPr lang="en-US" altLang="ko-KR" sz="2000" b="1" spc="-150" dirty="0">
+                <a:ln>
+                  <a:solidFill>
+                    <a:schemeClr val="bg1">
+                      <a:alpha val="30000"/>
+                    </a:schemeClr>
+                  </a:solidFill>
+                </a:ln>
+                <a:solidFill>
+                  <a:schemeClr val="tx1">
+                    <a:lumMod val="95000"/>
+                    <a:lumOff val="5000"/>
+                  </a:schemeClr>
+                </a:solidFill>
+                <a:latin typeface="KoPub돋움체 Light" panose="00000300000000000000" pitchFamily="2" charset="-127"/>
+                <a:ea typeface="KoPub돋움체 Light" panose="00000300000000000000" pitchFamily="2" charset="-127"/>
+              </a:rPr>
+              <a:t>–  </a:t>
+            </a:r>
+            <a:r>
+              <a:rPr lang="ko-KR" altLang="en-US" sz="2000" b="1" spc="-150" dirty="0">
+                <a:ln>
+                  <a:solidFill>
+                    <a:schemeClr val="bg1">
+                      <a:alpha val="30000"/>
+                    </a:schemeClr>
+                  </a:solidFill>
+                </a:ln>
+                <a:solidFill>
+                  <a:schemeClr val="tx1">
+                    <a:lumMod val="95000"/>
+                    <a:lumOff val="5000"/>
+                  </a:schemeClr>
+                </a:solidFill>
+                <a:latin typeface="KoPub돋움체 Light" panose="00000300000000000000" pitchFamily="2" charset="-127"/>
+                <a:ea typeface="KoPub돋움체 Light" panose="00000300000000000000" pitchFamily="2" charset="-127"/>
+              </a:rPr>
+              <a:t>다양한 체제 및 언어에서 활용 가능</a:t>
+            </a:r>
+            <a:endParaRPr lang="en-US" altLang="ko-KR" sz="2000" b="1" spc="-150" dirty="0">
+              <a:ln>
+                <a:solidFill>
+                  <a:schemeClr val="bg1">
+                    <a:alpha val="30000"/>
+                  </a:schemeClr>
+                </a:solidFill>
+              </a:ln>
+              <a:solidFill>
+                <a:schemeClr val="tx1">
+                  <a:lumMod val="95000"/>
+                  <a:lumOff val="5000"/>
+                </a:schemeClr>
+              </a:solidFill>
+              <a:latin typeface="KoPub돋움체 Light" panose="00000300000000000000" pitchFamily="2" charset="-127"/>
+              <a:ea typeface="KoPub돋움체 Light" panose="00000300000000000000" pitchFamily="2" charset="-127"/>
+            </a:endParaRPr>
+          </a:p>
+          <a:p>
+            <a:pPr algn="ctr"/>
+            <a:r>
+              <a:rPr lang="en-US" altLang="ko-KR" sz="2000" b="1" spc="-150" dirty="0">
+                <a:ln>
+                  <a:solidFill>
+                    <a:schemeClr val="bg1">
+                      <a:alpha val="30000"/>
+                    </a:schemeClr>
+                  </a:solidFill>
+                </a:ln>
+                <a:solidFill>
+                  <a:schemeClr val="tx1">
+                    <a:lumMod val="95000"/>
+                    <a:lumOff val="5000"/>
+                  </a:schemeClr>
+                </a:solidFill>
+                <a:latin typeface="KoPub돋움체 Light" panose="00000300000000000000" pitchFamily="2" charset="-127"/>
+                <a:ea typeface="KoPub돋움체 Light" panose="00000300000000000000" pitchFamily="2" charset="-127"/>
+              </a:rPr>
+              <a:t>(android, swift, </a:t>
+            </a:r>
+            <a:r>
+              <a:rPr lang="en-US" altLang="ko-KR" sz="2000" b="1" spc="-150" dirty="0" err="1">
+                <a:ln>
+                  <a:solidFill>
+                    <a:schemeClr val="bg1">
+                      <a:alpha val="30000"/>
+                    </a:schemeClr>
+                  </a:solidFill>
+                </a:ln>
+                <a:solidFill>
+                  <a:schemeClr val="tx1">
+                    <a:lumMod val="95000"/>
+                    <a:lumOff val="5000"/>
+                  </a:schemeClr>
+                </a:solidFill>
+                <a:latin typeface="KoPub돋움체 Light" panose="00000300000000000000" pitchFamily="2" charset="-127"/>
+                <a:ea typeface="KoPub돋움체 Light" panose="00000300000000000000" pitchFamily="2" charset="-127"/>
+              </a:rPr>
+              <a:t>js</a:t>
+            </a:r>
+            <a:r>
+              <a:rPr lang="en-US" altLang="ko-KR" sz="2000" b="1" spc="-150" dirty="0">
+                <a:ln>
+                  <a:solidFill>
+                    <a:schemeClr val="bg1">
+                      <a:alpha val="30000"/>
+                    </a:schemeClr>
+                  </a:solidFill>
+                </a:ln>
+                <a:solidFill>
+                  <a:schemeClr val="tx1">
+                    <a:lumMod val="95000"/>
+                    <a:lumOff val="5000"/>
+                  </a:schemeClr>
+                </a:solidFill>
+                <a:latin typeface="KoPub돋움체 Light" panose="00000300000000000000" pitchFamily="2" charset="-127"/>
+                <a:ea typeface="KoPub돋움체 Light" panose="00000300000000000000" pitchFamily="2" charset="-127"/>
+              </a:rPr>
+              <a:t>, ...)</a:t>
+            </a:r>
+          </a:p>
+          <a:p>
+            <a:pPr algn="ctr"/>
+            <a:endParaRPr lang="en-US" altLang="ko-KR" sz="2000" b="1" spc="-150" dirty="0">
+              <a:ln>
+                <a:solidFill>
+                  <a:schemeClr val="bg1">
+                    <a:alpha val="30000"/>
+                  </a:schemeClr>
+                </a:solidFill>
+              </a:ln>
+              <a:solidFill>
+                <a:schemeClr val="tx1">
+                  <a:lumMod val="95000"/>
+                  <a:lumOff val="5000"/>
+                </a:schemeClr>
+              </a:solidFill>
+              <a:latin typeface="KoPub돋움체 Light" panose="00000300000000000000" pitchFamily="2" charset="-127"/>
+              <a:ea typeface="KoPub돋움체 Light" panose="00000300000000000000" pitchFamily="2" charset="-127"/>
+            </a:endParaRPr>
+          </a:p>
+          <a:p>
+            <a:pPr algn="ctr"/>
+            <a:r>
+              <a:rPr lang="ko-KR" altLang="en-US" sz="2000" b="1" spc="-150" dirty="0">
+                <a:ln>
+                  <a:solidFill>
+                    <a:schemeClr val="bg1">
+                      <a:alpha val="30000"/>
+                    </a:schemeClr>
+                  </a:solidFill>
+                </a:ln>
+                <a:solidFill>
+                  <a:schemeClr val="tx1">
+                    <a:lumMod val="95000"/>
+                    <a:lumOff val="5000"/>
+                  </a:schemeClr>
+                </a:solidFill>
+                <a:latin typeface="KoPub돋움체 Light" panose="00000300000000000000" pitchFamily="2" charset="-127"/>
+                <a:ea typeface="KoPub돋움체 Light" panose="00000300000000000000" pitchFamily="2" charset="-127"/>
+              </a:rPr>
+              <a:t>단점 </a:t>
+            </a:r>
+            <a:r>
+              <a:rPr lang="en-US" altLang="ko-KR" sz="2000" b="1" spc="-150" dirty="0">
+                <a:ln>
+                  <a:solidFill>
+                    <a:schemeClr val="bg1">
+                      <a:alpha val="30000"/>
+                    </a:schemeClr>
+                  </a:solidFill>
+                </a:ln>
+                <a:solidFill>
+                  <a:schemeClr val="tx1">
+                    <a:lumMod val="95000"/>
+                    <a:lumOff val="5000"/>
+                  </a:schemeClr>
+                </a:solidFill>
+                <a:latin typeface="KoPub돋움체 Light" panose="00000300000000000000" pitchFamily="2" charset="-127"/>
+                <a:ea typeface="KoPub돋움체 Light" panose="00000300000000000000" pitchFamily="2" charset="-127"/>
+              </a:rPr>
+              <a:t>:  </a:t>
+            </a:r>
+            <a:r>
+              <a:rPr lang="ko-KR" altLang="en-US" sz="2000" b="1" spc="-150" dirty="0">
+                <a:ln>
+                  <a:solidFill>
+                    <a:schemeClr val="bg1">
+                      <a:alpha val="30000"/>
+                    </a:schemeClr>
+                  </a:solidFill>
+                </a:ln>
+                <a:solidFill>
+                  <a:schemeClr val="tx1">
+                    <a:lumMod val="95000"/>
+                    <a:lumOff val="5000"/>
+                  </a:schemeClr>
+                </a:solidFill>
+                <a:latin typeface="KoPub돋움체 Light" panose="00000300000000000000" pitchFamily="2" charset="-127"/>
+                <a:ea typeface="KoPub돋움체 Light" panose="00000300000000000000" pitchFamily="2" charset="-127"/>
+              </a:rPr>
+              <a:t>툴을 이용하는 것에 비해 구현이 어렵고 복잡</a:t>
+            </a:r>
+            <a:endParaRPr lang="en-US" altLang="ko-KR" sz="2000" b="1" spc="-150" dirty="0">
+              <a:ln>
+                <a:solidFill>
+                  <a:schemeClr val="bg1">
+                    <a:alpha val="30000"/>
+                  </a:schemeClr>
+                </a:solidFill>
+              </a:ln>
+              <a:solidFill>
+                <a:schemeClr val="tx1">
+                  <a:lumMod val="95000"/>
+                  <a:lumOff val="5000"/>
+                </a:schemeClr>
+              </a:solidFill>
+              <a:latin typeface="KoPub돋움체 Light" panose="00000300000000000000" pitchFamily="2" charset="-127"/>
+              <a:ea typeface="KoPub돋움체 Light" panose="00000300000000000000" pitchFamily="2" charset="-127"/>
+            </a:endParaRPr>
+          </a:p>
+          <a:p>
+            <a:pPr algn="ctr"/>
+            <a:r>
+              <a:rPr lang="en-US" altLang="ko-KR" sz="2000" b="1" spc="-150" dirty="0">
+                <a:ln>
+                  <a:solidFill>
+                    <a:schemeClr val="bg1">
+                      <a:alpha val="30000"/>
+                    </a:schemeClr>
+                  </a:solidFill>
+                </a:ln>
+                <a:solidFill>
+                  <a:schemeClr val="tx1">
+                    <a:lumMod val="95000"/>
+                    <a:lumOff val="5000"/>
+                  </a:schemeClr>
+                </a:solidFill>
+                <a:latin typeface="KoPub돋움체 Light" panose="00000300000000000000" pitchFamily="2" charset="-127"/>
+                <a:ea typeface="KoPub돋움체 Light" panose="00000300000000000000" pitchFamily="2" charset="-127"/>
+              </a:rPr>
+              <a:t>(window </a:t>
+            </a:r>
+            <a:r>
+              <a:rPr lang="ko-KR" altLang="en-US" sz="2000" b="1" spc="-150" dirty="0">
+                <a:ln>
+                  <a:solidFill>
+                    <a:schemeClr val="bg1">
+                      <a:alpha val="30000"/>
+                    </a:schemeClr>
+                  </a:solidFill>
+                </a:ln>
+                <a:solidFill>
+                  <a:schemeClr val="tx1">
+                    <a:lumMod val="95000"/>
+                    <a:lumOff val="5000"/>
+                  </a:schemeClr>
+                </a:solidFill>
+                <a:latin typeface="KoPub돋움체 Light" panose="00000300000000000000" pitchFamily="2" charset="-127"/>
+                <a:ea typeface="KoPub돋움체 Light" panose="00000300000000000000" pitchFamily="2" charset="-127"/>
+              </a:rPr>
+              <a:t>창 띄우는 것 하나부터 모든 걸 구현 해야 한다</a:t>
+            </a:r>
+            <a:r>
+              <a:rPr lang="en-US" altLang="ko-KR" sz="2000" b="1" spc="-150" dirty="0">
+                <a:ln>
+                  <a:solidFill>
+                    <a:schemeClr val="bg1">
+                      <a:alpha val="30000"/>
+                    </a:schemeClr>
+                  </a:solidFill>
+                </a:ln>
+                <a:solidFill>
+                  <a:schemeClr val="tx1">
+                    <a:lumMod val="95000"/>
+                    <a:lumOff val="5000"/>
+                  </a:schemeClr>
+                </a:solidFill>
+                <a:latin typeface="KoPub돋움체 Light" panose="00000300000000000000" pitchFamily="2" charset="-127"/>
+                <a:ea typeface="KoPub돋움체 Light" panose="00000300000000000000" pitchFamily="2" charset="-127"/>
+              </a:rPr>
+              <a:t>.)</a:t>
+            </a:r>
+          </a:p>
+          <a:p>
+            <a:pPr algn="ctr"/>
+            <a:r>
+              <a:rPr lang="ko-KR" altLang="en-US" sz="2000" b="1" spc="-150" dirty="0">
+                <a:ln>
+                  <a:solidFill>
+                    <a:schemeClr val="bg1">
+                      <a:alpha val="30000"/>
+                    </a:schemeClr>
+                  </a:solidFill>
+                </a:ln>
+                <a:solidFill>
+                  <a:schemeClr val="tx1">
+                    <a:lumMod val="95000"/>
+                    <a:lumOff val="5000"/>
+                  </a:schemeClr>
+                </a:solidFill>
+                <a:latin typeface="KoPub돋움체 Light" panose="00000300000000000000" pitchFamily="2" charset="-127"/>
+                <a:ea typeface="KoPub돋움체 Light" panose="00000300000000000000" pitchFamily="2" charset="-127"/>
+              </a:rPr>
+              <a:t>그래픽 인터페이스 제공 </a:t>
+            </a:r>
+            <a:r>
+              <a:rPr lang="en-US" altLang="ko-KR" sz="2000" b="1" spc="-150" dirty="0">
+                <a:ln>
+                  <a:solidFill>
+                    <a:schemeClr val="bg1">
+                      <a:alpha val="30000"/>
+                    </a:schemeClr>
+                  </a:solidFill>
+                </a:ln>
+                <a:solidFill>
+                  <a:schemeClr val="tx1">
+                    <a:lumMod val="95000"/>
+                    <a:lumOff val="5000"/>
+                  </a:schemeClr>
+                </a:solidFill>
+                <a:latin typeface="KoPub돋움체 Light" panose="00000300000000000000" pitchFamily="2" charset="-127"/>
+                <a:ea typeface="KoPub돋움체 Light" panose="00000300000000000000" pitchFamily="2" charset="-127"/>
+              </a:rPr>
+              <a:t>x</a:t>
+            </a:r>
+          </a:p>
+        </p:txBody>
+      </p:sp>
+    </p:spTree>
+    <p:extLst>
+      <p:ext uri="{BB962C8B-B14F-4D97-AF65-F5344CB8AC3E}">
+        <p14:creationId xmlns:p14="http://schemas.microsoft.com/office/powerpoint/2010/main" val="1215929691"/>
+      </p:ext>
+    </p:extLst>
+  </p:cSld>
+  <p:clrMapOvr>
+    <a:masterClrMapping/>
+  </p:clrMapOvr>
+</p:sld>
+</file>
+
+<file path=ppt/slides/slide16.xml><?xml version="1.0" encoding="utf-8"?>
+<p:sld xmlns:a="http://schemas.openxmlformats.org/drawingml/2006/main" xmlns:r="http://schemas.openxmlformats.org/officeDocument/2006/relationships" xmlns:p="http://schemas.openxmlformats.org/presentationml/2006/main">
+  <p:cSld>
+    <p:spTree>
+      <p:nvGrpSpPr>
+        <p:cNvPr id="1" name=""/>
+        <p:cNvGrpSpPr/>
+        <p:nvPr/>
+      </p:nvGrpSpPr>
+      <p:grpSpPr>
+        <a:xfrm>
+          <a:off x="0" y="0"/>
+          <a:ext cx="0" cy="0"/>
+          <a:chOff x="0" y="0"/>
+          <a:chExt cx="0" cy="0"/>
+        </a:xfrm>
+      </p:grpSpPr>
+      <p:sp>
+        <p:nvSpPr>
+          <p:cNvPr id="18" name="직사각형 17">
+            <a:extLst>
+              <a:ext uri="{FF2B5EF4-FFF2-40B4-BE49-F238E27FC236}">
+                <a16:creationId xmlns:a16="http://schemas.microsoft.com/office/drawing/2014/main" id="{FC56DBEE-CFA2-427D-A54E-C69EBB5FAD8F}"/>
+              </a:ext>
+            </a:extLst>
+          </p:cNvPr>
+          <p:cNvSpPr/>
+          <p:nvPr/>
+        </p:nvSpPr>
+        <p:spPr>
+          <a:xfrm>
+            <a:off x="0" y="1315833"/>
+            <a:ext cx="12192000" cy="4888470"/>
+          </a:xfrm>
+          <a:prstGeom prst="rect">
+            <a:avLst/>
+          </a:prstGeom>
+          <a:solidFill>
+            <a:srgbClr val="FFCE38">
+              <a:alpha val="13000"/>
+            </a:srgbClr>
+          </a:solidFill>
+          <a:ln>
+            <a:noFill/>
+          </a:ln>
+        </p:spPr>
+        <p:style>
+          <a:lnRef idx="2">
+            <a:schemeClr val="accent1">
+              <a:shade val="50000"/>
+            </a:schemeClr>
+          </a:lnRef>
+          <a:fillRef idx="1">
+            <a:schemeClr val="accent1"/>
+          </a:fillRef>
+          <a:effectRef idx="0">
+            <a:schemeClr val="accent1"/>
+          </a:effectRef>
+          <a:fontRef idx="minor">
+            <a:schemeClr val="lt1"/>
+          </a:fontRef>
+        </p:style>
+        <p:txBody>
+          <a:bodyPr rtlCol="0" anchor="ctr"/>
+          <a:lstStyle/>
+          <a:p>
+            <a:pPr algn="ctr"/>
+            <a:endParaRPr lang="ko-KR" altLang="en-US" dirty="0"/>
+          </a:p>
+        </p:txBody>
+      </p:sp>
+      <p:grpSp>
+        <p:nvGrpSpPr>
+          <p:cNvPr id="6" name="그룹 5">
+            <a:extLst>
+              <a:ext uri="{FF2B5EF4-FFF2-40B4-BE49-F238E27FC236}">
+                <a16:creationId xmlns:a16="http://schemas.microsoft.com/office/drawing/2014/main" id="{A87738A6-DCCB-44F8-BC8F-5630746B8082}"/>
+              </a:ext>
+            </a:extLst>
+          </p:cNvPr>
+          <p:cNvGrpSpPr/>
+          <p:nvPr/>
+        </p:nvGrpSpPr>
+        <p:grpSpPr>
+          <a:xfrm>
+            <a:off x="388879" y="279400"/>
+            <a:ext cx="2059196" cy="877163"/>
+            <a:chOff x="598391" y="347144"/>
+            <a:chExt cx="2059196" cy="877163"/>
+          </a:xfrm>
+        </p:grpSpPr>
+        <p:sp>
+          <p:nvSpPr>
+            <p:cNvPr id="3" name="TextBox 2">
+              <a:extLst>
+                <a:ext uri="{FF2B5EF4-FFF2-40B4-BE49-F238E27FC236}">
+                  <a16:creationId xmlns:a16="http://schemas.microsoft.com/office/drawing/2014/main" id="{3F15D2F0-3EF3-4014-88BD-F1E9CEE28153}"/>
+                </a:ext>
+              </a:extLst>
+            </p:cNvPr>
+            <p:cNvSpPr txBox="1"/>
+            <p:nvPr/>
+          </p:nvSpPr>
+          <p:spPr>
+            <a:xfrm>
+              <a:off x="598391" y="347144"/>
+              <a:ext cx="822960" cy="830997"/>
+            </a:xfrm>
+            <a:prstGeom prst="rect">
+              <a:avLst/>
+            </a:prstGeom>
+            <a:noFill/>
+          </p:spPr>
+          <p:txBody>
+            <a:bodyPr wrap="square" rtlCol="0">
+              <a:spAutoFit/>
+            </a:bodyPr>
+            <a:lstStyle/>
+            <a:p>
+              <a:r>
+                <a:rPr lang="en-US" altLang="ko-KR" sz="4800" spc="-300" dirty="0">
+                  <a:solidFill>
+                    <a:srgbClr val="FAA818"/>
+                  </a:solidFill>
+                  <a:latin typeface="KoPub돋움체 Medium" panose="00000600000000000000" pitchFamily="2" charset="-127"/>
+                  <a:ea typeface="KoPub돋움체 Medium" panose="00000600000000000000" pitchFamily="2" charset="-127"/>
+                </a:rPr>
+                <a:t>Vs</a:t>
+              </a:r>
+              <a:endParaRPr lang="ko-KR" altLang="en-US" sz="4800" spc="-300" dirty="0">
+                <a:solidFill>
+                  <a:srgbClr val="FAA818"/>
+                </a:solidFill>
+                <a:latin typeface="KoPub돋움체 Medium" panose="00000600000000000000" pitchFamily="2" charset="-127"/>
+                <a:ea typeface="KoPub돋움체 Medium" panose="00000600000000000000" pitchFamily="2" charset="-127"/>
+              </a:endParaRPr>
+            </a:p>
+          </p:txBody>
+        </p:sp>
+        <p:sp>
+          <p:nvSpPr>
+            <p:cNvPr id="4" name="TextBox 3">
+              <a:extLst>
+                <a:ext uri="{FF2B5EF4-FFF2-40B4-BE49-F238E27FC236}">
+                  <a16:creationId xmlns:a16="http://schemas.microsoft.com/office/drawing/2014/main" id="{EE9EE9DD-4219-4C6F-BCF5-B48D9535E62E}"/>
+                </a:ext>
+              </a:extLst>
+            </p:cNvPr>
+            <p:cNvSpPr txBox="1"/>
+            <p:nvPr/>
+          </p:nvSpPr>
+          <p:spPr>
+            <a:xfrm>
+              <a:off x="1421351" y="577976"/>
+              <a:ext cx="1236236" cy="646331"/>
+            </a:xfrm>
+            <a:prstGeom prst="rect">
+              <a:avLst/>
+            </a:prstGeom>
+            <a:noFill/>
+          </p:spPr>
+          <p:txBody>
+            <a:bodyPr wrap="none" rtlCol="0">
+              <a:spAutoFit/>
+            </a:bodyPr>
+            <a:lstStyle/>
+            <a:p>
+              <a:r>
+                <a:rPr lang="en-US" altLang="ko-KR" spc="-150" dirty="0">
+                  <a:solidFill>
+                    <a:schemeClr val="tx1">
+                      <a:lumMod val="75000"/>
+                      <a:lumOff val="25000"/>
+                    </a:schemeClr>
+                  </a:solidFill>
+                  <a:latin typeface="KoPub돋움체 Medium" panose="00000600000000000000" pitchFamily="2" charset="-127"/>
+                  <a:ea typeface="KoPub돋움체 Medium" panose="00000600000000000000" pitchFamily="2" charset="-127"/>
+                </a:rPr>
+                <a:t>Data</a:t>
+              </a:r>
+            </a:p>
+            <a:p>
+              <a:r>
+                <a:rPr lang="en-US" altLang="ko-KR" spc="-150" dirty="0">
+                  <a:solidFill>
+                    <a:schemeClr val="tx1">
+                      <a:lumMod val="75000"/>
+                      <a:lumOff val="25000"/>
+                    </a:schemeClr>
+                  </a:solidFill>
+                  <a:latin typeface="KoPub돋움체 Medium" panose="00000600000000000000" pitchFamily="2" charset="-127"/>
+                  <a:ea typeface="KoPub돋움체 Medium" panose="00000600000000000000" pitchFamily="2" charset="-127"/>
+                </a:rPr>
+                <a:t>Visualization</a:t>
+              </a:r>
+              <a:endParaRPr lang="ko-KR" altLang="en-US" spc="-150" dirty="0">
+                <a:solidFill>
+                  <a:schemeClr val="tx1">
+                    <a:lumMod val="75000"/>
+                    <a:lumOff val="25000"/>
+                  </a:schemeClr>
+                </a:solidFill>
+                <a:latin typeface="KoPub돋움체 Medium" panose="00000600000000000000" pitchFamily="2" charset="-127"/>
+                <a:ea typeface="KoPub돋움체 Medium" panose="00000600000000000000" pitchFamily="2" charset="-127"/>
+              </a:endParaRPr>
+            </a:p>
+          </p:txBody>
+        </p:sp>
+      </p:grpSp>
+      <p:sp>
+        <p:nvSpPr>
+          <p:cNvPr id="9" name="직사각형 8">
+            <a:extLst>
+              <a:ext uri="{FF2B5EF4-FFF2-40B4-BE49-F238E27FC236}">
+                <a16:creationId xmlns:a16="http://schemas.microsoft.com/office/drawing/2014/main" id="{B946531F-0ED7-40C3-B576-4F56E0B23959}"/>
+              </a:ext>
+            </a:extLst>
+          </p:cNvPr>
+          <p:cNvSpPr/>
+          <p:nvPr/>
+        </p:nvSpPr>
+        <p:spPr>
+          <a:xfrm>
+            <a:off x="0" y="6654800"/>
+            <a:ext cx="12192000" cy="203200"/>
+          </a:xfrm>
+          <a:prstGeom prst="rect">
+            <a:avLst/>
+          </a:prstGeom>
+          <a:solidFill>
+            <a:srgbClr val="FAA818">
+              <a:alpha val="79000"/>
+            </a:srgbClr>
+          </a:solidFill>
+          <a:ln>
+            <a:noFill/>
+          </a:ln>
+        </p:spPr>
+        <p:style>
+          <a:lnRef idx="2">
+            <a:schemeClr val="accent1">
+              <a:shade val="50000"/>
+            </a:schemeClr>
+          </a:lnRef>
+          <a:fillRef idx="1">
+            <a:schemeClr val="accent1"/>
+          </a:fillRef>
+          <a:effectRef idx="0">
+            <a:schemeClr val="accent1"/>
+          </a:effectRef>
+          <a:fontRef idx="minor">
+            <a:schemeClr val="lt1"/>
+          </a:fontRef>
+        </p:style>
+        <p:txBody>
+          <a:bodyPr rtlCol="0" anchor="ctr"/>
+          <a:lstStyle/>
+          <a:p>
+            <a:pPr algn="ctr"/>
+            <a:endParaRPr lang="ko-KR" altLang="en-US"/>
+          </a:p>
+        </p:txBody>
+      </p:sp>
+      <p:sp>
+        <p:nvSpPr>
+          <p:cNvPr id="24" name="직각 삼각형 23">
+            <a:extLst>
+              <a:ext uri="{FF2B5EF4-FFF2-40B4-BE49-F238E27FC236}">
+                <a16:creationId xmlns:a16="http://schemas.microsoft.com/office/drawing/2014/main" id="{A21687B3-DD91-4897-B11B-1D36E99F5FBD}"/>
+              </a:ext>
+            </a:extLst>
+          </p:cNvPr>
+          <p:cNvSpPr/>
+          <p:nvPr/>
+        </p:nvSpPr>
+        <p:spPr>
+          <a:xfrm flipV="1">
+            <a:off x="120228" y="119183"/>
+            <a:ext cx="335280" cy="335280"/>
+          </a:xfrm>
+          <a:prstGeom prst="rtTriangle">
+            <a:avLst/>
+          </a:prstGeom>
+          <a:solidFill>
+            <a:srgbClr val="FFCE38"/>
+          </a:solidFill>
+          <a:ln>
+            <a:noFill/>
+          </a:ln>
+        </p:spPr>
+        <p:style>
+          <a:lnRef idx="2">
+            <a:schemeClr val="accent1">
+              <a:shade val="50000"/>
+            </a:schemeClr>
+          </a:lnRef>
+          <a:fillRef idx="1">
+            <a:schemeClr val="accent1"/>
+          </a:fillRef>
+          <a:effectRef idx="0">
+            <a:schemeClr val="accent1"/>
+          </a:effectRef>
+          <a:fontRef idx="minor">
+            <a:schemeClr val="lt1"/>
+          </a:fontRef>
+        </p:style>
+        <p:txBody>
+          <a:bodyPr rtlCol="0" anchor="ctr"/>
+          <a:lstStyle/>
+          <a:p>
+            <a:pPr algn="ctr"/>
+            <a:endParaRPr lang="ko-KR" altLang="en-US"/>
+          </a:p>
+        </p:txBody>
+      </p:sp>
+      <p:sp>
+        <p:nvSpPr>
+          <p:cNvPr id="11" name="직사각형 10">
+            <a:extLst>
+              <a:ext uri="{FF2B5EF4-FFF2-40B4-BE49-F238E27FC236}">
+                <a16:creationId xmlns:a16="http://schemas.microsoft.com/office/drawing/2014/main" id="{7BB487F8-F61C-4893-AC9E-6AFB71E51C65}"/>
+              </a:ext>
+            </a:extLst>
+          </p:cNvPr>
+          <p:cNvSpPr/>
+          <p:nvPr/>
+        </p:nvSpPr>
+        <p:spPr>
+          <a:xfrm>
+            <a:off x="800359" y="1552218"/>
+            <a:ext cx="4572424" cy="1015663"/>
+          </a:xfrm>
+          <a:prstGeom prst="rect">
+            <a:avLst/>
+          </a:prstGeom>
+        </p:spPr>
+        <p:txBody>
+          <a:bodyPr wrap="square">
+            <a:spAutoFit/>
+          </a:bodyPr>
+          <a:lstStyle/>
+          <a:p>
+            <a:pPr algn="ctr"/>
+            <a:r>
+              <a:rPr lang="ko-KR" altLang="en-US" sz="6000" b="1" spc="-150" dirty="0">
+                <a:ln>
+                  <a:solidFill>
+                    <a:schemeClr val="bg1">
+                      <a:alpha val="30000"/>
+                    </a:schemeClr>
+                  </a:solidFill>
+                </a:ln>
+                <a:solidFill>
+                  <a:schemeClr val="tx1">
+                    <a:lumMod val="95000"/>
+                    <a:lumOff val="5000"/>
+                  </a:schemeClr>
+                </a:solidFill>
+                <a:latin typeface="KoPub돋움체 Light" panose="00000300000000000000" pitchFamily="2" charset="-127"/>
+                <a:ea typeface="KoPub돋움체 Light" panose="00000300000000000000" pitchFamily="2" charset="-127"/>
+              </a:rPr>
+              <a:t>구현 내용</a:t>
+            </a:r>
+            <a:endParaRPr lang="en-US" altLang="ko-KR" sz="6000" b="1" spc="-150" dirty="0">
+              <a:ln>
+                <a:solidFill>
+                  <a:schemeClr val="bg1">
+                    <a:alpha val="30000"/>
+                  </a:schemeClr>
+                </a:solidFill>
+              </a:ln>
+              <a:solidFill>
+                <a:schemeClr val="tx1">
+                  <a:lumMod val="95000"/>
+                  <a:lumOff val="5000"/>
+                </a:schemeClr>
+              </a:solidFill>
+              <a:latin typeface="KoPub돋움체 Light" panose="00000300000000000000" pitchFamily="2" charset="-127"/>
+              <a:ea typeface="KoPub돋움체 Light" panose="00000300000000000000" pitchFamily="2" charset="-127"/>
+            </a:endParaRPr>
+          </a:p>
+        </p:txBody>
+      </p:sp>
+      <p:sp>
+        <p:nvSpPr>
+          <p:cNvPr id="12" name="직사각형 11">
+            <a:extLst>
+              <a:ext uri="{FF2B5EF4-FFF2-40B4-BE49-F238E27FC236}">
+                <a16:creationId xmlns:a16="http://schemas.microsoft.com/office/drawing/2014/main" id="{68E8765E-D111-4232-97A1-075C2C919EED}"/>
+              </a:ext>
+            </a:extLst>
+          </p:cNvPr>
+          <p:cNvSpPr/>
+          <p:nvPr/>
+        </p:nvSpPr>
+        <p:spPr>
+          <a:xfrm>
+            <a:off x="1112561" y="3018378"/>
+            <a:ext cx="9966877" cy="1938992"/>
+          </a:xfrm>
+          <a:prstGeom prst="rect">
+            <a:avLst/>
+          </a:prstGeom>
+        </p:spPr>
+        <p:txBody>
+          <a:bodyPr wrap="square">
+            <a:spAutoFit/>
+          </a:bodyPr>
+          <a:lstStyle/>
+          <a:p>
+            <a:pPr marL="457200" indent="-457200">
+              <a:buAutoNum type="arabicPeriod"/>
+            </a:pPr>
+            <a:r>
+              <a:rPr lang="en-US" altLang="ko-KR" sz="2000" b="1" spc="-150" dirty="0">
+                <a:ln>
+                  <a:solidFill>
+                    <a:schemeClr val="bg1">
+                      <a:alpha val="30000"/>
+                    </a:schemeClr>
+                  </a:solidFill>
+                </a:ln>
+                <a:solidFill>
+                  <a:schemeClr val="tx1">
+                    <a:lumMod val="95000"/>
+                    <a:lumOff val="5000"/>
+                  </a:schemeClr>
+                </a:solidFill>
+                <a:latin typeface="KoPub돋움체 Light" panose="00000300000000000000" pitchFamily="2" charset="-127"/>
+                <a:ea typeface="KoPub돋움체 Light" panose="00000300000000000000" pitchFamily="2" charset="-127"/>
+              </a:rPr>
+              <a:t>1-9</a:t>
+            </a:r>
+            <a:r>
+              <a:rPr lang="ko-KR" altLang="en-US" sz="2000" b="1" spc="-150" dirty="0">
+                <a:ln>
+                  <a:solidFill>
+                    <a:schemeClr val="bg1">
+                      <a:alpha val="30000"/>
+                    </a:schemeClr>
+                  </a:solidFill>
+                </a:ln>
+                <a:solidFill>
+                  <a:schemeClr val="tx1">
+                    <a:lumMod val="95000"/>
+                    <a:lumOff val="5000"/>
+                  </a:schemeClr>
+                </a:solidFill>
+                <a:latin typeface="KoPub돋움체 Light" panose="00000300000000000000" pitchFamily="2" charset="-127"/>
+                <a:ea typeface="KoPub돋움체 Light" panose="00000300000000000000" pitchFamily="2" charset="-127"/>
+              </a:rPr>
+              <a:t>층에 대한 모델링</a:t>
+            </a:r>
+            <a:endParaRPr lang="en-US" altLang="ko-KR" sz="2000" b="1" spc="-150" dirty="0">
+              <a:ln>
+                <a:solidFill>
+                  <a:schemeClr val="bg1">
+                    <a:alpha val="30000"/>
+                  </a:schemeClr>
+                </a:solidFill>
+              </a:ln>
+              <a:solidFill>
+                <a:schemeClr val="tx1">
+                  <a:lumMod val="95000"/>
+                  <a:lumOff val="5000"/>
+                </a:schemeClr>
+              </a:solidFill>
+              <a:latin typeface="KoPub돋움체 Light" panose="00000300000000000000" pitchFamily="2" charset="-127"/>
+              <a:ea typeface="KoPub돋움체 Light" panose="00000300000000000000" pitchFamily="2" charset="-127"/>
+            </a:endParaRPr>
+          </a:p>
+          <a:p>
+            <a:pPr marL="457200" indent="-457200">
+              <a:buAutoNum type="arabicPeriod"/>
+            </a:pPr>
+            <a:endParaRPr lang="en-US" altLang="ko-KR" sz="2000" b="1" spc="-150" dirty="0">
+              <a:ln>
+                <a:solidFill>
+                  <a:schemeClr val="bg1">
+                    <a:alpha val="30000"/>
+                  </a:schemeClr>
+                </a:solidFill>
+              </a:ln>
+              <a:solidFill>
+                <a:schemeClr val="tx1">
+                  <a:lumMod val="95000"/>
+                  <a:lumOff val="5000"/>
+                </a:schemeClr>
+              </a:solidFill>
+              <a:latin typeface="KoPub돋움체 Light" panose="00000300000000000000" pitchFamily="2" charset="-127"/>
+              <a:ea typeface="KoPub돋움체 Light" panose="00000300000000000000" pitchFamily="2" charset="-127"/>
+            </a:endParaRPr>
+          </a:p>
+          <a:p>
+            <a:pPr marL="457200" indent="-457200">
+              <a:buAutoNum type="arabicPeriod" startAt="2"/>
+            </a:pPr>
+            <a:r>
+              <a:rPr lang="en-US" altLang="ko-KR" sz="2000" b="1" spc="-150" dirty="0">
+                <a:ln>
+                  <a:solidFill>
+                    <a:schemeClr val="bg1">
+                      <a:alpha val="30000"/>
+                    </a:schemeClr>
+                  </a:solidFill>
+                </a:ln>
+                <a:solidFill>
+                  <a:schemeClr val="tx1">
+                    <a:lumMod val="95000"/>
+                    <a:lumOff val="5000"/>
+                  </a:schemeClr>
+                </a:solidFill>
+                <a:latin typeface="KoPub돋움체 Light" panose="00000300000000000000" pitchFamily="2" charset="-127"/>
+                <a:ea typeface="KoPub돋움체 Light" panose="00000300000000000000" pitchFamily="2" charset="-127"/>
+              </a:rPr>
+              <a:t>3D map</a:t>
+            </a:r>
+            <a:r>
+              <a:rPr lang="ko-KR" altLang="en-US" sz="2000" b="1" spc="-150" dirty="0">
+                <a:ln>
+                  <a:solidFill>
+                    <a:schemeClr val="bg1">
+                      <a:alpha val="30000"/>
+                    </a:schemeClr>
+                  </a:solidFill>
+                </a:ln>
+                <a:solidFill>
+                  <a:schemeClr val="tx1">
+                    <a:lumMod val="95000"/>
+                    <a:lumOff val="5000"/>
+                  </a:schemeClr>
+                </a:solidFill>
+                <a:latin typeface="KoPub돋움체 Light" panose="00000300000000000000" pitchFamily="2" charset="-127"/>
+                <a:ea typeface="KoPub돋움체 Light" panose="00000300000000000000" pitchFamily="2" charset="-127"/>
+              </a:rPr>
+              <a:t>에서 이동 경로 안내</a:t>
+            </a:r>
+            <a:endParaRPr lang="en-US" altLang="ko-KR" sz="2000" b="1" spc="-150" dirty="0">
+              <a:ln>
+                <a:solidFill>
+                  <a:schemeClr val="bg1">
+                    <a:alpha val="30000"/>
+                  </a:schemeClr>
+                </a:solidFill>
+              </a:ln>
+              <a:solidFill>
+                <a:schemeClr val="tx1">
+                  <a:lumMod val="95000"/>
+                  <a:lumOff val="5000"/>
+                </a:schemeClr>
+              </a:solidFill>
+              <a:latin typeface="KoPub돋움체 Light" panose="00000300000000000000" pitchFamily="2" charset="-127"/>
+              <a:ea typeface="KoPub돋움체 Light" panose="00000300000000000000" pitchFamily="2" charset="-127"/>
+            </a:endParaRPr>
+          </a:p>
+          <a:p>
+            <a:pPr marL="457200" indent="-457200">
+              <a:buAutoNum type="arabicPeriod" startAt="2"/>
+            </a:pPr>
+            <a:endParaRPr lang="en-US" altLang="ko-KR" sz="2000" b="1" spc="-150" dirty="0">
+              <a:ln>
+                <a:solidFill>
+                  <a:schemeClr val="bg1">
+                    <a:alpha val="30000"/>
+                  </a:schemeClr>
+                </a:solidFill>
+              </a:ln>
+              <a:solidFill>
+                <a:schemeClr val="tx1">
+                  <a:lumMod val="95000"/>
+                  <a:lumOff val="5000"/>
+                </a:schemeClr>
+              </a:solidFill>
+              <a:latin typeface="KoPub돋움체 Light" panose="00000300000000000000" pitchFamily="2" charset="-127"/>
+              <a:ea typeface="KoPub돋움체 Light" panose="00000300000000000000" pitchFamily="2" charset="-127"/>
+            </a:endParaRPr>
+          </a:p>
+          <a:p>
+            <a:pPr marL="457200" indent="-457200">
+              <a:buAutoNum type="arabicPeriod" startAt="2"/>
+            </a:pPr>
+            <a:r>
+              <a:rPr lang="ko-KR" altLang="en-US" sz="2000" b="1" spc="-150" dirty="0">
+                <a:ln>
+                  <a:solidFill>
+                    <a:schemeClr val="bg1">
+                      <a:alpha val="30000"/>
+                    </a:schemeClr>
+                  </a:solidFill>
+                </a:ln>
+                <a:solidFill>
+                  <a:schemeClr val="tx1">
+                    <a:lumMod val="95000"/>
+                    <a:lumOff val="5000"/>
+                  </a:schemeClr>
+                </a:solidFill>
+                <a:latin typeface="KoPub돋움체 Light" panose="00000300000000000000" pitchFamily="2" charset="-127"/>
+                <a:ea typeface="KoPub돋움체 Light" panose="00000300000000000000" pitchFamily="2" charset="-127"/>
+              </a:rPr>
+              <a:t>경로 안내 후 사용자가 세부적인 경로를 </a:t>
+            </a:r>
+            <a:r>
+              <a:rPr lang="en-US" altLang="ko-KR" sz="2000" b="1" spc="-150" dirty="0">
+                <a:ln>
+                  <a:solidFill>
+                    <a:schemeClr val="bg1">
+                      <a:alpha val="30000"/>
+                    </a:schemeClr>
+                  </a:solidFill>
+                </a:ln>
+                <a:solidFill>
+                  <a:schemeClr val="tx1">
+                    <a:lumMod val="95000"/>
+                    <a:lumOff val="5000"/>
+                  </a:schemeClr>
+                </a:solidFill>
+                <a:latin typeface="KoPub돋움체 Light" panose="00000300000000000000" pitchFamily="2" charset="-127"/>
+                <a:ea typeface="KoPub돋움체 Light" panose="00000300000000000000" pitchFamily="2" charset="-127"/>
+              </a:rPr>
+              <a:t>key</a:t>
+            </a:r>
+            <a:r>
+              <a:rPr lang="ko-KR" altLang="en-US" sz="2000" b="1" spc="-150" dirty="0">
+                <a:ln>
+                  <a:solidFill>
+                    <a:schemeClr val="bg1">
+                      <a:alpha val="30000"/>
+                    </a:schemeClr>
+                  </a:solidFill>
+                </a:ln>
+                <a:solidFill>
+                  <a:schemeClr val="tx1">
+                    <a:lumMod val="95000"/>
+                    <a:lumOff val="5000"/>
+                  </a:schemeClr>
+                </a:solidFill>
+                <a:latin typeface="KoPub돋움체 Light" panose="00000300000000000000" pitchFamily="2" charset="-127"/>
+                <a:ea typeface="KoPub돋움체 Light" panose="00000300000000000000" pitchFamily="2" charset="-127"/>
+              </a:rPr>
+              <a:t> </a:t>
+            </a:r>
+            <a:r>
+              <a:rPr lang="en-US" altLang="ko-KR" sz="2000" b="1" spc="-150" dirty="0">
+                <a:ln>
+                  <a:solidFill>
+                    <a:schemeClr val="bg1">
+                      <a:alpha val="30000"/>
+                    </a:schemeClr>
+                  </a:solidFill>
+                </a:ln>
+                <a:solidFill>
+                  <a:schemeClr val="tx1">
+                    <a:lumMod val="95000"/>
+                    <a:lumOff val="5000"/>
+                  </a:schemeClr>
+                </a:solidFill>
+                <a:latin typeface="KoPub돋움체 Light" panose="00000300000000000000" pitchFamily="2" charset="-127"/>
+                <a:ea typeface="KoPub돋움체 Light" panose="00000300000000000000" pitchFamily="2" charset="-127"/>
+              </a:rPr>
+              <a:t>input</a:t>
+            </a:r>
+            <a:r>
+              <a:rPr lang="ko-KR" altLang="en-US" sz="2000" b="1" spc="-150" dirty="0">
+                <a:ln>
+                  <a:solidFill>
+                    <a:schemeClr val="bg1">
+                      <a:alpha val="30000"/>
+                    </a:schemeClr>
+                  </a:solidFill>
+                </a:ln>
+                <a:solidFill>
+                  <a:schemeClr val="tx1">
+                    <a:lumMod val="95000"/>
+                    <a:lumOff val="5000"/>
+                  </a:schemeClr>
+                </a:solidFill>
+                <a:latin typeface="KoPub돋움체 Light" panose="00000300000000000000" pitchFamily="2" charset="-127"/>
+                <a:ea typeface="KoPub돋움체 Light" panose="00000300000000000000" pitchFamily="2" charset="-127"/>
+              </a:rPr>
+              <a:t>을 통해 원하는 시점에서 볼 수 있도록 구현</a:t>
+            </a:r>
+            <a:endParaRPr lang="en-US" altLang="ko-KR" sz="2000" b="1" spc="-150" dirty="0">
+              <a:ln>
+                <a:solidFill>
+                  <a:schemeClr val="bg1">
+                    <a:alpha val="30000"/>
+                  </a:schemeClr>
+                </a:solidFill>
+              </a:ln>
+              <a:solidFill>
+                <a:schemeClr val="tx1">
+                  <a:lumMod val="95000"/>
+                  <a:lumOff val="5000"/>
+                </a:schemeClr>
+              </a:solidFill>
+              <a:latin typeface="KoPub돋움체 Light" panose="00000300000000000000" pitchFamily="2" charset="-127"/>
+              <a:ea typeface="KoPub돋움체 Light" panose="00000300000000000000" pitchFamily="2" charset="-127"/>
+            </a:endParaRPr>
+          </a:p>
+        </p:txBody>
+      </p:sp>
+    </p:spTree>
+    <p:extLst>
+      <p:ext uri="{BB962C8B-B14F-4D97-AF65-F5344CB8AC3E}">
+        <p14:creationId xmlns:p14="http://schemas.microsoft.com/office/powerpoint/2010/main" val="1618565825"/>
+      </p:ext>
+    </p:extLst>
+  </p:cSld>
+  <p:clrMapOvr>
+    <a:masterClrMapping/>
+  </p:clrMapOvr>
+</p:sld>
+</file>
+
+<file path=ppt/slides/slide17.xml><?xml version="1.0" encoding="utf-8"?>
+<p:sld xmlns:a="http://schemas.openxmlformats.org/drawingml/2006/main" xmlns:r="http://schemas.openxmlformats.org/officeDocument/2006/relationships" xmlns:p="http://schemas.openxmlformats.org/presentationml/2006/main">
+  <p:cSld>
+    <p:spTree>
+      <p:nvGrpSpPr>
+        <p:cNvPr id="1" name=""/>
+        <p:cNvGrpSpPr/>
+        <p:nvPr/>
+      </p:nvGrpSpPr>
+      <p:grpSpPr>
+        <a:xfrm>
+          <a:off x="0" y="0"/>
+          <a:ext cx="0" cy="0"/>
+          <a:chOff x="0" y="0"/>
+          <a:chExt cx="0" cy="0"/>
+        </a:xfrm>
+      </p:grpSpPr>
+      <p:sp>
+        <p:nvSpPr>
+          <p:cNvPr id="18" name="직사각형 17">
+            <a:extLst>
+              <a:ext uri="{FF2B5EF4-FFF2-40B4-BE49-F238E27FC236}">
+                <a16:creationId xmlns:a16="http://schemas.microsoft.com/office/drawing/2014/main" id="{FC56DBEE-CFA2-427D-A54E-C69EBB5FAD8F}"/>
+              </a:ext>
+            </a:extLst>
+          </p:cNvPr>
+          <p:cNvSpPr/>
+          <p:nvPr/>
+        </p:nvSpPr>
+        <p:spPr>
+          <a:xfrm>
+            <a:off x="0" y="1592924"/>
+            <a:ext cx="12192000" cy="4888470"/>
+          </a:xfrm>
+          <a:prstGeom prst="rect">
+            <a:avLst/>
+          </a:prstGeom>
+          <a:solidFill>
+            <a:srgbClr val="FFCE38">
+              <a:alpha val="13000"/>
+            </a:srgbClr>
+          </a:solidFill>
+          <a:ln>
+            <a:noFill/>
+          </a:ln>
+        </p:spPr>
+        <p:style>
+          <a:lnRef idx="2">
+            <a:schemeClr val="accent1">
+              <a:shade val="50000"/>
+            </a:schemeClr>
+          </a:lnRef>
+          <a:fillRef idx="1">
+            <a:schemeClr val="accent1"/>
+          </a:fillRef>
+          <a:effectRef idx="0">
+            <a:schemeClr val="accent1"/>
+          </a:effectRef>
+          <a:fontRef idx="minor">
+            <a:schemeClr val="lt1"/>
+          </a:fontRef>
+        </p:style>
+        <p:txBody>
+          <a:bodyPr rtlCol="0" anchor="ctr"/>
+          <a:lstStyle/>
+          <a:p>
+            <a:pPr algn="ctr"/>
+            <a:endParaRPr lang="ko-KR" altLang="en-US" dirty="0"/>
+          </a:p>
+        </p:txBody>
+      </p:sp>
+      <p:sp>
+        <p:nvSpPr>
+          <p:cNvPr id="9" name="직사각형 8">
+            <a:extLst>
+              <a:ext uri="{FF2B5EF4-FFF2-40B4-BE49-F238E27FC236}">
+                <a16:creationId xmlns:a16="http://schemas.microsoft.com/office/drawing/2014/main" id="{B946531F-0ED7-40C3-B576-4F56E0B23959}"/>
+              </a:ext>
+            </a:extLst>
+          </p:cNvPr>
+          <p:cNvSpPr/>
+          <p:nvPr/>
+        </p:nvSpPr>
+        <p:spPr>
+          <a:xfrm>
+            <a:off x="0" y="6654800"/>
+            <a:ext cx="12192000" cy="203200"/>
+          </a:xfrm>
+          <a:prstGeom prst="rect">
+            <a:avLst/>
+          </a:prstGeom>
+          <a:solidFill>
+            <a:srgbClr val="FAA818">
+              <a:alpha val="79000"/>
+            </a:srgbClr>
+          </a:solidFill>
+          <a:ln>
+            <a:noFill/>
+          </a:ln>
+        </p:spPr>
+        <p:style>
+          <a:lnRef idx="2">
+            <a:schemeClr val="accent1">
+              <a:shade val="50000"/>
+            </a:schemeClr>
+          </a:lnRef>
+          <a:fillRef idx="1">
+            <a:schemeClr val="accent1"/>
+          </a:fillRef>
+          <a:effectRef idx="0">
+            <a:schemeClr val="accent1"/>
+          </a:effectRef>
+          <a:fontRef idx="minor">
+            <a:schemeClr val="lt1"/>
+          </a:fontRef>
+        </p:style>
+        <p:txBody>
+          <a:bodyPr rtlCol="0" anchor="ctr"/>
+          <a:lstStyle/>
+          <a:p>
+            <a:pPr algn="ctr"/>
+            <a:endParaRPr lang="ko-KR" altLang="en-US"/>
+          </a:p>
+        </p:txBody>
+      </p:sp>
+      <p:sp>
+        <p:nvSpPr>
+          <p:cNvPr id="24" name="직각 삼각형 23">
+            <a:extLst>
+              <a:ext uri="{FF2B5EF4-FFF2-40B4-BE49-F238E27FC236}">
+                <a16:creationId xmlns:a16="http://schemas.microsoft.com/office/drawing/2014/main" id="{A21687B3-DD91-4897-B11B-1D36E99F5FBD}"/>
+              </a:ext>
+            </a:extLst>
+          </p:cNvPr>
+          <p:cNvSpPr/>
+          <p:nvPr/>
+        </p:nvSpPr>
+        <p:spPr>
+          <a:xfrm flipV="1">
+            <a:off x="120228" y="119183"/>
+            <a:ext cx="335280" cy="335280"/>
+          </a:xfrm>
+          <a:prstGeom prst="rtTriangle">
+            <a:avLst/>
+          </a:prstGeom>
+          <a:solidFill>
+            <a:srgbClr val="FFCE38"/>
+          </a:solidFill>
+          <a:ln>
+            <a:noFill/>
+          </a:ln>
+        </p:spPr>
+        <p:style>
+          <a:lnRef idx="2">
+            <a:schemeClr val="accent1">
+              <a:shade val="50000"/>
+            </a:schemeClr>
+          </a:lnRef>
+          <a:fillRef idx="1">
+            <a:schemeClr val="accent1"/>
+          </a:fillRef>
+          <a:effectRef idx="0">
+            <a:schemeClr val="accent1"/>
+          </a:effectRef>
+          <a:fontRef idx="minor">
+            <a:schemeClr val="lt1"/>
+          </a:fontRef>
+        </p:style>
+        <p:txBody>
+          <a:bodyPr rtlCol="0" anchor="ctr"/>
+          <a:lstStyle/>
+          <a:p>
+            <a:pPr algn="ctr"/>
+            <a:endParaRPr lang="ko-KR" altLang="en-US"/>
+          </a:p>
+        </p:txBody>
+      </p:sp>
+      <p:sp>
+        <p:nvSpPr>
+          <p:cNvPr id="33" name="TextBox 32">
+            <a:extLst>
+              <a:ext uri="{FF2B5EF4-FFF2-40B4-BE49-F238E27FC236}">
+                <a16:creationId xmlns:a16="http://schemas.microsoft.com/office/drawing/2014/main" id="{F4880395-F571-43D9-A990-CD35823B1FFD}"/>
+              </a:ext>
+            </a:extLst>
+          </p:cNvPr>
+          <p:cNvSpPr txBox="1"/>
+          <p:nvPr/>
+        </p:nvSpPr>
+        <p:spPr>
+          <a:xfrm>
+            <a:off x="388879" y="279400"/>
+            <a:ext cx="822960" cy="830997"/>
+          </a:xfrm>
+          <a:prstGeom prst="rect">
+            <a:avLst/>
+          </a:prstGeom>
+          <a:noFill/>
+        </p:spPr>
+        <p:txBody>
+          <a:bodyPr wrap="square" rtlCol="0">
+            <a:spAutoFit/>
+          </a:bodyPr>
+          <a:lstStyle/>
+          <a:p>
+            <a:r>
+              <a:rPr lang="en-US" altLang="ko-KR" sz="4800" spc="-300" dirty="0">
+                <a:solidFill>
+                  <a:srgbClr val="FAA818"/>
+                </a:solidFill>
+                <a:latin typeface="KoPub돋움체 Medium" panose="00000600000000000000" pitchFamily="2" charset="-127"/>
+                <a:ea typeface="KoPub돋움체 Medium" panose="00000600000000000000" pitchFamily="2" charset="-127"/>
+              </a:rPr>
+              <a:t>Vs</a:t>
+            </a:r>
+            <a:endParaRPr lang="ko-KR" altLang="en-US" sz="4800" spc="-300" dirty="0">
+              <a:solidFill>
+                <a:srgbClr val="FAA818"/>
+              </a:solidFill>
+              <a:latin typeface="KoPub돋움체 Medium" panose="00000600000000000000" pitchFamily="2" charset="-127"/>
+              <a:ea typeface="KoPub돋움체 Medium" panose="00000600000000000000" pitchFamily="2" charset="-127"/>
+            </a:endParaRPr>
+          </a:p>
+        </p:txBody>
+      </p:sp>
+      <p:sp>
+        <p:nvSpPr>
+          <p:cNvPr id="35" name="TextBox 34">
+            <a:extLst>
+              <a:ext uri="{FF2B5EF4-FFF2-40B4-BE49-F238E27FC236}">
+                <a16:creationId xmlns:a16="http://schemas.microsoft.com/office/drawing/2014/main" id="{11A9825E-0EA8-4648-8E21-6C7AE38EA01A}"/>
+              </a:ext>
+            </a:extLst>
+          </p:cNvPr>
+          <p:cNvSpPr txBox="1"/>
+          <p:nvPr/>
+        </p:nvSpPr>
+        <p:spPr>
+          <a:xfrm>
+            <a:off x="1211839" y="510481"/>
+            <a:ext cx="607859" cy="369332"/>
+          </a:xfrm>
+          <a:prstGeom prst="rect">
+            <a:avLst/>
+          </a:prstGeom>
+          <a:noFill/>
+        </p:spPr>
+        <p:txBody>
+          <a:bodyPr wrap="none" rtlCol="0">
+            <a:spAutoFit/>
+          </a:bodyPr>
+          <a:lstStyle/>
+          <a:p>
+            <a:r>
+              <a:rPr lang="ko-KR" altLang="en-US" spc="-150" dirty="0">
+                <a:ln>
+                  <a:solidFill>
+                    <a:srgbClr val="409B0D">
+                      <a:alpha val="30000"/>
+                    </a:srgbClr>
+                  </a:solidFill>
+                </a:ln>
+                <a:solidFill>
+                  <a:schemeClr val="tx1">
+                    <a:lumMod val="75000"/>
+                    <a:lumOff val="25000"/>
+                  </a:schemeClr>
+                </a:solidFill>
+                <a:latin typeface="KoPub돋움체 Medium" panose="00000600000000000000" pitchFamily="2" charset="-127"/>
+                <a:ea typeface="KoPub돋움체 Bold" panose="00000800000000000000" pitchFamily="2" charset="-127"/>
+              </a:rPr>
+              <a:t>시연</a:t>
+            </a:r>
+            <a:endParaRPr lang="en-US" altLang="ko-KR" spc="-150" dirty="0">
+              <a:solidFill>
+                <a:schemeClr val="tx1">
+                  <a:lumMod val="75000"/>
+                  <a:lumOff val="25000"/>
+                </a:schemeClr>
+              </a:solidFill>
+              <a:latin typeface="KoPub돋움체 Medium" panose="00000600000000000000" pitchFamily="2" charset="-127"/>
+              <a:ea typeface="KoPub돋움체 Medium" panose="00000600000000000000" pitchFamily="2" charset="-127"/>
+            </a:endParaRPr>
+          </a:p>
+        </p:txBody>
+      </p:sp>
+      <p:sp>
+        <p:nvSpPr>
+          <p:cNvPr id="26" name="직사각형 25">
+            <a:extLst>
+              <a:ext uri="{FF2B5EF4-FFF2-40B4-BE49-F238E27FC236}">
+                <a16:creationId xmlns:a16="http://schemas.microsoft.com/office/drawing/2014/main" id="{7EBFDBB5-E7A1-4FF4-982A-5B4742D843AA}"/>
+              </a:ext>
+            </a:extLst>
+          </p:cNvPr>
+          <p:cNvSpPr/>
+          <p:nvPr/>
+        </p:nvSpPr>
+        <p:spPr>
+          <a:xfrm>
+            <a:off x="1605525" y="3606272"/>
+            <a:ext cx="8980950" cy="861774"/>
+          </a:xfrm>
+          <a:prstGeom prst="rect">
+            <a:avLst/>
+          </a:prstGeom>
+        </p:spPr>
+        <p:txBody>
+          <a:bodyPr wrap="square" anchor="ctr">
+            <a:spAutoFit/>
+          </a:bodyPr>
+          <a:lstStyle/>
+          <a:p>
+            <a:pPr algn="ctr"/>
+            <a:r>
+              <a:rPr lang="ko-KR" altLang="en-US" sz="3200" b="1" spc="-150" dirty="0">
+                <a:ln>
+                  <a:solidFill>
+                    <a:schemeClr val="bg1">
+                      <a:alpha val="30000"/>
+                    </a:schemeClr>
+                  </a:solidFill>
+                </a:ln>
+                <a:solidFill>
+                  <a:schemeClr val="tx1">
+                    <a:lumMod val="95000"/>
+                    <a:lumOff val="5000"/>
+                  </a:schemeClr>
+                </a:solidFill>
+                <a:latin typeface="KoPub돋움체 Light" panose="00000300000000000000" pitchFamily="2" charset="-127"/>
+                <a:ea typeface="KoPub돋움체 Light" panose="00000300000000000000" pitchFamily="2" charset="-127"/>
+              </a:rPr>
+              <a:t>경로 안내 시각화 시연</a:t>
+            </a:r>
+            <a:endParaRPr lang="en-US" altLang="ko-KR" sz="3200" b="1" spc="-150" dirty="0">
+              <a:ln>
+                <a:solidFill>
+                  <a:schemeClr val="bg1">
+                    <a:alpha val="30000"/>
+                  </a:schemeClr>
+                </a:solidFill>
+              </a:ln>
+              <a:solidFill>
+                <a:schemeClr val="tx1">
+                  <a:lumMod val="95000"/>
+                  <a:lumOff val="5000"/>
+                </a:schemeClr>
+              </a:solidFill>
+              <a:latin typeface="KoPub돋움체 Light" panose="00000300000000000000" pitchFamily="2" charset="-127"/>
+              <a:ea typeface="KoPub돋움체 Light" panose="00000300000000000000" pitchFamily="2" charset="-127"/>
+            </a:endParaRPr>
+          </a:p>
+          <a:p>
+            <a:r>
+              <a:rPr lang="en-US" altLang="ko-KR" b="1" spc="-150" dirty="0">
+                <a:ln>
+                  <a:solidFill>
+                    <a:schemeClr val="bg1">
+                      <a:alpha val="30000"/>
+                    </a:schemeClr>
+                  </a:solidFill>
+                </a:ln>
+                <a:solidFill>
+                  <a:schemeClr val="tx1">
+                    <a:lumMod val="95000"/>
+                    <a:lumOff val="5000"/>
+                  </a:schemeClr>
+                </a:solidFill>
+                <a:latin typeface="KoPub돋움체 Light" panose="00000300000000000000" pitchFamily="2" charset="-127"/>
+                <a:ea typeface="KoPub돋움체 Light" panose="00000300000000000000" pitchFamily="2" charset="-127"/>
+              </a:rPr>
+              <a:t>      </a:t>
+            </a:r>
+          </a:p>
+        </p:txBody>
+      </p:sp>
+    </p:spTree>
+    <p:extLst>
+      <p:ext uri="{BB962C8B-B14F-4D97-AF65-F5344CB8AC3E}">
+        <p14:creationId xmlns:p14="http://schemas.microsoft.com/office/powerpoint/2010/main" val="541805835"/>
+      </p:ext>
+    </p:extLst>
+  </p:cSld>
+  <p:clrMapOvr>
+    <a:masterClrMapping/>
+  </p:clrMapOvr>
+</p:sld>
+</file>
+
+<file path=ppt/slides/slide18.xml><?xml version="1.0" encoding="utf-8"?>
+<p:sld xmlns:a="http://schemas.openxmlformats.org/drawingml/2006/main" xmlns:r="http://schemas.openxmlformats.org/officeDocument/2006/relationships" xmlns:p="http://schemas.openxmlformats.org/presentationml/2006/main">
+  <p:cSld>
+    <p:spTree>
+      <p:nvGrpSpPr>
+        <p:cNvPr id="1" name=""/>
+        <p:cNvGrpSpPr/>
+        <p:nvPr/>
+      </p:nvGrpSpPr>
+      <p:grpSpPr>
+        <a:xfrm>
+          <a:off x="0" y="0"/>
+          <a:ext cx="0" cy="0"/>
+          <a:chOff x="0" y="0"/>
+          <a:chExt cx="0" cy="0"/>
+        </a:xfrm>
+      </p:grpSpPr>
       <p:sp>
         <p:nvSpPr>
           <p:cNvPr id="5" name="직사각형 4">
             <a:extLst>
               <a:ext uri="{FF2B5EF4-FFF2-40B4-BE49-F238E27FC236}">
-                <a16:creationId xmlns="" xmlns:a16="http://schemas.microsoft.com/office/drawing/2014/main" id="{9447557F-5328-4686-AF79-A3671F6E3A90}"/>
+                <a16:creationId xmlns:a16="http://schemas.microsoft.com/office/drawing/2014/main" id="{9447557F-5328-4686-AF79-A3671F6E3A90}"/>
               </a:ext>
             </a:extLst>
           </p:cNvPr>
@@ -5438,7 +9046,7 @@
           <p:cNvPr id="3" name="TextBox 2">
             <a:extLst>
               <a:ext uri="{FF2B5EF4-FFF2-40B4-BE49-F238E27FC236}">
-                <a16:creationId xmlns="" xmlns:a16="http://schemas.microsoft.com/office/drawing/2014/main" id="{C1457E5F-B183-42E6-930C-F934AA0FDB9D}"/>
+                <a16:creationId xmlns:a16="http://schemas.microsoft.com/office/drawing/2014/main" id="{C1457E5F-B183-42E6-930C-F934AA0FDB9D}"/>
               </a:ext>
             </a:extLst>
           </p:cNvPr>
@@ -5490,7 +9098,7 @@
           <p:cNvPr id="8" name="TextBox 7">
             <a:extLst>
               <a:ext uri="{FF2B5EF4-FFF2-40B4-BE49-F238E27FC236}">
-                <a16:creationId xmlns="" xmlns:a16="http://schemas.microsoft.com/office/drawing/2014/main" id="{C4E81C81-5024-48BC-8389-B3C4BEF828E6}"/>
+                <a16:creationId xmlns:a16="http://schemas.microsoft.com/office/drawing/2014/main" id="{C4E81C81-5024-48BC-8389-B3C4BEF828E6}"/>
               </a:ext>
             </a:extLst>
           </p:cNvPr>
@@ -5542,7 +9150,7 @@
           <p:cNvPr id="11" name="TextBox 10">
             <a:extLst>
               <a:ext uri="{FF2B5EF4-FFF2-40B4-BE49-F238E27FC236}">
-                <a16:creationId xmlns="" xmlns:a16="http://schemas.microsoft.com/office/drawing/2014/main" id="{C98783DD-E82C-4977-B139-6DFAA5A21F5B}"/>
+                <a16:creationId xmlns:a16="http://schemas.microsoft.com/office/drawing/2014/main" id="{C98783DD-E82C-4977-B139-6DFAA5A21F5B}"/>
               </a:ext>
             </a:extLst>
           </p:cNvPr>
@@ -5620,7 +9228,7 @@
               <p14:cNvPr id="12" name="잉크 11">
                 <a:extLst>
                   <a:ext uri="{FF2B5EF4-FFF2-40B4-BE49-F238E27FC236}">
-                    <a16:creationId xmlns="" xmlns:a16="http://schemas.microsoft.com/office/drawing/2014/main" id="{DBC48598-4927-42D1-862C-3E9D51F6B6FC}"/>
+                    <a16:creationId xmlns:a16="http://schemas.microsoft.com/office/drawing/2014/main" id="{DBC48598-4927-42D1-862C-3E9D51F6B6FC}"/>
                   </a:ext>
                 </a:extLst>
               </p14:cNvPr>
@@ -5699,7 +9307,7 @@
           <p:cNvPr id="26" name="사각형: 둥근 모서리 25">
             <a:extLst>
               <a:ext uri="{FF2B5EF4-FFF2-40B4-BE49-F238E27FC236}">
-                <a16:creationId xmlns="" xmlns:a16="http://schemas.microsoft.com/office/drawing/2014/main" id="{6EF4AACF-BF98-4D1B-815E-F2B21068B69C}"/>
+                <a16:creationId xmlns:a16="http://schemas.microsoft.com/office/drawing/2014/main" id="{6EF4AACF-BF98-4D1B-815E-F2B21068B69C}"/>
               </a:ext>
             </a:extLst>
           </p:cNvPr>
@@ -5763,7 +9371,7 @@
           <p:cNvPr id="25" name="사각형: 둥근 모서리 24">
             <a:extLst>
               <a:ext uri="{FF2B5EF4-FFF2-40B4-BE49-F238E27FC236}">
-                <a16:creationId xmlns="" xmlns:a16="http://schemas.microsoft.com/office/drawing/2014/main" id="{2B540C0C-C67A-4CCA-936F-6F1BF9B33AA6}"/>
+                <a16:creationId xmlns:a16="http://schemas.microsoft.com/office/drawing/2014/main" id="{2B540C0C-C67A-4CCA-936F-6F1BF9B33AA6}"/>
               </a:ext>
             </a:extLst>
           </p:cNvPr>
@@ -5827,7 +9435,7 @@
           <p:cNvPr id="11" name="TextBox 10">
             <a:extLst>
               <a:ext uri="{FF2B5EF4-FFF2-40B4-BE49-F238E27FC236}">
-                <a16:creationId xmlns="" xmlns:a16="http://schemas.microsoft.com/office/drawing/2014/main" id="{5F5C2694-2958-48AC-A495-3A4D740A8E48}"/>
+                <a16:creationId xmlns:a16="http://schemas.microsoft.com/office/drawing/2014/main" id="{5F5C2694-2958-48AC-A495-3A4D740A8E48}"/>
               </a:ext>
             </a:extLst>
           </p:cNvPr>
@@ -5871,7 +9479,7 @@
           <p:cNvPr id="27" name="직사각형 26">
             <a:extLst>
               <a:ext uri="{FF2B5EF4-FFF2-40B4-BE49-F238E27FC236}">
-                <a16:creationId xmlns="" xmlns:a16="http://schemas.microsoft.com/office/drawing/2014/main" id="{7B485AC3-93BA-4C5D-BD3E-4C24FE11A689}"/>
+                <a16:creationId xmlns:a16="http://schemas.microsoft.com/office/drawing/2014/main" id="{7B485AC3-93BA-4C5D-BD3E-4C24FE11A689}"/>
               </a:ext>
             </a:extLst>
           </p:cNvPr>
@@ -5927,7 +9535,7 @@
           <p:cNvPr id="9" name="사각형: 둥근 모서리 25">
             <a:extLst>
               <a:ext uri="{FF2B5EF4-FFF2-40B4-BE49-F238E27FC236}">
-                <a16:creationId xmlns="" xmlns:a16="http://schemas.microsoft.com/office/drawing/2014/main" id="{6EF4AACF-BF98-4D1B-815E-F2B21068B69C}"/>
+                <a16:creationId xmlns:a16="http://schemas.microsoft.com/office/drawing/2014/main" id="{6EF4AACF-BF98-4D1B-815E-F2B21068B69C}"/>
               </a:ext>
             </a:extLst>
           </p:cNvPr>
@@ -5991,7 +9599,7 @@
           <p:cNvPr id="10" name="TextBox 9">
             <a:extLst>
               <a:ext uri="{FF2B5EF4-FFF2-40B4-BE49-F238E27FC236}">
-                <a16:creationId xmlns="" xmlns:a16="http://schemas.microsoft.com/office/drawing/2014/main" id="{AFFF3868-DADC-439E-953C-BAD4581A3B8A}"/>
+                <a16:creationId xmlns:a16="http://schemas.microsoft.com/office/drawing/2014/main" id="{AFFF3868-DADC-439E-953C-BAD4581A3B8A}"/>
               </a:ext>
             </a:extLst>
           </p:cNvPr>
@@ -6016,7 +9624,7 @@
           <a:p>
             <a:pPr algn="ctr"/>
             <a:r>
-              <a:rPr lang="ko-KR" altLang="en-US" sz="2800" spc="-150" dirty="0" smtClean="0">
+              <a:rPr lang="ko-KR" altLang="en-US" sz="2800" spc="-150" dirty="0">
                 <a:solidFill>
                   <a:srgbClr val="41A30D"/>
                 </a:solidFill>
@@ -6059,15 +9667,15 @@
           <a:lstStyle/>
           <a:p>
             <a:r>
-              <a:rPr lang="ko-KR" altLang="en-US" dirty="0" smtClean="0"/>
+              <a:rPr lang="ko-KR" altLang="en-US" dirty="0"/>
               <a:t>천용진 </a:t>
             </a:r>
             <a:r>
-              <a:rPr lang="en-US" altLang="ko-KR" dirty="0" smtClean="0"/>
+              <a:rPr lang="en-US" altLang="ko-KR" dirty="0"/>
               <a:t>/</a:t>
             </a:r>
             <a:r>
-              <a:rPr lang="ko-KR" altLang="en-US" dirty="0" smtClean="0"/>
+              <a:rPr lang="ko-KR" altLang="en-US" dirty="0"/>
               <a:t> 김현태</a:t>
             </a:r>
             <a:endParaRPr lang="en-US" dirty="0"/>
@@ -6097,15 +9705,15 @@
           <a:lstStyle/>
           <a:p>
             <a:r>
-              <a:rPr lang="ko-KR" altLang="en-US" dirty="0" smtClean="0"/>
+              <a:rPr lang="ko-KR" altLang="en-US" dirty="0"/>
               <a:t>박성환 </a:t>
             </a:r>
             <a:r>
-              <a:rPr lang="en-US" altLang="ko-KR" dirty="0" smtClean="0"/>
+              <a:rPr lang="en-US" altLang="ko-KR" dirty="0"/>
               <a:t>/</a:t>
             </a:r>
             <a:r>
-              <a:rPr lang="ko-KR" altLang="en-US" dirty="0" smtClean="0"/>
+              <a:rPr lang="ko-KR" altLang="en-US" dirty="0"/>
               <a:t> 윤종하  </a:t>
             </a:r>
             <a:endParaRPr lang="en-US" dirty="0"/>
@@ -6117,7 +9725,7 @@
           <p:cNvPr id="15" name="TextBox 14">
             <a:extLst>
               <a:ext uri="{FF2B5EF4-FFF2-40B4-BE49-F238E27FC236}">
-                <a16:creationId xmlns="" xmlns:a16="http://schemas.microsoft.com/office/drawing/2014/main" id="{AFFF3868-DADC-439E-953C-BAD4581A3B8A}"/>
+                <a16:creationId xmlns:a16="http://schemas.microsoft.com/office/drawing/2014/main" id="{AFFF3868-DADC-439E-953C-BAD4581A3B8A}"/>
               </a:ext>
             </a:extLst>
           </p:cNvPr>
@@ -6142,7 +9750,7 @@
           <a:p>
             <a:pPr algn="ctr"/>
             <a:r>
-              <a:rPr lang="ko-KR" altLang="en-US" sz="2800" spc="-150" dirty="0" smtClean="0">
+              <a:rPr lang="ko-KR" altLang="en-US" sz="2800" spc="-150" dirty="0">
                 <a:solidFill>
                   <a:srgbClr val="41A30D"/>
                 </a:solidFill>
@@ -6252,7 +9860,7 @@
           <p:cNvPr id="4" name="직사각형 3">
             <a:extLst>
               <a:ext uri="{FF2B5EF4-FFF2-40B4-BE49-F238E27FC236}">
-                <a16:creationId xmlns="" xmlns:a16="http://schemas.microsoft.com/office/drawing/2014/main" id="{FC56DBEE-CFA2-427D-A54E-C69EBB5FAD8F}"/>
+                <a16:creationId xmlns:a16="http://schemas.microsoft.com/office/drawing/2014/main" id="{FC56DBEE-CFA2-427D-A54E-C69EBB5FAD8F}"/>
               </a:ext>
             </a:extLst>
           </p:cNvPr>
@@ -6306,7 +9914,7 @@
           <p:cNvPr id="5" name="직사각형 4">
             <a:extLst>
               <a:ext uri="{FF2B5EF4-FFF2-40B4-BE49-F238E27FC236}">
-                <a16:creationId xmlns="" xmlns:a16="http://schemas.microsoft.com/office/drawing/2014/main" id="{B946531F-0ED7-40C3-B576-4F56E0B23959}"/>
+                <a16:creationId xmlns:a16="http://schemas.microsoft.com/office/drawing/2014/main" id="{B946531F-0ED7-40C3-B576-4F56E0B23959}"/>
               </a:ext>
             </a:extLst>
           </p:cNvPr>
@@ -6360,7 +9968,7 @@
           <p:cNvPr id="6" name="그룹 5">
             <a:extLst>
               <a:ext uri="{FF2B5EF4-FFF2-40B4-BE49-F238E27FC236}">
-                <a16:creationId xmlns="" xmlns:a16="http://schemas.microsoft.com/office/drawing/2014/main" id="{A87738A6-DCCB-44F8-BC8F-5630746B8082}"/>
+                <a16:creationId xmlns:a16="http://schemas.microsoft.com/office/drawing/2014/main" id="{A87738A6-DCCB-44F8-BC8F-5630746B8082}"/>
               </a:ext>
             </a:extLst>
           </p:cNvPr>
@@ -6380,7 +9988,7 @@
             <p:cNvPr id="7" name="TextBox 2">
               <a:extLst>
                 <a:ext uri="{FF2B5EF4-FFF2-40B4-BE49-F238E27FC236}">
-                  <a16:creationId xmlns="" xmlns:a16="http://schemas.microsoft.com/office/drawing/2014/main" id="{3F15D2F0-3EF3-4014-88BD-F1E9CEE28153}"/>
+                  <a16:creationId xmlns:a16="http://schemas.microsoft.com/office/drawing/2014/main" id="{3F15D2F0-3EF3-4014-88BD-F1E9CEE28153}"/>
                 </a:ext>
               </a:extLst>
             </p:cNvPr>
@@ -6438,7 +10046,7 @@
             <p:cNvPr id="8" name="TextBox 3">
               <a:extLst>
                 <a:ext uri="{FF2B5EF4-FFF2-40B4-BE49-F238E27FC236}">
-                  <a16:creationId xmlns="" xmlns:a16="http://schemas.microsoft.com/office/drawing/2014/main" id="{EE9EE9DD-4219-4C6F-BCF5-B48D9535E62E}"/>
+                  <a16:creationId xmlns:a16="http://schemas.microsoft.com/office/drawing/2014/main" id="{EE9EE9DD-4219-4C6F-BCF5-B48D9535E62E}"/>
                 </a:ext>
               </a:extLst>
             </p:cNvPr>
@@ -6508,7 +10116,7 @@
           <p:cNvPr id="9" name="직각 삼각형 23">
             <a:extLst>
               <a:ext uri="{FF2B5EF4-FFF2-40B4-BE49-F238E27FC236}">
-                <a16:creationId xmlns="" xmlns:a16="http://schemas.microsoft.com/office/drawing/2014/main" id="{A21687B3-DD91-4897-B11B-1D36E99F5FBD}"/>
+                <a16:creationId xmlns:a16="http://schemas.microsoft.com/office/drawing/2014/main" id="{A21687B3-DD91-4897-B11B-1D36E99F5FBD}"/>
               </a:ext>
             </a:extLst>
           </p:cNvPr>
@@ -6590,7 +10198,7 @@
           <p:cNvPr id="10" name="사각형: 잘린 대각선 방향 모서리 18">
             <a:extLst>
               <a:ext uri="{FF2B5EF4-FFF2-40B4-BE49-F238E27FC236}">
-                <a16:creationId xmlns="" xmlns:a16="http://schemas.microsoft.com/office/drawing/2014/main" id="{AE988215-4041-4A4C-BC8C-DD558303ABAF}"/>
+                <a16:creationId xmlns:a16="http://schemas.microsoft.com/office/drawing/2014/main" id="{AE988215-4041-4A4C-BC8C-DD558303ABAF}"/>
               </a:ext>
             </a:extLst>
           </p:cNvPr>
@@ -6925,7 +10533,7 @@
           <p:cNvPr id="4" name="직사각형 3">
             <a:extLst>
               <a:ext uri="{FF2B5EF4-FFF2-40B4-BE49-F238E27FC236}">
-                <a16:creationId xmlns="" xmlns:a16="http://schemas.microsoft.com/office/drawing/2014/main" id="{FC56DBEE-CFA2-427D-A54E-C69EBB5FAD8F}"/>
+                <a16:creationId xmlns:a16="http://schemas.microsoft.com/office/drawing/2014/main" id="{FC56DBEE-CFA2-427D-A54E-C69EBB5FAD8F}"/>
               </a:ext>
             </a:extLst>
           </p:cNvPr>
@@ -6979,7 +10587,7 @@
           <p:cNvPr id="5" name="직사각형 4">
             <a:extLst>
               <a:ext uri="{FF2B5EF4-FFF2-40B4-BE49-F238E27FC236}">
-                <a16:creationId xmlns="" xmlns:a16="http://schemas.microsoft.com/office/drawing/2014/main" id="{B946531F-0ED7-40C3-B576-4F56E0B23959}"/>
+                <a16:creationId xmlns:a16="http://schemas.microsoft.com/office/drawing/2014/main" id="{B946531F-0ED7-40C3-B576-4F56E0B23959}"/>
               </a:ext>
             </a:extLst>
           </p:cNvPr>
@@ -7033,7 +10641,7 @@
           <p:cNvPr id="6" name="그룹 5">
             <a:extLst>
               <a:ext uri="{FF2B5EF4-FFF2-40B4-BE49-F238E27FC236}">
-                <a16:creationId xmlns="" xmlns:a16="http://schemas.microsoft.com/office/drawing/2014/main" id="{A87738A6-DCCB-44F8-BC8F-5630746B8082}"/>
+                <a16:creationId xmlns:a16="http://schemas.microsoft.com/office/drawing/2014/main" id="{A87738A6-DCCB-44F8-BC8F-5630746B8082}"/>
               </a:ext>
             </a:extLst>
           </p:cNvPr>
@@ -7053,7 +10661,7 @@
             <p:cNvPr id="7" name="TextBox 2">
               <a:extLst>
                 <a:ext uri="{FF2B5EF4-FFF2-40B4-BE49-F238E27FC236}">
-                  <a16:creationId xmlns="" xmlns:a16="http://schemas.microsoft.com/office/drawing/2014/main" id="{3F15D2F0-3EF3-4014-88BD-F1E9CEE28153}"/>
+                  <a16:creationId xmlns:a16="http://schemas.microsoft.com/office/drawing/2014/main" id="{3F15D2F0-3EF3-4014-88BD-F1E9CEE28153}"/>
                 </a:ext>
               </a:extLst>
             </p:cNvPr>
@@ -7111,7 +10719,7 @@
             <p:cNvPr id="8" name="TextBox 3">
               <a:extLst>
                 <a:ext uri="{FF2B5EF4-FFF2-40B4-BE49-F238E27FC236}">
-                  <a16:creationId xmlns="" xmlns:a16="http://schemas.microsoft.com/office/drawing/2014/main" id="{EE9EE9DD-4219-4C6F-BCF5-B48D9535E62E}"/>
+                  <a16:creationId xmlns:a16="http://schemas.microsoft.com/office/drawing/2014/main" id="{EE9EE9DD-4219-4C6F-BCF5-B48D9535E62E}"/>
                 </a:ext>
               </a:extLst>
             </p:cNvPr>
@@ -7181,7 +10789,7 @@
           <p:cNvPr id="9" name="직각 삼각형 23">
             <a:extLst>
               <a:ext uri="{FF2B5EF4-FFF2-40B4-BE49-F238E27FC236}">
-                <a16:creationId xmlns="" xmlns:a16="http://schemas.microsoft.com/office/drawing/2014/main" id="{A21687B3-DD91-4897-B11B-1D36E99F5FBD}"/>
+                <a16:creationId xmlns:a16="http://schemas.microsoft.com/office/drawing/2014/main" id="{A21687B3-DD91-4897-B11B-1D36E99F5FBD}"/>
               </a:ext>
             </a:extLst>
           </p:cNvPr>
@@ -7263,7 +10871,7 @@
           <p:cNvPr id="10" name="사각형: 잘린 대각선 방향 모서리 18">
             <a:extLst>
               <a:ext uri="{FF2B5EF4-FFF2-40B4-BE49-F238E27FC236}">
-                <a16:creationId xmlns="" xmlns:a16="http://schemas.microsoft.com/office/drawing/2014/main" id="{AE988215-4041-4A4C-BC8C-DD558303ABAF}"/>
+                <a16:creationId xmlns:a16="http://schemas.microsoft.com/office/drawing/2014/main" id="{AE988215-4041-4A4C-BC8C-DD558303ABAF}"/>
               </a:ext>
             </a:extLst>
           </p:cNvPr>
@@ -11552,7 +15160,7 @@
           <p:cNvPr id="6" name="그룹 5">
             <a:extLst>
               <a:ext uri="{FF2B5EF4-FFF2-40B4-BE49-F238E27FC236}">
-                <a16:creationId xmlns="" xmlns:a16="http://schemas.microsoft.com/office/drawing/2014/main" id="{A87738A6-DCCB-44F8-BC8F-5630746B8082}"/>
+                <a16:creationId xmlns:a16="http://schemas.microsoft.com/office/drawing/2014/main" id="{A87738A6-DCCB-44F8-BC8F-5630746B8082}"/>
               </a:ext>
             </a:extLst>
           </p:cNvPr>
@@ -11572,7 +15180,7 @@
             <p:cNvPr id="3" name="TextBox 2">
               <a:extLst>
                 <a:ext uri="{FF2B5EF4-FFF2-40B4-BE49-F238E27FC236}">
-                  <a16:creationId xmlns="" xmlns:a16="http://schemas.microsoft.com/office/drawing/2014/main" id="{3F15D2F0-3EF3-4014-88BD-F1E9CEE28153}"/>
+                  <a16:creationId xmlns:a16="http://schemas.microsoft.com/office/drawing/2014/main" id="{3F15D2F0-3EF3-4014-88BD-F1E9CEE28153}"/>
                 </a:ext>
               </a:extLst>
             </p:cNvPr>
@@ -11630,7 +15238,7 @@
             <p:cNvPr id="4" name="TextBox 3">
               <a:extLst>
                 <a:ext uri="{FF2B5EF4-FFF2-40B4-BE49-F238E27FC236}">
-                  <a16:creationId xmlns="" xmlns:a16="http://schemas.microsoft.com/office/drawing/2014/main" id="{EE9EE9DD-4219-4C6F-BCF5-B48D9535E62E}"/>
+                  <a16:creationId xmlns:a16="http://schemas.microsoft.com/office/drawing/2014/main" id="{EE9EE9DD-4219-4C6F-BCF5-B48D9535E62E}"/>
                 </a:ext>
               </a:extLst>
             </p:cNvPr>
@@ -11700,7 +15308,7 @@
           <p:cNvPr id="9" name="직사각형 8">
             <a:extLst>
               <a:ext uri="{FF2B5EF4-FFF2-40B4-BE49-F238E27FC236}">
-                <a16:creationId xmlns="" xmlns:a16="http://schemas.microsoft.com/office/drawing/2014/main" id="{B946531F-0ED7-40C3-B576-4F56E0B23959}"/>
+                <a16:creationId xmlns:a16="http://schemas.microsoft.com/office/drawing/2014/main" id="{B946531F-0ED7-40C3-B576-4F56E0B23959}"/>
               </a:ext>
             </a:extLst>
           </p:cNvPr>
@@ -11754,7 +15362,7 @@
           <p:cNvPr id="24" name="직각 삼각형 23">
             <a:extLst>
               <a:ext uri="{FF2B5EF4-FFF2-40B4-BE49-F238E27FC236}">
-                <a16:creationId xmlns="" xmlns:a16="http://schemas.microsoft.com/office/drawing/2014/main" id="{A21687B3-DD91-4897-B11B-1D36E99F5FBD}"/>
+                <a16:creationId xmlns:a16="http://schemas.microsoft.com/office/drawing/2014/main" id="{A21687B3-DD91-4897-B11B-1D36E99F5FBD}"/>
               </a:ext>
             </a:extLst>
           </p:cNvPr>
@@ -11806,7 +15414,7 @@
           <p:cNvPr id="18" name="직사각형 17">
             <a:extLst>
               <a:ext uri="{FF2B5EF4-FFF2-40B4-BE49-F238E27FC236}">
-                <a16:creationId xmlns="" xmlns:a16="http://schemas.microsoft.com/office/drawing/2014/main" id="{FC56DBEE-CFA2-427D-A54E-C69EBB5FAD8F}"/>
+                <a16:creationId xmlns:a16="http://schemas.microsoft.com/office/drawing/2014/main" id="{FC56DBEE-CFA2-427D-A54E-C69EBB5FAD8F}"/>
               </a:ext>
             </a:extLst>
           </p:cNvPr>
@@ -11860,7 +15468,7 @@
           <p:cNvPr id="5" name="그림 4">
             <a:extLst>
               <a:ext uri="{FF2B5EF4-FFF2-40B4-BE49-F238E27FC236}">
-                <a16:creationId xmlns="" xmlns:a16="http://schemas.microsoft.com/office/drawing/2014/main" id="{FAA7C14E-59D4-4E2F-9433-BCBA2BA519B9}"/>
+                <a16:creationId xmlns:a16="http://schemas.microsoft.com/office/drawing/2014/main" id="{FAA7C14E-59D4-4E2F-9433-BCBA2BA519B9}"/>
               </a:ext>
             </a:extLst>
           </p:cNvPr>
@@ -11896,7 +15504,7 @@
           <p:cNvPr id="16" name="이등변 삼각형 15">
             <a:extLst>
               <a:ext uri="{FF2B5EF4-FFF2-40B4-BE49-F238E27FC236}">
-                <a16:creationId xmlns="" xmlns:a16="http://schemas.microsoft.com/office/drawing/2014/main" id="{6A579E04-95AD-4A49-B2DC-F82AC5E07A92}"/>
+                <a16:creationId xmlns:a16="http://schemas.microsoft.com/office/drawing/2014/main" id="{6A579E04-95AD-4A49-B2DC-F82AC5E07A92}"/>
               </a:ext>
             </a:extLst>
           </p:cNvPr>
@@ -11950,7 +15558,7 @@
           <p:cNvPr id="14" name="텍스트 상자 13">
             <a:extLst>
               <a:ext uri="{FF2B5EF4-FFF2-40B4-BE49-F238E27FC236}">
-                <a16:creationId xmlns="" xmlns:a16="http://schemas.microsoft.com/office/drawing/2014/main" id="{18FDB7F7-5093-4D6B-88A4-B1BA074FCE77}"/>
+                <a16:creationId xmlns:a16="http://schemas.microsoft.com/office/drawing/2014/main" id="{18FDB7F7-5093-4D6B-88A4-B1BA074FCE77}"/>
               </a:ext>
             </a:extLst>
           </p:cNvPr>
@@ -11979,11 +15587,7 @@
             </a:r>
             <a:r>
               <a:rPr kumimoji="1" lang="ko-KR" altLang="en-US" dirty="0"/>
-              <a:t>관 </a:t>
-            </a:r>
-            <a:r>
-              <a:rPr kumimoji="1" lang="ko-KR" altLang="en-US" dirty="0" smtClean="0"/>
-              <a:t>교차점 및 강의실 좌표 데이터 </a:t>
+              <a:t>관 교차점 및 강의실 좌표 데이터 </a:t>
             </a:r>
             <a:endParaRPr kumimoji="1" lang="en-US" altLang="ko-KR" dirty="0"/>
           </a:p>
@@ -11994,7 +15598,7 @@
           <p:cNvPr id="15" name="텍스트 상자 13">
             <a:extLst>
               <a:ext uri="{FF2B5EF4-FFF2-40B4-BE49-F238E27FC236}">
-                <a16:creationId xmlns="" xmlns:a16="http://schemas.microsoft.com/office/drawing/2014/main" id="{AE72C7A1-1B2E-4847-A0F3-B32192D206C7}"/>
+                <a16:creationId xmlns:a16="http://schemas.microsoft.com/office/drawing/2014/main" id="{AE72C7A1-1B2E-4847-A0F3-B32192D206C7}"/>
               </a:ext>
             </a:extLst>
           </p:cNvPr>
@@ -12018,14 +15622,14 @@
           <a:lstStyle/>
           <a:p>
             <a:r>
-              <a:rPr kumimoji="1" lang="ko-KR" altLang="en-US" dirty="0" smtClean="0"/>
+              <a:rPr kumimoji="1" lang="ko-KR" altLang="en-US" dirty="0"/>
               <a:t>데이터 추출 </a:t>
             </a:r>
             <a:r>
-              <a:rPr kumimoji="1" lang="ko-KR" altLang="en-US" smtClean="0"/>
+              <a:rPr kumimoji="1" lang="ko-KR" altLang="en-US"/>
               <a:t>및 정제화</a:t>
             </a:r>
-            <a:endParaRPr kumimoji="1" lang="en-US" altLang="ko-KR" dirty="0" smtClean="0"/>
+            <a:endParaRPr kumimoji="1" lang="en-US" altLang="ko-KR" dirty="0"/>
           </a:p>
         </p:txBody>
       </p:sp>
@@ -12094,7 +15698,7 @@
           <p:cNvPr id="17" name="그림 6">
             <a:extLst>
               <a:ext uri="{FF2B5EF4-FFF2-40B4-BE49-F238E27FC236}">
-                <a16:creationId xmlns="" xmlns:a16="http://schemas.microsoft.com/office/drawing/2014/main" id="{FC930A71-E777-4CDF-8FCB-3CCCF2523DAE}"/>
+                <a16:creationId xmlns:a16="http://schemas.microsoft.com/office/drawing/2014/main" id="{FC930A71-E777-4CDF-8FCB-3CCCF2523DAE}"/>
               </a:ext>
             </a:extLst>
           </p:cNvPr>
@@ -12153,7 +15757,7 @@
           <p:cNvPr id="6" name="그룹 5">
             <a:extLst>
               <a:ext uri="{FF2B5EF4-FFF2-40B4-BE49-F238E27FC236}">
-                <a16:creationId xmlns="" xmlns:a16="http://schemas.microsoft.com/office/drawing/2014/main" id="{A87738A6-DCCB-44F8-BC8F-5630746B8082}"/>
+                <a16:creationId xmlns:a16="http://schemas.microsoft.com/office/drawing/2014/main" id="{A87738A6-DCCB-44F8-BC8F-5630746B8082}"/>
               </a:ext>
             </a:extLst>
           </p:cNvPr>
@@ -12173,7 +15777,7 @@
             <p:cNvPr id="3" name="TextBox 2">
               <a:extLst>
                 <a:ext uri="{FF2B5EF4-FFF2-40B4-BE49-F238E27FC236}">
-                  <a16:creationId xmlns="" xmlns:a16="http://schemas.microsoft.com/office/drawing/2014/main" id="{3F15D2F0-3EF3-4014-88BD-F1E9CEE28153}"/>
+                  <a16:creationId xmlns:a16="http://schemas.microsoft.com/office/drawing/2014/main" id="{3F15D2F0-3EF3-4014-88BD-F1E9CEE28153}"/>
                 </a:ext>
               </a:extLst>
             </p:cNvPr>
@@ -12231,7 +15835,7 @@
             <p:cNvPr id="4" name="TextBox 3">
               <a:extLst>
                 <a:ext uri="{FF2B5EF4-FFF2-40B4-BE49-F238E27FC236}">
-                  <a16:creationId xmlns="" xmlns:a16="http://schemas.microsoft.com/office/drawing/2014/main" id="{EE9EE9DD-4219-4C6F-BCF5-B48D9535E62E}"/>
+                  <a16:creationId xmlns:a16="http://schemas.microsoft.com/office/drawing/2014/main" id="{EE9EE9DD-4219-4C6F-BCF5-B48D9535E62E}"/>
                 </a:ext>
               </a:extLst>
             </p:cNvPr>
@@ -12301,7 +15905,7 @@
           <p:cNvPr id="9" name="직사각형 8">
             <a:extLst>
               <a:ext uri="{FF2B5EF4-FFF2-40B4-BE49-F238E27FC236}">
-                <a16:creationId xmlns="" xmlns:a16="http://schemas.microsoft.com/office/drawing/2014/main" id="{B946531F-0ED7-40C3-B576-4F56E0B23959}"/>
+                <a16:creationId xmlns:a16="http://schemas.microsoft.com/office/drawing/2014/main" id="{B946531F-0ED7-40C3-B576-4F56E0B23959}"/>
               </a:ext>
             </a:extLst>
           </p:cNvPr>
@@ -12355,7 +15959,7 @@
           <p:cNvPr id="24" name="직각 삼각형 23">
             <a:extLst>
               <a:ext uri="{FF2B5EF4-FFF2-40B4-BE49-F238E27FC236}">
-                <a16:creationId xmlns="" xmlns:a16="http://schemas.microsoft.com/office/drawing/2014/main" id="{A21687B3-DD91-4897-B11B-1D36E99F5FBD}"/>
+                <a16:creationId xmlns:a16="http://schemas.microsoft.com/office/drawing/2014/main" id="{A21687B3-DD91-4897-B11B-1D36E99F5FBD}"/>
               </a:ext>
             </a:extLst>
           </p:cNvPr>
@@ -12407,7 +16011,7 @@
           <p:cNvPr id="18" name="직사각형 17">
             <a:extLst>
               <a:ext uri="{FF2B5EF4-FFF2-40B4-BE49-F238E27FC236}">
-                <a16:creationId xmlns="" xmlns:a16="http://schemas.microsoft.com/office/drawing/2014/main" id="{FC56DBEE-CFA2-427D-A54E-C69EBB5FAD8F}"/>
+                <a16:creationId xmlns:a16="http://schemas.microsoft.com/office/drawing/2014/main" id="{FC56DBEE-CFA2-427D-A54E-C69EBB5FAD8F}"/>
               </a:ext>
             </a:extLst>
           </p:cNvPr>
@@ -12461,7 +16065,7 @@
           <p:cNvPr id="5" name="그림 4">
             <a:extLst>
               <a:ext uri="{FF2B5EF4-FFF2-40B4-BE49-F238E27FC236}">
-                <a16:creationId xmlns="" xmlns:a16="http://schemas.microsoft.com/office/drawing/2014/main" id="{FAA7C14E-59D4-4E2F-9433-BCBA2BA519B9}"/>
+                <a16:creationId xmlns:a16="http://schemas.microsoft.com/office/drawing/2014/main" id="{FAA7C14E-59D4-4E2F-9433-BCBA2BA519B9}"/>
               </a:ext>
             </a:extLst>
           </p:cNvPr>
@@ -12490,7 +16094,7 @@
           <p:cNvPr id="16" name="이등변 삼각형 15">
             <a:extLst>
               <a:ext uri="{FF2B5EF4-FFF2-40B4-BE49-F238E27FC236}">
-                <a16:creationId xmlns="" xmlns:a16="http://schemas.microsoft.com/office/drawing/2014/main" id="{6A579E04-95AD-4A49-B2DC-F82AC5E07A92}"/>
+                <a16:creationId xmlns:a16="http://schemas.microsoft.com/office/drawing/2014/main" id="{6A579E04-95AD-4A49-B2DC-F82AC5E07A92}"/>
               </a:ext>
             </a:extLst>
           </p:cNvPr>
@@ -12544,7 +16148,7 @@
           <p:cNvPr id="13" name="표 12">
             <a:extLst>
               <a:ext uri="{FF2B5EF4-FFF2-40B4-BE49-F238E27FC236}">
-                <a16:creationId xmlns="" xmlns:a16="http://schemas.microsoft.com/office/drawing/2014/main" id="{6935E920-AC64-4086-92AA-2E1CED4A13BB}"/>
+                <a16:creationId xmlns:a16="http://schemas.microsoft.com/office/drawing/2014/main" id="{6935E920-AC64-4086-92AA-2E1CED4A13BB}"/>
               </a:ext>
             </a:extLst>
           </p:cNvPr>
@@ -12569,42 +16173,42 @@
                 <a:gridCol w="812800">
                   <a:extLst>
                     <a:ext uri="{9D8B030D-6E8A-4147-A177-3AD203B41FA5}">
-                      <a16:colId xmlns="" xmlns:a16="http://schemas.microsoft.com/office/drawing/2014/main" val="20000"/>
+                      <a16:colId xmlns:a16="http://schemas.microsoft.com/office/drawing/2014/main" val="20000"/>
                     </a:ext>
                   </a:extLst>
                 </a:gridCol>
                 <a:gridCol w="812800">
                   <a:extLst>
                     <a:ext uri="{9D8B030D-6E8A-4147-A177-3AD203B41FA5}">
-                      <a16:colId xmlns="" xmlns:a16="http://schemas.microsoft.com/office/drawing/2014/main" val="20001"/>
+                      <a16:colId xmlns:a16="http://schemas.microsoft.com/office/drawing/2014/main" val="20001"/>
                     </a:ext>
                   </a:extLst>
                 </a:gridCol>
                 <a:gridCol w="812800">
                   <a:extLst>
                     <a:ext uri="{9D8B030D-6E8A-4147-A177-3AD203B41FA5}">
-                      <a16:colId xmlns="" xmlns:a16="http://schemas.microsoft.com/office/drawing/2014/main" val="20002"/>
+                      <a16:colId xmlns:a16="http://schemas.microsoft.com/office/drawing/2014/main" val="20002"/>
                     </a:ext>
                   </a:extLst>
                 </a:gridCol>
                 <a:gridCol w="812800">
                   <a:extLst>
                     <a:ext uri="{9D8B030D-6E8A-4147-A177-3AD203B41FA5}">
-                      <a16:colId xmlns="" xmlns:a16="http://schemas.microsoft.com/office/drawing/2014/main" val="20003"/>
+                      <a16:colId xmlns:a16="http://schemas.microsoft.com/office/drawing/2014/main" val="20003"/>
                     </a:ext>
                   </a:extLst>
                 </a:gridCol>
                 <a:gridCol w="812800">
                   <a:extLst>
                     <a:ext uri="{9D8B030D-6E8A-4147-A177-3AD203B41FA5}">
-                      <a16:colId xmlns="" xmlns:a16="http://schemas.microsoft.com/office/drawing/2014/main" val="20004"/>
+                      <a16:colId xmlns:a16="http://schemas.microsoft.com/office/drawing/2014/main" val="20004"/>
                     </a:ext>
                   </a:extLst>
                 </a:gridCol>
                 <a:gridCol w="812800">
                   <a:extLst>
                     <a:ext uri="{9D8B030D-6E8A-4147-A177-3AD203B41FA5}">
-                      <a16:colId xmlns="" xmlns:a16="http://schemas.microsoft.com/office/drawing/2014/main" val="863816877"/>
+                      <a16:colId xmlns:a16="http://schemas.microsoft.com/office/drawing/2014/main" val="863816877"/>
                     </a:ext>
                   </a:extLst>
                 </a:gridCol>
@@ -12718,7 +16322,7 @@
                 </a:tc>
                 <a:extLst>
                   <a:ext uri="{0D108BD9-81ED-4DB2-BD59-A6C34878D82A}">
-                    <a16:rowId xmlns="" xmlns:a16="http://schemas.microsoft.com/office/drawing/2014/main" val="10000"/>
+                    <a16:rowId xmlns:a16="http://schemas.microsoft.com/office/drawing/2014/main" val="10000"/>
                   </a:ext>
                 </a:extLst>
               </a:tr>
@@ -12794,7 +16398,7 @@
                 </a:tc>
                 <a:extLst>
                   <a:ext uri="{0D108BD9-81ED-4DB2-BD59-A6C34878D82A}">
-                    <a16:rowId xmlns="" xmlns:a16="http://schemas.microsoft.com/office/drawing/2014/main" val="10001"/>
+                    <a16:rowId xmlns:a16="http://schemas.microsoft.com/office/drawing/2014/main" val="10001"/>
                   </a:ext>
                 </a:extLst>
               </a:tr>
@@ -12870,7 +16474,7 @@
                 </a:tc>
                 <a:extLst>
                   <a:ext uri="{0D108BD9-81ED-4DB2-BD59-A6C34878D82A}">
-                    <a16:rowId xmlns="" xmlns:a16="http://schemas.microsoft.com/office/drawing/2014/main" val="4172954605"/>
+                    <a16:rowId xmlns:a16="http://schemas.microsoft.com/office/drawing/2014/main" val="4172954605"/>
                   </a:ext>
                 </a:extLst>
               </a:tr>
@@ -12949,7 +16553,7 @@
                 </a:tc>
                 <a:extLst>
                   <a:ext uri="{0D108BD9-81ED-4DB2-BD59-A6C34878D82A}">
-                    <a16:rowId xmlns="" xmlns:a16="http://schemas.microsoft.com/office/drawing/2014/main" val="1751226854"/>
+                    <a16:rowId xmlns:a16="http://schemas.microsoft.com/office/drawing/2014/main" val="1751226854"/>
                   </a:ext>
                 </a:extLst>
               </a:tr>
@@ -13025,7 +16629,7 @@
                 </a:tc>
                 <a:extLst>
                   <a:ext uri="{0D108BD9-81ED-4DB2-BD59-A6C34878D82A}">
-                    <a16:rowId xmlns="" xmlns:a16="http://schemas.microsoft.com/office/drawing/2014/main" val="3084563420"/>
+                    <a16:rowId xmlns:a16="http://schemas.microsoft.com/office/drawing/2014/main" val="3084563420"/>
                   </a:ext>
                 </a:extLst>
               </a:tr>
@@ -13101,7 +16705,7 @@
                 </a:tc>
                 <a:extLst>
                   <a:ext uri="{0D108BD9-81ED-4DB2-BD59-A6C34878D82A}">
-                    <a16:rowId xmlns="" xmlns:a16="http://schemas.microsoft.com/office/drawing/2014/main" val="560322244"/>
+                    <a16:rowId xmlns:a16="http://schemas.microsoft.com/office/drawing/2014/main" val="560322244"/>
                   </a:ext>
                 </a:extLst>
               </a:tr>
@@ -13177,7 +16781,7 @@
                 </a:tc>
                 <a:extLst>
                   <a:ext uri="{0D108BD9-81ED-4DB2-BD59-A6C34878D82A}">
-                    <a16:rowId xmlns="" xmlns:a16="http://schemas.microsoft.com/office/drawing/2014/main" val="277692938"/>
+                    <a16:rowId xmlns:a16="http://schemas.microsoft.com/office/drawing/2014/main" val="277692938"/>
                   </a:ext>
                 </a:extLst>
               </a:tr>
@@ -13190,7 +16794,7 @@
           <p:cNvPr id="14" name="텍스트 상자 13">
             <a:extLst>
               <a:ext uri="{FF2B5EF4-FFF2-40B4-BE49-F238E27FC236}">
-                <a16:creationId xmlns="" xmlns:a16="http://schemas.microsoft.com/office/drawing/2014/main" id="{18FDB7F7-5093-4D6B-88A4-B1BA074FCE77}"/>
+                <a16:creationId xmlns:a16="http://schemas.microsoft.com/office/drawing/2014/main" id="{18FDB7F7-5093-4D6B-88A4-B1BA074FCE77}"/>
               </a:ext>
             </a:extLst>
           </p:cNvPr>
@@ -13230,7 +16834,7 @@
           <p:cNvPr id="15" name="텍스트 상자 13">
             <a:extLst>
               <a:ext uri="{FF2B5EF4-FFF2-40B4-BE49-F238E27FC236}">
-                <a16:creationId xmlns="" xmlns:a16="http://schemas.microsoft.com/office/drawing/2014/main" id="{AE72C7A1-1B2E-4847-A0F3-B32192D206C7}"/>
+                <a16:creationId xmlns:a16="http://schemas.microsoft.com/office/drawing/2014/main" id="{AE72C7A1-1B2E-4847-A0F3-B32192D206C7}"/>
               </a:ext>
             </a:extLst>
           </p:cNvPr>
@@ -13299,7 +16903,7 @@
           <p:cNvPr id="4" name="직사각형 3">
             <a:extLst>
               <a:ext uri="{FF2B5EF4-FFF2-40B4-BE49-F238E27FC236}">
-                <a16:creationId xmlns="" xmlns:a16="http://schemas.microsoft.com/office/drawing/2014/main" id="{FC56DBEE-CFA2-427D-A54E-C69EBB5FAD8F}"/>
+                <a16:creationId xmlns:a16="http://schemas.microsoft.com/office/drawing/2014/main" id="{FC56DBEE-CFA2-427D-A54E-C69EBB5FAD8F}"/>
               </a:ext>
             </a:extLst>
           </p:cNvPr>
@@ -13353,7 +16957,7 @@
           <p:cNvPr id="5" name="직사각형 4">
             <a:extLst>
               <a:ext uri="{FF2B5EF4-FFF2-40B4-BE49-F238E27FC236}">
-                <a16:creationId xmlns="" xmlns:a16="http://schemas.microsoft.com/office/drawing/2014/main" id="{B946531F-0ED7-40C3-B576-4F56E0B23959}"/>
+                <a16:creationId xmlns:a16="http://schemas.microsoft.com/office/drawing/2014/main" id="{B946531F-0ED7-40C3-B576-4F56E0B23959}"/>
               </a:ext>
             </a:extLst>
           </p:cNvPr>
@@ -13407,7 +17011,7 @@
           <p:cNvPr id="6" name="그룹 5">
             <a:extLst>
               <a:ext uri="{FF2B5EF4-FFF2-40B4-BE49-F238E27FC236}">
-                <a16:creationId xmlns="" xmlns:a16="http://schemas.microsoft.com/office/drawing/2014/main" id="{A87738A6-DCCB-44F8-BC8F-5630746B8082}"/>
+                <a16:creationId xmlns:a16="http://schemas.microsoft.com/office/drawing/2014/main" id="{A87738A6-DCCB-44F8-BC8F-5630746B8082}"/>
               </a:ext>
             </a:extLst>
           </p:cNvPr>
@@ -13427,7 +17031,7 @@
             <p:cNvPr id="7" name="TextBox 2">
               <a:extLst>
                 <a:ext uri="{FF2B5EF4-FFF2-40B4-BE49-F238E27FC236}">
-                  <a16:creationId xmlns="" xmlns:a16="http://schemas.microsoft.com/office/drawing/2014/main" id="{3F15D2F0-3EF3-4014-88BD-F1E9CEE28153}"/>
+                  <a16:creationId xmlns:a16="http://schemas.microsoft.com/office/drawing/2014/main" id="{3F15D2F0-3EF3-4014-88BD-F1E9CEE28153}"/>
                 </a:ext>
               </a:extLst>
             </p:cNvPr>
@@ -13451,7 +17055,7 @@
             <a:lstStyle/>
             <a:p>
               <a:r>
-                <a:rPr lang="en-US" altLang="ko-KR" sz="4800" spc="-300" dirty="0" smtClean="0">
+                <a:rPr lang="en-US" altLang="ko-KR" sz="4800" spc="-300" dirty="0">
                   <a:solidFill>
                     <a:srgbClr val="FFCE38"/>
                   </a:solidFill>
@@ -13485,7 +17089,7 @@
             <p:cNvPr id="8" name="TextBox 3">
               <a:extLst>
                 <a:ext uri="{FF2B5EF4-FFF2-40B4-BE49-F238E27FC236}">
-                  <a16:creationId xmlns="" xmlns:a16="http://schemas.microsoft.com/office/drawing/2014/main" id="{EE9EE9DD-4219-4C6F-BCF5-B48D9535E62E}"/>
+                  <a16:creationId xmlns:a16="http://schemas.microsoft.com/office/drawing/2014/main" id="{EE9EE9DD-4219-4C6F-BCF5-B48D9535E62E}"/>
                 </a:ext>
               </a:extLst>
             </p:cNvPr>
@@ -13509,7 +17113,7 @@
             <a:lstStyle/>
             <a:p>
               <a:r>
-                <a:rPr lang="en-US" altLang="ko-KR" spc="-150" dirty="0" smtClean="0">
+                <a:rPr lang="en-US" altLang="ko-KR" spc="-150" dirty="0">
                   <a:solidFill>
                     <a:schemeClr val="tx1">
                       <a:lumMod val="75000"/>
@@ -13524,7 +17128,7 @@
             </a:p>
             <a:p>
               <a:r>
-                <a:rPr lang="en-US" altLang="ko-KR" spc="-150" dirty="0" smtClean="0">
+                <a:rPr lang="en-US" altLang="ko-KR" spc="-150" dirty="0">
                   <a:solidFill>
                     <a:schemeClr val="tx1">
                       <a:lumMod val="75000"/>
@@ -13555,7 +17159,7 @@
           <p:cNvPr id="9" name="직각 삼각형 23">
             <a:extLst>
               <a:ext uri="{FF2B5EF4-FFF2-40B4-BE49-F238E27FC236}">
-                <a16:creationId xmlns="" xmlns:a16="http://schemas.microsoft.com/office/drawing/2014/main" id="{A21687B3-DD91-4897-B11B-1D36E99F5FBD}"/>
+                <a16:creationId xmlns:a16="http://schemas.microsoft.com/office/drawing/2014/main" id="{A21687B3-DD91-4897-B11B-1D36E99F5FBD}"/>
               </a:ext>
             </a:extLst>
           </p:cNvPr>
@@ -13637,7 +17241,7 @@
           <p:cNvPr id="10" name="사각형: 잘린 대각선 방향 모서리 18">
             <a:extLst>
               <a:ext uri="{FF2B5EF4-FFF2-40B4-BE49-F238E27FC236}">
-                <a16:creationId xmlns="" xmlns:a16="http://schemas.microsoft.com/office/drawing/2014/main" id="{AE988215-4041-4A4C-BC8C-DD558303ABAF}"/>
+                <a16:creationId xmlns:a16="http://schemas.microsoft.com/office/drawing/2014/main" id="{AE988215-4041-4A4C-BC8C-DD558303ABAF}"/>
               </a:ext>
             </a:extLst>
           </p:cNvPr>
@@ -13684,7 +17288,7 @@
           <a:p>
             <a:pPr algn="ctr"/>
             <a:r>
-              <a:rPr lang="en-US" altLang="ko-KR" sz="1600" spc="-150" dirty="0" smtClean="0">
+              <a:rPr lang="en-US" altLang="ko-KR" sz="1600" spc="-150" dirty="0">
                 <a:ln>
                   <a:solidFill>
                     <a:srgbClr val="409B0D">
@@ -13979,7 +17583,7 @@
           <p:cNvPr id="4" name="직사각형 3">
             <a:extLst>
               <a:ext uri="{FF2B5EF4-FFF2-40B4-BE49-F238E27FC236}">
-                <a16:creationId xmlns="" xmlns:a16="http://schemas.microsoft.com/office/drawing/2014/main" id="{FC56DBEE-CFA2-427D-A54E-C69EBB5FAD8F}"/>
+                <a16:creationId xmlns:a16="http://schemas.microsoft.com/office/drawing/2014/main" id="{FC56DBEE-CFA2-427D-A54E-C69EBB5FAD8F}"/>
               </a:ext>
             </a:extLst>
           </p:cNvPr>
@@ -14033,7 +17637,7 @@
           <p:cNvPr id="5" name="직사각형 4">
             <a:extLst>
               <a:ext uri="{FF2B5EF4-FFF2-40B4-BE49-F238E27FC236}">
-                <a16:creationId xmlns="" xmlns:a16="http://schemas.microsoft.com/office/drawing/2014/main" id="{B946531F-0ED7-40C3-B576-4F56E0B23959}"/>
+                <a16:creationId xmlns:a16="http://schemas.microsoft.com/office/drawing/2014/main" id="{B946531F-0ED7-40C3-B576-4F56E0B23959}"/>
               </a:ext>
             </a:extLst>
           </p:cNvPr>
@@ -14087,7 +17691,7 @@
           <p:cNvPr id="6" name="그룹 5">
             <a:extLst>
               <a:ext uri="{FF2B5EF4-FFF2-40B4-BE49-F238E27FC236}">
-                <a16:creationId xmlns="" xmlns:a16="http://schemas.microsoft.com/office/drawing/2014/main" id="{A87738A6-DCCB-44F8-BC8F-5630746B8082}"/>
+                <a16:creationId xmlns:a16="http://schemas.microsoft.com/office/drawing/2014/main" id="{A87738A6-DCCB-44F8-BC8F-5630746B8082}"/>
               </a:ext>
             </a:extLst>
           </p:cNvPr>
@@ -14107,7 +17711,7 @@
             <p:cNvPr id="7" name="TextBox 2">
               <a:extLst>
                 <a:ext uri="{FF2B5EF4-FFF2-40B4-BE49-F238E27FC236}">
-                  <a16:creationId xmlns="" xmlns:a16="http://schemas.microsoft.com/office/drawing/2014/main" id="{3F15D2F0-3EF3-4014-88BD-F1E9CEE28153}"/>
+                  <a16:creationId xmlns:a16="http://schemas.microsoft.com/office/drawing/2014/main" id="{3F15D2F0-3EF3-4014-88BD-F1E9CEE28153}"/>
                 </a:ext>
               </a:extLst>
             </p:cNvPr>
@@ -14131,7 +17735,7 @@
             <a:lstStyle/>
             <a:p>
               <a:r>
-                <a:rPr lang="en-US" altLang="ko-KR" sz="4800" spc="-300" dirty="0" smtClean="0">
+                <a:rPr lang="en-US" altLang="ko-KR" sz="4800" spc="-300" dirty="0">
                   <a:solidFill>
                     <a:srgbClr val="FFCE38"/>
                   </a:solidFill>
@@ -14165,7 +17769,7 @@
             <p:cNvPr id="8" name="TextBox 3">
               <a:extLst>
                 <a:ext uri="{FF2B5EF4-FFF2-40B4-BE49-F238E27FC236}">
-                  <a16:creationId xmlns="" xmlns:a16="http://schemas.microsoft.com/office/drawing/2014/main" id="{EE9EE9DD-4219-4C6F-BCF5-B48D9535E62E}"/>
+                  <a16:creationId xmlns:a16="http://schemas.microsoft.com/office/drawing/2014/main" id="{EE9EE9DD-4219-4C6F-BCF5-B48D9535E62E}"/>
                 </a:ext>
               </a:extLst>
             </p:cNvPr>
@@ -14189,7 +17793,7 @@
             <a:lstStyle/>
             <a:p>
               <a:r>
-                <a:rPr lang="en-US" altLang="ko-KR" spc="-150" dirty="0" smtClean="0">
+                <a:rPr lang="en-US" altLang="ko-KR" spc="-150" dirty="0">
                   <a:solidFill>
                     <a:schemeClr val="tx1">
                       <a:lumMod val="75000"/>
@@ -14204,7 +17808,7 @@
             </a:p>
             <a:p>
               <a:r>
-                <a:rPr lang="en-US" altLang="ko-KR" spc="-150" dirty="0" smtClean="0">
+                <a:rPr lang="en-US" altLang="ko-KR" spc="-150" dirty="0">
                   <a:solidFill>
                     <a:schemeClr val="tx1">
                       <a:lumMod val="75000"/>
@@ -14235,7 +17839,7 @@
           <p:cNvPr id="9" name="직각 삼각형 23">
             <a:extLst>
               <a:ext uri="{FF2B5EF4-FFF2-40B4-BE49-F238E27FC236}">
-                <a16:creationId xmlns="" xmlns:a16="http://schemas.microsoft.com/office/drawing/2014/main" id="{A21687B3-DD91-4897-B11B-1D36E99F5FBD}"/>
+                <a16:creationId xmlns:a16="http://schemas.microsoft.com/office/drawing/2014/main" id="{A21687B3-DD91-4897-B11B-1D36E99F5FBD}"/>
               </a:ext>
             </a:extLst>
           </p:cNvPr>
@@ -14317,7 +17921,7 @@
           <p:cNvPr id="10" name="사각형: 잘린 대각선 방향 모서리 18">
             <a:extLst>
               <a:ext uri="{FF2B5EF4-FFF2-40B4-BE49-F238E27FC236}">
-                <a16:creationId xmlns="" xmlns:a16="http://schemas.microsoft.com/office/drawing/2014/main" id="{AE988215-4041-4A4C-BC8C-DD558303ABAF}"/>
+                <a16:creationId xmlns:a16="http://schemas.microsoft.com/office/drawing/2014/main" id="{AE988215-4041-4A4C-BC8C-DD558303ABAF}"/>
               </a:ext>
             </a:extLst>
           </p:cNvPr>
@@ -14364,7 +17968,7 @@
           <a:p>
             <a:pPr algn="ctr"/>
             <a:r>
-              <a:rPr lang="en-US" altLang="ko-KR" sz="1600" spc="-150" dirty="0" smtClean="0">
+              <a:rPr lang="en-US" altLang="ko-KR" sz="1600" spc="-150" dirty="0">
                 <a:ln>
                   <a:solidFill>
                     <a:srgbClr val="409B0D">
@@ -14686,7 +18290,7 @@
           <p:cNvPr id="18" name="직사각형 17">
             <a:extLst>
               <a:ext uri="{FF2B5EF4-FFF2-40B4-BE49-F238E27FC236}">
-                <a16:creationId xmlns="" xmlns:a16="http://schemas.microsoft.com/office/drawing/2014/main" id="{FC56DBEE-CFA2-427D-A54E-C69EBB5FAD8F}"/>
+                <a16:creationId xmlns:a16="http://schemas.microsoft.com/office/drawing/2014/main" id="{FC56DBEE-CFA2-427D-A54E-C69EBB5FAD8F}"/>
               </a:ext>
             </a:extLst>
           </p:cNvPr>
@@ -14740,7 +18344,7 @@
           <p:cNvPr id="2" name="그림 1">
             <a:extLst>
               <a:ext uri="{FF2B5EF4-FFF2-40B4-BE49-F238E27FC236}">
-                <a16:creationId xmlns="" xmlns:a16="http://schemas.microsoft.com/office/drawing/2014/main" id="{8072468B-AEB7-43D1-95B0-CDC8F8A8A6C6}"/>
+                <a16:creationId xmlns:a16="http://schemas.microsoft.com/office/drawing/2014/main" id="{8072468B-AEB7-43D1-95B0-CDC8F8A8A6C6}"/>
               </a:ext>
             </a:extLst>
           </p:cNvPr>
@@ -14770,7 +18374,7 @@
           <p:cNvPr id="6" name="그룹 5">
             <a:extLst>
               <a:ext uri="{FF2B5EF4-FFF2-40B4-BE49-F238E27FC236}">
-                <a16:creationId xmlns="" xmlns:a16="http://schemas.microsoft.com/office/drawing/2014/main" id="{A87738A6-DCCB-44F8-BC8F-5630746B8082}"/>
+                <a16:creationId xmlns:a16="http://schemas.microsoft.com/office/drawing/2014/main" id="{A87738A6-DCCB-44F8-BC8F-5630746B8082}"/>
               </a:ext>
             </a:extLst>
           </p:cNvPr>
@@ -14790,7 +18394,7 @@
             <p:cNvPr id="3" name="TextBox 2">
               <a:extLst>
                 <a:ext uri="{FF2B5EF4-FFF2-40B4-BE49-F238E27FC236}">
-                  <a16:creationId xmlns="" xmlns:a16="http://schemas.microsoft.com/office/drawing/2014/main" id="{3F15D2F0-3EF3-4014-88BD-F1E9CEE28153}"/>
+                  <a16:creationId xmlns:a16="http://schemas.microsoft.com/office/drawing/2014/main" id="{3F15D2F0-3EF3-4014-88BD-F1E9CEE28153}"/>
                 </a:ext>
               </a:extLst>
             </p:cNvPr>
@@ -14814,7 +18418,7 @@
             <a:lstStyle/>
             <a:p>
               <a:r>
-                <a:rPr lang="en-US" altLang="ko-KR" sz="4800" spc="-300" dirty="0" smtClean="0">
+                <a:rPr lang="en-US" altLang="ko-KR" sz="4800" spc="-300" dirty="0">
                   <a:solidFill>
                     <a:srgbClr val="FFCE38"/>
                   </a:solidFill>
@@ -14848,7 +18452,7 @@
             <p:cNvPr id="4" name="TextBox 3">
               <a:extLst>
                 <a:ext uri="{FF2B5EF4-FFF2-40B4-BE49-F238E27FC236}">
-                  <a16:creationId xmlns="" xmlns:a16="http://schemas.microsoft.com/office/drawing/2014/main" id="{EE9EE9DD-4219-4C6F-BCF5-B48D9535E62E}"/>
+                  <a16:creationId xmlns:a16="http://schemas.microsoft.com/office/drawing/2014/main" id="{EE9EE9DD-4219-4C6F-BCF5-B48D9535E62E}"/>
                 </a:ext>
               </a:extLst>
             </p:cNvPr>
@@ -14872,7 +18476,7 @@
             <a:lstStyle/>
             <a:p>
               <a:r>
-                <a:rPr lang="en-US" altLang="ko-KR" spc="-150" dirty="0" smtClean="0">
+                <a:rPr lang="en-US" altLang="ko-KR" spc="-150" dirty="0">
                   <a:solidFill>
                     <a:schemeClr val="tx1">
                       <a:lumMod val="75000"/>
@@ -14887,7 +18491,7 @@
             </a:p>
             <a:p>
               <a:r>
-                <a:rPr lang="en-US" altLang="ko-KR" spc="-150" dirty="0" smtClean="0">
+                <a:rPr lang="en-US" altLang="ko-KR" spc="-150" dirty="0">
                   <a:solidFill>
                     <a:schemeClr val="tx1">
                       <a:lumMod val="75000"/>
@@ -14918,7 +18522,7 @@
           <p:cNvPr id="9" name="직사각형 8">
             <a:extLst>
               <a:ext uri="{FF2B5EF4-FFF2-40B4-BE49-F238E27FC236}">
-                <a16:creationId xmlns="" xmlns:a16="http://schemas.microsoft.com/office/drawing/2014/main" id="{B946531F-0ED7-40C3-B576-4F56E0B23959}"/>
+                <a16:creationId xmlns:a16="http://schemas.microsoft.com/office/drawing/2014/main" id="{B946531F-0ED7-40C3-B576-4F56E0B23959}"/>
               </a:ext>
             </a:extLst>
           </p:cNvPr>
@@ -14972,7 +18576,7 @@
           <p:cNvPr id="24" name="직각 삼각형 23">
             <a:extLst>
               <a:ext uri="{FF2B5EF4-FFF2-40B4-BE49-F238E27FC236}">
-                <a16:creationId xmlns="" xmlns:a16="http://schemas.microsoft.com/office/drawing/2014/main" id="{A21687B3-DD91-4897-B11B-1D36E99F5FBD}"/>
+                <a16:creationId xmlns:a16="http://schemas.microsoft.com/office/drawing/2014/main" id="{A21687B3-DD91-4897-B11B-1D36E99F5FBD}"/>
               </a:ext>
             </a:extLst>
           </p:cNvPr>
@@ -15024,7 +18628,7 @@
           <p:cNvPr id="17" name="사각형: 잘린 대각선 방향 모서리 16">
             <a:extLst>
               <a:ext uri="{FF2B5EF4-FFF2-40B4-BE49-F238E27FC236}">
-                <a16:creationId xmlns="" xmlns:a16="http://schemas.microsoft.com/office/drawing/2014/main" id="{B275F779-1A97-4327-876B-A5BA9DE1FC03}"/>
+                <a16:creationId xmlns:a16="http://schemas.microsoft.com/office/drawing/2014/main" id="{B275F779-1A97-4327-876B-A5BA9DE1FC03}"/>
               </a:ext>
             </a:extLst>
           </p:cNvPr>
@@ -15092,7 +18696,7 @@
           <p:cNvPr id="20" name="타원 19">
             <a:extLst>
               <a:ext uri="{FF2B5EF4-FFF2-40B4-BE49-F238E27FC236}">
-                <a16:creationId xmlns="" xmlns:a16="http://schemas.microsoft.com/office/drawing/2014/main" id="{BC4A4FB2-51EA-49AF-B300-D9C6B7E1C6AA}"/>
+                <a16:creationId xmlns:a16="http://schemas.microsoft.com/office/drawing/2014/main" id="{BC4A4FB2-51EA-49AF-B300-D9C6B7E1C6AA}"/>
               </a:ext>
             </a:extLst>
           </p:cNvPr>
@@ -15146,7 +18750,7 @@
           <p:cNvPr id="21" name="타원 20">
             <a:extLst>
               <a:ext uri="{FF2B5EF4-FFF2-40B4-BE49-F238E27FC236}">
-                <a16:creationId xmlns="" xmlns:a16="http://schemas.microsoft.com/office/drawing/2014/main" id="{C969B8A6-0E86-44A1-AE1F-D2FB4051D31C}"/>
+                <a16:creationId xmlns:a16="http://schemas.microsoft.com/office/drawing/2014/main" id="{C969B8A6-0E86-44A1-AE1F-D2FB4051D31C}"/>
               </a:ext>
             </a:extLst>
           </p:cNvPr>
@@ -15200,7 +18804,7 @@
           <p:cNvPr id="26" name="직사각형 25">
             <a:extLst>
               <a:ext uri="{FF2B5EF4-FFF2-40B4-BE49-F238E27FC236}">
-                <a16:creationId xmlns="" xmlns:a16="http://schemas.microsoft.com/office/drawing/2014/main" id="{4872D681-9606-473E-852B-52FBB45983A7}"/>
+                <a16:creationId xmlns:a16="http://schemas.microsoft.com/office/drawing/2014/main" id="{4872D681-9606-473E-852B-52FBB45983A7}"/>
               </a:ext>
             </a:extLst>
           </p:cNvPr>
@@ -15224,7 +18828,7 @@
           <a:p>
             <a:pPr algn="ctr"/>
             <a:r>
-              <a:rPr lang="ko-KR" altLang="en-US" sz="1400" b="1" dirty="0" smtClean="0">
+              <a:rPr lang="ko-KR" altLang="en-US" sz="1400" b="1" dirty="0">
                 <a:ln>
                   <a:solidFill>
                     <a:schemeClr val="bg1">
@@ -15260,698 +18864,6 @@
               <a:latin typeface="KoPub돋움체 Light" panose="00000300000000000000" pitchFamily="2" charset="-127"/>
               <a:ea typeface="KoPub돋움체 Light" panose="00000300000000000000" pitchFamily="2" charset="-127"/>
             </a:endParaRPr>
-          </a:p>
-          <a:p>
-            <a:pPr algn="ctr"/>
-            <a:endParaRPr lang="en-US" altLang="ko-KR" sz="1400" b="1" dirty="0" smtClean="0">
-              <a:ln>
-                <a:solidFill>
-                  <a:schemeClr val="bg1">
-                    <a:alpha val="30000"/>
-                  </a:schemeClr>
-                </a:solidFill>
-              </a:ln>
-              <a:solidFill>
-                <a:schemeClr val="tx1">
-                  <a:lumMod val="95000"/>
-                  <a:lumOff val="5000"/>
-                </a:schemeClr>
-              </a:solidFill>
-              <a:latin typeface="KoPub돋움체 Light" panose="00000300000000000000" pitchFamily="2" charset="-127"/>
-              <a:ea typeface="KoPub돋움체 Light" panose="00000300000000000000" pitchFamily="2" charset="-127"/>
-            </a:endParaRPr>
-          </a:p>
-          <a:p>
-            <a:pPr algn="ctr"/>
-            <a:r>
-              <a:rPr lang="ko-KR" altLang="en-US" sz="1400" b="1" dirty="0" smtClean="0">
-                <a:ln>
-                  <a:solidFill>
-                    <a:schemeClr val="bg1">
-                      <a:alpha val="30000"/>
-                    </a:schemeClr>
-                  </a:solidFill>
-                </a:ln>
-                <a:solidFill>
-                  <a:schemeClr val="tx1">
-                    <a:lumMod val="95000"/>
-                    <a:lumOff val="5000"/>
-                  </a:schemeClr>
-                </a:solidFill>
-                <a:latin typeface="KoPub돋움체 Light" panose="00000300000000000000" pitchFamily="2" charset="-127"/>
-                <a:ea typeface="KoPub돋움체 Light" panose="00000300000000000000" pitchFamily="2" charset="-127"/>
-              </a:rPr>
-              <a:t>같은층일 경우 </a:t>
-            </a:r>
-            <a:r>
-              <a:rPr lang="en-US" altLang="ko-KR" sz="1400" b="1" dirty="0" smtClean="0">
-                <a:ln>
-                  <a:solidFill>
-                    <a:schemeClr val="bg1">
-                      <a:alpha val="30000"/>
-                    </a:schemeClr>
-                  </a:solidFill>
-                </a:ln>
-                <a:solidFill>
-                  <a:schemeClr val="tx1">
-                    <a:lumMod val="95000"/>
-                    <a:lumOff val="5000"/>
-                  </a:schemeClr>
-                </a:solidFill>
-                <a:latin typeface="KoPub돋움체 Light" panose="00000300000000000000" pitchFamily="2" charset="-127"/>
-                <a:ea typeface="KoPub돋움체 Light" panose="00000300000000000000" pitchFamily="2" charset="-127"/>
-              </a:rPr>
-              <a:t>:</a:t>
-            </a:r>
-            <a:r>
-              <a:rPr lang="ko-KR" altLang="en-US" sz="1400" b="1" dirty="0" smtClean="0">
-                <a:ln>
-                  <a:solidFill>
-                    <a:schemeClr val="bg1">
-                      <a:alpha val="30000"/>
-                    </a:schemeClr>
-                  </a:solidFill>
-                </a:ln>
-                <a:solidFill>
-                  <a:schemeClr val="tx1">
-                    <a:lumMod val="95000"/>
-                    <a:lumOff val="5000"/>
-                  </a:schemeClr>
-                </a:solidFill>
-                <a:latin typeface="KoPub돋움체 Light" panose="00000300000000000000" pitchFamily="2" charset="-127"/>
-                <a:ea typeface="KoPub돋움체 Light" panose="00000300000000000000" pitchFamily="2" charset="-127"/>
-              </a:rPr>
-              <a:t> 두개의 노드를 교차점에 추가 시킨뒤 계산 </a:t>
-            </a:r>
-            <a:endParaRPr lang="en-US" altLang="ko-KR" sz="1400" b="1" dirty="0" smtClean="0">
-              <a:ln>
-                <a:solidFill>
-                  <a:schemeClr val="bg1">
-                    <a:alpha val="30000"/>
-                  </a:schemeClr>
-                </a:solidFill>
-              </a:ln>
-              <a:solidFill>
-                <a:schemeClr val="tx1">
-                  <a:lumMod val="95000"/>
-                  <a:lumOff val="5000"/>
-                </a:schemeClr>
-              </a:solidFill>
-              <a:latin typeface="KoPub돋움체 Light" panose="00000300000000000000" pitchFamily="2" charset="-127"/>
-              <a:ea typeface="KoPub돋움체 Light" panose="00000300000000000000" pitchFamily="2" charset="-127"/>
-            </a:endParaRPr>
-          </a:p>
-          <a:p>
-            <a:pPr algn="ctr"/>
-            <a:r>
-              <a:rPr lang="ko-KR" altLang="en-US" sz="1400" b="1" dirty="0" smtClean="0">
-                <a:ln>
-                  <a:solidFill>
-                    <a:schemeClr val="bg1">
-                      <a:alpha val="30000"/>
-                    </a:schemeClr>
-                  </a:solidFill>
-                </a:ln>
-                <a:solidFill>
-                  <a:schemeClr val="tx1">
-                    <a:lumMod val="95000"/>
-                    <a:lumOff val="5000"/>
-                  </a:schemeClr>
-                </a:solidFill>
-                <a:latin typeface="KoPub돋움체 Light" panose="00000300000000000000" pitchFamily="2" charset="-127"/>
-                <a:ea typeface="KoPub돋움체 Light" panose="00000300000000000000" pitchFamily="2" charset="-127"/>
-              </a:rPr>
-              <a:t>다른층일 경우 두가지 </a:t>
-            </a:r>
-            <a:r>
-              <a:rPr lang="en-US" altLang="ko-KR" sz="1400" b="1" dirty="0" smtClean="0">
-                <a:ln>
-                  <a:solidFill>
-                    <a:schemeClr val="bg1">
-                      <a:alpha val="30000"/>
-                    </a:schemeClr>
-                  </a:solidFill>
-                </a:ln>
-                <a:solidFill>
-                  <a:schemeClr val="tx1">
-                    <a:lumMod val="95000"/>
-                    <a:lumOff val="5000"/>
-                  </a:schemeClr>
-                </a:solidFill>
-                <a:latin typeface="KoPub돋움체 Light" panose="00000300000000000000" pitchFamily="2" charset="-127"/>
-                <a:ea typeface="KoPub돋움체 Light" panose="00000300000000000000" pitchFamily="2" charset="-127"/>
-              </a:rPr>
-              <a:t>Case</a:t>
-            </a:r>
-            <a:r>
-              <a:rPr lang="ko-KR" altLang="en-US" sz="1400" b="1" dirty="0" smtClean="0">
-                <a:ln>
-                  <a:solidFill>
-                    <a:schemeClr val="bg1">
-                      <a:alpha val="30000"/>
-                    </a:schemeClr>
-                  </a:solidFill>
-                </a:ln>
-                <a:solidFill>
-                  <a:schemeClr val="tx1">
-                    <a:lumMod val="95000"/>
-                    <a:lumOff val="5000"/>
-                  </a:schemeClr>
-                </a:solidFill>
-                <a:latin typeface="KoPub돋움체 Light" panose="00000300000000000000" pitchFamily="2" charset="-127"/>
-                <a:ea typeface="KoPub돋움체 Light" panose="00000300000000000000" pitchFamily="2" charset="-127"/>
-              </a:rPr>
-              <a:t>로 분류</a:t>
-            </a:r>
-            <a:endParaRPr lang="en-US" altLang="ko-KR" sz="1400" b="1" dirty="0" smtClean="0">
-              <a:ln>
-                <a:solidFill>
-                  <a:schemeClr val="bg1">
-                    <a:alpha val="30000"/>
-                  </a:schemeClr>
-                </a:solidFill>
-              </a:ln>
-              <a:solidFill>
-                <a:schemeClr val="tx1">
-                  <a:lumMod val="95000"/>
-                  <a:lumOff val="5000"/>
-                </a:schemeClr>
-              </a:solidFill>
-              <a:latin typeface="KoPub돋움체 Light" panose="00000300000000000000" pitchFamily="2" charset="-127"/>
-              <a:ea typeface="KoPub돋움체 Light" panose="00000300000000000000" pitchFamily="2" charset="-127"/>
-            </a:endParaRPr>
-          </a:p>
-          <a:p>
-            <a:pPr algn="ctr"/>
-            <a:r>
-              <a:rPr lang="en-US" altLang="ko-KR" sz="1400" b="1" dirty="0" smtClean="0">
-                <a:ln>
-                  <a:solidFill>
-                    <a:schemeClr val="bg1">
-                      <a:alpha val="30000"/>
-                    </a:schemeClr>
-                  </a:solidFill>
-                </a:ln>
-                <a:solidFill>
-                  <a:schemeClr val="tx1">
-                    <a:lumMod val="95000"/>
-                    <a:lumOff val="5000"/>
-                  </a:schemeClr>
-                </a:solidFill>
-                <a:latin typeface="KoPub돋움체 Light" panose="00000300000000000000" pitchFamily="2" charset="-127"/>
-                <a:ea typeface="KoPub돋움체 Light" panose="00000300000000000000" pitchFamily="2" charset="-127"/>
-              </a:rPr>
-              <a:t>Case 1</a:t>
-            </a:r>
-          </a:p>
-          <a:p>
-            <a:pPr algn="ctr"/>
-            <a:r>
-              <a:rPr lang="ko-KR" altLang="en-US" sz="1400" b="1" dirty="0" smtClean="0">
-                <a:ln>
-                  <a:solidFill>
-                    <a:schemeClr val="bg1">
-                      <a:alpha val="30000"/>
-                    </a:schemeClr>
-                  </a:solidFill>
-                </a:ln>
-                <a:solidFill>
-                  <a:schemeClr val="tx1">
-                    <a:lumMod val="95000"/>
-                    <a:lumOff val="5000"/>
-                  </a:schemeClr>
-                </a:solidFill>
-                <a:latin typeface="KoPub돋움체 Light" panose="00000300000000000000" pitchFamily="2" charset="-127"/>
-                <a:ea typeface="KoPub돋움체 Light" panose="00000300000000000000" pitchFamily="2" charset="-127"/>
-              </a:rPr>
-              <a:t>층의 차이가 </a:t>
-            </a:r>
-            <a:r>
-              <a:rPr lang="en-US" altLang="ko-KR" sz="1400" b="1" dirty="0" smtClean="0">
-                <a:ln>
-                  <a:solidFill>
-                    <a:schemeClr val="bg1">
-                      <a:alpha val="30000"/>
-                    </a:schemeClr>
-                  </a:solidFill>
-                </a:ln>
-                <a:solidFill>
-                  <a:schemeClr val="tx1">
-                    <a:lumMod val="95000"/>
-                    <a:lumOff val="5000"/>
-                  </a:schemeClr>
-                </a:solidFill>
-                <a:latin typeface="KoPub돋움체 Light" panose="00000300000000000000" pitchFamily="2" charset="-127"/>
-                <a:ea typeface="KoPub돋움체 Light" panose="00000300000000000000" pitchFamily="2" charset="-127"/>
-              </a:rPr>
-              <a:t>3</a:t>
-            </a:r>
-            <a:r>
-              <a:rPr lang="ko-KR" altLang="en-US" sz="1400" b="1" dirty="0">
-                <a:ln>
-                  <a:solidFill>
-                    <a:schemeClr val="bg1">
-                      <a:alpha val="30000"/>
-                    </a:schemeClr>
-                  </a:solidFill>
-                </a:ln>
-                <a:solidFill>
-                  <a:schemeClr val="tx1">
-                    <a:lumMod val="95000"/>
-                    <a:lumOff val="5000"/>
-                  </a:schemeClr>
-                </a:solidFill>
-                <a:latin typeface="KoPub돋움체 Light" panose="00000300000000000000" pitchFamily="2" charset="-127"/>
-                <a:ea typeface="KoPub돋움체 Light" panose="00000300000000000000" pitchFamily="2" charset="-127"/>
-              </a:rPr>
-              <a:t> </a:t>
-            </a:r>
-            <a:r>
-              <a:rPr lang="ko-KR" altLang="en-US" sz="1400" b="1" dirty="0" smtClean="0">
-                <a:ln>
-                  <a:solidFill>
-                    <a:schemeClr val="bg1">
-                      <a:alpha val="30000"/>
-                    </a:schemeClr>
-                  </a:solidFill>
-                </a:ln>
-                <a:solidFill>
-                  <a:schemeClr val="tx1">
-                    <a:lumMod val="95000"/>
-                    <a:lumOff val="5000"/>
-                  </a:schemeClr>
-                </a:solidFill>
-                <a:latin typeface="KoPub돋움체 Light" panose="00000300000000000000" pitchFamily="2" charset="-127"/>
-                <a:ea typeface="KoPub돋움체 Light" panose="00000300000000000000" pitchFamily="2" charset="-127"/>
-              </a:rPr>
-              <a:t>이하인 경우 </a:t>
-            </a:r>
-            <a:r>
-              <a:rPr lang="en-US" altLang="ko-KR" sz="1400" b="1" dirty="0" smtClean="0">
-                <a:ln>
-                  <a:solidFill>
-                    <a:schemeClr val="bg1">
-                      <a:alpha val="30000"/>
-                    </a:schemeClr>
-                  </a:solidFill>
-                </a:ln>
-                <a:solidFill>
-                  <a:schemeClr val="tx1">
-                    <a:lumMod val="95000"/>
-                    <a:lumOff val="5000"/>
-                  </a:schemeClr>
-                </a:solidFill>
-                <a:latin typeface="KoPub돋움체 Light" panose="00000300000000000000" pitchFamily="2" charset="-127"/>
-                <a:ea typeface="KoPub돋움체 Light" panose="00000300000000000000" pitchFamily="2" charset="-127"/>
-              </a:rPr>
-              <a:t>=&gt;</a:t>
-            </a:r>
-            <a:r>
-              <a:rPr lang="ko-KR" altLang="en-US" sz="1400" b="1" dirty="0" smtClean="0">
-                <a:ln>
-                  <a:solidFill>
-                    <a:schemeClr val="bg1">
-                      <a:alpha val="30000"/>
-                    </a:schemeClr>
-                  </a:solidFill>
-                </a:ln>
-                <a:solidFill>
-                  <a:schemeClr val="tx1">
-                    <a:lumMod val="95000"/>
-                    <a:lumOff val="5000"/>
-                  </a:schemeClr>
-                </a:solidFill>
-                <a:latin typeface="KoPub돋움체 Light" panose="00000300000000000000" pitchFamily="2" charset="-127"/>
-                <a:ea typeface="KoPub돋움체 Light" panose="00000300000000000000" pitchFamily="2" charset="-127"/>
-              </a:rPr>
-              <a:t> 계단으로 안내한다</a:t>
-            </a:r>
-            <a:r>
-              <a:rPr lang="en-US" altLang="ko-KR" sz="1400" b="1" dirty="0" smtClean="0">
-                <a:ln>
-                  <a:solidFill>
-                    <a:schemeClr val="bg1">
-                      <a:alpha val="30000"/>
-                    </a:schemeClr>
-                  </a:solidFill>
-                </a:ln>
-                <a:solidFill>
-                  <a:schemeClr val="tx1">
-                    <a:lumMod val="95000"/>
-                    <a:lumOff val="5000"/>
-                  </a:schemeClr>
-                </a:solidFill>
-                <a:latin typeface="KoPub돋움체 Light" panose="00000300000000000000" pitchFamily="2" charset="-127"/>
-                <a:ea typeface="KoPub돋움체 Light" panose="00000300000000000000" pitchFamily="2" charset="-127"/>
-              </a:rPr>
-              <a:t>.</a:t>
-            </a:r>
-            <a:endParaRPr lang="en-US" altLang="ko-KR" sz="1400" b="1" dirty="0">
-              <a:ln>
-                <a:solidFill>
-                  <a:schemeClr val="bg1">
-                    <a:alpha val="30000"/>
-                  </a:schemeClr>
-                </a:solidFill>
-              </a:ln>
-              <a:solidFill>
-                <a:schemeClr val="tx1">
-                  <a:lumMod val="95000"/>
-                  <a:lumOff val="5000"/>
-                </a:schemeClr>
-              </a:solidFill>
-              <a:latin typeface="KoPub돋움체 Light" panose="00000300000000000000" pitchFamily="2" charset="-127"/>
-              <a:ea typeface="KoPub돋움체 Light" panose="00000300000000000000" pitchFamily="2" charset="-127"/>
-            </a:endParaRPr>
-          </a:p>
-          <a:p>
-            <a:pPr algn="ctr"/>
-            <a:r>
-              <a:rPr lang="en-US" altLang="ko-KR" sz="1400" b="1" dirty="0" smtClean="0">
-                <a:ln>
-                  <a:solidFill>
-                    <a:schemeClr val="bg1">
-                      <a:alpha val="30000"/>
-                    </a:schemeClr>
-                  </a:solidFill>
-                </a:ln>
-                <a:solidFill>
-                  <a:schemeClr val="tx1">
-                    <a:lumMod val="95000"/>
-                    <a:lumOff val="5000"/>
-                  </a:schemeClr>
-                </a:solidFill>
-                <a:latin typeface="KoPub돋움체 Light" panose="00000300000000000000" pitchFamily="2" charset="-127"/>
-                <a:ea typeface="KoPub돋움체 Light" panose="00000300000000000000" pitchFamily="2" charset="-127"/>
-              </a:rPr>
-              <a:t>Case 2 </a:t>
-            </a:r>
-          </a:p>
-          <a:p>
-            <a:pPr algn="ctr"/>
-            <a:r>
-              <a:rPr lang="ko-KR" altLang="en-US" sz="1400" b="1" dirty="0" smtClean="0">
-                <a:ln>
-                  <a:solidFill>
-                    <a:schemeClr val="bg1">
-                      <a:alpha val="30000"/>
-                    </a:schemeClr>
-                  </a:solidFill>
-                </a:ln>
-                <a:solidFill>
-                  <a:schemeClr val="tx1">
-                    <a:lumMod val="95000"/>
-                    <a:lumOff val="5000"/>
-                  </a:schemeClr>
-                </a:solidFill>
-                <a:latin typeface="KoPub돋움체 Light" panose="00000300000000000000" pitchFamily="2" charset="-127"/>
-                <a:ea typeface="KoPub돋움체 Light" panose="00000300000000000000" pitchFamily="2" charset="-127"/>
-              </a:rPr>
-              <a:t>층의 차이가 </a:t>
-            </a:r>
-            <a:r>
-              <a:rPr lang="en-US" altLang="ko-KR" sz="1400" b="1" dirty="0" smtClean="0">
-                <a:ln>
-                  <a:solidFill>
-                    <a:schemeClr val="bg1">
-                      <a:alpha val="30000"/>
-                    </a:schemeClr>
-                  </a:solidFill>
-                </a:ln>
-                <a:solidFill>
-                  <a:schemeClr val="tx1">
-                    <a:lumMod val="95000"/>
-                    <a:lumOff val="5000"/>
-                  </a:schemeClr>
-                </a:solidFill>
-                <a:latin typeface="KoPub돋움체 Light" panose="00000300000000000000" pitchFamily="2" charset="-127"/>
-                <a:ea typeface="KoPub돋움체 Light" panose="00000300000000000000" pitchFamily="2" charset="-127"/>
-              </a:rPr>
-              <a:t>3</a:t>
-            </a:r>
-            <a:r>
-              <a:rPr lang="ko-KR" altLang="en-US" sz="1400" b="1" dirty="0">
-                <a:ln>
-                  <a:solidFill>
-                    <a:schemeClr val="bg1">
-                      <a:alpha val="30000"/>
-                    </a:schemeClr>
-                  </a:solidFill>
-                </a:ln>
-                <a:solidFill>
-                  <a:schemeClr val="tx1">
-                    <a:lumMod val="95000"/>
-                    <a:lumOff val="5000"/>
-                  </a:schemeClr>
-                </a:solidFill>
-                <a:latin typeface="KoPub돋움체 Light" panose="00000300000000000000" pitchFamily="2" charset="-127"/>
-                <a:ea typeface="KoPub돋움체 Light" panose="00000300000000000000" pitchFamily="2" charset="-127"/>
-              </a:rPr>
-              <a:t> </a:t>
-            </a:r>
-            <a:r>
-              <a:rPr lang="ko-KR" altLang="en-US" sz="1400" b="1" dirty="0" smtClean="0">
-                <a:ln>
-                  <a:solidFill>
-                    <a:schemeClr val="bg1">
-                      <a:alpha val="30000"/>
-                    </a:schemeClr>
-                  </a:solidFill>
-                </a:ln>
-                <a:solidFill>
-                  <a:schemeClr val="tx1">
-                    <a:lumMod val="95000"/>
-                    <a:lumOff val="5000"/>
-                  </a:schemeClr>
-                </a:solidFill>
-                <a:latin typeface="KoPub돋움체 Light" panose="00000300000000000000" pitchFamily="2" charset="-127"/>
-                <a:ea typeface="KoPub돋움체 Light" panose="00000300000000000000" pitchFamily="2" charset="-127"/>
-              </a:rPr>
-              <a:t>이상인 경우 </a:t>
-            </a:r>
-            <a:r>
-              <a:rPr lang="en-US" altLang="ko-KR" sz="1400" b="1" dirty="0" smtClean="0">
-                <a:ln>
-                  <a:solidFill>
-                    <a:schemeClr val="bg1">
-                      <a:alpha val="30000"/>
-                    </a:schemeClr>
-                  </a:solidFill>
-                </a:ln>
-                <a:solidFill>
-                  <a:schemeClr val="tx1">
-                    <a:lumMod val="95000"/>
-                    <a:lumOff val="5000"/>
-                  </a:schemeClr>
-                </a:solidFill>
-                <a:latin typeface="KoPub돋움체 Light" panose="00000300000000000000" pitchFamily="2" charset="-127"/>
-                <a:ea typeface="KoPub돋움체 Light" panose="00000300000000000000" pitchFamily="2" charset="-127"/>
-              </a:rPr>
-              <a:t>=&gt;</a:t>
-            </a:r>
-            <a:r>
-              <a:rPr lang="ko-KR" altLang="en-US" sz="1400" b="1" dirty="0" smtClean="0">
-                <a:ln>
-                  <a:solidFill>
-                    <a:schemeClr val="bg1">
-                      <a:alpha val="30000"/>
-                    </a:schemeClr>
-                  </a:solidFill>
-                </a:ln>
-                <a:solidFill>
-                  <a:schemeClr val="tx1">
-                    <a:lumMod val="95000"/>
-                    <a:lumOff val="5000"/>
-                  </a:schemeClr>
-                </a:solidFill>
-                <a:latin typeface="KoPub돋움체 Light" panose="00000300000000000000" pitchFamily="2" charset="-127"/>
-                <a:ea typeface="KoPub돋움체 Light" panose="00000300000000000000" pitchFamily="2" charset="-127"/>
-              </a:rPr>
-              <a:t> 엘레베이터 이용</a:t>
-            </a:r>
-            <a:endParaRPr lang="en-US" altLang="ko-KR" sz="1400" b="1" dirty="0" smtClean="0">
-              <a:ln>
-                <a:solidFill>
-                  <a:schemeClr val="bg1">
-                    <a:alpha val="30000"/>
-                  </a:schemeClr>
-                </a:solidFill>
-              </a:ln>
-              <a:solidFill>
-                <a:schemeClr val="tx1">
-                  <a:lumMod val="95000"/>
-                  <a:lumOff val="5000"/>
-                </a:schemeClr>
-              </a:solidFill>
-              <a:latin typeface="KoPub돋움체 Light" panose="00000300000000000000" pitchFamily="2" charset="-127"/>
-              <a:ea typeface="KoPub돋움체 Light" panose="00000300000000000000" pitchFamily="2" charset="-127"/>
-            </a:endParaRPr>
-          </a:p>
-          <a:p>
-            <a:pPr algn="ctr"/>
-            <a:r>
-              <a:rPr lang="en-US" altLang="ko-KR" sz="1400" b="1" dirty="0" smtClean="0">
-                <a:ln>
-                  <a:solidFill>
-                    <a:schemeClr val="bg1">
-                      <a:alpha val="30000"/>
-                    </a:schemeClr>
-                  </a:solidFill>
-                </a:ln>
-                <a:solidFill>
-                  <a:schemeClr val="tx1">
-                    <a:lumMod val="95000"/>
-                    <a:lumOff val="5000"/>
-                  </a:schemeClr>
-                </a:solidFill>
-                <a:latin typeface="KoPub돋움체 Light" panose="00000300000000000000" pitchFamily="2" charset="-127"/>
-                <a:ea typeface="KoPub돋움체 Light" panose="00000300000000000000" pitchFamily="2" charset="-127"/>
-              </a:rPr>
-              <a:t>Case 3</a:t>
-            </a:r>
-          </a:p>
-          <a:p>
-            <a:pPr algn="ctr"/>
-            <a:r>
-              <a:rPr lang="ko-KR" altLang="en-US" sz="1400" b="1" dirty="0" smtClean="0">
-                <a:ln>
-                  <a:solidFill>
-                    <a:schemeClr val="bg1">
-                      <a:alpha val="30000"/>
-                    </a:schemeClr>
-                  </a:solidFill>
-                </a:ln>
-                <a:solidFill>
-                  <a:schemeClr val="tx1">
-                    <a:lumMod val="95000"/>
-                    <a:lumOff val="5000"/>
-                  </a:schemeClr>
-                </a:solidFill>
-                <a:latin typeface="KoPub돋움체 Light" panose="00000300000000000000" pitchFamily="2" charset="-127"/>
-                <a:ea typeface="KoPub돋움체 Light" panose="00000300000000000000" pitchFamily="2" charset="-127"/>
-              </a:rPr>
-              <a:t>짝수층에서 홀수층으로 혹은 그 반대의 경우</a:t>
-            </a:r>
-            <a:endParaRPr lang="en-US" altLang="ko-KR" sz="1400" b="1" dirty="0" smtClean="0">
-              <a:ln>
-                <a:solidFill>
-                  <a:schemeClr val="bg1">
-                    <a:alpha val="30000"/>
-                  </a:schemeClr>
-                </a:solidFill>
-              </a:ln>
-              <a:solidFill>
-                <a:schemeClr val="tx1">
-                  <a:lumMod val="95000"/>
-                  <a:lumOff val="5000"/>
-                </a:schemeClr>
-              </a:solidFill>
-              <a:latin typeface="KoPub돋움체 Light" panose="00000300000000000000" pitchFamily="2" charset="-127"/>
-              <a:ea typeface="KoPub돋움체 Light" panose="00000300000000000000" pitchFamily="2" charset="-127"/>
-            </a:endParaRPr>
-          </a:p>
-          <a:p>
-            <a:pPr algn="ctr"/>
-            <a:r>
-              <a:rPr lang="ko-KR" altLang="en-US" sz="1400" b="1" dirty="0" smtClean="0">
-                <a:ln>
-                  <a:solidFill>
-                    <a:schemeClr val="bg1">
-                      <a:alpha val="30000"/>
-                    </a:schemeClr>
-                  </a:solidFill>
-                </a:ln>
-                <a:solidFill>
-                  <a:schemeClr val="tx1">
-                    <a:lumMod val="95000"/>
-                    <a:lumOff val="5000"/>
-                  </a:schemeClr>
-                </a:solidFill>
-                <a:latin typeface="KoPub돋움체 Light" panose="00000300000000000000" pitchFamily="2" charset="-127"/>
-                <a:ea typeface="KoPub돋움체 Light" panose="00000300000000000000" pitchFamily="2" charset="-127"/>
-              </a:rPr>
-              <a:t>엘레베이터 이동</a:t>
-            </a:r>
-            <a:r>
-              <a:rPr lang="en-US" altLang="ko-KR" sz="1400" b="1" dirty="0" smtClean="0">
-                <a:ln>
-                  <a:solidFill>
-                    <a:schemeClr val="bg1">
-                      <a:alpha val="30000"/>
-                    </a:schemeClr>
-                  </a:solidFill>
-                </a:ln>
-                <a:solidFill>
-                  <a:schemeClr val="tx1">
-                    <a:lumMod val="95000"/>
-                    <a:lumOff val="5000"/>
-                  </a:schemeClr>
-                </a:solidFill>
-                <a:latin typeface="KoPub돋움체 Light" panose="00000300000000000000" pitchFamily="2" charset="-127"/>
-                <a:ea typeface="KoPub돋움체 Light" panose="00000300000000000000" pitchFamily="2" charset="-127"/>
-              </a:rPr>
-              <a:t>(1</a:t>
-            </a:r>
-            <a:r>
-              <a:rPr lang="ko-KR" altLang="en-US" sz="1400" b="1" dirty="0" smtClean="0">
-                <a:ln>
-                  <a:solidFill>
-                    <a:schemeClr val="bg1">
-                      <a:alpha val="30000"/>
-                    </a:schemeClr>
-                  </a:solidFill>
-                </a:ln>
-                <a:solidFill>
-                  <a:schemeClr val="tx1">
-                    <a:lumMod val="95000"/>
-                    <a:lumOff val="5000"/>
-                  </a:schemeClr>
-                </a:solidFill>
-                <a:latin typeface="KoPub돋움체 Light" panose="00000300000000000000" pitchFamily="2" charset="-127"/>
-                <a:ea typeface="KoPub돋움체 Light" panose="00000300000000000000" pitchFamily="2" charset="-127"/>
-              </a:rPr>
-              <a:t>층 차이</a:t>
-            </a:r>
-            <a:r>
-              <a:rPr lang="en-US" altLang="ko-KR" sz="1400" b="1" dirty="0" smtClean="0">
-                <a:ln>
-                  <a:solidFill>
-                    <a:schemeClr val="bg1">
-                      <a:alpha val="30000"/>
-                    </a:schemeClr>
-                  </a:solidFill>
-                </a:ln>
-                <a:solidFill>
-                  <a:schemeClr val="tx1">
-                    <a:lumMod val="95000"/>
-                    <a:lumOff val="5000"/>
-                  </a:schemeClr>
-                </a:solidFill>
-                <a:latin typeface="KoPub돋움체 Light" panose="00000300000000000000" pitchFamily="2" charset="-127"/>
-                <a:ea typeface="KoPub돋움체 Light" panose="00000300000000000000" pitchFamily="2" charset="-127"/>
-              </a:rPr>
-              <a:t>)</a:t>
-            </a:r>
-            <a:r>
-              <a:rPr lang="ko-KR" altLang="en-US" sz="1400" b="1" dirty="0" smtClean="0">
-                <a:ln>
-                  <a:solidFill>
-                    <a:schemeClr val="bg1">
-                      <a:alpha val="30000"/>
-                    </a:schemeClr>
-                  </a:solidFill>
-                </a:ln>
-                <a:solidFill>
-                  <a:schemeClr val="tx1">
-                    <a:lumMod val="95000"/>
-                    <a:lumOff val="5000"/>
-                  </a:schemeClr>
-                </a:solidFill>
-                <a:latin typeface="KoPub돋움체 Light" panose="00000300000000000000" pitchFamily="2" charset="-127"/>
-                <a:ea typeface="KoPub돋움체 Light" panose="00000300000000000000" pitchFamily="2" charset="-127"/>
-              </a:rPr>
-              <a:t> 후 계단으로 안내</a:t>
-            </a:r>
           </a:p>
           <a:p>
             <a:pPr algn="ctr"/>
@@ -15976,7 +18888,7 @@
           <a:p>
             <a:pPr algn="ctr"/>
             <a:r>
-              <a:rPr lang="ko-KR" altLang="en-US" sz="1400" b="1" dirty="0" smtClean="0">
+              <a:rPr lang="ko-KR" altLang="en-US" sz="1400" b="1" dirty="0">
                 <a:ln>
                   <a:solidFill>
                     <a:schemeClr val="bg1">
@@ -15993,10 +18905,10 @@
                 <a:latin typeface="KoPub돋움체 Light" panose="00000300000000000000" pitchFamily="2" charset="-127"/>
                 <a:ea typeface="KoPub돋움체 Light" panose="00000300000000000000" pitchFamily="2" charset="-127"/>
               </a:rPr>
-              <a:t>탐색한 교차점에서 </a:t>
-            </a:r>
-            <a:r>
-              <a:rPr lang="en-US" altLang="ko-KR" sz="1400" b="1" dirty="0" err="1" smtClean="0">
+              <a:t>같은층일 경우 </a:t>
+            </a:r>
+            <a:r>
+              <a:rPr lang="en-US" altLang="ko-KR" sz="1400" b="1" dirty="0">
                 <a:ln>
                   <a:solidFill>
                     <a:schemeClr val="bg1">
@@ -16013,10 +18925,10 @@
                 <a:latin typeface="KoPub돋움체 Light" panose="00000300000000000000" pitchFamily="2" charset="-127"/>
                 <a:ea typeface="KoPub돋움체 Light" panose="00000300000000000000" pitchFamily="2" charset="-127"/>
               </a:rPr>
-              <a:t>dijkstra</a:t>
-            </a:r>
-            <a:r>
-              <a:rPr lang="ko-KR" altLang="en-US" sz="1400" b="1" dirty="0" smtClean="0">
+              <a:t>:</a:t>
+            </a:r>
+            <a:r>
+              <a:rPr lang="ko-KR" altLang="en-US" sz="1400" b="1" dirty="0">
                 <a:ln>
                   <a:solidFill>
                     <a:schemeClr val="bg1">
@@ -16033,9 +18945,9 @@
                 <a:latin typeface="KoPub돋움체 Light" panose="00000300000000000000" pitchFamily="2" charset="-127"/>
                 <a:ea typeface="KoPub돋움체 Light" panose="00000300000000000000" pitchFamily="2" charset="-127"/>
               </a:rPr>
-              <a:t>알고리즘과 유동인구를 통해</a:t>
-            </a:r>
-            <a:endParaRPr lang="en-US" altLang="ko-KR" sz="1400" b="1" dirty="0" smtClean="0">
+              <a:t> 두개의 노드를 교차점에 추가 시킨뒤 계산 </a:t>
+            </a:r>
+            <a:endParaRPr lang="en-US" altLang="ko-KR" sz="1400" b="1" dirty="0">
               <a:ln>
                 <a:solidFill>
                   <a:schemeClr val="bg1">
@@ -16056,7 +18968,7 @@
           <a:p>
             <a:pPr algn="ctr"/>
             <a:r>
-              <a:rPr lang="ko-KR" altLang="en-US" sz="1400" b="1" dirty="0" smtClean="0">
+              <a:rPr lang="ko-KR" altLang="en-US" sz="1400" b="1" dirty="0">
                 <a:ln>
                   <a:solidFill>
                     <a:schemeClr val="bg1">
@@ -16073,10 +18985,193 @@
                 <a:latin typeface="KoPub돋움체 Light" panose="00000300000000000000" pitchFamily="2" charset="-127"/>
                 <a:ea typeface="KoPub돋움체 Light" panose="00000300000000000000" pitchFamily="2" charset="-127"/>
               </a:rPr>
-              <a:t>이동  교차점 노드들을 비교한다</a:t>
-            </a:r>
-            <a:r>
-              <a:rPr lang="en-US" altLang="ko-KR" sz="1400" b="1" dirty="0" smtClean="0">
+              <a:t>다른층일 경우 두가지 </a:t>
+            </a:r>
+            <a:r>
+              <a:rPr lang="en-US" altLang="ko-KR" sz="1400" b="1" dirty="0">
+                <a:ln>
+                  <a:solidFill>
+                    <a:schemeClr val="bg1">
+                      <a:alpha val="30000"/>
+                    </a:schemeClr>
+                  </a:solidFill>
+                </a:ln>
+                <a:solidFill>
+                  <a:schemeClr val="tx1">
+                    <a:lumMod val="95000"/>
+                    <a:lumOff val="5000"/>
+                  </a:schemeClr>
+                </a:solidFill>
+                <a:latin typeface="KoPub돋움체 Light" panose="00000300000000000000" pitchFamily="2" charset="-127"/>
+                <a:ea typeface="KoPub돋움체 Light" panose="00000300000000000000" pitchFamily="2" charset="-127"/>
+              </a:rPr>
+              <a:t>Case</a:t>
+            </a:r>
+            <a:r>
+              <a:rPr lang="ko-KR" altLang="en-US" sz="1400" b="1" dirty="0">
+                <a:ln>
+                  <a:solidFill>
+                    <a:schemeClr val="bg1">
+                      <a:alpha val="30000"/>
+                    </a:schemeClr>
+                  </a:solidFill>
+                </a:ln>
+                <a:solidFill>
+                  <a:schemeClr val="tx1">
+                    <a:lumMod val="95000"/>
+                    <a:lumOff val="5000"/>
+                  </a:schemeClr>
+                </a:solidFill>
+                <a:latin typeface="KoPub돋움체 Light" panose="00000300000000000000" pitchFamily="2" charset="-127"/>
+                <a:ea typeface="KoPub돋움체 Light" panose="00000300000000000000" pitchFamily="2" charset="-127"/>
+              </a:rPr>
+              <a:t>로 분류</a:t>
+            </a:r>
+            <a:endParaRPr lang="en-US" altLang="ko-KR" sz="1400" b="1" dirty="0">
+              <a:ln>
+                <a:solidFill>
+                  <a:schemeClr val="bg1">
+                    <a:alpha val="30000"/>
+                  </a:schemeClr>
+                </a:solidFill>
+              </a:ln>
+              <a:solidFill>
+                <a:schemeClr val="tx1">
+                  <a:lumMod val="95000"/>
+                  <a:lumOff val="5000"/>
+                </a:schemeClr>
+              </a:solidFill>
+              <a:latin typeface="KoPub돋움체 Light" panose="00000300000000000000" pitchFamily="2" charset="-127"/>
+              <a:ea typeface="KoPub돋움체 Light" panose="00000300000000000000" pitchFamily="2" charset="-127"/>
+            </a:endParaRPr>
+          </a:p>
+          <a:p>
+            <a:pPr algn="ctr"/>
+            <a:r>
+              <a:rPr lang="en-US" altLang="ko-KR" sz="1400" b="1" dirty="0">
+                <a:ln>
+                  <a:solidFill>
+                    <a:schemeClr val="bg1">
+                      <a:alpha val="30000"/>
+                    </a:schemeClr>
+                  </a:solidFill>
+                </a:ln>
+                <a:solidFill>
+                  <a:schemeClr val="tx1">
+                    <a:lumMod val="95000"/>
+                    <a:lumOff val="5000"/>
+                  </a:schemeClr>
+                </a:solidFill>
+                <a:latin typeface="KoPub돋움체 Light" panose="00000300000000000000" pitchFamily="2" charset="-127"/>
+                <a:ea typeface="KoPub돋움체 Light" panose="00000300000000000000" pitchFamily="2" charset="-127"/>
+              </a:rPr>
+              <a:t>Case 1</a:t>
+            </a:r>
+          </a:p>
+          <a:p>
+            <a:pPr algn="ctr"/>
+            <a:r>
+              <a:rPr lang="ko-KR" altLang="en-US" sz="1400" b="1" dirty="0">
+                <a:ln>
+                  <a:solidFill>
+                    <a:schemeClr val="bg1">
+                      <a:alpha val="30000"/>
+                    </a:schemeClr>
+                  </a:solidFill>
+                </a:ln>
+                <a:solidFill>
+                  <a:schemeClr val="tx1">
+                    <a:lumMod val="95000"/>
+                    <a:lumOff val="5000"/>
+                  </a:schemeClr>
+                </a:solidFill>
+                <a:latin typeface="KoPub돋움체 Light" panose="00000300000000000000" pitchFamily="2" charset="-127"/>
+                <a:ea typeface="KoPub돋움체 Light" panose="00000300000000000000" pitchFamily="2" charset="-127"/>
+              </a:rPr>
+              <a:t>층의 차이가 </a:t>
+            </a:r>
+            <a:r>
+              <a:rPr lang="en-US" altLang="ko-KR" sz="1400" b="1" dirty="0">
+                <a:ln>
+                  <a:solidFill>
+                    <a:schemeClr val="bg1">
+                      <a:alpha val="30000"/>
+                    </a:schemeClr>
+                  </a:solidFill>
+                </a:ln>
+                <a:solidFill>
+                  <a:schemeClr val="tx1">
+                    <a:lumMod val="95000"/>
+                    <a:lumOff val="5000"/>
+                  </a:schemeClr>
+                </a:solidFill>
+                <a:latin typeface="KoPub돋움체 Light" panose="00000300000000000000" pitchFamily="2" charset="-127"/>
+                <a:ea typeface="KoPub돋움체 Light" panose="00000300000000000000" pitchFamily="2" charset="-127"/>
+              </a:rPr>
+              <a:t>3</a:t>
+            </a:r>
+            <a:r>
+              <a:rPr lang="ko-KR" altLang="en-US" sz="1400" b="1" dirty="0">
+                <a:ln>
+                  <a:solidFill>
+                    <a:schemeClr val="bg1">
+                      <a:alpha val="30000"/>
+                    </a:schemeClr>
+                  </a:solidFill>
+                </a:ln>
+                <a:solidFill>
+                  <a:schemeClr val="tx1">
+                    <a:lumMod val="95000"/>
+                    <a:lumOff val="5000"/>
+                  </a:schemeClr>
+                </a:solidFill>
+                <a:latin typeface="KoPub돋움체 Light" panose="00000300000000000000" pitchFamily="2" charset="-127"/>
+                <a:ea typeface="KoPub돋움체 Light" panose="00000300000000000000" pitchFamily="2" charset="-127"/>
+              </a:rPr>
+              <a:t> 이하인 경우 </a:t>
+            </a:r>
+            <a:r>
+              <a:rPr lang="en-US" altLang="ko-KR" sz="1400" b="1" dirty="0">
+                <a:ln>
+                  <a:solidFill>
+                    <a:schemeClr val="bg1">
+                      <a:alpha val="30000"/>
+                    </a:schemeClr>
+                  </a:solidFill>
+                </a:ln>
+                <a:solidFill>
+                  <a:schemeClr val="tx1">
+                    <a:lumMod val="95000"/>
+                    <a:lumOff val="5000"/>
+                  </a:schemeClr>
+                </a:solidFill>
+                <a:latin typeface="KoPub돋움체 Light" panose="00000300000000000000" pitchFamily="2" charset="-127"/>
+                <a:ea typeface="KoPub돋움체 Light" panose="00000300000000000000" pitchFamily="2" charset="-127"/>
+              </a:rPr>
+              <a:t>=&gt;</a:t>
+            </a:r>
+            <a:r>
+              <a:rPr lang="ko-KR" altLang="en-US" sz="1400" b="1" dirty="0">
+                <a:ln>
+                  <a:solidFill>
+                    <a:schemeClr val="bg1">
+                      <a:alpha val="30000"/>
+                    </a:schemeClr>
+                  </a:solidFill>
+                </a:ln>
+                <a:solidFill>
+                  <a:schemeClr val="tx1">
+                    <a:lumMod val="95000"/>
+                    <a:lumOff val="5000"/>
+                  </a:schemeClr>
+                </a:solidFill>
+                <a:latin typeface="KoPub돋움체 Light" panose="00000300000000000000" pitchFamily="2" charset="-127"/>
+                <a:ea typeface="KoPub돋움체 Light" panose="00000300000000000000" pitchFamily="2" charset="-127"/>
+              </a:rPr>
+              <a:t> 계단으로 안내한다</a:t>
+            </a:r>
+            <a:r>
+              <a:rPr lang="en-US" altLang="ko-KR" sz="1400" b="1" dirty="0">
                 <a:ln>
                   <a:solidFill>
                     <a:schemeClr val="bg1">
@@ -16094,6 +19189,315 @@
                 <a:ea typeface="KoPub돋움체 Light" panose="00000300000000000000" pitchFamily="2" charset="-127"/>
               </a:rPr>
               <a:t>.</a:t>
+            </a:r>
+          </a:p>
+          <a:p>
+            <a:pPr algn="ctr"/>
+            <a:r>
+              <a:rPr lang="en-US" altLang="ko-KR" sz="1400" b="1" dirty="0">
+                <a:ln>
+                  <a:solidFill>
+                    <a:schemeClr val="bg1">
+                      <a:alpha val="30000"/>
+                    </a:schemeClr>
+                  </a:solidFill>
+                </a:ln>
+                <a:solidFill>
+                  <a:schemeClr val="tx1">
+                    <a:lumMod val="95000"/>
+                    <a:lumOff val="5000"/>
+                  </a:schemeClr>
+                </a:solidFill>
+                <a:latin typeface="KoPub돋움체 Light" panose="00000300000000000000" pitchFamily="2" charset="-127"/>
+                <a:ea typeface="KoPub돋움체 Light" panose="00000300000000000000" pitchFamily="2" charset="-127"/>
+              </a:rPr>
+              <a:t>Case 2 </a:t>
+            </a:r>
+          </a:p>
+          <a:p>
+            <a:pPr algn="ctr"/>
+            <a:r>
+              <a:rPr lang="ko-KR" altLang="en-US" sz="1400" b="1" dirty="0">
+                <a:ln>
+                  <a:solidFill>
+                    <a:schemeClr val="bg1">
+                      <a:alpha val="30000"/>
+                    </a:schemeClr>
+                  </a:solidFill>
+                </a:ln>
+                <a:solidFill>
+                  <a:schemeClr val="tx1">
+                    <a:lumMod val="95000"/>
+                    <a:lumOff val="5000"/>
+                  </a:schemeClr>
+                </a:solidFill>
+                <a:latin typeface="KoPub돋움체 Light" panose="00000300000000000000" pitchFamily="2" charset="-127"/>
+                <a:ea typeface="KoPub돋움체 Light" panose="00000300000000000000" pitchFamily="2" charset="-127"/>
+              </a:rPr>
+              <a:t>층의 차이가 </a:t>
+            </a:r>
+            <a:r>
+              <a:rPr lang="en-US" altLang="ko-KR" sz="1400" b="1" dirty="0">
+                <a:ln>
+                  <a:solidFill>
+                    <a:schemeClr val="bg1">
+                      <a:alpha val="30000"/>
+                    </a:schemeClr>
+                  </a:solidFill>
+                </a:ln>
+                <a:solidFill>
+                  <a:schemeClr val="tx1">
+                    <a:lumMod val="95000"/>
+                    <a:lumOff val="5000"/>
+                  </a:schemeClr>
+                </a:solidFill>
+                <a:latin typeface="KoPub돋움체 Light" panose="00000300000000000000" pitchFamily="2" charset="-127"/>
+                <a:ea typeface="KoPub돋움체 Light" panose="00000300000000000000" pitchFamily="2" charset="-127"/>
+              </a:rPr>
+              <a:t>3</a:t>
+            </a:r>
+            <a:r>
+              <a:rPr lang="ko-KR" altLang="en-US" sz="1400" b="1" dirty="0">
+                <a:ln>
+                  <a:solidFill>
+                    <a:schemeClr val="bg1">
+                      <a:alpha val="30000"/>
+                    </a:schemeClr>
+                  </a:solidFill>
+                </a:ln>
+                <a:solidFill>
+                  <a:schemeClr val="tx1">
+                    <a:lumMod val="95000"/>
+                    <a:lumOff val="5000"/>
+                  </a:schemeClr>
+                </a:solidFill>
+                <a:latin typeface="KoPub돋움체 Light" panose="00000300000000000000" pitchFamily="2" charset="-127"/>
+                <a:ea typeface="KoPub돋움체 Light" panose="00000300000000000000" pitchFamily="2" charset="-127"/>
+              </a:rPr>
+              <a:t> 이상인 경우 </a:t>
+            </a:r>
+            <a:r>
+              <a:rPr lang="en-US" altLang="ko-KR" sz="1400" b="1" dirty="0">
+                <a:ln>
+                  <a:solidFill>
+                    <a:schemeClr val="bg1">
+                      <a:alpha val="30000"/>
+                    </a:schemeClr>
+                  </a:solidFill>
+                </a:ln>
+                <a:solidFill>
+                  <a:schemeClr val="tx1">
+                    <a:lumMod val="95000"/>
+                    <a:lumOff val="5000"/>
+                  </a:schemeClr>
+                </a:solidFill>
+                <a:latin typeface="KoPub돋움체 Light" panose="00000300000000000000" pitchFamily="2" charset="-127"/>
+                <a:ea typeface="KoPub돋움체 Light" panose="00000300000000000000" pitchFamily="2" charset="-127"/>
+              </a:rPr>
+              <a:t>=&gt;</a:t>
+            </a:r>
+            <a:r>
+              <a:rPr lang="ko-KR" altLang="en-US" sz="1400" b="1" dirty="0">
+                <a:ln>
+                  <a:solidFill>
+                    <a:schemeClr val="bg1">
+                      <a:alpha val="30000"/>
+                    </a:schemeClr>
+                  </a:solidFill>
+                </a:ln>
+                <a:solidFill>
+                  <a:schemeClr val="tx1">
+                    <a:lumMod val="95000"/>
+                    <a:lumOff val="5000"/>
+                  </a:schemeClr>
+                </a:solidFill>
+                <a:latin typeface="KoPub돋움체 Light" panose="00000300000000000000" pitchFamily="2" charset="-127"/>
+                <a:ea typeface="KoPub돋움체 Light" panose="00000300000000000000" pitchFamily="2" charset="-127"/>
+              </a:rPr>
+              <a:t> 엘레베이터 이용</a:t>
+            </a:r>
+            <a:endParaRPr lang="en-US" altLang="ko-KR" sz="1400" b="1" dirty="0">
+              <a:ln>
+                <a:solidFill>
+                  <a:schemeClr val="bg1">
+                    <a:alpha val="30000"/>
+                  </a:schemeClr>
+                </a:solidFill>
+              </a:ln>
+              <a:solidFill>
+                <a:schemeClr val="tx1">
+                  <a:lumMod val="95000"/>
+                  <a:lumOff val="5000"/>
+                </a:schemeClr>
+              </a:solidFill>
+              <a:latin typeface="KoPub돋움체 Light" panose="00000300000000000000" pitchFamily="2" charset="-127"/>
+              <a:ea typeface="KoPub돋움체 Light" panose="00000300000000000000" pitchFamily="2" charset="-127"/>
+            </a:endParaRPr>
+          </a:p>
+          <a:p>
+            <a:pPr algn="ctr"/>
+            <a:r>
+              <a:rPr lang="en-US" altLang="ko-KR" sz="1400" b="1" dirty="0">
+                <a:ln>
+                  <a:solidFill>
+                    <a:schemeClr val="bg1">
+                      <a:alpha val="30000"/>
+                    </a:schemeClr>
+                  </a:solidFill>
+                </a:ln>
+                <a:solidFill>
+                  <a:schemeClr val="tx1">
+                    <a:lumMod val="95000"/>
+                    <a:lumOff val="5000"/>
+                  </a:schemeClr>
+                </a:solidFill>
+                <a:latin typeface="KoPub돋움체 Light" panose="00000300000000000000" pitchFamily="2" charset="-127"/>
+                <a:ea typeface="KoPub돋움체 Light" panose="00000300000000000000" pitchFamily="2" charset="-127"/>
+              </a:rPr>
+              <a:t>Case 3</a:t>
+            </a:r>
+          </a:p>
+          <a:p>
+            <a:pPr algn="ctr"/>
+            <a:r>
+              <a:rPr lang="ko-KR" altLang="en-US" sz="1400" b="1" dirty="0">
+                <a:ln>
+                  <a:solidFill>
+                    <a:schemeClr val="bg1">
+                      <a:alpha val="30000"/>
+                    </a:schemeClr>
+                  </a:solidFill>
+                </a:ln>
+                <a:solidFill>
+                  <a:schemeClr val="tx1">
+                    <a:lumMod val="95000"/>
+                    <a:lumOff val="5000"/>
+                  </a:schemeClr>
+                </a:solidFill>
+                <a:latin typeface="KoPub돋움체 Light" panose="00000300000000000000" pitchFamily="2" charset="-127"/>
+                <a:ea typeface="KoPub돋움체 Light" panose="00000300000000000000" pitchFamily="2" charset="-127"/>
+              </a:rPr>
+              <a:t>짝수층에서 홀수층으로 혹은 그 반대의 경우</a:t>
+            </a:r>
+            <a:endParaRPr lang="en-US" altLang="ko-KR" sz="1400" b="1" dirty="0">
+              <a:ln>
+                <a:solidFill>
+                  <a:schemeClr val="bg1">
+                    <a:alpha val="30000"/>
+                  </a:schemeClr>
+                </a:solidFill>
+              </a:ln>
+              <a:solidFill>
+                <a:schemeClr val="tx1">
+                  <a:lumMod val="95000"/>
+                  <a:lumOff val="5000"/>
+                </a:schemeClr>
+              </a:solidFill>
+              <a:latin typeface="KoPub돋움체 Light" panose="00000300000000000000" pitchFamily="2" charset="-127"/>
+              <a:ea typeface="KoPub돋움체 Light" panose="00000300000000000000" pitchFamily="2" charset="-127"/>
+            </a:endParaRPr>
+          </a:p>
+          <a:p>
+            <a:pPr algn="ctr"/>
+            <a:r>
+              <a:rPr lang="ko-KR" altLang="en-US" sz="1400" b="1" dirty="0">
+                <a:ln>
+                  <a:solidFill>
+                    <a:schemeClr val="bg1">
+                      <a:alpha val="30000"/>
+                    </a:schemeClr>
+                  </a:solidFill>
+                </a:ln>
+                <a:solidFill>
+                  <a:schemeClr val="tx1">
+                    <a:lumMod val="95000"/>
+                    <a:lumOff val="5000"/>
+                  </a:schemeClr>
+                </a:solidFill>
+                <a:latin typeface="KoPub돋움체 Light" panose="00000300000000000000" pitchFamily="2" charset="-127"/>
+                <a:ea typeface="KoPub돋움체 Light" panose="00000300000000000000" pitchFamily="2" charset="-127"/>
+              </a:rPr>
+              <a:t>엘레베이터 이동</a:t>
+            </a:r>
+            <a:r>
+              <a:rPr lang="en-US" altLang="ko-KR" sz="1400" b="1" dirty="0">
+                <a:ln>
+                  <a:solidFill>
+                    <a:schemeClr val="bg1">
+                      <a:alpha val="30000"/>
+                    </a:schemeClr>
+                  </a:solidFill>
+                </a:ln>
+                <a:solidFill>
+                  <a:schemeClr val="tx1">
+                    <a:lumMod val="95000"/>
+                    <a:lumOff val="5000"/>
+                  </a:schemeClr>
+                </a:solidFill>
+                <a:latin typeface="KoPub돋움체 Light" panose="00000300000000000000" pitchFamily="2" charset="-127"/>
+                <a:ea typeface="KoPub돋움체 Light" panose="00000300000000000000" pitchFamily="2" charset="-127"/>
+              </a:rPr>
+              <a:t>(1</a:t>
+            </a:r>
+            <a:r>
+              <a:rPr lang="ko-KR" altLang="en-US" sz="1400" b="1" dirty="0">
+                <a:ln>
+                  <a:solidFill>
+                    <a:schemeClr val="bg1">
+                      <a:alpha val="30000"/>
+                    </a:schemeClr>
+                  </a:solidFill>
+                </a:ln>
+                <a:solidFill>
+                  <a:schemeClr val="tx1">
+                    <a:lumMod val="95000"/>
+                    <a:lumOff val="5000"/>
+                  </a:schemeClr>
+                </a:solidFill>
+                <a:latin typeface="KoPub돋움체 Light" panose="00000300000000000000" pitchFamily="2" charset="-127"/>
+                <a:ea typeface="KoPub돋움체 Light" panose="00000300000000000000" pitchFamily="2" charset="-127"/>
+              </a:rPr>
+              <a:t>층 차이</a:t>
+            </a:r>
+            <a:r>
+              <a:rPr lang="en-US" altLang="ko-KR" sz="1400" b="1" dirty="0">
+                <a:ln>
+                  <a:solidFill>
+                    <a:schemeClr val="bg1">
+                      <a:alpha val="30000"/>
+                    </a:schemeClr>
+                  </a:solidFill>
+                </a:ln>
+                <a:solidFill>
+                  <a:schemeClr val="tx1">
+                    <a:lumMod val="95000"/>
+                    <a:lumOff val="5000"/>
+                  </a:schemeClr>
+                </a:solidFill>
+                <a:latin typeface="KoPub돋움체 Light" panose="00000300000000000000" pitchFamily="2" charset="-127"/>
+                <a:ea typeface="KoPub돋움체 Light" panose="00000300000000000000" pitchFamily="2" charset="-127"/>
+              </a:rPr>
+              <a:t>)</a:t>
+            </a:r>
+            <a:r>
+              <a:rPr lang="ko-KR" altLang="en-US" sz="1400" b="1" dirty="0">
+                <a:ln>
+                  <a:solidFill>
+                    <a:schemeClr val="bg1">
+                      <a:alpha val="30000"/>
+                    </a:schemeClr>
+                  </a:solidFill>
+                </a:ln>
+                <a:solidFill>
+                  <a:schemeClr val="tx1">
+                    <a:lumMod val="95000"/>
+                    <a:lumOff val="5000"/>
+                  </a:schemeClr>
+                </a:solidFill>
+                <a:latin typeface="KoPub돋움체 Light" panose="00000300000000000000" pitchFamily="2" charset="-127"/>
+                <a:ea typeface="KoPub돋움체 Light" panose="00000300000000000000" pitchFamily="2" charset="-127"/>
+              </a:rPr>
+              <a:t> 후 계단으로 안내</a:t>
             </a:r>
           </a:p>
           <a:p>
@@ -16116,6 +19520,149 @@
               <a:ea typeface="KoPub돋움체 Light" panose="00000300000000000000" pitchFamily="2" charset="-127"/>
             </a:endParaRPr>
           </a:p>
+          <a:p>
+            <a:pPr algn="ctr"/>
+            <a:r>
+              <a:rPr lang="ko-KR" altLang="en-US" sz="1400" b="1" dirty="0">
+                <a:ln>
+                  <a:solidFill>
+                    <a:schemeClr val="bg1">
+                      <a:alpha val="30000"/>
+                    </a:schemeClr>
+                  </a:solidFill>
+                </a:ln>
+                <a:solidFill>
+                  <a:schemeClr val="tx1">
+                    <a:lumMod val="95000"/>
+                    <a:lumOff val="5000"/>
+                  </a:schemeClr>
+                </a:solidFill>
+                <a:latin typeface="KoPub돋움체 Light" panose="00000300000000000000" pitchFamily="2" charset="-127"/>
+                <a:ea typeface="KoPub돋움체 Light" panose="00000300000000000000" pitchFamily="2" charset="-127"/>
+              </a:rPr>
+              <a:t>탐색한 교차점에서 </a:t>
+            </a:r>
+            <a:r>
+              <a:rPr lang="en-US" altLang="ko-KR" sz="1400" b="1" dirty="0" err="1">
+                <a:ln>
+                  <a:solidFill>
+                    <a:schemeClr val="bg1">
+                      <a:alpha val="30000"/>
+                    </a:schemeClr>
+                  </a:solidFill>
+                </a:ln>
+                <a:solidFill>
+                  <a:schemeClr val="tx1">
+                    <a:lumMod val="95000"/>
+                    <a:lumOff val="5000"/>
+                  </a:schemeClr>
+                </a:solidFill>
+                <a:latin typeface="KoPub돋움체 Light" panose="00000300000000000000" pitchFamily="2" charset="-127"/>
+                <a:ea typeface="KoPub돋움체 Light" panose="00000300000000000000" pitchFamily="2" charset="-127"/>
+              </a:rPr>
+              <a:t>dijkstra</a:t>
+            </a:r>
+            <a:r>
+              <a:rPr lang="ko-KR" altLang="en-US" sz="1400" b="1" dirty="0">
+                <a:ln>
+                  <a:solidFill>
+                    <a:schemeClr val="bg1">
+                      <a:alpha val="30000"/>
+                    </a:schemeClr>
+                  </a:solidFill>
+                </a:ln>
+                <a:solidFill>
+                  <a:schemeClr val="tx1">
+                    <a:lumMod val="95000"/>
+                    <a:lumOff val="5000"/>
+                  </a:schemeClr>
+                </a:solidFill>
+                <a:latin typeface="KoPub돋움체 Light" panose="00000300000000000000" pitchFamily="2" charset="-127"/>
+                <a:ea typeface="KoPub돋움체 Light" panose="00000300000000000000" pitchFamily="2" charset="-127"/>
+              </a:rPr>
+              <a:t>알고리즘과 유동인구를 통해</a:t>
+            </a:r>
+            <a:endParaRPr lang="en-US" altLang="ko-KR" sz="1400" b="1" dirty="0">
+              <a:ln>
+                <a:solidFill>
+                  <a:schemeClr val="bg1">
+                    <a:alpha val="30000"/>
+                  </a:schemeClr>
+                </a:solidFill>
+              </a:ln>
+              <a:solidFill>
+                <a:schemeClr val="tx1">
+                  <a:lumMod val="95000"/>
+                  <a:lumOff val="5000"/>
+                </a:schemeClr>
+              </a:solidFill>
+              <a:latin typeface="KoPub돋움체 Light" panose="00000300000000000000" pitchFamily="2" charset="-127"/>
+              <a:ea typeface="KoPub돋움체 Light" panose="00000300000000000000" pitchFamily="2" charset="-127"/>
+            </a:endParaRPr>
+          </a:p>
+          <a:p>
+            <a:pPr algn="ctr"/>
+            <a:r>
+              <a:rPr lang="ko-KR" altLang="en-US" sz="1400" b="1" dirty="0">
+                <a:ln>
+                  <a:solidFill>
+                    <a:schemeClr val="bg1">
+                      <a:alpha val="30000"/>
+                    </a:schemeClr>
+                  </a:solidFill>
+                </a:ln>
+                <a:solidFill>
+                  <a:schemeClr val="tx1">
+                    <a:lumMod val="95000"/>
+                    <a:lumOff val="5000"/>
+                  </a:schemeClr>
+                </a:solidFill>
+                <a:latin typeface="KoPub돋움체 Light" panose="00000300000000000000" pitchFamily="2" charset="-127"/>
+                <a:ea typeface="KoPub돋움체 Light" panose="00000300000000000000" pitchFamily="2" charset="-127"/>
+              </a:rPr>
+              <a:t>이동  교차점 노드들을 비교한다</a:t>
+            </a:r>
+            <a:r>
+              <a:rPr lang="en-US" altLang="ko-KR" sz="1400" b="1" dirty="0">
+                <a:ln>
+                  <a:solidFill>
+                    <a:schemeClr val="bg1">
+                      <a:alpha val="30000"/>
+                    </a:schemeClr>
+                  </a:solidFill>
+                </a:ln>
+                <a:solidFill>
+                  <a:schemeClr val="tx1">
+                    <a:lumMod val="95000"/>
+                    <a:lumOff val="5000"/>
+                  </a:schemeClr>
+                </a:solidFill>
+                <a:latin typeface="KoPub돋움체 Light" panose="00000300000000000000" pitchFamily="2" charset="-127"/>
+                <a:ea typeface="KoPub돋움체 Light" panose="00000300000000000000" pitchFamily="2" charset="-127"/>
+              </a:rPr>
+              <a:t>.</a:t>
+            </a:r>
+          </a:p>
+          <a:p>
+            <a:pPr algn="ctr"/>
+            <a:endParaRPr lang="en-US" altLang="ko-KR" sz="1400" b="1" dirty="0">
+              <a:ln>
+                <a:solidFill>
+                  <a:schemeClr val="bg1">
+                    <a:alpha val="30000"/>
+                  </a:schemeClr>
+                </a:solidFill>
+              </a:ln>
+              <a:solidFill>
+                <a:schemeClr val="tx1">
+                  <a:lumMod val="95000"/>
+                  <a:lumOff val="5000"/>
+                </a:schemeClr>
+              </a:solidFill>
+              <a:latin typeface="KoPub돋움체 Light" panose="00000300000000000000" pitchFamily="2" charset="-127"/>
+              <a:ea typeface="KoPub돋움체 Light" panose="00000300000000000000" pitchFamily="2" charset="-127"/>
+            </a:endParaRPr>
+          </a:p>
         </p:txBody>
       </p:sp>
       <p:sp>
@@ -16123,7 +19670,7 @@
           <p:cNvPr id="27" name="타원 26">
             <a:extLst>
               <a:ext uri="{FF2B5EF4-FFF2-40B4-BE49-F238E27FC236}">
-                <a16:creationId xmlns="" xmlns:a16="http://schemas.microsoft.com/office/drawing/2014/main" id="{27BC121C-7CC1-4B12-84A7-FB8C4B78A469}"/>
+                <a16:creationId xmlns:a16="http://schemas.microsoft.com/office/drawing/2014/main" id="{27BC121C-7CC1-4B12-84A7-FB8C4B78A469}"/>
               </a:ext>
             </a:extLst>
           </p:cNvPr>
@@ -16177,7 +19724,7 @@
           <p:cNvPr id="22" name="타원 21">
             <a:extLst>
               <a:ext uri="{FF2B5EF4-FFF2-40B4-BE49-F238E27FC236}">
-                <a16:creationId xmlns="" xmlns:a16="http://schemas.microsoft.com/office/drawing/2014/main" id="{C68F243E-A897-4ECB-87CC-CDBA52DBFD12}"/>
+                <a16:creationId xmlns:a16="http://schemas.microsoft.com/office/drawing/2014/main" id="{C68F243E-A897-4ECB-87CC-CDBA52DBFD12}"/>
               </a:ext>
             </a:extLst>
           </p:cNvPr>
@@ -16231,7 +19778,7 @@
           <p:cNvPr id="23" name="타원 22">
             <a:extLst>
               <a:ext uri="{FF2B5EF4-FFF2-40B4-BE49-F238E27FC236}">
-                <a16:creationId xmlns="" xmlns:a16="http://schemas.microsoft.com/office/drawing/2014/main" id="{AA17F53E-9F63-4D3E-A954-6AB4CF33699B}"/>
+                <a16:creationId xmlns:a16="http://schemas.microsoft.com/office/drawing/2014/main" id="{AA17F53E-9F63-4D3E-A954-6AB4CF33699B}"/>
               </a:ext>
             </a:extLst>
           </p:cNvPr>
@@ -16285,7 +19832,7 @@
           <p:cNvPr id="25" name="타원 24">
             <a:extLst>
               <a:ext uri="{FF2B5EF4-FFF2-40B4-BE49-F238E27FC236}">
-                <a16:creationId xmlns="" xmlns:a16="http://schemas.microsoft.com/office/drawing/2014/main" id="{F64F584F-9B4E-40F7-A138-B3AEF61AD2BA}"/>
+                <a16:creationId xmlns:a16="http://schemas.microsoft.com/office/drawing/2014/main" id="{F64F584F-9B4E-40F7-A138-B3AEF61AD2BA}"/>
               </a:ext>
             </a:extLst>
           </p:cNvPr>
@@ -16339,7 +19886,7 @@
           <p:cNvPr id="28" name="타원 27">
             <a:extLst>
               <a:ext uri="{FF2B5EF4-FFF2-40B4-BE49-F238E27FC236}">
-                <a16:creationId xmlns="" xmlns:a16="http://schemas.microsoft.com/office/drawing/2014/main" id="{5B9B3E71-B3B1-4FF3-94F2-12E7C7913781}"/>
+                <a16:creationId xmlns:a16="http://schemas.microsoft.com/office/drawing/2014/main" id="{5B9B3E71-B3B1-4FF3-94F2-12E7C7913781}"/>
               </a:ext>
             </a:extLst>
           </p:cNvPr>
@@ -16393,7 +19940,7 @@
           <p:cNvPr id="29" name="타원 28">
             <a:extLst>
               <a:ext uri="{FF2B5EF4-FFF2-40B4-BE49-F238E27FC236}">
-                <a16:creationId xmlns="" xmlns:a16="http://schemas.microsoft.com/office/drawing/2014/main" id="{F85F1324-1292-426B-BB72-4F0EC113EAA3}"/>
+                <a16:creationId xmlns:a16="http://schemas.microsoft.com/office/drawing/2014/main" id="{F85F1324-1292-426B-BB72-4F0EC113EAA3}"/>
               </a:ext>
             </a:extLst>
           </p:cNvPr>
@@ -16447,7 +19994,7 @@
           <p:cNvPr id="30" name="타원 29">
             <a:extLst>
               <a:ext uri="{FF2B5EF4-FFF2-40B4-BE49-F238E27FC236}">
-                <a16:creationId xmlns="" xmlns:a16="http://schemas.microsoft.com/office/drawing/2014/main" id="{FA685177-A594-4E54-AE96-EB2E18EB9ACE}"/>
+                <a16:creationId xmlns:a16="http://schemas.microsoft.com/office/drawing/2014/main" id="{FA685177-A594-4E54-AE96-EB2E18EB9ACE}"/>
               </a:ext>
             </a:extLst>
           </p:cNvPr>
@@ -16501,7 +20048,7 @@
           <p:cNvPr id="32" name="직선 화살표 연결선 31">
             <a:extLst>
               <a:ext uri="{FF2B5EF4-FFF2-40B4-BE49-F238E27FC236}">
-                <a16:creationId xmlns="" xmlns:a16="http://schemas.microsoft.com/office/drawing/2014/main" id="{C911A864-A6DC-4997-B9E9-F8BC6D3B8D7E}"/>
+                <a16:creationId xmlns:a16="http://schemas.microsoft.com/office/drawing/2014/main" id="{C911A864-A6DC-4997-B9E9-F8BC6D3B8D7E}"/>
               </a:ext>
             </a:extLst>
           </p:cNvPr>
@@ -16545,7 +20092,7 @@
           <p:cNvPr id="14" name="화살표: 아래쪽 13">
             <a:extLst>
               <a:ext uri="{FF2B5EF4-FFF2-40B4-BE49-F238E27FC236}">
-                <a16:creationId xmlns="" xmlns:a16="http://schemas.microsoft.com/office/drawing/2014/main" id="{60B44A07-FFD2-4519-96C8-452F68947570}"/>
+                <a16:creationId xmlns:a16="http://schemas.microsoft.com/office/drawing/2014/main" id="{60B44A07-FFD2-4519-96C8-452F68947570}"/>
               </a:ext>
             </a:extLst>
           </p:cNvPr>
@@ -16599,7 +20146,7 @@
           <p:cNvPr id="34" name="타원 33">
             <a:extLst>
               <a:ext uri="{FF2B5EF4-FFF2-40B4-BE49-F238E27FC236}">
-                <a16:creationId xmlns="" xmlns:a16="http://schemas.microsoft.com/office/drawing/2014/main" id="{E6232360-DB32-477C-A325-EE1D23784928}"/>
+                <a16:creationId xmlns:a16="http://schemas.microsoft.com/office/drawing/2014/main" id="{E6232360-DB32-477C-A325-EE1D23784928}"/>
               </a:ext>
             </a:extLst>
           </p:cNvPr>
@@ -16653,7 +20200,7 @@
           <p:cNvPr id="43" name="직선 화살표 연결선 42">
             <a:extLst>
               <a:ext uri="{FF2B5EF4-FFF2-40B4-BE49-F238E27FC236}">
-                <a16:creationId xmlns="" xmlns:a16="http://schemas.microsoft.com/office/drawing/2014/main" id="{0E878D57-54B3-47C1-9056-2E07462CFE84}"/>
+                <a16:creationId xmlns:a16="http://schemas.microsoft.com/office/drawing/2014/main" id="{0E878D57-54B3-47C1-9056-2E07462CFE84}"/>
               </a:ext>
             </a:extLst>
           </p:cNvPr>
@@ -16697,7 +20244,7 @@
           <p:cNvPr id="44" name="직선 화살표 연결선 43">
             <a:extLst>
               <a:ext uri="{FF2B5EF4-FFF2-40B4-BE49-F238E27FC236}">
-                <a16:creationId xmlns="" xmlns:a16="http://schemas.microsoft.com/office/drawing/2014/main" id="{F25CCC98-B0EB-4DAA-9AAE-348251812BB4}"/>
+                <a16:creationId xmlns:a16="http://schemas.microsoft.com/office/drawing/2014/main" id="{F25CCC98-B0EB-4DAA-9AAE-348251812BB4}"/>
               </a:ext>
             </a:extLst>
           </p:cNvPr>
@@ -16741,7 +20288,7 @@
           <p:cNvPr id="47" name="타원 46">
             <a:extLst>
               <a:ext uri="{FF2B5EF4-FFF2-40B4-BE49-F238E27FC236}">
-                <a16:creationId xmlns="" xmlns:a16="http://schemas.microsoft.com/office/drawing/2014/main" id="{7F4F767B-FA1B-4ED9-8E72-11B5BBC096BD}"/>
+                <a16:creationId xmlns:a16="http://schemas.microsoft.com/office/drawing/2014/main" id="{7F4F767B-FA1B-4ED9-8E72-11B5BBC096BD}"/>
               </a:ext>
             </a:extLst>
           </p:cNvPr>
@@ -16795,7 +20342,7 @@
           <p:cNvPr id="48" name="직선 화살표 연결선 47">
             <a:extLst>
               <a:ext uri="{FF2B5EF4-FFF2-40B4-BE49-F238E27FC236}">
-                <a16:creationId xmlns="" xmlns:a16="http://schemas.microsoft.com/office/drawing/2014/main" id="{DFCACCE7-A28A-4C85-8D9E-F6D7B60A2C07}"/>
+                <a16:creationId xmlns:a16="http://schemas.microsoft.com/office/drawing/2014/main" id="{DFCACCE7-A28A-4C85-8D9E-F6D7B60A2C07}"/>
               </a:ext>
             </a:extLst>
           </p:cNvPr>
@@ -16839,7 +20386,7 @@
           <p:cNvPr id="53" name="직선 화살표 연결선 52">
             <a:extLst>
               <a:ext uri="{FF2B5EF4-FFF2-40B4-BE49-F238E27FC236}">
-                <a16:creationId xmlns="" xmlns:a16="http://schemas.microsoft.com/office/drawing/2014/main" id="{FBD9C4A3-16C4-49DB-9CA7-0CDC52BA8493}"/>
+                <a16:creationId xmlns:a16="http://schemas.microsoft.com/office/drawing/2014/main" id="{FBD9C4A3-16C4-49DB-9CA7-0CDC52BA8493}"/>
               </a:ext>
             </a:extLst>
           </p:cNvPr>
@@ -16883,7 +20430,7 @@
           <p:cNvPr id="35" name="직선 화살표 연결선 34">
             <a:extLst>
               <a:ext uri="{FF2B5EF4-FFF2-40B4-BE49-F238E27FC236}">
-                <a16:creationId xmlns="" xmlns:a16="http://schemas.microsoft.com/office/drawing/2014/main" id="{EFCE8B3D-1262-43AB-8B4D-6674F2E7BE83}"/>
+                <a16:creationId xmlns:a16="http://schemas.microsoft.com/office/drawing/2014/main" id="{EFCE8B3D-1262-43AB-8B4D-6674F2E7BE83}"/>
               </a:ext>
             </a:extLst>
           </p:cNvPr>
@@ -16927,7 +20474,7 @@
           <p:cNvPr id="40" name="화살표: 아래쪽 13">
             <a:extLst>
               <a:ext uri="{FF2B5EF4-FFF2-40B4-BE49-F238E27FC236}">
-                <a16:creationId xmlns="" xmlns:a16="http://schemas.microsoft.com/office/drawing/2014/main" id="{60B44A07-FFD2-4519-96C8-452F68947570}"/>
+                <a16:creationId xmlns:a16="http://schemas.microsoft.com/office/drawing/2014/main" id="{60B44A07-FFD2-4519-96C8-452F68947570}"/>
               </a:ext>
             </a:extLst>
           </p:cNvPr>

--- a/presentation/final.pptx
+++ b/presentation/final.pptx
@@ -5,7 +5,7 @@
     <p:sldMasterId id="2147483648" r:id="rId1"/>
   </p:sldMasterIdLst>
   <p:notesMasterIdLst>
-    <p:notesMasterId r:id="rId20"/>
+    <p:notesMasterId r:id="rId21"/>
   </p:notesMasterIdLst>
   <p:sldIdLst>
     <p:sldId id="257" r:id="rId2"/>
@@ -25,7 +25,8 @@
     <p:sldId id="303" r:id="rId16"/>
     <p:sldId id="305" r:id="rId17"/>
     <p:sldId id="302" r:id="rId18"/>
-    <p:sldId id="266" r:id="rId19"/>
+    <p:sldId id="307" r:id="rId19"/>
+    <p:sldId id="266" r:id="rId20"/>
   </p:sldIdLst>
   <p:sldSz cx="12192000" cy="6858000"/>
   <p:notesSz cx="6858000" cy="9144000"/>
@@ -272,7 +273,7 @@
           <a:p>
             <a:fld id="{1F128C8A-7665-2E48-AE79-3C17475A6744}" type="datetimeFigureOut">
               <a:rPr lang="en-US" smtClean="0"/>
-              <a:t>12/25/2018</a:t>
+              <a:t>12/26/18</a:t>
             </a:fld>
             <a:endParaRPr lang="en-US"/>
           </a:p>
@@ -752,7 +753,7 @@
           <a:p>
             <a:fld id="{CF82F7AB-E95A-0844-8073-FE3960868F46}" type="datetimeFigureOut">
               <a:rPr lang="en-US" smtClean="0"/>
-              <a:t>12/25/2018</a:t>
+              <a:t>12/26/18</a:t>
             </a:fld>
             <a:endParaRPr lang="en-US"/>
           </a:p>
@@ -920,7 +921,7 @@
           <a:p>
             <a:fld id="{CF82F7AB-E95A-0844-8073-FE3960868F46}" type="datetimeFigureOut">
               <a:rPr lang="en-US" smtClean="0"/>
-              <a:t>12/25/2018</a:t>
+              <a:t>12/26/18</a:t>
             </a:fld>
             <a:endParaRPr lang="en-US"/>
           </a:p>
@@ -1098,7 +1099,7 @@
           <a:p>
             <a:fld id="{CF82F7AB-E95A-0844-8073-FE3960868F46}" type="datetimeFigureOut">
               <a:rPr lang="en-US" smtClean="0"/>
-              <a:t>12/25/2018</a:t>
+              <a:t>12/26/18</a:t>
             </a:fld>
             <a:endParaRPr lang="en-US"/>
           </a:p>
@@ -1266,7 +1267,7 @@
           <a:p>
             <a:fld id="{CF82F7AB-E95A-0844-8073-FE3960868F46}" type="datetimeFigureOut">
               <a:rPr lang="en-US" smtClean="0"/>
-              <a:t>12/25/2018</a:t>
+              <a:t>12/26/18</a:t>
             </a:fld>
             <a:endParaRPr lang="en-US"/>
           </a:p>
@@ -1511,7 +1512,7 @@
           <a:p>
             <a:fld id="{CF82F7AB-E95A-0844-8073-FE3960868F46}" type="datetimeFigureOut">
               <a:rPr lang="en-US" smtClean="0"/>
-              <a:t>12/25/2018</a:t>
+              <a:t>12/26/18</a:t>
             </a:fld>
             <a:endParaRPr lang="en-US"/>
           </a:p>
@@ -1740,7 +1741,7 @@
           <a:p>
             <a:fld id="{CF82F7AB-E95A-0844-8073-FE3960868F46}" type="datetimeFigureOut">
               <a:rPr lang="en-US" smtClean="0"/>
-              <a:t>12/25/2018</a:t>
+              <a:t>12/26/18</a:t>
             </a:fld>
             <a:endParaRPr lang="en-US"/>
           </a:p>
@@ -2104,7 +2105,7 @@
           <a:p>
             <a:fld id="{CF82F7AB-E95A-0844-8073-FE3960868F46}" type="datetimeFigureOut">
               <a:rPr lang="en-US" smtClean="0"/>
-              <a:t>12/25/2018</a:t>
+              <a:t>12/26/18</a:t>
             </a:fld>
             <a:endParaRPr lang="en-US"/>
           </a:p>
@@ -2221,7 +2222,7 @@
           <a:p>
             <a:fld id="{CF82F7AB-E95A-0844-8073-FE3960868F46}" type="datetimeFigureOut">
               <a:rPr lang="en-US" smtClean="0"/>
-              <a:t>12/25/2018</a:t>
+              <a:t>12/26/18</a:t>
             </a:fld>
             <a:endParaRPr lang="en-US"/>
           </a:p>
@@ -2316,7 +2317,7 @@
           <a:p>
             <a:fld id="{CF82F7AB-E95A-0844-8073-FE3960868F46}" type="datetimeFigureOut">
               <a:rPr lang="en-US" smtClean="0"/>
-              <a:t>12/25/2018</a:t>
+              <a:t>12/26/18</a:t>
             </a:fld>
             <a:endParaRPr lang="en-US"/>
           </a:p>
@@ -2591,7 +2592,7 @@
           <a:p>
             <a:fld id="{CF82F7AB-E95A-0844-8073-FE3960868F46}" type="datetimeFigureOut">
               <a:rPr lang="en-US" smtClean="0"/>
-              <a:t>12/25/2018</a:t>
+              <a:t>12/26/18</a:t>
             </a:fld>
             <a:endParaRPr lang="en-US"/>
           </a:p>
@@ -2843,7 +2844,7 @@
           <a:p>
             <a:fld id="{CF82F7AB-E95A-0844-8073-FE3960868F46}" type="datetimeFigureOut">
               <a:rPr lang="en-US" smtClean="0"/>
-              <a:t>12/25/2018</a:t>
+              <a:t>12/26/18</a:t>
             </a:fld>
             <a:endParaRPr lang="en-US"/>
           </a:p>
@@ -3054,7 +3055,7 @@
           <a:p>
             <a:fld id="{CF82F7AB-E95A-0844-8073-FE3960868F46}" type="datetimeFigureOut">
               <a:rPr lang="en-US" smtClean="0"/>
-              <a:t>12/25/2018</a:t>
+              <a:t>12/26/18</a:t>
             </a:fld>
             <a:endParaRPr lang="en-US"/>
           </a:p>
@@ -3464,7 +3465,7 @@
           <p:cNvPr id="26" name="사각형: 둥근 모서리 25">
             <a:extLst>
               <a:ext uri="{FF2B5EF4-FFF2-40B4-BE49-F238E27FC236}">
-                <a16:creationId xmlns:a16="http://schemas.microsoft.com/office/drawing/2014/main" id="{6EF4AACF-BF98-4D1B-815E-F2B21068B69C}"/>
+                <a16:creationId xmlns:a16="http://schemas.microsoft.com/office/drawing/2014/main" xmlns="" id="{6EF4AACF-BF98-4D1B-815E-F2B21068B69C}"/>
               </a:ext>
             </a:extLst>
           </p:cNvPr>
@@ -3528,7 +3529,7 @@
           <p:cNvPr id="25" name="사각형: 둥근 모서리 24">
             <a:extLst>
               <a:ext uri="{FF2B5EF4-FFF2-40B4-BE49-F238E27FC236}">
-                <a16:creationId xmlns:a16="http://schemas.microsoft.com/office/drawing/2014/main" id="{2B540C0C-C67A-4CCA-936F-6F1BF9B33AA6}"/>
+                <a16:creationId xmlns:a16="http://schemas.microsoft.com/office/drawing/2014/main" xmlns="" id="{2B540C0C-C67A-4CCA-936F-6F1BF9B33AA6}"/>
               </a:ext>
             </a:extLst>
           </p:cNvPr>
@@ -3592,7 +3593,7 @@
           <p:cNvPr id="11" name="TextBox 10">
             <a:extLst>
               <a:ext uri="{FF2B5EF4-FFF2-40B4-BE49-F238E27FC236}">
-                <a16:creationId xmlns:a16="http://schemas.microsoft.com/office/drawing/2014/main" id="{5F5C2694-2958-48AC-A495-3A4D740A8E48}"/>
+                <a16:creationId xmlns:a16="http://schemas.microsoft.com/office/drawing/2014/main" xmlns="" id="{5F5C2694-2958-48AC-A495-3A4D740A8E48}"/>
               </a:ext>
             </a:extLst>
           </p:cNvPr>
@@ -3645,7 +3646,7 @@
           <p:cNvPr id="12" name="TextBox 11">
             <a:extLst>
               <a:ext uri="{FF2B5EF4-FFF2-40B4-BE49-F238E27FC236}">
-                <a16:creationId xmlns:a16="http://schemas.microsoft.com/office/drawing/2014/main" id="{AFFF3868-DADC-439E-953C-BAD4581A3B8A}"/>
+                <a16:creationId xmlns:a16="http://schemas.microsoft.com/office/drawing/2014/main" xmlns="" id="{AFFF3868-DADC-439E-953C-BAD4581A3B8A}"/>
               </a:ext>
             </a:extLst>
           </p:cNvPr>
@@ -3706,7 +3707,7 @@
               <p14:cNvPr id="14" name="잉크 13">
                 <a:extLst>
                   <a:ext uri="{FF2B5EF4-FFF2-40B4-BE49-F238E27FC236}">
-                    <a16:creationId xmlns:a16="http://schemas.microsoft.com/office/drawing/2014/main" id="{B55D4335-1F91-4444-A146-73388C8EF92F}"/>
+                    <a16:creationId xmlns:a16="http://schemas.microsoft.com/office/drawing/2014/main" xmlns="" id="{B55D4335-1F91-4444-A146-73388C8EF92F}"/>
                   </a:ext>
                 </a:extLst>
               </p14:cNvPr>
@@ -3755,7 +3756,7 @@
           <p:cNvPr id="27" name="직사각형 26">
             <a:extLst>
               <a:ext uri="{FF2B5EF4-FFF2-40B4-BE49-F238E27FC236}">
-                <a16:creationId xmlns:a16="http://schemas.microsoft.com/office/drawing/2014/main" id="{7B485AC3-93BA-4C5D-BD3E-4C24FE11A689}"/>
+                <a16:creationId xmlns:a16="http://schemas.microsoft.com/office/drawing/2014/main" xmlns="" id="{7B485AC3-93BA-4C5D-BD3E-4C24FE11A689}"/>
               </a:ext>
             </a:extLst>
           </p:cNvPr>
@@ -3811,7 +3812,7 @@
           <p:cNvPr id="2" name="TextBox 1">
             <a:extLst>
               <a:ext uri="{FF2B5EF4-FFF2-40B4-BE49-F238E27FC236}">
-                <a16:creationId xmlns:a16="http://schemas.microsoft.com/office/drawing/2014/main" id="{046AE835-647E-4C28-AD79-943FAA6BB463}"/>
+                <a16:creationId xmlns:a16="http://schemas.microsoft.com/office/drawing/2014/main" xmlns="" id="{046AE835-647E-4C28-AD79-943FAA6BB463}"/>
               </a:ext>
             </a:extLst>
           </p:cNvPr>
@@ -4073,7 +4074,7 @@
           <p:cNvPr id="6" name="그룹 5">
             <a:extLst>
               <a:ext uri="{FF2B5EF4-FFF2-40B4-BE49-F238E27FC236}">
-                <a16:creationId xmlns:a16="http://schemas.microsoft.com/office/drawing/2014/main" id="{A87738A6-DCCB-44F8-BC8F-5630746B8082}"/>
+                <a16:creationId xmlns:a16="http://schemas.microsoft.com/office/drawing/2014/main" xmlns="" id="{A87738A6-DCCB-44F8-BC8F-5630746B8082}"/>
               </a:ext>
             </a:extLst>
           </p:cNvPr>
@@ -4093,7 +4094,7 @@
             <p:cNvPr id="3" name="TextBox 2">
               <a:extLst>
                 <a:ext uri="{FF2B5EF4-FFF2-40B4-BE49-F238E27FC236}">
-                  <a16:creationId xmlns:a16="http://schemas.microsoft.com/office/drawing/2014/main" id="{3F15D2F0-3EF3-4014-88BD-F1E9CEE28153}"/>
+                  <a16:creationId xmlns:a16="http://schemas.microsoft.com/office/drawing/2014/main" xmlns="" id="{3F15D2F0-3EF3-4014-88BD-F1E9CEE28153}"/>
                 </a:ext>
               </a:extLst>
             </p:cNvPr>
@@ -4151,7 +4152,7 @@
             <p:cNvPr id="4" name="TextBox 3">
               <a:extLst>
                 <a:ext uri="{FF2B5EF4-FFF2-40B4-BE49-F238E27FC236}">
-                  <a16:creationId xmlns:a16="http://schemas.microsoft.com/office/drawing/2014/main" id="{EE9EE9DD-4219-4C6F-BCF5-B48D9535E62E}"/>
+                  <a16:creationId xmlns:a16="http://schemas.microsoft.com/office/drawing/2014/main" xmlns="" id="{EE9EE9DD-4219-4C6F-BCF5-B48D9535E62E}"/>
                 </a:ext>
               </a:extLst>
             </p:cNvPr>
@@ -4221,7 +4222,7 @@
           <p:cNvPr id="9" name="직사각형 8">
             <a:extLst>
               <a:ext uri="{FF2B5EF4-FFF2-40B4-BE49-F238E27FC236}">
-                <a16:creationId xmlns:a16="http://schemas.microsoft.com/office/drawing/2014/main" id="{B946531F-0ED7-40C3-B576-4F56E0B23959}"/>
+                <a16:creationId xmlns:a16="http://schemas.microsoft.com/office/drawing/2014/main" xmlns="" id="{B946531F-0ED7-40C3-B576-4F56E0B23959}"/>
               </a:ext>
             </a:extLst>
           </p:cNvPr>
@@ -4275,7 +4276,7 @@
           <p:cNvPr id="24" name="직각 삼각형 23">
             <a:extLst>
               <a:ext uri="{FF2B5EF4-FFF2-40B4-BE49-F238E27FC236}">
-                <a16:creationId xmlns:a16="http://schemas.microsoft.com/office/drawing/2014/main" id="{A21687B3-DD91-4897-B11B-1D36E99F5FBD}"/>
+                <a16:creationId xmlns:a16="http://schemas.microsoft.com/office/drawing/2014/main" xmlns="" id="{A21687B3-DD91-4897-B11B-1D36E99F5FBD}"/>
               </a:ext>
             </a:extLst>
           </p:cNvPr>
@@ -4327,7 +4328,7 @@
           <p:cNvPr id="18" name="직사각형 17">
             <a:extLst>
               <a:ext uri="{FF2B5EF4-FFF2-40B4-BE49-F238E27FC236}">
-                <a16:creationId xmlns:a16="http://schemas.microsoft.com/office/drawing/2014/main" id="{FC56DBEE-CFA2-427D-A54E-C69EBB5FAD8F}"/>
+                <a16:creationId xmlns:a16="http://schemas.microsoft.com/office/drawing/2014/main" xmlns="" id="{FC56DBEE-CFA2-427D-A54E-C69EBB5FAD8F}"/>
               </a:ext>
             </a:extLst>
           </p:cNvPr>
@@ -4381,7 +4382,7 @@
           <p:cNvPr id="16" name="이등변 삼각형 15">
             <a:extLst>
               <a:ext uri="{FF2B5EF4-FFF2-40B4-BE49-F238E27FC236}">
-                <a16:creationId xmlns:a16="http://schemas.microsoft.com/office/drawing/2014/main" id="{6A579E04-95AD-4A49-B2DC-F82AC5E07A92}"/>
+                <a16:creationId xmlns:a16="http://schemas.microsoft.com/office/drawing/2014/main" xmlns="" id="{6A579E04-95AD-4A49-B2DC-F82AC5E07A92}"/>
               </a:ext>
             </a:extLst>
           </p:cNvPr>
@@ -4808,7 +4809,7 @@
           <p:cNvPr id="26" name="사각형: 둥근 모서리 25">
             <a:extLst>
               <a:ext uri="{FF2B5EF4-FFF2-40B4-BE49-F238E27FC236}">
-                <a16:creationId xmlns:a16="http://schemas.microsoft.com/office/drawing/2014/main" id="{6EF4AACF-BF98-4D1B-815E-F2B21068B69C}"/>
+                <a16:creationId xmlns:a16="http://schemas.microsoft.com/office/drawing/2014/main" xmlns="" id="{6EF4AACF-BF98-4D1B-815E-F2B21068B69C}"/>
               </a:ext>
             </a:extLst>
           </p:cNvPr>
@@ -4872,7 +4873,7 @@
           <p:cNvPr id="25" name="사각형: 둥근 모서리 24">
             <a:extLst>
               <a:ext uri="{FF2B5EF4-FFF2-40B4-BE49-F238E27FC236}">
-                <a16:creationId xmlns:a16="http://schemas.microsoft.com/office/drawing/2014/main" id="{2B540C0C-C67A-4CCA-936F-6F1BF9B33AA6}"/>
+                <a16:creationId xmlns:a16="http://schemas.microsoft.com/office/drawing/2014/main" xmlns="" id="{2B540C0C-C67A-4CCA-936F-6F1BF9B33AA6}"/>
               </a:ext>
             </a:extLst>
           </p:cNvPr>
@@ -4936,7 +4937,7 @@
           <p:cNvPr id="11" name="TextBox 10">
             <a:extLst>
               <a:ext uri="{FF2B5EF4-FFF2-40B4-BE49-F238E27FC236}">
-                <a16:creationId xmlns:a16="http://schemas.microsoft.com/office/drawing/2014/main" id="{5F5C2694-2958-48AC-A495-3A4D740A8E48}"/>
+                <a16:creationId xmlns:a16="http://schemas.microsoft.com/office/drawing/2014/main" xmlns="" id="{5F5C2694-2958-48AC-A495-3A4D740A8E48}"/>
               </a:ext>
             </a:extLst>
           </p:cNvPr>
@@ -4980,7 +4981,7 @@
           <p:cNvPr id="27" name="직사각형 26">
             <a:extLst>
               <a:ext uri="{FF2B5EF4-FFF2-40B4-BE49-F238E27FC236}">
-                <a16:creationId xmlns:a16="http://schemas.microsoft.com/office/drawing/2014/main" id="{7B485AC3-93BA-4C5D-BD3E-4C24FE11A689}"/>
+                <a16:creationId xmlns:a16="http://schemas.microsoft.com/office/drawing/2014/main" xmlns="" id="{7B485AC3-93BA-4C5D-BD3E-4C24FE11A689}"/>
               </a:ext>
             </a:extLst>
           </p:cNvPr>
@@ -5036,7 +5037,7 @@
           <p:cNvPr id="9" name="사각형: 둥근 모서리 25">
             <a:extLst>
               <a:ext uri="{FF2B5EF4-FFF2-40B4-BE49-F238E27FC236}">
-                <a16:creationId xmlns:a16="http://schemas.microsoft.com/office/drawing/2014/main" id="{6EF4AACF-BF98-4D1B-815E-F2B21068B69C}"/>
+                <a16:creationId xmlns:a16="http://schemas.microsoft.com/office/drawing/2014/main" xmlns="" id="{6EF4AACF-BF98-4D1B-815E-F2B21068B69C}"/>
               </a:ext>
             </a:extLst>
           </p:cNvPr>
@@ -5100,7 +5101,7 @@
           <p:cNvPr id="10" name="TextBox 9">
             <a:extLst>
               <a:ext uri="{FF2B5EF4-FFF2-40B4-BE49-F238E27FC236}">
-                <a16:creationId xmlns:a16="http://schemas.microsoft.com/office/drawing/2014/main" id="{AFFF3868-DADC-439E-953C-BAD4581A3B8A}"/>
+                <a16:creationId xmlns:a16="http://schemas.microsoft.com/office/drawing/2014/main" xmlns="" id="{AFFF3868-DADC-439E-953C-BAD4581A3B8A}"/>
               </a:ext>
             </a:extLst>
           </p:cNvPr>
@@ -5226,7 +5227,7 @@
           <p:cNvPr id="15" name="TextBox 14">
             <a:extLst>
               <a:ext uri="{FF2B5EF4-FFF2-40B4-BE49-F238E27FC236}">
-                <a16:creationId xmlns:a16="http://schemas.microsoft.com/office/drawing/2014/main" id="{AFFF3868-DADC-439E-953C-BAD4581A3B8A}"/>
+                <a16:creationId xmlns:a16="http://schemas.microsoft.com/office/drawing/2014/main" xmlns="" id="{AFFF3868-DADC-439E-953C-BAD4581A3B8A}"/>
               </a:ext>
             </a:extLst>
           </p:cNvPr>
@@ -5361,7 +5362,7 @@
           <p:cNvPr id="6" name="그룹 5">
             <a:extLst>
               <a:ext uri="{FF2B5EF4-FFF2-40B4-BE49-F238E27FC236}">
-                <a16:creationId xmlns:a16="http://schemas.microsoft.com/office/drawing/2014/main" id="{A87738A6-DCCB-44F8-BC8F-5630746B8082}"/>
+                <a16:creationId xmlns:a16="http://schemas.microsoft.com/office/drawing/2014/main" xmlns="" id="{A87738A6-DCCB-44F8-BC8F-5630746B8082}"/>
               </a:ext>
             </a:extLst>
           </p:cNvPr>
@@ -5381,7 +5382,7 @@
             <p:cNvPr id="3" name="TextBox 2">
               <a:extLst>
                 <a:ext uri="{FF2B5EF4-FFF2-40B4-BE49-F238E27FC236}">
-                  <a16:creationId xmlns:a16="http://schemas.microsoft.com/office/drawing/2014/main" id="{3F15D2F0-3EF3-4014-88BD-F1E9CEE28153}"/>
+                  <a16:creationId xmlns:a16="http://schemas.microsoft.com/office/drawing/2014/main" xmlns="" id="{3F15D2F0-3EF3-4014-88BD-F1E9CEE28153}"/>
                 </a:ext>
               </a:extLst>
             </p:cNvPr>
@@ -5429,7 +5430,7 @@
             <p:cNvPr id="4" name="TextBox 3">
               <a:extLst>
                 <a:ext uri="{FF2B5EF4-FFF2-40B4-BE49-F238E27FC236}">
-                  <a16:creationId xmlns:a16="http://schemas.microsoft.com/office/drawing/2014/main" id="{EE9EE9DD-4219-4C6F-BCF5-B48D9535E62E}"/>
+                  <a16:creationId xmlns:a16="http://schemas.microsoft.com/office/drawing/2014/main" xmlns="" id="{EE9EE9DD-4219-4C6F-BCF5-B48D9535E62E}"/>
                 </a:ext>
               </a:extLst>
             </p:cNvPr>
@@ -5499,7 +5500,7 @@
           <p:cNvPr id="9" name="직사각형 8">
             <a:extLst>
               <a:ext uri="{FF2B5EF4-FFF2-40B4-BE49-F238E27FC236}">
-                <a16:creationId xmlns:a16="http://schemas.microsoft.com/office/drawing/2014/main" id="{B946531F-0ED7-40C3-B576-4F56E0B23959}"/>
+                <a16:creationId xmlns:a16="http://schemas.microsoft.com/office/drawing/2014/main" xmlns="" id="{B946531F-0ED7-40C3-B576-4F56E0B23959}"/>
               </a:ext>
             </a:extLst>
           </p:cNvPr>
@@ -5553,7 +5554,7 @@
           <p:cNvPr id="24" name="직각 삼각형 23">
             <a:extLst>
               <a:ext uri="{FF2B5EF4-FFF2-40B4-BE49-F238E27FC236}">
-                <a16:creationId xmlns:a16="http://schemas.microsoft.com/office/drawing/2014/main" id="{A21687B3-DD91-4897-B11B-1D36E99F5FBD}"/>
+                <a16:creationId xmlns:a16="http://schemas.microsoft.com/office/drawing/2014/main" xmlns="" id="{A21687B3-DD91-4897-B11B-1D36E99F5FBD}"/>
               </a:ext>
             </a:extLst>
           </p:cNvPr>
@@ -5606,7 +5607,7 @@
             <a:hlinkClick r:id="" action="ppaction://media"/>
             <a:extLst>
               <a:ext uri="{FF2B5EF4-FFF2-40B4-BE49-F238E27FC236}">
-                <a16:creationId xmlns:a16="http://schemas.microsoft.com/office/drawing/2014/main" id="{49523D52-D0FE-45D1-B960-D53508FE85AF}"/>
+                <a16:creationId xmlns:a16="http://schemas.microsoft.com/office/drawing/2014/main" xmlns="" id="{49523D52-D0FE-45D1-B960-D53508FE85AF}"/>
               </a:ext>
             </a:extLst>
           </p:cNvPr>
@@ -5668,7 +5669,7 @@
           <p:cNvPr id="18" name="직사각형 17">
             <a:extLst>
               <a:ext uri="{FF2B5EF4-FFF2-40B4-BE49-F238E27FC236}">
-                <a16:creationId xmlns:a16="http://schemas.microsoft.com/office/drawing/2014/main" id="{FC56DBEE-CFA2-427D-A54E-C69EBB5FAD8F}"/>
+                <a16:creationId xmlns:a16="http://schemas.microsoft.com/office/drawing/2014/main" xmlns="" id="{FC56DBEE-CFA2-427D-A54E-C69EBB5FAD8F}"/>
               </a:ext>
             </a:extLst>
           </p:cNvPr>
@@ -5722,7 +5723,7 @@
           <p:cNvPr id="6" name="그룹 5">
             <a:extLst>
               <a:ext uri="{FF2B5EF4-FFF2-40B4-BE49-F238E27FC236}">
-                <a16:creationId xmlns:a16="http://schemas.microsoft.com/office/drawing/2014/main" id="{A87738A6-DCCB-44F8-BC8F-5630746B8082}"/>
+                <a16:creationId xmlns:a16="http://schemas.microsoft.com/office/drawing/2014/main" xmlns="" id="{A87738A6-DCCB-44F8-BC8F-5630746B8082}"/>
               </a:ext>
             </a:extLst>
           </p:cNvPr>
@@ -5742,7 +5743,7 @@
             <p:cNvPr id="3" name="TextBox 2">
               <a:extLst>
                 <a:ext uri="{FF2B5EF4-FFF2-40B4-BE49-F238E27FC236}">
-                  <a16:creationId xmlns:a16="http://schemas.microsoft.com/office/drawing/2014/main" id="{3F15D2F0-3EF3-4014-88BD-F1E9CEE28153}"/>
+                  <a16:creationId xmlns:a16="http://schemas.microsoft.com/office/drawing/2014/main" xmlns="" id="{3F15D2F0-3EF3-4014-88BD-F1E9CEE28153}"/>
                 </a:ext>
               </a:extLst>
             </p:cNvPr>
@@ -5790,7 +5791,7 @@
             <p:cNvPr id="4" name="TextBox 3">
               <a:extLst>
                 <a:ext uri="{FF2B5EF4-FFF2-40B4-BE49-F238E27FC236}">
-                  <a16:creationId xmlns:a16="http://schemas.microsoft.com/office/drawing/2014/main" id="{EE9EE9DD-4219-4C6F-BCF5-B48D9535E62E}"/>
+                  <a16:creationId xmlns:a16="http://schemas.microsoft.com/office/drawing/2014/main" xmlns="" id="{EE9EE9DD-4219-4C6F-BCF5-B48D9535E62E}"/>
                 </a:ext>
               </a:extLst>
             </p:cNvPr>
@@ -5860,7 +5861,7 @@
           <p:cNvPr id="9" name="직사각형 8">
             <a:extLst>
               <a:ext uri="{FF2B5EF4-FFF2-40B4-BE49-F238E27FC236}">
-                <a16:creationId xmlns:a16="http://schemas.microsoft.com/office/drawing/2014/main" id="{B946531F-0ED7-40C3-B576-4F56E0B23959}"/>
+                <a16:creationId xmlns:a16="http://schemas.microsoft.com/office/drawing/2014/main" xmlns="" id="{B946531F-0ED7-40C3-B576-4F56E0B23959}"/>
               </a:ext>
             </a:extLst>
           </p:cNvPr>
@@ -5914,7 +5915,7 @@
           <p:cNvPr id="24" name="직각 삼각형 23">
             <a:extLst>
               <a:ext uri="{FF2B5EF4-FFF2-40B4-BE49-F238E27FC236}">
-                <a16:creationId xmlns:a16="http://schemas.microsoft.com/office/drawing/2014/main" id="{A21687B3-DD91-4897-B11B-1D36E99F5FBD}"/>
+                <a16:creationId xmlns:a16="http://schemas.microsoft.com/office/drawing/2014/main" xmlns="" id="{A21687B3-DD91-4897-B11B-1D36E99F5FBD}"/>
               </a:ext>
             </a:extLst>
           </p:cNvPr>
@@ -5966,7 +5967,7 @@
           <p:cNvPr id="11" name="직사각형 10">
             <a:extLst>
               <a:ext uri="{FF2B5EF4-FFF2-40B4-BE49-F238E27FC236}">
-                <a16:creationId xmlns:a16="http://schemas.microsoft.com/office/drawing/2014/main" id="{7BB487F8-F61C-4893-AC9E-6AFB71E51C65}"/>
+                <a16:creationId xmlns:a16="http://schemas.microsoft.com/office/drawing/2014/main" xmlns="" id="{7BB487F8-F61C-4893-AC9E-6AFB71E51C65}"/>
               </a:ext>
             </a:extLst>
           </p:cNvPr>
@@ -6034,7 +6035,7 @@
           <p:cNvPr id="12" name="직사각형 11">
             <a:extLst>
               <a:ext uri="{FF2B5EF4-FFF2-40B4-BE49-F238E27FC236}">
-                <a16:creationId xmlns:a16="http://schemas.microsoft.com/office/drawing/2014/main" id="{68E8765E-D111-4232-97A1-075C2C919EED}"/>
+                <a16:creationId xmlns:a16="http://schemas.microsoft.com/office/drawing/2014/main" xmlns="" id="{68E8765E-D111-4232-97A1-075C2C919EED}"/>
               </a:ext>
             </a:extLst>
           </p:cNvPr>
@@ -6273,7 +6274,7 @@
           <p:cNvPr id="18" name="직사각형 17">
             <a:extLst>
               <a:ext uri="{FF2B5EF4-FFF2-40B4-BE49-F238E27FC236}">
-                <a16:creationId xmlns:a16="http://schemas.microsoft.com/office/drawing/2014/main" id="{FC56DBEE-CFA2-427D-A54E-C69EBB5FAD8F}"/>
+                <a16:creationId xmlns:a16="http://schemas.microsoft.com/office/drawing/2014/main" xmlns="" id="{FC56DBEE-CFA2-427D-A54E-C69EBB5FAD8F}"/>
               </a:ext>
             </a:extLst>
           </p:cNvPr>
@@ -6327,7 +6328,7 @@
           <p:cNvPr id="6" name="그룹 5">
             <a:extLst>
               <a:ext uri="{FF2B5EF4-FFF2-40B4-BE49-F238E27FC236}">
-                <a16:creationId xmlns:a16="http://schemas.microsoft.com/office/drawing/2014/main" id="{A87738A6-DCCB-44F8-BC8F-5630746B8082}"/>
+                <a16:creationId xmlns:a16="http://schemas.microsoft.com/office/drawing/2014/main" xmlns="" id="{A87738A6-DCCB-44F8-BC8F-5630746B8082}"/>
               </a:ext>
             </a:extLst>
           </p:cNvPr>
@@ -6347,7 +6348,7 @@
             <p:cNvPr id="3" name="TextBox 2">
               <a:extLst>
                 <a:ext uri="{FF2B5EF4-FFF2-40B4-BE49-F238E27FC236}">
-                  <a16:creationId xmlns:a16="http://schemas.microsoft.com/office/drawing/2014/main" id="{3F15D2F0-3EF3-4014-88BD-F1E9CEE28153}"/>
+                  <a16:creationId xmlns:a16="http://schemas.microsoft.com/office/drawing/2014/main" xmlns="" id="{3F15D2F0-3EF3-4014-88BD-F1E9CEE28153}"/>
                 </a:ext>
               </a:extLst>
             </p:cNvPr>
@@ -6395,7 +6396,7 @@
             <p:cNvPr id="4" name="TextBox 3">
               <a:extLst>
                 <a:ext uri="{FF2B5EF4-FFF2-40B4-BE49-F238E27FC236}">
-                  <a16:creationId xmlns:a16="http://schemas.microsoft.com/office/drawing/2014/main" id="{EE9EE9DD-4219-4C6F-BCF5-B48D9535E62E}"/>
+                  <a16:creationId xmlns:a16="http://schemas.microsoft.com/office/drawing/2014/main" xmlns="" id="{EE9EE9DD-4219-4C6F-BCF5-B48D9535E62E}"/>
                 </a:ext>
               </a:extLst>
             </p:cNvPr>
@@ -6465,7 +6466,7 @@
           <p:cNvPr id="9" name="직사각형 8">
             <a:extLst>
               <a:ext uri="{FF2B5EF4-FFF2-40B4-BE49-F238E27FC236}">
-                <a16:creationId xmlns:a16="http://schemas.microsoft.com/office/drawing/2014/main" id="{B946531F-0ED7-40C3-B576-4F56E0B23959}"/>
+                <a16:creationId xmlns:a16="http://schemas.microsoft.com/office/drawing/2014/main" xmlns="" id="{B946531F-0ED7-40C3-B576-4F56E0B23959}"/>
               </a:ext>
             </a:extLst>
           </p:cNvPr>
@@ -6519,7 +6520,7 @@
           <p:cNvPr id="24" name="직각 삼각형 23">
             <a:extLst>
               <a:ext uri="{FF2B5EF4-FFF2-40B4-BE49-F238E27FC236}">
-                <a16:creationId xmlns:a16="http://schemas.microsoft.com/office/drawing/2014/main" id="{A21687B3-DD91-4897-B11B-1D36E99F5FBD}"/>
+                <a16:creationId xmlns:a16="http://schemas.microsoft.com/office/drawing/2014/main" xmlns="" id="{A21687B3-DD91-4897-B11B-1D36E99F5FBD}"/>
               </a:ext>
             </a:extLst>
           </p:cNvPr>
@@ -6571,7 +6572,7 @@
           <p:cNvPr id="2050" name="Picture 2" descr="mayaì ëí ì´ë¯¸ì§ ê²ìê²°ê³¼">
             <a:extLst>
               <a:ext uri="{FF2B5EF4-FFF2-40B4-BE49-F238E27FC236}">
-                <a16:creationId xmlns:a16="http://schemas.microsoft.com/office/drawing/2014/main" id="{D6E339B7-DB0E-40E9-843F-CEF3F452B820}"/>
+                <a16:creationId xmlns:a16="http://schemas.microsoft.com/office/drawing/2014/main" xmlns="" id="{D6E339B7-DB0E-40E9-843F-CEF3F452B820}"/>
               </a:ext>
             </a:extLst>
           </p:cNvPr>
@@ -6618,7 +6619,7 @@
           <p:cNvPr id="2052" name="Picture 4" descr="openglì ëí ì´ë¯¸ì§ ê²ìê²°ê³¼">
             <a:extLst>
               <a:ext uri="{FF2B5EF4-FFF2-40B4-BE49-F238E27FC236}">
-                <a16:creationId xmlns:a16="http://schemas.microsoft.com/office/drawing/2014/main" id="{6F5F2ED8-B593-4462-857A-DBCA9C05FE45}"/>
+                <a16:creationId xmlns:a16="http://schemas.microsoft.com/office/drawing/2014/main" xmlns="" id="{6F5F2ED8-B593-4462-857A-DBCA9C05FE45}"/>
               </a:ext>
             </a:extLst>
           </p:cNvPr>
@@ -6665,7 +6666,7 @@
           <p:cNvPr id="11" name="직사각형 10">
             <a:extLst>
               <a:ext uri="{FF2B5EF4-FFF2-40B4-BE49-F238E27FC236}">
-                <a16:creationId xmlns:a16="http://schemas.microsoft.com/office/drawing/2014/main" id="{7BB487F8-F61C-4893-AC9E-6AFB71E51C65}"/>
+                <a16:creationId xmlns:a16="http://schemas.microsoft.com/office/drawing/2014/main" xmlns="" id="{7BB487F8-F61C-4893-AC9E-6AFB71E51C65}"/>
               </a:ext>
             </a:extLst>
           </p:cNvPr>
@@ -6773,7 +6774,7 @@
           <p:cNvPr id="12" name="직사각형 11">
             <a:extLst>
               <a:ext uri="{FF2B5EF4-FFF2-40B4-BE49-F238E27FC236}">
-                <a16:creationId xmlns:a16="http://schemas.microsoft.com/office/drawing/2014/main" id="{68E8765E-D111-4232-97A1-075C2C919EED}"/>
+                <a16:creationId xmlns:a16="http://schemas.microsoft.com/office/drawing/2014/main" xmlns="" id="{68E8765E-D111-4232-97A1-075C2C919EED}"/>
               </a:ext>
             </a:extLst>
           </p:cNvPr>
@@ -6931,7 +6932,7 @@
           <p:cNvPr id="18" name="직사각형 17">
             <a:extLst>
               <a:ext uri="{FF2B5EF4-FFF2-40B4-BE49-F238E27FC236}">
-                <a16:creationId xmlns:a16="http://schemas.microsoft.com/office/drawing/2014/main" id="{FC56DBEE-CFA2-427D-A54E-C69EBB5FAD8F}"/>
+                <a16:creationId xmlns:a16="http://schemas.microsoft.com/office/drawing/2014/main" xmlns="" id="{FC56DBEE-CFA2-427D-A54E-C69EBB5FAD8F}"/>
               </a:ext>
             </a:extLst>
           </p:cNvPr>
@@ -6985,7 +6986,7 @@
           <p:cNvPr id="6" name="그룹 5">
             <a:extLst>
               <a:ext uri="{FF2B5EF4-FFF2-40B4-BE49-F238E27FC236}">
-                <a16:creationId xmlns:a16="http://schemas.microsoft.com/office/drawing/2014/main" id="{A87738A6-DCCB-44F8-BC8F-5630746B8082}"/>
+                <a16:creationId xmlns:a16="http://schemas.microsoft.com/office/drawing/2014/main" xmlns="" id="{A87738A6-DCCB-44F8-BC8F-5630746B8082}"/>
               </a:ext>
             </a:extLst>
           </p:cNvPr>
@@ -7005,7 +7006,7 @@
             <p:cNvPr id="3" name="TextBox 2">
               <a:extLst>
                 <a:ext uri="{FF2B5EF4-FFF2-40B4-BE49-F238E27FC236}">
-                  <a16:creationId xmlns:a16="http://schemas.microsoft.com/office/drawing/2014/main" id="{3F15D2F0-3EF3-4014-88BD-F1E9CEE28153}"/>
+                  <a16:creationId xmlns:a16="http://schemas.microsoft.com/office/drawing/2014/main" xmlns="" id="{3F15D2F0-3EF3-4014-88BD-F1E9CEE28153}"/>
                 </a:ext>
               </a:extLst>
             </p:cNvPr>
@@ -7053,7 +7054,7 @@
             <p:cNvPr id="4" name="TextBox 3">
               <a:extLst>
                 <a:ext uri="{FF2B5EF4-FFF2-40B4-BE49-F238E27FC236}">
-                  <a16:creationId xmlns:a16="http://schemas.microsoft.com/office/drawing/2014/main" id="{EE9EE9DD-4219-4C6F-BCF5-B48D9535E62E}"/>
+                  <a16:creationId xmlns:a16="http://schemas.microsoft.com/office/drawing/2014/main" xmlns="" id="{EE9EE9DD-4219-4C6F-BCF5-B48D9535E62E}"/>
                 </a:ext>
               </a:extLst>
             </p:cNvPr>
@@ -7123,7 +7124,7 @@
           <p:cNvPr id="9" name="직사각형 8">
             <a:extLst>
               <a:ext uri="{FF2B5EF4-FFF2-40B4-BE49-F238E27FC236}">
-                <a16:creationId xmlns:a16="http://schemas.microsoft.com/office/drawing/2014/main" id="{B946531F-0ED7-40C3-B576-4F56E0B23959}"/>
+                <a16:creationId xmlns:a16="http://schemas.microsoft.com/office/drawing/2014/main" xmlns="" id="{B946531F-0ED7-40C3-B576-4F56E0B23959}"/>
               </a:ext>
             </a:extLst>
           </p:cNvPr>
@@ -7177,7 +7178,7 @@
           <p:cNvPr id="24" name="직각 삼각형 23">
             <a:extLst>
               <a:ext uri="{FF2B5EF4-FFF2-40B4-BE49-F238E27FC236}">
-                <a16:creationId xmlns:a16="http://schemas.microsoft.com/office/drawing/2014/main" id="{A21687B3-DD91-4897-B11B-1D36E99F5FBD}"/>
+                <a16:creationId xmlns:a16="http://schemas.microsoft.com/office/drawing/2014/main" xmlns="" id="{A21687B3-DD91-4897-B11B-1D36E99F5FBD}"/>
               </a:ext>
             </a:extLst>
           </p:cNvPr>
@@ -7229,7 +7230,7 @@
           <p:cNvPr id="11" name="직사각형 10">
             <a:extLst>
               <a:ext uri="{FF2B5EF4-FFF2-40B4-BE49-F238E27FC236}">
-                <a16:creationId xmlns:a16="http://schemas.microsoft.com/office/drawing/2014/main" id="{7BB487F8-F61C-4893-AC9E-6AFB71E51C65}"/>
+                <a16:creationId xmlns:a16="http://schemas.microsoft.com/office/drawing/2014/main" xmlns="" id="{7BB487F8-F61C-4893-AC9E-6AFB71E51C65}"/>
               </a:ext>
             </a:extLst>
           </p:cNvPr>
@@ -7320,7 +7321,7 @@
           <p:cNvPr id="12" name="직사각형 11">
             <a:extLst>
               <a:ext uri="{FF2B5EF4-FFF2-40B4-BE49-F238E27FC236}">
-                <a16:creationId xmlns:a16="http://schemas.microsoft.com/office/drawing/2014/main" id="{68E8765E-D111-4232-97A1-075C2C919EED}"/>
+                <a16:creationId xmlns:a16="http://schemas.microsoft.com/office/drawing/2014/main" xmlns="" id="{68E8765E-D111-4232-97A1-075C2C919EED}"/>
               </a:ext>
             </a:extLst>
           </p:cNvPr>
@@ -7887,7 +7888,7 @@
           <p:cNvPr id="18" name="직사각형 17">
             <a:extLst>
               <a:ext uri="{FF2B5EF4-FFF2-40B4-BE49-F238E27FC236}">
-                <a16:creationId xmlns:a16="http://schemas.microsoft.com/office/drawing/2014/main" id="{FC56DBEE-CFA2-427D-A54E-C69EBB5FAD8F}"/>
+                <a16:creationId xmlns:a16="http://schemas.microsoft.com/office/drawing/2014/main" xmlns="" id="{FC56DBEE-CFA2-427D-A54E-C69EBB5FAD8F}"/>
               </a:ext>
             </a:extLst>
           </p:cNvPr>
@@ -7941,7 +7942,7 @@
           <p:cNvPr id="6" name="그룹 5">
             <a:extLst>
               <a:ext uri="{FF2B5EF4-FFF2-40B4-BE49-F238E27FC236}">
-                <a16:creationId xmlns:a16="http://schemas.microsoft.com/office/drawing/2014/main" id="{A87738A6-DCCB-44F8-BC8F-5630746B8082}"/>
+                <a16:creationId xmlns:a16="http://schemas.microsoft.com/office/drawing/2014/main" xmlns="" id="{A87738A6-DCCB-44F8-BC8F-5630746B8082}"/>
               </a:ext>
             </a:extLst>
           </p:cNvPr>
@@ -7961,7 +7962,7 @@
             <p:cNvPr id="3" name="TextBox 2">
               <a:extLst>
                 <a:ext uri="{FF2B5EF4-FFF2-40B4-BE49-F238E27FC236}">
-                  <a16:creationId xmlns:a16="http://schemas.microsoft.com/office/drawing/2014/main" id="{3F15D2F0-3EF3-4014-88BD-F1E9CEE28153}"/>
+                  <a16:creationId xmlns:a16="http://schemas.microsoft.com/office/drawing/2014/main" xmlns="" id="{3F15D2F0-3EF3-4014-88BD-F1E9CEE28153}"/>
                 </a:ext>
               </a:extLst>
             </p:cNvPr>
@@ -8009,7 +8010,7 @@
             <p:cNvPr id="4" name="TextBox 3">
               <a:extLst>
                 <a:ext uri="{FF2B5EF4-FFF2-40B4-BE49-F238E27FC236}">
-                  <a16:creationId xmlns:a16="http://schemas.microsoft.com/office/drawing/2014/main" id="{EE9EE9DD-4219-4C6F-BCF5-B48D9535E62E}"/>
+                  <a16:creationId xmlns:a16="http://schemas.microsoft.com/office/drawing/2014/main" xmlns="" id="{EE9EE9DD-4219-4C6F-BCF5-B48D9535E62E}"/>
                 </a:ext>
               </a:extLst>
             </p:cNvPr>
@@ -8079,7 +8080,7 @@
           <p:cNvPr id="9" name="직사각형 8">
             <a:extLst>
               <a:ext uri="{FF2B5EF4-FFF2-40B4-BE49-F238E27FC236}">
-                <a16:creationId xmlns:a16="http://schemas.microsoft.com/office/drawing/2014/main" id="{B946531F-0ED7-40C3-B576-4F56E0B23959}"/>
+                <a16:creationId xmlns:a16="http://schemas.microsoft.com/office/drawing/2014/main" xmlns="" id="{B946531F-0ED7-40C3-B576-4F56E0B23959}"/>
               </a:ext>
             </a:extLst>
           </p:cNvPr>
@@ -8133,7 +8134,7 @@
           <p:cNvPr id="24" name="직각 삼각형 23">
             <a:extLst>
               <a:ext uri="{FF2B5EF4-FFF2-40B4-BE49-F238E27FC236}">
-                <a16:creationId xmlns:a16="http://schemas.microsoft.com/office/drawing/2014/main" id="{A21687B3-DD91-4897-B11B-1D36E99F5FBD}"/>
+                <a16:creationId xmlns:a16="http://schemas.microsoft.com/office/drawing/2014/main" xmlns="" id="{A21687B3-DD91-4897-B11B-1D36E99F5FBD}"/>
               </a:ext>
             </a:extLst>
           </p:cNvPr>
@@ -8185,7 +8186,7 @@
           <p:cNvPr id="11" name="직사각형 10">
             <a:extLst>
               <a:ext uri="{FF2B5EF4-FFF2-40B4-BE49-F238E27FC236}">
-                <a16:creationId xmlns:a16="http://schemas.microsoft.com/office/drawing/2014/main" id="{7BB487F8-F61C-4893-AC9E-6AFB71E51C65}"/>
+                <a16:creationId xmlns:a16="http://schemas.microsoft.com/office/drawing/2014/main" xmlns="" id="{7BB487F8-F61C-4893-AC9E-6AFB71E51C65}"/>
               </a:ext>
             </a:extLst>
           </p:cNvPr>
@@ -8253,7 +8254,7 @@
           <p:cNvPr id="12" name="직사각형 11">
             <a:extLst>
               <a:ext uri="{FF2B5EF4-FFF2-40B4-BE49-F238E27FC236}">
-                <a16:creationId xmlns:a16="http://schemas.microsoft.com/office/drawing/2014/main" id="{68E8765E-D111-4232-97A1-075C2C919EED}"/>
+                <a16:creationId xmlns:a16="http://schemas.microsoft.com/office/drawing/2014/main" xmlns="" id="{68E8765E-D111-4232-97A1-075C2C919EED}"/>
               </a:ext>
             </a:extLst>
           </p:cNvPr>
@@ -8601,7 +8602,7 @@
           <p:cNvPr id="18" name="직사각형 17">
             <a:extLst>
               <a:ext uri="{FF2B5EF4-FFF2-40B4-BE49-F238E27FC236}">
-                <a16:creationId xmlns:a16="http://schemas.microsoft.com/office/drawing/2014/main" id="{FC56DBEE-CFA2-427D-A54E-C69EBB5FAD8F}"/>
+                <a16:creationId xmlns:a16="http://schemas.microsoft.com/office/drawing/2014/main" xmlns="" id="{FC56DBEE-CFA2-427D-A54E-C69EBB5FAD8F}"/>
               </a:ext>
             </a:extLst>
           </p:cNvPr>
@@ -8655,7 +8656,7 @@
           <p:cNvPr id="9" name="직사각형 8">
             <a:extLst>
               <a:ext uri="{FF2B5EF4-FFF2-40B4-BE49-F238E27FC236}">
-                <a16:creationId xmlns:a16="http://schemas.microsoft.com/office/drawing/2014/main" id="{B946531F-0ED7-40C3-B576-4F56E0B23959}"/>
+                <a16:creationId xmlns:a16="http://schemas.microsoft.com/office/drawing/2014/main" xmlns="" id="{B946531F-0ED7-40C3-B576-4F56E0B23959}"/>
               </a:ext>
             </a:extLst>
           </p:cNvPr>
@@ -8709,7 +8710,7 @@
           <p:cNvPr id="24" name="직각 삼각형 23">
             <a:extLst>
               <a:ext uri="{FF2B5EF4-FFF2-40B4-BE49-F238E27FC236}">
-                <a16:creationId xmlns:a16="http://schemas.microsoft.com/office/drawing/2014/main" id="{A21687B3-DD91-4897-B11B-1D36E99F5FBD}"/>
+                <a16:creationId xmlns:a16="http://schemas.microsoft.com/office/drawing/2014/main" xmlns="" id="{A21687B3-DD91-4897-B11B-1D36E99F5FBD}"/>
               </a:ext>
             </a:extLst>
           </p:cNvPr>
@@ -8761,7 +8762,7 @@
           <p:cNvPr id="33" name="TextBox 32">
             <a:extLst>
               <a:ext uri="{FF2B5EF4-FFF2-40B4-BE49-F238E27FC236}">
-                <a16:creationId xmlns:a16="http://schemas.microsoft.com/office/drawing/2014/main" id="{F4880395-F571-43D9-A990-CD35823B1FFD}"/>
+                <a16:creationId xmlns:a16="http://schemas.microsoft.com/office/drawing/2014/main" xmlns="" id="{F4880395-F571-43D9-A990-CD35823B1FFD}"/>
               </a:ext>
             </a:extLst>
           </p:cNvPr>
@@ -8809,7 +8810,7 @@
           <p:cNvPr id="35" name="TextBox 34">
             <a:extLst>
               <a:ext uri="{FF2B5EF4-FFF2-40B4-BE49-F238E27FC236}">
-                <a16:creationId xmlns:a16="http://schemas.microsoft.com/office/drawing/2014/main" id="{11A9825E-0EA8-4648-8E21-6C7AE38EA01A}"/>
+                <a16:creationId xmlns:a16="http://schemas.microsoft.com/office/drawing/2014/main" xmlns="" id="{11A9825E-0EA8-4648-8E21-6C7AE38EA01A}"/>
               </a:ext>
             </a:extLst>
           </p:cNvPr>
@@ -8870,7 +8871,7 @@
           <p:cNvPr id="26" name="직사각형 25">
             <a:extLst>
               <a:ext uri="{FF2B5EF4-FFF2-40B4-BE49-F238E27FC236}">
-                <a16:creationId xmlns:a16="http://schemas.microsoft.com/office/drawing/2014/main" id="{7EBFDBB5-E7A1-4FF4-982A-5B4742D843AA}"/>
+                <a16:creationId xmlns:a16="http://schemas.microsoft.com/office/drawing/2014/main" xmlns="" id="{7EBFDBB5-E7A1-4FF4-982A-5B4742D843AA}"/>
               </a:ext>
             </a:extLst>
           </p:cNvPr>
@@ -8987,10 +8988,579 @@
       </p:grpSpPr>
       <p:sp>
         <p:nvSpPr>
+          <p:cNvPr id="18" name="직사각형 17">
+            <a:extLst>
+              <a:ext uri="{FF2B5EF4-FFF2-40B4-BE49-F238E27FC236}">
+                <a16:creationId xmlns:a16="http://schemas.microsoft.com/office/drawing/2014/main" xmlns="" id="{FC56DBEE-CFA2-427D-A54E-C69EBB5FAD8F}"/>
+              </a:ext>
+            </a:extLst>
+          </p:cNvPr>
+          <p:cNvSpPr/>
+          <p:nvPr/>
+        </p:nvSpPr>
+        <p:spPr>
+          <a:xfrm>
+            <a:off x="0" y="1592924"/>
+            <a:ext cx="12192000" cy="4888470"/>
+          </a:xfrm>
+          <a:prstGeom prst="rect">
+            <a:avLst/>
+          </a:prstGeom>
+          <a:solidFill>
+            <a:srgbClr val="FFCE38">
+              <a:alpha val="13000"/>
+            </a:srgbClr>
+          </a:solidFill>
+          <a:ln>
+            <a:noFill/>
+          </a:ln>
+        </p:spPr>
+        <p:style>
+          <a:lnRef idx="2">
+            <a:schemeClr val="accent1">
+              <a:shade val="50000"/>
+            </a:schemeClr>
+          </a:lnRef>
+          <a:fillRef idx="1">
+            <a:schemeClr val="accent1"/>
+          </a:fillRef>
+          <a:effectRef idx="0">
+            <a:schemeClr val="accent1"/>
+          </a:effectRef>
+          <a:fontRef idx="minor">
+            <a:schemeClr val="lt1"/>
+          </a:fontRef>
+        </p:style>
+        <p:txBody>
+          <a:bodyPr rtlCol="0" anchor="ctr"/>
+          <a:lstStyle/>
+          <a:p>
+            <a:pPr algn="ctr"/>
+            <a:endParaRPr lang="ko-KR" altLang="en-US" dirty="0"/>
+          </a:p>
+        </p:txBody>
+      </p:sp>
+      <p:sp>
+        <p:nvSpPr>
+          <p:cNvPr id="9" name="직사각형 8">
+            <a:extLst>
+              <a:ext uri="{FF2B5EF4-FFF2-40B4-BE49-F238E27FC236}">
+                <a16:creationId xmlns:a16="http://schemas.microsoft.com/office/drawing/2014/main" xmlns="" id="{B946531F-0ED7-40C3-B576-4F56E0B23959}"/>
+              </a:ext>
+            </a:extLst>
+          </p:cNvPr>
+          <p:cNvSpPr/>
+          <p:nvPr/>
+        </p:nvSpPr>
+        <p:spPr>
+          <a:xfrm>
+            <a:off x="0" y="6654800"/>
+            <a:ext cx="12192000" cy="203200"/>
+          </a:xfrm>
+          <a:prstGeom prst="rect">
+            <a:avLst/>
+          </a:prstGeom>
+          <a:solidFill>
+            <a:srgbClr val="FAA818">
+              <a:alpha val="79000"/>
+            </a:srgbClr>
+          </a:solidFill>
+          <a:ln>
+            <a:noFill/>
+          </a:ln>
+        </p:spPr>
+        <p:style>
+          <a:lnRef idx="2">
+            <a:schemeClr val="accent1">
+              <a:shade val="50000"/>
+            </a:schemeClr>
+          </a:lnRef>
+          <a:fillRef idx="1">
+            <a:schemeClr val="accent1"/>
+          </a:fillRef>
+          <a:effectRef idx="0">
+            <a:schemeClr val="accent1"/>
+          </a:effectRef>
+          <a:fontRef idx="minor">
+            <a:schemeClr val="lt1"/>
+          </a:fontRef>
+        </p:style>
+        <p:txBody>
+          <a:bodyPr rtlCol="0" anchor="ctr"/>
+          <a:lstStyle/>
+          <a:p>
+            <a:pPr algn="ctr"/>
+            <a:endParaRPr lang="ko-KR" altLang="en-US"/>
+          </a:p>
+        </p:txBody>
+      </p:sp>
+      <p:sp>
+        <p:nvSpPr>
+          <p:cNvPr id="24" name="직각 삼각형 23">
+            <a:extLst>
+              <a:ext uri="{FF2B5EF4-FFF2-40B4-BE49-F238E27FC236}">
+                <a16:creationId xmlns:a16="http://schemas.microsoft.com/office/drawing/2014/main" xmlns="" id="{A21687B3-DD91-4897-B11B-1D36E99F5FBD}"/>
+              </a:ext>
+            </a:extLst>
+          </p:cNvPr>
+          <p:cNvSpPr/>
+          <p:nvPr/>
+        </p:nvSpPr>
+        <p:spPr>
+          <a:xfrm flipV="1">
+            <a:off x="120228" y="119183"/>
+            <a:ext cx="335280" cy="335280"/>
+          </a:xfrm>
+          <a:prstGeom prst="rtTriangle">
+            <a:avLst/>
+          </a:prstGeom>
+          <a:solidFill>
+            <a:srgbClr val="FFCE38"/>
+          </a:solidFill>
+          <a:ln>
+            <a:noFill/>
+          </a:ln>
+        </p:spPr>
+        <p:style>
+          <a:lnRef idx="2">
+            <a:schemeClr val="accent1">
+              <a:shade val="50000"/>
+            </a:schemeClr>
+          </a:lnRef>
+          <a:fillRef idx="1">
+            <a:schemeClr val="accent1"/>
+          </a:fillRef>
+          <a:effectRef idx="0">
+            <a:schemeClr val="accent1"/>
+          </a:effectRef>
+          <a:fontRef idx="minor">
+            <a:schemeClr val="lt1"/>
+          </a:fontRef>
+        </p:style>
+        <p:txBody>
+          <a:bodyPr rtlCol="0" anchor="ctr"/>
+          <a:lstStyle/>
+          <a:p>
+            <a:pPr algn="ctr"/>
+            <a:endParaRPr lang="ko-KR" altLang="en-US"/>
+          </a:p>
+        </p:txBody>
+      </p:sp>
+      <p:sp>
+        <p:nvSpPr>
+          <p:cNvPr id="33" name="TextBox 32">
+            <a:extLst>
+              <a:ext uri="{FF2B5EF4-FFF2-40B4-BE49-F238E27FC236}">
+                <a16:creationId xmlns:a16="http://schemas.microsoft.com/office/drawing/2014/main" xmlns="" id="{F4880395-F571-43D9-A990-CD35823B1FFD}"/>
+              </a:ext>
+            </a:extLst>
+          </p:cNvPr>
+          <p:cNvSpPr txBox="1"/>
+          <p:nvPr/>
+        </p:nvSpPr>
+        <p:spPr>
+          <a:xfrm>
+            <a:off x="388878" y="279400"/>
+            <a:ext cx="8444225" cy="830997"/>
+          </a:xfrm>
+          <a:prstGeom prst="rect">
+            <a:avLst/>
+          </a:prstGeom>
+          <a:noFill/>
+        </p:spPr>
+        <p:txBody>
+          <a:bodyPr wrap="square" rtlCol="0">
+            <a:spAutoFit/>
+          </a:bodyPr>
+          <a:lstStyle/>
+          <a:p>
+            <a:r>
+              <a:rPr lang="en-US" altLang="ko-KR" sz="4800" spc="-300" dirty="0" smtClean="0">
+                <a:solidFill>
+                  <a:srgbClr val="FAA818"/>
+                </a:solidFill>
+                <a:latin typeface="KoPub돋움체 Medium" panose="00000600000000000000" pitchFamily="2" charset="-127"/>
+                <a:ea typeface="KoPub돋움체 Medium" panose="00000600000000000000" pitchFamily="2" charset="-127"/>
+              </a:rPr>
+              <a:t>Conclusion</a:t>
+            </a:r>
+            <a:endParaRPr lang="ko-KR" altLang="en-US" sz="4800" spc="-300" dirty="0">
+              <a:solidFill>
+                <a:srgbClr val="FAA818"/>
+              </a:solidFill>
+              <a:latin typeface="KoPub돋움체 Medium" panose="00000600000000000000" pitchFamily="2" charset="-127"/>
+              <a:ea typeface="KoPub돋움체 Medium" panose="00000600000000000000" pitchFamily="2" charset="-127"/>
+            </a:endParaRPr>
+          </a:p>
+        </p:txBody>
+      </p:sp>
+      <p:sp>
+        <p:nvSpPr>
+          <p:cNvPr id="26" name="직사각형 25">
+            <a:extLst>
+              <a:ext uri="{FF2B5EF4-FFF2-40B4-BE49-F238E27FC236}">
+                <a16:creationId xmlns:a16="http://schemas.microsoft.com/office/drawing/2014/main" xmlns="" id="{7EBFDBB5-E7A1-4FF4-982A-5B4742D843AA}"/>
+              </a:ext>
+            </a:extLst>
+          </p:cNvPr>
+          <p:cNvSpPr/>
+          <p:nvPr/>
+        </p:nvSpPr>
+        <p:spPr>
+          <a:xfrm>
+            <a:off x="0" y="2359778"/>
+            <a:ext cx="12192000" cy="3354765"/>
+          </a:xfrm>
+          <a:prstGeom prst="rect">
+            <a:avLst/>
+          </a:prstGeom>
+        </p:spPr>
+        <p:txBody>
+          <a:bodyPr wrap="square" anchor="ctr">
+            <a:spAutoFit/>
+          </a:bodyPr>
+          <a:lstStyle/>
+          <a:p>
+            <a:pPr marL="514350" indent="-514350">
+              <a:buAutoNum type="arabicPeriod"/>
+            </a:pPr>
+            <a:r>
+              <a:rPr lang="en-US" altLang="ko-KR" sz="2800" b="1" spc="-150" dirty="0" smtClean="0">
+                <a:ln>
+                  <a:solidFill>
+                    <a:schemeClr val="bg1">
+                      <a:alpha val="30000"/>
+                    </a:schemeClr>
+                  </a:solidFill>
+                </a:ln>
+                <a:solidFill>
+                  <a:schemeClr val="tx1">
+                    <a:lumMod val="95000"/>
+                    <a:lumOff val="5000"/>
+                  </a:schemeClr>
+                </a:solidFill>
+                <a:latin typeface="+mn-ea"/>
+              </a:rPr>
+              <a:t>OpenGL </a:t>
+            </a:r>
+            <a:r>
+              <a:rPr lang="ko-KR" altLang="en-US" sz="2800" b="1" spc="-150" dirty="0" smtClean="0">
+                <a:ln>
+                  <a:solidFill>
+                    <a:schemeClr val="bg1">
+                      <a:alpha val="30000"/>
+                    </a:schemeClr>
+                  </a:solidFill>
+                </a:ln>
+                <a:solidFill>
+                  <a:schemeClr val="tx1">
+                    <a:lumMod val="95000"/>
+                    <a:lumOff val="5000"/>
+                  </a:schemeClr>
+                </a:solidFill>
+                <a:latin typeface="+mn-ea"/>
+              </a:rPr>
+              <a:t>을 사용했기 때문에 어플이나 웹분야에서 다양하게 구현할 수 있다</a:t>
+            </a:r>
+            <a:r>
+              <a:rPr lang="en-US" altLang="ko-KR" sz="2800" b="1" spc="-150" dirty="0" smtClean="0">
+                <a:ln>
+                  <a:solidFill>
+                    <a:schemeClr val="bg1">
+                      <a:alpha val="30000"/>
+                    </a:schemeClr>
+                  </a:solidFill>
+                </a:ln>
+                <a:solidFill>
+                  <a:schemeClr val="tx1">
+                    <a:lumMod val="95000"/>
+                    <a:lumOff val="5000"/>
+                  </a:schemeClr>
+                </a:solidFill>
+                <a:latin typeface="+mn-ea"/>
+              </a:rPr>
+              <a:t>.</a:t>
+            </a:r>
+          </a:p>
+          <a:p>
+            <a:pPr marL="514350" indent="-514350">
+              <a:buAutoNum type="arabicPeriod"/>
+            </a:pPr>
+            <a:endParaRPr lang="en-US" altLang="ko-KR" sz="2800" b="1" spc="-150" dirty="0" smtClean="0">
+              <a:ln>
+                <a:solidFill>
+                  <a:schemeClr val="bg1">
+                    <a:alpha val="30000"/>
+                  </a:schemeClr>
+                </a:solidFill>
+              </a:ln>
+              <a:solidFill>
+                <a:schemeClr val="tx1">
+                  <a:lumMod val="95000"/>
+                  <a:lumOff val="5000"/>
+                </a:schemeClr>
+              </a:solidFill>
+              <a:latin typeface="+mn-ea"/>
+            </a:endParaRPr>
+          </a:p>
+          <a:p>
+            <a:pPr marL="514350" indent="-514350">
+              <a:buAutoNum type="arabicPeriod"/>
+            </a:pPr>
+            <a:r>
+              <a:rPr lang="ko-KR" altLang="en-US" sz="2800" b="1" spc="-150" dirty="0" smtClean="0">
+                <a:ln>
+                  <a:solidFill>
+                    <a:schemeClr val="bg1">
+                      <a:alpha val="30000"/>
+                    </a:schemeClr>
+                  </a:solidFill>
+                </a:ln>
+                <a:solidFill>
+                  <a:schemeClr val="tx1">
+                    <a:lumMod val="95000"/>
+                    <a:lumOff val="5000"/>
+                  </a:schemeClr>
+                </a:solidFill>
+                <a:latin typeface="+mn-ea"/>
+              </a:rPr>
+              <a:t> </a:t>
+            </a:r>
+            <a:r>
+              <a:rPr lang="en-US" altLang="ko-KR" sz="2800" b="1" spc="-150" dirty="0" smtClean="0">
+                <a:ln>
+                  <a:solidFill>
+                    <a:schemeClr val="bg1">
+                      <a:alpha val="30000"/>
+                    </a:schemeClr>
+                  </a:solidFill>
+                </a:ln>
+                <a:solidFill>
+                  <a:schemeClr val="tx1">
+                    <a:lumMod val="95000"/>
+                    <a:lumOff val="5000"/>
+                  </a:schemeClr>
+                </a:solidFill>
+                <a:latin typeface="+mn-ea"/>
+              </a:rPr>
+              <a:t>CSV</a:t>
+            </a:r>
+            <a:r>
+              <a:rPr lang="ko-KR" altLang="en-US" sz="2800" b="1" spc="-150" dirty="0" smtClean="0">
+                <a:ln>
+                  <a:solidFill>
+                    <a:schemeClr val="bg1">
+                      <a:alpha val="30000"/>
+                    </a:schemeClr>
+                  </a:solidFill>
+                </a:ln>
+                <a:solidFill>
+                  <a:schemeClr val="tx1">
+                    <a:lumMod val="95000"/>
+                    <a:lumOff val="5000"/>
+                  </a:schemeClr>
+                </a:solidFill>
+                <a:latin typeface="+mn-ea"/>
+              </a:rPr>
+              <a:t>파일을 활용해서 데이터를 처리했기 때문에 </a:t>
+            </a:r>
+            <a:r>
+              <a:rPr lang="en-US" altLang="ko-KR" sz="2800" b="1" spc="-150" dirty="0" smtClean="0">
+                <a:ln>
+                  <a:solidFill>
+                    <a:schemeClr val="bg1">
+                      <a:alpha val="30000"/>
+                    </a:schemeClr>
+                  </a:solidFill>
+                </a:ln>
+                <a:solidFill>
+                  <a:schemeClr val="tx1">
+                    <a:lumMod val="95000"/>
+                    <a:lumOff val="5000"/>
+                  </a:schemeClr>
+                </a:solidFill>
+                <a:latin typeface="+mn-ea"/>
+              </a:rPr>
+              <a:t>,</a:t>
+            </a:r>
+            <a:r>
+              <a:rPr lang="ko-KR" altLang="en-US" sz="2800" b="1" spc="-150" dirty="0" smtClean="0">
+                <a:ln>
+                  <a:solidFill>
+                    <a:schemeClr val="bg1">
+                      <a:alpha val="30000"/>
+                    </a:schemeClr>
+                  </a:solidFill>
+                </a:ln>
+                <a:solidFill>
+                  <a:schemeClr val="tx1">
+                    <a:lumMod val="95000"/>
+                    <a:lumOff val="5000"/>
+                  </a:schemeClr>
+                </a:solidFill>
+                <a:latin typeface="+mn-ea"/>
+              </a:rPr>
+              <a:t> 데이터의 변경을 쉽게 처리할 수 있다</a:t>
+            </a:r>
+            <a:r>
+              <a:rPr lang="en-US" altLang="ko-KR" sz="2800" b="1" spc="-150" dirty="0" smtClean="0">
+                <a:ln>
+                  <a:solidFill>
+                    <a:schemeClr val="bg1">
+                      <a:alpha val="30000"/>
+                    </a:schemeClr>
+                  </a:solidFill>
+                </a:ln>
+                <a:solidFill>
+                  <a:schemeClr val="tx1">
+                    <a:lumMod val="95000"/>
+                    <a:lumOff val="5000"/>
+                  </a:schemeClr>
+                </a:solidFill>
+                <a:latin typeface="+mn-ea"/>
+              </a:rPr>
+              <a:t>.</a:t>
+            </a:r>
+          </a:p>
+          <a:p>
+            <a:pPr marL="514350" indent="-514350">
+              <a:buAutoNum type="arabicPeriod"/>
+            </a:pPr>
+            <a:endParaRPr lang="en-US" altLang="ko-KR" sz="2800" b="1" spc="-150" dirty="0" smtClean="0">
+              <a:ln>
+                <a:solidFill>
+                  <a:schemeClr val="bg1">
+                    <a:alpha val="30000"/>
+                  </a:schemeClr>
+                </a:solidFill>
+              </a:ln>
+              <a:solidFill>
+                <a:schemeClr val="tx1">
+                  <a:lumMod val="95000"/>
+                  <a:lumOff val="5000"/>
+                </a:schemeClr>
+              </a:solidFill>
+              <a:latin typeface="+mn-ea"/>
+            </a:endParaRPr>
+          </a:p>
+          <a:p>
+            <a:pPr marL="514350" indent="-514350">
+              <a:buAutoNum type="arabicPeriod"/>
+            </a:pPr>
+            <a:r>
+              <a:rPr lang="ko-KR" altLang="en-US" sz="2800" b="1" spc="-150" dirty="0" smtClean="0">
+                <a:ln>
+                  <a:solidFill>
+                    <a:schemeClr val="bg1">
+                      <a:alpha val="30000"/>
+                    </a:schemeClr>
+                  </a:solidFill>
+                </a:ln>
+                <a:solidFill>
+                  <a:schemeClr val="tx1">
+                    <a:lumMod val="95000"/>
+                    <a:lumOff val="5000"/>
+                  </a:schemeClr>
+                </a:solidFill>
+                <a:latin typeface="+mn-ea"/>
+              </a:rPr>
+              <a:t>피난안내도의 경우 같이 교차점 노드들을 추가 및 제거를 통해서 돌아갈수 있는 경로를 제공할 수 있다</a:t>
+            </a:r>
+            <a:r>
+              <a:rPr lang="en-US" altLang="ko-KR" sz="2800" b="1" spc="-150" dirty="0" smtClean="0">
+                <a:ln>
+                  <a:solidFill>
+                    <a:schemeClr val="bg1">
+                      <a:alpha val="30000"/>
+                    </a:schemeClr>
+                  </a:solidFill>
+                </a:ln>
+                <a:solidFill>
+                  <a:schemeClr val="tx1">
+                    <a:lumMod val="95000"/>
+                    <a:lumOff val="5000"/>
+                  </a:schemeClr>
+                </a:solidFill>
+                <a:latin typeface="+mn-ea"/>
+              </a:rPr>
+              <a:t>.</a:t>
+            </a:r>
+            <a:endParaRPr lang="en-US" altLang="ko-KR" sz="2800" b="1" spc="-150" dirty="0">
+              <a:ln>
+                <a:solidFill>
+                  <a:schemeClr val="bg1">
+                    <a:alpha val="30000"/>
+                  </a:schemeClr>
+                </a:solidFill>
+              </a:ln>
+              <a:solidFill>
+                <a:schemeClr val="tx1">
+                  <a:lumMod val="95000"/>
+                  <a:lumOff val="5000"/>
+                </a:schemeClr>
+              </a:solidFill>
+              <a:latin typeface="+mn-ea"/>
+            </a:endParaRPr>
+          </a:p>
+          <a:p>
+            <a:r>
+              <a:rPr lang="en-US" altLang="ko-KR" sz="1600" b="1" spc="-150" dirty="0">
+                <a:ln>
+                  <a:solidFill>
+                    <a:schemeClr val="bg1">
+                      <a:alpha val="30000"/>
+                    </a:schemeClr>
+                  </a:solidFill>
+                </a:ln>
+                <a:solidFill>
+                  <a:schemeClr val="tx1">
+                    <a:lumMod val="95000"/>
+                    <a:lumOff val="5000"/>
+                  </a:schemeClr>
+                </a:solidFill>
+                <a:latin typeface="+mn-ea"/>
+              </a:rPr>
+              <a:t>      </a:t>
+            </a:r>
+          </a:p>
+        </p:txBody>
+      </p:sp>
+    </p:spTree>
+    <p:extLst>
+      <p:ext uri="{BB962C8B-B14F-4D97-AF65-F5344CB8AC3E}">
+        <p14:creationId xmlns:p14="http://schemas.microsoft.com/office/powerpoint/2010/main" val="867996484"/>
+      </p:ext>
+    </p:extLst>
+  </p:cSld>
+  <p:clrMapOvr>
+    <a:masterClrMapping/>
+  </p:clrMapOvr>
+</p:sld>
+</file>
+
+<file path=ppt/slides/slide19.xml><?xml version="1.0" encoding="utf-8"?>
+<p:sld xmlns:a="http://schemas.openxmlformats.org/drawingml/2006/main" xmlns:r="http://schemas.openxmlformats.org/officeDocument/2006/relationships" xmlns:p="http://schemas.openxmlformats.org/presentationml/2006/main">
+  <p:cSld>
+    <p:spTree>
+      <p:nvGrpSpPr>
+        <p:cNvPr id="1" name=""/>
+        <p:cNvGrpSpPr/>
+        <p:nvPr/>
+      </p:nvGrpSpPr>
+      <p:grpSpPr>
+        <a:xfrm>
+          <a:off x="0" y="0"/>
+          <a:ext cx="0" cy="0"/>
+          <a:chOff x="0" y="0"/>
+          <a:chExt cx="0" cy="0"/>
+        </a:xfrm>
+      </p:grpSpPr>
+      <p:sp>
+        <p:nvSpPr>
           <p:cNvPr id="5" name="직사각형 4">
             <a:extLst>
               <a:ext uri="{FF2B5EF4-FFF2-40B4-BE49-F238E27FC236}">
-                <a16:creationId xmlns:a16="http://schemas.microsoft.com/office/drawing/2014/main" id="{9447557F-5328-4686-AF79-A3671F6E3A90}"/>
+                <a16:creationId xmlns:a16="http://schemas.microsoft.com/office/drawing/2014/main" xmlns="" id="{9447557F-5328-4686-AF79-A3671F6E3A90}"/>
               </a:ext>
             </a:extLst>
           </p:cNvPr>
@@ -9046,7 +9616,7 @@
           <p:cNvPr id="3" name="TextBox 2">
             <a:extLst>
               <a:ext uri="{FF2B5EF4-FFF2-40B4-BE49-F238E27FC236}">
-                <a16:creationId xmlns:a16="http://schemas.microsoft.com/office/drawing/2014/main" id="{C1457E5F-B183-42E6-930C-F934AA0FDB9D}"/>
+                <a16:creationId xmlns:a16="http://schemas.microsoft.com/office/drawing/2014/main" xmlns="" id="{C1457E5F-B183-42E6-930C-F934AA0FDB9D}"/>
               </a:ext>
             </a:extLst>
           </p:cNvPr>
@@ -9098,7 +9668,7 @@
           <p:cNvPr id="8" name="TextBox 7">
             <a:extLst>
               <a:ext uri="{FF2B5EF4-FFF2-40B4-BE49-F238E27FC236}">
-                <a16:creationId xmlns:a16="http://schemas.microsoft.com/office/drawing/2014/main" id="{C4E81C81-5024-48BC-8389-B3C4BEF828E6}"/>
+                <a16:creationId xmlns:a16="http://schemas.microsoft.com/office/drawing/2014/main" xmlns="" id="{C4E81C81-5024-48BC-8389-B3C4BEF828E6}"/>
               </a:ext>
             </a:extLst>
           </p:cNvPr>
@@ -9150,7 +9720,7 @@
           <p:cNvPr id="11" name="TextBox 10">
             <a:extLst>
               <a:ext uri="{FF2B5EF4-FFF2-40B4-BE49-F238E27FC236}">
-                <a16:creationId xmlns:a16="http://schemas.microsoft.com/office/drawing/2014/main" id="{C98783DD-E82C-4977-B139-6DFAA5A21F5B}"/>
+                <a16:creationId xmlns:a16="http://schemas.microsoft.com/office/drawing/2014/main" xmlns="" id="{C98783DD-E82C-4977-B139-6DFAA5A21F5B}"/>
               </a:ext>
             </a:extLst>
           </p:cNvPr>
@@ -9228,7 +9798,7 @@
               <p14:cNvPr id="12" name="잉크 11">
                 <a:extLst>
                   <a:ext uri="{FF2B5EF4-FFF2-40B4-BE49-F238E27FC236}">
-                    <a16:creationId xmlns:a16="http://schemas.microsoft.com/office/drawing/2014/main" id="{DBC48598-4927-42D1-862C-3E9D51F6B6FC}"/>
+                    <a16:creationId xmlns:a16="http://schemas.microsoft.com/office/drawing/2014/main" xmlns="" id="{DBC48598-4927-42D1-862C-3E9D51F6B6FC}"/>
                   </a:ext>
                 </a:extLst>
               </p14:cNvPr>
@@ -9307,7 +9877,7 @@
           <p:cNvPr id="26" name="사각형: 둥근 모서리 25">
             <a:extLst>
               <a:ext uri="{FF2B5EF4-FFF2-40B4-BE49-F238E27FC236}">
-                <a16:creationId xmlns:a16="http://schemas.microsoft.com/office/drawing/2014/main" id="{6EF4AACF-BF98-4D1B-815E-F2B21068B69C}"/>
+                <a16:creationId xmlns:a16="http://schemas.microsoft.com/office/drawing/2014/main" xmlns="" id="{6EF4AACF-BF98-4D1B-815E-F2B21068B69C}"/>
               </a:ext>
             </a:extLst>
           </p:cNvPr>
@@ -9371,7 +9941,7 @@
           <p:cNvPr id="25" name="사각형: 둥근 모서리 24">
             <a:extLst>
               <a:ext uri="{FF2B5EF4-FFF2-40B4-BE49-F238E27FC236}">
-                <a16:creationId xmlns:a16="http://schemas.microsoft.com/office/drawing/2014/main" id="{2B540C0C-C67A-4CCA-936F-6F1BF9B33AA6}"/>
+                <a16:creationId xmlns:a16="http://schemas.microsoft.com/office/drawing/2014/main" xmlns="" id="{2B540C0C-C67A-4CCA-936F-6F1BF9B33AA6}"/>
               </a:ext>
             </a:extLst>
           </p:cNvPr>
@@ -9435,7 +10005,7 @@
           <p:cNvPr id="11" name="TextBox 10">
             <a:extLst>
               <a:ext uri="{FF2B5EF4-FFF2-40B4-BE49-F238E27FC236}">
-                <a16:creationId xmlns:a16="http://schemas.microsoft.com/office/drawing/2014/main" id="{5F5C2694-2958-48AC-A495-3A4D740A8E48}"/>
+                <a16:creationId xmlns:a16="http://schemas.microsoft.com/office/drawing/2014/main" xmlns="" id="{5F5C2694-2958-48AC-A495-3A4D740A8E48}"/>
               </a:ext>
             </a:extLst>
           </p:cNvPr>
@@ -9479,7 +10049,7 @@
           <p:cNvPr id="27" name="직사각형 26">
             <a:extLst>
               <a:ext uri="{FF2B5EF4-FFF2-40B4-BE49-F238E27FC236}">
-                <a16:creationId xmlns:a16="http://schemas.microsoft.com/office/drawing/2014/main" id="{7B485AC3-93BA-4C5D-BD3E-4C24FE11A689}"/>
+                <a16:creationId xmlns:a16="http://schemas.microsoft.com/office/drawing/2014/main" xmlns="" id="{7B485AC3-93BA-4C5D-BD3E-4C24FE11A689}"/>
               </a:ext>
             </a:extLst>
           </p:cNvPr>
@@ -9535,7 +10105,7 @@
           <p:cNvPr id="9" name="사각형: 둥근 모서리 25">
             <a:extLst>
               <a:ext uri="{FF2B5EF4-FFF2-40B4-BE49-F238E27FC236}">
-                <a16:creationId xmlns:a16="http://schemas.microsoft.com/office/drawing/2014/main" id="{6EF4AACF-BF98-4D1B-815E-F2B21068B69C}"/>
+                <a16:creationId xmlns:a16="http://schemas.microsoft.com/office/drawing/2014/main" xmlns="" id="{6EF4AACF-BF98-4D1B-815E-F2B21068B69C}"/>
               </a:ext>
             </a:extLst>
           </p:cNvPr>
@@ -9599,7 +10169,7 @@
           <p:cNvPr id="10" name="TextBox 9">
             <a:extLst>
               <a:ext uri="{FF2B5EF4-FFF2-40B4-BE49-F238E27FC236}">
-                <a16:creationId xmlns:a16="http://schemas.microsoft.com/office/drawing/2014/main" id="{AFFF3868-DADC-439E-953C-BAD4581A3B8A}"/>
+                <a16:creationId xmlns:a16="http://schemas.microsoft.com/office/drawing/2014/main" xmlns="" id="{AFFF3868-DADC-439E-953C-BAD4581A3B8A}"/>
               </a:ext>
             </a:extLst>
           </p:cNvPr>
@@ -9725,7 +10295,7 @@
           <p:cNvPr id="15" name="TextBox 14">
             <a:extLst>
               <a:ext uri="{FF2B5EF4-FFF2-40B4-BE49-F238E27FC236}">
-                <a16:creationId xmlns:a16="http://schemas.microsoft.com/office/drawing/2014/main" id="{AFFF3868-DADC-439E-953C-BAD4581A3B8A}"/>
+                <a16:creationId xmlns:a16="http://schemas.microsoft.com/office/drawing/2014/main" xmlns="" id="{AFFF3868-DADC-439E-953C-BAD4581A3B8A}"/>
               </a:ext>
             </a:extLst>
           </p:cNvPr>
@@ -9860,7 +10430,7 @@
           <p:cNvPr id="4" name="직사각형 3">
             <a:extLst>
               <a:ext uri="{FF2B5EF4-FFF2-40B4-BE49-F238E27FC236}">
-                <a16:creationId xmlns:a16="http://schemas.microsoft.com/office/drawing/2014/main" id="{FC56DBEE-CFA2-427D-A54E-C69EBB5FAD8F}"/>
+                <a16:creationId xmlns:a16="http://schemas.microsoft.com/office/drawing/2014/main" xmlns="" id="{FC56DBEE-CFA2-427D-A54E-C69EBB5FAD8F}"/>
               </a:ext>
             </a:extLst>
           </p:cNvPr>
@@ -9914,7 +10484,7 @@
           <p:cNvPr id="5" name="직사각형 4">
             <a:extLst>
               <a:ext uri="{FF2B5EF4-FFF2-40B4-BE49-F238E27FC236}">
-                <a16:creationId xmlns:a16="http://schemas.microsoft.com/office/drawing/2014/main" id="{B946531F-0ED7-40C3-B576-4F56E0B23959}"/>
+                <a16:creationId xmlns:a16="http://schemas.microsoft.com/office/drawing/2014/main" xmlns="" id="{B946531F-0ED7-40C3-B576-4F56E0B23959}"/>
               </a:ext>
             </a:extLst>
           </p:cNvPr>
@@ -9968,7 +10538,7 @@
           <p:cNvPr id="6" name="그룹 5">
             <a:extLst>
               <a:ext uri="{FF2B5EF4-FFF2-40B4-BE49-F238E27FC236}">
-                <a16:creationId xmlns:a16="http://schemas.microsoft.com/office/drawing/2014/main" id="{A87738A6-DCCB-44F8-BC8F-5630746B8082}"/>
+                <a16:creationId xmlns:a16="http://schemas.microsoft.com/office/drawing/2014/main" xmlns="" id="{A87738A6-DCCB-44F8-BC8F-5630746B8082}"/>
               </a:ext>
             </a:extLst>
           </p:cNvPr>
@@ -9988,7 +10558,7 @@
             <p:cNvPr id="7" name="TextBox 2">
               <a:extLst>
                 <a:ext uri="{FF2B5EF4-FFF2-40B4-BE49-F238E27FC236}">
-                  <a16:creationId xmlns:a16="http://schemas.microsoft.com/office/drawing/2014/main" id="{3F15D2F0-3EF3-4014-88BD-F1E9CEE28153}"/>
+                  <a16:creationId xmlns:a16="http://schemas.microsoft.com/office/drawing/2014/main" xmlns="" id="{3F15D2F0-3EF3-4014-88BD-F1E9CEE28153}"/>
                 </a:ext>
               </a:extLst>
             </p:cNvPr>
@@ -10046,7 +10616,7 @@
             <p:cNvPr id="8" name="TextBox 3">
               <a:extLst>
                 <a:ext uri="{FF2B5EF4-FFF2-40B4-BE49-F238E27FC236}">
-                  <a16:creationId xmlns:a16="http://schemas.microsoft.com/office/drawing/2014/main" id="{EE9EE9DD-4219-4C6F-BCF5-B48D9535E62E}"/>
+                  <a16:creationId xmlns:a16="http://schemas.microsoft.com/office/drawing/2014/main" xmlns="" id="{EE9EE9DD-4219-4C6F-BCF5-B48D9535E62E}"/>
                 </a:ext>
               </a:extLst>
             </p:cNvPr>
@@ -10116,7 +10686,7 @@
           <p:cNvPr id="9" name="직각 삼각형 23">
             <a:extLst>
               <a:ext uri="{FF2B5EF4-FFF2-40B4-BE49-F238E27FC236}">
-                <a16:creationId xmlns:a16="http://schemas.microsoft.com/office/drawing/2014/main" id="{A21687B3-DD91-4897-B11B-1D36E99F5FBD}"/>
+                <a16:creationId xmlns:a16="http://schemas.microsoft.com/office/drawing/2014/main" xmlns="" id="{A21687B3-DD91-4897-B11B-1D36E99F5FBD}"/>
               </a:ext>
             </a:extLst>
           </p:cNvPr>
@@ -10198,7 +10768,7 @@
           <p:cNvPr id="10" name="사각형: 잘린 대각선 방향 모서리 18">
             <a:extLst>
               <a:ext uri="{FF2B5EF4-FFF2-40B4-BE49-F238E27FC236}">
-                <a16:creationId xmlns:a16="http://schemas.microsoft.com/office/drawing/2014/main" id="{AE988215-4041-4A4C-BC8C-DD558303ABAF}"/>
+                <a16:creationId xmlns:a16="http://schemas.microsoft.com/office/drawing/2014/main" xmlns="" id="{AE988215-4041-4A4C-BC8C-DD558303ABAF}"/>
               </a:ext>
             </a:extLst>
           </p:cNvPr>
@@ -10533,7 +11103,7 @@
           <p:cNvPr id="4" name="직사각형 3">
             <a:extLst>
               <a:ext uri="{FF2B5EF4-FFF2-40B4-BE49-F238E27FC236}">
-                <a16:creationId xmlns:a16="http://schemas.microsoft.com/office/drawing/2014/main" id="{FC56DBEE-CFA2-427D-A54E-C69EBB5FAD8F}"/>
+                <a16:creationId xmlns:a16="http://schemas.microsoft.com/office/drawing/2014/main" xmlns="" id="{FC56DBEE-CFA2-427D-A54E-C69EBB5FAD8F}"/>
               </a:ext>
             </a:extLst>
           </p:cNvPr>
@@ -10587,7 +11157,7 @@
           <p:cNvPr id="5" name="직사각형 4">
             <a:extLst>
               <a:ext uri="{FF2B5EF4-FFF2-40B4-BE49-F238E27FC236}">
-                <a16:creationId xmlns:a16="http://schemas.microsoft.com/office/drawing/2014/main" id="{B946531F-0ED7-40C3-B576-4F56E0B23959}"/>
+                <a16:creationId xmlns:a16="http://schemas.microsoft.com/office/drawing/2014/main" xmlns="" id="{B946531F-0ED7-40C3-B576-4F56E0B23959}"/>
               </a:ext>
             </a:extLst>
           </p:cNvPr>
@@ -10641,7 +11211,7 @@
           <p:cNvPr id="6" name="그룹 5">
             <a:extLst>
               <a:ext uri="{FF2B5EF4-FFF2-40B4-BE49-F238E27FC236}">
-                <a16:creationId xmlns:a16="http://schemas.microsoft.com/office/drawing/2014/main" id="{A87738A6-DCCB-44F8-BC8F-5630746B8082}"/>
+                <a16:creationId xmlns:a16="http://schemas.microsoft.com/office/drawing/2014/main" xmlns="" id="{A87738A6-DCCB-44F8-BC8F-5630746B8082}"/>
               </a:ext>
             </a:extLst>
           </p:cNvPr>
@@ -10661,7 +11231,7 @@
             <p:cNvPr id="7" name="TextBox 2">
               <a:extLst>
                 <a:ext uri="{FF2B5EF4-FFF2-40B4-BE49-F238E27FC236}">
-                  <a16:creationId xmlns:a16="http://schemas.microsoft.com/office/drawing/2014/main" id="{3F15D2F0-3EF3-4014-88BD-F1E9CEE28153}"/>
+                  <a16:creationId xmlns:a16="http://schemas.microsoft.com/office/drawing/2014/main" xmlns="" id="{3F15D2F0-3EF3-4014-88BD-F1E9CEE28153}"/>
                 </a:ext>
               </a:extLst>
             </p:cNvPr>
@@ -10719,7 +11289,7 @@
             <p:cNvPr id="8" name="TextBox 3">
               <a:extLst>
                 <a:ext uri="{FF2B5EF4-FFF2-40B4-BE49-F238E27FC236}">
-                  <a16:creationId xmlns:a16="http://schemas.microsoft.com/office/drawing/2014/main" id="{EE9EE9DD-4219-4C6F-BCF5-B48D9535E62E}"/>
+                  <a16:creationId xmlns:a16="http://schemas.microsoft.com/office/drawing/2014/main" xmlns="" id="{EE9EE9DD-4219-4C6F-BCF5-B48D9535E62E}"/>
                 </a:ext>
               </a:extLst>
             </p:cNvPr>
@@ -10789,7 +11359,7 @@
           <p:cNvPr id="9" name="직각 삼각형 23">
             <a:extLst>
               <a:ext uri="{FF2B5EF4-FFF2-40B4-BE49-F238E27FC236}">
-                <a16:creationId xmlns:a16="http://schemas.microsoft.com/office/drawing/2014/main" id="{A21687B3-DD91-4897-B11B-1D36E99F5FBD}"/>
+                <a16:creationId xmlns:a16="http://schemas.microsoft.com/office/drawing/2014/main" xmlns="" id="{A21687B3-DD91-4897-B11B-1D36E99F5FBD}"/>
               </a:ext>
             </a:extLst>
           </p:cNvPr>
@@ -10871,7 +11441,7 @@
           <p:cNvPr id="10" name="사각형: 잘린 대각선 방향 모서리 18">
             <a:extLst>
               <a:ext uri="{FF2B5EF4-FFF2-40B4-BE49-F238E27FC236}">
-                <a16:creationId xmlns:a16="http://schemas.microsoft.com/office/drawing/2014/main" id="{AE988215-4041-4A4C-BC8C-DD558303ABAF}"/>
+                <a16:creationId xmlns:a16="http://schemas.microsoft.com/office/drawing/2014/main" xmlns="" id="{AE988215-4041-4A4C-BC8C-DD558303ABAF}"/>
               </a:ext>
             </a:extLst>
           </p:cNvPr>
@@ -15160,7 +15730,7 @@
           <p:cNvPr id="6" name="그룹 5">
             <a:extLst>
               <a:ext uri="{FF2B5EF4-FFF2-40B4-BE49-F238E27FC236}">
-                <a16:creationId xmlns:a16="http://schemas.microsoft.com/office/drawing/2014/main" id="{A87738A6-DCCB-44F8-BC8F-5630746B8082}"/>
+                <a16:creationId xmlns:a16="http://schemas.microsoft.com/office/drawing/2014/main" xmlns="" id="{A87738A6-DCCB-44F8-BC8F-5630746B8082}"/>
               </a:ext>
             </a:extLst>
           </p:cNvPr>
@@ -15180,7 +15750,7 @@
             <p:cNvPr id="3" name="TextBox 2">
               <a:extLst>
                 <a:ext uri="{FF2B5EF4-FFF2-40B4-BE49-F238E27FC236}">
-                  <a16:creationId xmlns:a16="http://schemas.microsoft.com/office/drawing/2014/main" id="{3F15D2F0-3EF3-4014-88BD-F1E9CEE28153}"/>
+                  <a16:creationId xmlns:a16="http://schemas.microsoft.com/office/drawing/2014/main" xmlns="" id="{3F15D2F0-3EF3-4014-88BD-F1E9CEE28153}"/>
                 </a:ext>
               </a:extLst>
             </p:cNvPr>
@@ -15238,7 +15808,7 @@
             <p:cNvPr id="4" name="TextBox 3">
               <a:extLst>
                 <a:ext uri="{FF2B5EF4-FFF2-40B4-BE49-F238E27FC236}">
-                  <a16:creationId xmlns:a16="http://schemas.microsoft.com/office/drawing/2014/main" id="{EE9EE9DD-4219-4C6F-BCF5-B48D9535E62E}"/>
+                  <a16:creationId xmlns:a16="http://schemas.microsoft.com/office/drawing/2014/main" xmlns="" id="{EE9EE9DD-4219-4C6F-BCF5-B48D9535E62E}"/>
                 </a:ext>
               </a:extLst>
             </p:cNvPr>
@@ -15308,7 +15878,7 @@
           <p:cNvPr id="9" name="직사각형 8">
             <a:extLst>
               <a:ext uri="{FF2B5EF4-FFF2-40B4-BE49-F238E27FC236}">
-                <a16:creationId xmlns:a16="http://schemas.microsoft.com/office/drawing/2014/main" id="{B946531F-0ED7-40C3-B576-4F56E0B23959}"/>
+                <a16:creationId xmlns:a16="http://schemas.microsoft.com/office/drawing/2014/main" xmlns="" id="{B946531F-0ED7-40C3-B576-4F56E0B23959}"/>
               </a:ext>
             </a:extLst>
           </p:cNvPr>
@@ -15362,7 +15932,7 @@
           <p:cNvPr id="24" name="직각 삼각형 23">
             <a:extLst>
               <a:ext uri="{FF2B5EF4-FFF2-40B4-BE49-F238E27FC236}">
-                <a16:creationId xmlns:a16="http://schemas.microsoft.com/office/drawing/2014/main" id="{A21687B3-DD91-4897-B11B-1D36E99F5FBD}"/>
+                <a16:creationId xmlns:a16="http://schemas.microsoft.com/office/drawing/2014/main" xmlns="" id="{A21687B3-DD91-4897-B11B-1D36E99F5FBD}"/>
               </a:ext>
             </a:extLst>
           </p:cNvPr>
@@ -15414,7 +15984,7 @@
           <p:cNvPr id="18" name="직사각형 17">
             <a:extLst>
               <a:ext uri="{FF2B5EF4-FFF2-40B4-BE49-F238E27FC236}">
-                <a16:creationId xmlns:a16="http://schemas.microsoft.com/office/drawing/2014/main" id="{FC56DBEE-CFA2-427D-A54E-C69EBB5FAD8F}"/>
+                <a16:creationId xmlns:a16="http://schemas.microsoft.com/office/drawing/2014/main" xmlns="" id="{FC56DBEE-CFA2-427D-A54E-C69EBB5FAD8F}"/>
               </a:ext>
             </a:extLst>
           </p:cNvPr>
@@ -15468,7 +16038,7 @@
           <p:cNvPr id="5" name="그림 4">
             <a:extLst>
               <a:ext uri="{FF2B5EF4-FFF2-40B4-BE49-F238E27FC236}">
-                <a16:creationId xmlns:a16="http://schemas.microsoft.com/office/drawing/2014/main" id="{FAA7C14E-59D4-4E2F-9433-BCBA2BA519B9}"/>
+                <a16:creationId xmlns:a16="http://schemas.microsoft.com/office/drawing/2014/main" xmlns="" id="{FAA7C14E-59D4-4E2F-9433-BCBA2BA519B9}"/>
               </a:ext>
             </a:extLst>
           </p:cNvPr>
@@ -15504,7 +16074,7 @@
           <p:cNvPr id="16" name="이등변 삼각형 15">
             <a:extLst>
               <a:ext uri="{FF2B5EF4-FFF2-40B4-BE49-F238E27FC236}">
-                <a16:creationId xmlns:a16="http://schemas.microsoft.com/office/drawing/2014/main" id="{6A579E04-95AD-4A49-B2DC-F82AC5E07A92}"/>
+                <a16:creationId xmlns:a16="http://schemas.microsoft.com/office/drawing/2014/main" xmlns="" id="{6A579E04-95AD-4A49-B2DC-F82AC5E07A92}"/>
               </a:ext>
             </a:extLst>
           </p:cNvPr>
@@ -15558,7 +16128,7 @@
           <p:cNvPr id="14" name="텍스트 상자 13">
             <a:extLst>
               <a:ext uri="{FF2B5EF4-FFF2-40B4-BE49-F238E27FC236}">
-                <a16:creationId xmlns:a16="http://schemas.microsoft.com/office/drawing/2014/main" id="{18FDB7F7-5093-4D6B-88A4-B1BA074FCE77}"/>
+                <a16:creationId xmlns:a16="http://schemas.microsoft.com/office/drawing/2014/main" xmlns="" id="{18FDB7F7-5093-4D6B-88A4-B1BA074FCE77}"/>
               </a:ext>
             </a:extLst>
           </p:cNvPr>
@@ -15598,7 +16168,7 @@
           <p:cNvPr id="15" name="텍스트 상자 13">
             <a:extLst>
               <a:ext uri="{FF2B5EF4-FFF2-40B4-BE49-F238E27FC236}">
-                <a16:creationId xmlns:a16="http://schemas.microsoft.com/office/drawing/2014/main" id="{AE72C7A1-1B2E-4847-A0F3-B32192D206C7}"/>
+                <a16:creationId xmlns:a16="http://schemas.microsoft.com/office/drawing/2014/main" xmlns="" id="{AE72C7A1-1B2E-4847-A0F3-B32192D206C7}"/>
               </a:ext>
             </a:extLst>
           </p:cNvPr>
@@ -15698,7 +16268,7 @@
           <p:cNvPr id="17" name="그림 6">
             <a:extLst>
               <a:ext uri="{FF2B5EF4-FFF2-40B4-BE49-F238E27FC236}">
-                <a16:creationId xmlns:a16="http://schemas.microsoft.com/office/drawing/2014/main" id="{FC930A71-E777-4CDF-8FCB-3CCCF2523DAE}"/>
+                <a16:creationId xmlns:a16="http://schemas.microsoft.com/office/drawing/2014/main" xmlns="" id="{FC930A71-E777-4CDF-8FCB-3CCCF2523DAE}"/>
               </a:ext>
             </a:extLst>
           </p:cNvPr>
@@ -15757,7 +16327,7 @@
           <p:cNvPr id="6" name="그룹 5">
             <a:extLst>
               <a:ext uri="{FF2B5EF4-FFF2-40B4-BE49-F238E27FC236}">
-                <a16:creationId xmlns:a16="http://schemas.microsoft.com/office/drawing/2014/main" id="{A87738A6-DCCB-44F8-BC8F-5630746B8082}"/>
+                <a16:creationId xmlns:a16="http://schemas.microsoft.com/office/drawing/2014/main" xmlns="" id="{A87738A6-DCCB-44F8-BC8F-5630746B8082}"/>
               </a:ext>
             </a:extLst>
           </p:cNvPr>
@@ -15777,7 +16347,7 @@
             <p:cNvPr id="3" name="TextBox 2">
               <a:extLst>
                 <a:ext uri="{FF2B5EF4-FFF2-40B4-BE49-F238E27FC236}">
-                  <a16:creationId xmlns:a16="http://schemas.microsoft.com/office/drawing/2014/main" id="{3F15D2F0-3EF3-4014-88BD-F1E9CEE28153}"/>
+                  <a16:creationId xmlns:a16="http://schemas.microsoft.com/office/drawing/2014/main" xmlns="" id="{3F15D2F0-3EF3-4014-88BD-F1E9CEE28153}"/>
                 </a:ext>
               </a:extLst>
             </p:cNvPr>
@@ -15835,7 +16405,7 @@
             <p:cNvPr id="4" name="TextBox 3">
               <a:extLst>
                 <a:ext uri="{FF2B5EF4-FFF2-40B4-BE49-F238E27FC236}">
-                  <a16:creationId xmlns:a16="http://schemas.microsoft.com/office/drawing/2014/main" id="{EE9EE9DD-4219-4C6F-BCF5-B48D9535E62E}"/>
+                  <a16:creationId xmlns:a16="http://schemas.microsoft.com/office/drawing/2014/main" xmlns="" id="{EE9EE9DD-4219-4C6F-BCF5-B48D9535E62E}"/>
                 </a:ext>
               </a:extLst>
             </p:cNvPr>
@@ -15905,7 +16475,7 @@
           <p:cNvPr id="9" name="직사각형 8">
             <a:extLst>
               <a:ext uri="{FF2B5EF4-FFF2-40B4-BE49-F238E27FC236}">
-                <a16:creationId xmlns:a16="http://schemas.microsoft.com/office/drawing/2014/main" id="{B946531F-0ED7-40C3-B576-4F56E0B23959}"/>
+                <a16:creationId xmlns:a16="http://schemas.microsoft.com/office/drawing/2014/main" xmlns="" id="{B946531F-0ED7-40C3-B576-4F56E0B23959}"/>
               </a:ext>
             </a:extLst>
           </p:cNvPr>
@@ -15959,7 +16529,7 @@
           <p:cNvPr id="24" name="직각 삼각형 23">
             <a:extLst>
               <a:ext uri="{FF2B5EF4-FFF2-40B4-BE49-F238E27FC236}">
-                <a16:creationId xmlns:a16="http://schemas.microsoft.com/office/drawing/2014/main" id="{A21687B3-DD91-4897-B11B-1D36E99F5FBD}"/>
+                <a16:creationId xmlns:a16="http://schemas.microsoft.com/office/drawing/2014/main" xmlns="" id="{A21687B3-DD91-4897-B11B-1D36E99F5FBD}"/>
               </a:ext>
             </a:extLst>
           </p:cNvPr>
@@ -16011,7 +16581,7 @@
           <p:cNvPr id="18" name="직사각형 17">
             <a:extLst>
               <a:ext uri="{FF2B5EF4-FFF2-40B4-BE49-F238E27FC236}">
-                <a16:creationId xmlns:a16="http://schemas.microsoft.com/office/drawing/2014/main" id="{FC56DBEE-CFA2-427D-A54E-C69EBB5FAD8F}"/>
+                <a16:creationId xmlns:a16="http://schemas.microsoft.com/office/drawing/2014/main" xmlns="" id="{FC56DBEE-CFA2-427D-A54E-C69EBB5FAD8F}"/>
               </a:ext>
             </a:extLst>
           </p:cNvPr>
@@ -16065,7 +16635,7 @@
           <p:cNvPr id="5" name="그림 4">
             <a:extLst>
               <a:ext uri="{FF2B5EF4-FFF2-40B4-BE49-F238E27FC236}">
-                <a16:creationId xmlns:a16="http://schemas.microsoft.com/office/drawing/2014/main" id="{FAA7C14E-59D4-4E2F-9433-BCBA2BA519B9}"/>
+                <a16:creationId xmlns:a16="http://schemas.microsoft.com/office/drawing/2014/main" xmlns="" id="{FAA7C14E-59D4-4E2F-9433-BCBA2BA519B9}"/>
               </a:ext>
             </a:extLst>
           </p:cNvPr>
@@ -16094,7 +16664,7 @@
           <p:cNvPr id="16" name="이등변 삼각형 15">
             <a:extLst>
               <a:ext uri="{FF2B5EF4-FFF2-40B4-BE49-F238E27FC236}">
-                <a16:creationId xmlns:a16="http://schemas.microsoft.com/office/drawing/2014/main" id="{6A579E04-95AD-4A49-B2DC-F82AC5E07A92}"/>
+                <a16:creationId xmlns:a16="http://schemas.microsoft.com/office/drawing/2014/main" xmlns="" id="{6A579E04-95AD-4A49-B2DC-F82AC5E07A92}"/>
               </a:ext>
             </a:extLst>
           </p:cNvPr>
@@ -16148,7 +16718,7 @@
           <p:cNvPr id="13" name="표 12">
             <a:extLst>
               <a:ext uri="{FF2B5EF4-FFF2-40B4-BE49-F238E27FC236}">
-                <a16:creationId xmlns:a16="http://schemas.microsoft.com/office/drawing/2014/main" id="{6935E920-AC64-4086-92AA-2E1CED4A13BB}"/>
+                <a16:creationId xmlns:a16="http://schemas.microsoft.com/office/drawing/2014/main" xmlns="" id="{6935E920-AC64-4086-92AA-2E1CED4A13BB}"/>
               </a:ext>
             </a:extLst>
           </p:cNvPr>
@@ -16173,42 +16743,42 @@
                 <a:gridCol w="812800">
                   <a:extLst>
                     <a:ext uri="{9D8B030D-6E8A-4147-A177-3AD203B41FA5}">
-                      <a16:colId xmlns:a16="http://schemas.microsoft.com/office/drawing/2014/main" val="20000"/>
+                      <a16:colId xmlns:a16="http://schemas.microsoft.com/office/drawing/2014/main" xmlns="" val="20000"/>
                     </a:ext>
                   </a:extLst>
                 </a:gridCol>
                 <a:gridCol w="812800">
                   <a:extLst>
                     <a:ext uri="{9D8B030D-6E8A-4147-A177-3AD203B41FA5}">
-                      <a16:colId xmlns:a16="http://schemas.microsoft.com/office/drawing/2014/main" val="20001"/>
+                      <a16:colId xmlns:a16="http://schemas.microsoft.com/office/drawing/2014/main" xmlns="" val="20001"/>
                     </a:ext>
                   </a:extLst>
                 </a:gridCol>
                 <a:gridCol w="812800">
                   <a:extLst>
                     <a:ext uri="{9D8B030D-6E8A-4147-A177-3AD203B41FA5}">
-                      <a16:colId xmlns:a16="http://schemas.microsoft.com/office/drawing/2014/main" val="20002"/>
+                      <a16:colId xmlns:a16="http://schemas.microsoft.com/office/drawing/2014/main" xmlns="" val="20002"/>
                     </a:ext>
                   </a:extLst>
                 </a:gridCol>
                 <a:gridCol w="812800">
                   <a:extLst>
                     <a:ext uri="{9D8B030D-6E8A-4147-A177-3AD203B41FA5}">
-                      <a16:colId xmlns:a16="http://schemas.microsoft.com/office/drawing/2014/main" val="20003"/>
+                      <a16:colId xmlns:a16="http://schemas.microsoft.com/office/drawing/2014/main" xmlns="" val="20003"/>
                     </a:ext>
                   </a:extLst>
                 </a:gridCol>
                 <a:gridCol w="812800">
                   <a:extLst>
                     <a:ext uri="{9D8B030D-6E8A-4147-A177-3AD203B41FA5}">
-                      <a16:colId xmlns:a16="http://schemas.microsoft.com/office/drawing/2014/main" val="20004"/>
+                      <a16:colId xmlns:a16="http://schemas.microsoft.com/office/drawing/2014/main" xmlns="" val="20004"/>
                     </a:ext>
                   </a:extLst>
                 </a:gridCol>
                 <a:gridCol w="812800">
                   <a:extLst>
                     <a:ext uri="{9D8B030D-6E8A-4147-A177-3AD203B41FA5}">
-                      <a16:colId xmlns:a16="http://schemas.microsoft.com/office/drawing/2014/main" val="863816877"/>
+                      <a16:colId xmlns:a16="http://schemas.microsoft.com/office/drawing/2014/main" xmlns="" val="863816877"/>
                     </a:ext>
                   </a:extLst>
                 </a:gridCol>
@@ -16322,7 +16892,7 @@
                 </a:tc>
                 <a:extLst>
                   <a:ext uri="{0D108BD9-81ED-4DB2-BD59-A6C34878D82A}">
-                    <a16:rowId xmlns:a16="http://schemas.microsoft.com/office/drawing/2014/main" val="10000"/>
+                    <a16:rowId xmlns:a16="http://schemas.microsoft.com/office/drawing/2014/main" xmlns="" val="10000"/>
                   </a:ext>
                 </a:extLst>
               </a:tr>
@@ -16398,7 +16968,7 @@
                 </a:tc>
                 <a:extLst>
                   <a:ext uri="{0D108BD9-81ED-4DB2-BD59-A6C34878D82A}">
-                    <a16:rowId xmlns:a16="http://schemas.microsoft.com/office/drawing/2014/main" val="10001"/>
+                    <a16:rowId xmlns:a16="http://schemas.microsoft.com/office/drawing/2014/main" xmlns="" val="10001"/>
                   </a:ext>
                 </a:extLst>
               </a:tr>
@@ -16474,7 +17044,7 @@
                 </a:tc>
                 <a:extLst>
                   <a:ext uri="{0D108BD9-81ED-4DB2-BD59-A6C34878D82A}">
-                    <a16:rowId xmlns:a16="http://schemas.microsoft.com/office/drawing/2014/main" val="4172954605"/>
+                    <a16:rowId xmlns:a16="http://schemas.microsoft.com/office/drawing/2014/main" xmlns="" val="4172954605"/>
                   </a:ext>
                 </a:extLst>
               </a:tr>
@@ -16553,7 +17123,7 @@
                 </a:tc>
                 <a:extLst>
                   <a:ext uri="{0D108BD9-81ED-4DB2-BD59-A6C34878D82A}">
-                    <a16:rowId xmlns:a16="http://schemas.microsoft.com/office/drawing/2014/main" val="1751226854"/>
+                    <a16:rowId xmlns:a16="http://schemas.microsoft.com/office/drawing/2014/main" xmlns="" val="1751226854"/>
                   </a:ext>
                 </a:extLst>
               </a:tr>
@@ -16629,7 +17199,7 @@
                 </a:tc>
                 <a:extLst>
                   <a:ext uri="{0D108BD9-81ED-4DB2-BD59-A6C34878D82A}">
-                    <a16:rowId xmlns:a16="http://schemas.microsoft.com/office/drawing/2014/main" val="3084563420"/>
+                    <a16:rowId xmlns:a16="http://schemas.microsoft.com/office/drawing/2014/main" xmlns="" val="3084563420"/>
                   </a:ext>
                 </a:extLst>
               </a:tr>
@@ -16705,7 +17275,7 @@
                 </a:tc>
                 <a:extLst>
                   <a:ext uri="{0D108BD9-81ED-4DB2-BD59-A6C34878D82A}">
-                    <a16:rowId xmlns:a16="http://schemas.microsoft.com/office/drawing/2014/main" val="560322244"/>
+                    <a16:rowId xmlns:a16="http://schemas.microsoft.com/office/drawing/2014/main" xmlns="" val="560322244"/>
                   </a:ext>
                 </a:extLst>
               </a:tr>
@@ -16781,7 +17351,7 @@
                 </a:tc>
                 <a:extLst>
                   <a:ext uri="{0D108BD9-81ED-4DB2-BD59-A6C34878D82A}">
-                    <a16:rowId xmlns:a16="http://schemas.microsoft.com/office/drawing/2014/main" val="277692938"/>
+                    <a16:rowId xmlns:a16="http://schemas.microsoft.com/office/drawing/2014/main" xmlns="" val="277692938"/>
                   </a:ext>
                 </a:extLst>
               </a:tr>
@@ -16794,7 +17364,7 @@
           <p:cNvPr id="14" name="텍스트 상자 13">
             <a:extLst>
               <a:ext uri="{FF2B5EF4-FFF2-40B4-BE49-F238E27FC236}">
-                <a16:creationId xmlns:a16="http://schemas.microsoft.com/office/drawing/2014/main" id="{18FDB7F7-5093-4D6B-88A4-B1BA074FCE77}"/>
+                <a16:creationId xmlns:a16="http://schemas.microsoft.com/office/drawing/2014/main" xmlns="" id="{18FDB7F7-5093-4D6B-88A4-B1BA074FCE77}"/>
               </a:ext>
             </a:extLst>
           </p:cNvPr>
@@ -16834,7 +17404,7 @@
           <p:cNvPr id="15" name="텍스트 상자 13">
             <a:extLst>
               <a:ext uri="{FF2B5EF4-FFF2-40B4-BE49-F238E27FC236}">
-                <a16:creationId xmlns:a16="http://schemas.microsoft.com/office/drawing/2014/main" id="{AE72C7A1-1B2E-4847-A0F3-B32192D206C7}"/>
+                <a16:creationId xmlns:a16="http://schemas.microsoft.com/office/drawing/2014/main" xmlns="" id="{AE72C7A1-1B2E-4847-A0F3-B32192D206C7}"/>
               </a:ext>
             </a:extLst>
           </p:cNvPr>
@@ -16903,7 +17473,7 @@
           <p:cNvPr id="4" name="직사각형 3">
             <a:extLst>
               <a:ext uri="{FF2B5EF4-FFF2-40B4-BE49-F238E27FC236}">
-                <a16:creationId xmlns:a16="http://schemas.microsoft.com/office/drawing/2014/main" id="{FC56DBEE-CFA2-427D-A54E-C69EBB5FAD8F}"/>
+                <a16:creationId xmlns:a16="http://schemas.microsoft.com/office/drawing/2014/main" xmlns="" id="{FC56DBEE-CFA2-427D-A54E-C69EBB5FAD8F}"/>
               </a:ext>
             </a:extLst>
           </p:cNvPr>
@@ -16957,7 +17527,7 @@
           <p:cNvPr id="5" name="직사각형 4">
             <a:extLst>
               <a:ext uri="{FF2B5EF4-FFF2-40B4-BE49-F238E27FC236}">
-                <a16:creationId xmlns:a16="http://schemas.microsoft.com/office/drawing/2014/main" id="{B946531F-0ED7-40C3-B576-4F56E0B23959}"/>
+                <a16:creationId xmlns:a16="http://schemas.microsoft.com/office/drawing/2014/main" xmlns="" id="{B946531F-0ED7-40C3-B576-4F56E0B23959}"/>
               </a:ext>
             </a:extLst>
           </p:cNvPr>
@@ -17011,7 +17581,7 @@
           <p:cNvPr id="6" name="그룹 5">
             <a:extLst>
               <a:ext uri="{FF2B5EF4-FFF2-40B4-BE49-F238E27FC236}">
-                <a16:creationId xmlns:a16="http://schemas.microsoft.com/office/drawing/2014/main" id="{A87738A6-DCCB-44F8-BC8F-5630746B8082}"/>
+                <a16:creationId xmlns:a16="http://schemas.microsoft.com/office/drawing/2014/main" xmlns="" id="{A87738A6-DCCB-44F8-BC8F-5630746B8082}"/>
               </a:ext>
             </a:extLst>
           </p:cNvPr>
@@ -17031,7 +17601,7 @@
             <p:cNvPr id="7" name="TextBox 2">
               <a:extLst>
                 <a:ext uri="{FF2B5EF4-FFF2-40B4-BE49-F238E27FC236}">
-                  <a16:creationId xmlns:a16="http://schemas.microsoft.com/office/drawing/2014/main" id="{3F15D2F0-3EF3-4014-88BD-F1E9CEE28153}"/>
+                  <a16:creationId xmlns:a16="http://schemas.microsoft.com/office/drawing/2014/main" xmlns="" id="{3F15D2F0-3EF3-4014-88BD-F1E9CEE28153}"/>
                 </a:ext>
               </a:extLst>
             </p:cNvPr>
@@ -17089,7 +17659,7 @@
             <p:cNvPr id="8" name="TextBox 3">
               <a:extLst>
                 <a:ext uri="{FF2B5EF4-FFF2-40B4-BE49-F238E27FC236}">
-                  <a16:creationId xmlns:a16="http://schemas.microsoft.com/office/drawing/2014/main" id="{EE9EE9DD-4219-4C6F-BCF5-B48D9535E62E}"/>
+                  <a16:creationId xmlns:a16="http://schemas.microsoft.com/office/drawing/2014/main" xmlns="" id="{EE9EE9DD-4219-4C6F-BCF5-B48D9535E62E}"/>
                 </a:ext>
               </a:extLst>
             </p:cNvPr>
@@ -17159,7 +17729,7 @@
           <p:cNvPr id="9" name="직각 삼각형 23">
             <a:extLst>
               <a:ext uri="{FF2B5EF4-FFF2-40B4-BE49-F238E27FC236}">
-                <a16:creationId xmlns:a16="http://schemas.microsoft.com/office/drawing/2014/main" id="{A21687B3-DD91-4897-B11B-1D36E99F5FBD}"/>
+                <a16:creationId xmlns:a16="http://schemas.microsoft.com/office/drawing/2014/main" xmlns="" id="{A21687B3-DD91-4897-B11B-1D36E99F5FBD}"/>
               </a:ext>
             </a:extLst>
           </p:cNvPr>
@@ -17241,7 +17811,7 @@
           <p:cNvPr id="10" name="사각형: 잘린 대각선 방향 모서리 18">
             <a:extLst>
               <a:ext uri="{FF2B5EF4-FFF2-40B4-BE49-F238E27FC236}">
-                <a16:creationId xmlns:a16="http://schemas.microsoft.com/office/drawing/2014/main" id="{AE988215-4041-4A4C-BC8C-DD558303ABAF}"/>
+                <a16:creationId xmlns:a16="http://schemas.microsoft.com/office/drawing/2014/main" xmlns="" id="{AE988215-4041-4A4C-BC8C-DD558303ABAF}"/>
               </a:ext>
             </a:extLst>
           </p:cNvPr>
@@ -17583,7 +18153,7 @@
           <p:cNvPr id="4" name="직사각형 3">
             <a:extLst>
               <a:ext uri="{FF2B5EF4-FFF2-40B4-BE49-F238E27FC236}">
-                <a16:creationId xmlns:a16="http://schemas.microsoft.com/office/drawing/2014/main" id="{FC56DBEE-CFA2-427D-A54E-C69EBB5FAD8F}"/>
+                <a16:creationId xmlns:a16="http://schemas.microsoft.com/office/drawing/2014/main" xmlns="" id="{FC56DBEE-CFA2-427D-A54E-C69EBB5FAD8F}"/>
               </a:ext>
             </a:extLst>
           </p:cNvPr>
@@ -17637,7 +18207,7 @@
           <p:cNvPr id="5" name="직사각형 4">
             <a:extLst>
               <a:ext uri="{FF2B5EF4-FFF2-40B4-BE49-F238E27FC236}">
-                <a16:creationId xmlns:a16="http://schemas.microsoft.com/office/drawing/2014/main" id="{B946531F-0ED7-40C3-B576-4F56E0B23959}"/>
+                <a16:creationId xmlns:a16="http://schemas.microsoft.com/office/drawing/2014/main" xmlns="" id="{B946531F-0ED7-40C3-B576-4F56E0B23959}"/>
               </a:ext>
             </a:extLst>
           </p:cNvPr>
@@ -17691,7 +18261,7 @@
           <p:cNvPr id="6" name="그룹 5">
             <a:extLst>
               <a:ext uri="{FF2B5EF4-FFF2-40B4-BE49-F238E27FC236}">
-                <a16:creationId xmlns:a16="http://schemas.microsoft.com/office/drawing/2014/main" id="{A87738A6-DCCB-44F8-BC8F-5630746B8082}"/>
+                <a16:creationId xmlns:a16="http://schemas.microsoft.com/office/drawing/2014/main" xmlns="" id="{A87738A6-DCCB-44F8-BC8F-5630746B8082}"/>
               </a:ext>
             </a:extLst>
           </p:cNvPr>
@@ -17711,7 +18281,7 @@
             <p:cNvPr id="7" name="TextBox 2">
               <a:extLst>
                 <a:ext uri="{FF2B5EF4-FFF2-40B4-BE49-F238E27FC236}">
-                  <a16:creationId xmlns:a16="http://schemas.microsoft.com/office/drawing/2014/main" id="{3F15D2F0-3EF3-4014-88BD-F1E9CEE28153}"/>
+                  <a16:creationId xmlns:a16="http://schemas.microsoft.com/office/drawing/2014/main" xmlns="" id="{3F15D2F0-3EF3-4014-88BD-F1E9CEE28153}"/>
                 </a:ext>
               </a:extLst>
             </p:cNvPr>
@@ -17769,7 +18339,7 @@
             <p:cNvPr id="8" name="TextBox 3">
               <a:extLst>
                 <a:ext uri="{FF2B5EF4-FFF2-40B4-BE49-F238E27FC236}">
-                  <a16:creationId xmlns:a16="http://schemas.microsoft.com/office/drawing/2014/main" id="{EE9EE9DD-4219-4C6F-BCF5-B48D9535E62E}"/>
+                  <a16:creationId xmlns:a16="http://schemas.microsoft.com/office/drawing/2014/main" xmlns="" id="{EE9EE9DD-4219-4C6F-BCF5-B48D9535E62E}"/>
                 </a:ext>
               </a:extLst>
             </p:cNvPr>
@@ -17839,7 +18409,7 @@
           <p:cNvPr id="9" name="직각 삼각형 23">
             <a:extLst>
               <a:ext uri="{FF2B5EF4-FFF2-40B4-BE49-F238E27FC236}">
-                <a16:creationId xmlns:a16="http://schemas.microsoft.com/office/drawing/2014/main" id="{A21687B3-DD91-4897-B11B-1D36E99F5FBD}"/>
+                <a16:creationId xmlns:a16="http://schemas.microsoft.com/office/drawing/2014/main" xmlns="" id="{A21687B3-DD91-4897-B11B-1D36E99F5FBD}"/>
               </a:ext>
             </a:extLst>
           </p:cNvPr>
@@ -17921,7 +18491,7 @@
           <p:cNvPr id="10" name="사각형: 잘린 대각선 방향 모서리 18">
             <a:extLst>
               <a:ext uri="{FF2B5EF4-FFF2-40B4-BE49-F238E27FC236}">
-                <a16:creationId xmlns:a16="http://schemas.microsoft.com/office/drawing/2014/main" id="{AE988215-4041-4A4C-BC8C-DD558303ABAF}"/>
+                <a16:creationId xmlns:a16="http://schemas.microsoft.com/office/drawing/2014/main" xmlns="" id="{AE988215-4041-4A4C-BC8C-DD558303ABAF}"/>
               </a:ext>
             </a:extLst>
           </p:cNvPr>
@@ -18290,7 +18860,7 @@
           <p:cNvPr id="18" name="직사각형 17">
             <a:extLst>
               <a:ext uri="{FF2B5EF4-FFF2-40B4-BE49-F238E27FC236}">
-                <a16:creationId xmlns:a16="http://schemas.microsoft.com/office/drawing/2014/main" id="{FC56DBEE-CFA2-427D-A54E-C69EBB5FAD8F}"/>
+                <a16:creationId xmlns:a16="http://schemas.microsoft.com/office/drawing/2014/main" xmlns="" id="{FC56DBEE-CFA2-427D-A54E-C69EBB5FAD8F}"/>
               </a:ext>
             </a:extLst>
           </p:cNvPr>
@@ -18344,7 +18914,7 @@
           <p:cNvPr id="2" name="그림 1">
             <a:extLst>
               <a:ext uri="{FF2B5EF4-FFF2-40B4-BE49-F238E27FC236}">
-                <a16:creationId xmlns:a16="http://schemas.microsoft.com/office/drawing/2014/main" id="{8072468B-AEB7-43D1-95B0-CDC8F8A8A6C6}"/>
+                <a16:creationId xmlns:a16="http://schemas.microsoft.com/office/drawing/2014/main" xmlns="" id="{8072468B-AEB7-43D1-95B0-CDC8F8A8A6C6}"/>
               </a:ext>
             </a:extLst>
           </p:cNvPr>
@@ -18374,7 +18944,7 @@
           <p:cNvPr id="6" name="그룹 5">
             <a:extLst>
               <a:ext uri="{FF2B5EF4-FFF2-40B4-BE49-F238E27FC236}">
-                <a16:creationId xmlns:a16="http://schemas.microsoft.com/office/drawing/2014/main" id="{A87738A6-DCCB-44F8-BC8F-5630746B8082}"/>
+                <a16:creationId xmlns:a16="http://schemas.microsoft.com/office/drawing/2014/main" xmlns="" id="{A87738A6-DCCB-44F8-BC8F-5630746B8082}"/>
               </a:ext>
             </a:extLst>
           </p:cNvPr>
@@ -18394,7 +18964,7 @@
             <p:cNvPr id="3" name="TextBox 2">
               <a:extLst>
                 <a:ext uri="{FF2B5EF4-FFF2-40B4-BE49-F238E27FC236}">
-                  <a16:creationId xmlns:a16="http://schemas.microsoft.com/office/drawing/2014/main" id="{3F15D2F0-3EF3-4014-88BD-F1E9CEE28153}"/>
+                  <a16:creationId xmlns:a16="http://schemas.microsoft.com/office/drawing/2014/main" xmlns="" id="{3F15D2F0-3EF3-4014-88BD-F1E9CEE28153}"/>
                 </a:ext>
               </a:extLst>
             </p:cNvPr>
@@ -18452,7 +19022,7 @@
             <p:cNvPr id="4" name="TextBox 3">
               <a:extLst>
                 <a:ext uri="{FF2B5EF4-FFF2-40B4-BE49-F238E27FC236}">
-                  <a16:creationId xmlns:a16="http://schemas.microsoft.com/office/drawing/2014/main" id="{EE9EE9DD-4219-4C6F-BCF5-B48D9535E62E}"/>
+                  <a16:creationId xmlns:a16="http://schemas.microsoft.com/office/drawing/2014/main" xmlns="" id="{EE9EE9DD-4219-4C6F-BCF5-B48D9535E62E}"/>
                 </a:ext>
               </a:extLst>
             </p:cNvPr>
@@ -18522,7 +19092,7 @@
           <p:cNvPr id="9" name="직사각형 8">
             <a:extLst>
               <a:ext uri="{FF2B5EF4-FFF2-40B4-BE49-F238E27FC236}">
-                <a16:creationId xmlns:a16="http://schemas.microsoft.com/office/drawing/2014/main" id="{B946531F-0ED7-40C3-B576-4F56E0B23959}"/>
+                <a16:creationId xmlns:a16="http://schemas.microsoft.com/office/drawing/2014/main" xmlns="" id="{B946531F-0ED7-40C3-B576-4F56E0B23959}"/>
               </a:ext>
             </a:extLst>
           </p:cNvPr>
@@ -18576,7 +19146,7 @@
           <p:cNvPr id="24" name="직각 삼각형 23">
             <a:extLst>
               <a:ext uri="{FF2B5EF4-FFF2-40B4-BE49-F238E27FC236}">
-                <a16:creationId xmlns:a16="http://schemas.microsoft.com/office/drawing/2014/main" id="{A21687B3-DD91-4897-B11B-1D36E99F5FBD}"/>
+                <a16:creationId xmlns:a16="http://schemas.microsoft.com/office/drawing/2014/main" xmlns="" id="{A21687B3-DD91-4897-B11B-1D36E99F5FBD}"/>
               </a:ext>
             </a:extLst>
           </p:cNvPr>
@@ -18628,7 +19198,7 @@
           <p:cNvPr id="17" name="사각형: 잘린 대각선 방향 모서리 16">
             <a:extLst>
               <a:ext uri="{FF2B5EF4-FFF2-40B4-BE49-F238E27FC236}">
-                <a16:creationId xmlns:a16="http://schemas.microsoft.com/office/drawing/2014/main" id="{B275F779-1A97-4327-876B-A5BA9DE1FC03}"/>
+                <a16:creationId xmlns:a16="http://schemas.microsoft.com/office/drawing/2014/main" xmlns="" id="{B275F779-1A97-4327-876B-A5BA9DE1FC03}"/>
               </a:ext>
             </a:extLst>
           </p:cNvPr>
@@ -18696,7 +19266,7 @@
           <p:cNvPr id="20" name="타원 19">
             <a:extLst>
               <a:ext uri="{FF2B5EF4-FFF2-40B4-BE49-F238E27FC236}">
-                <a16:creationId xmlns:a16="http://schemas.microsoft.com/office/drawing/2014/main" id="{BC4A4FB2-51EA-49AF-B300-D9C6B7E1C6AA}"/>
+                <a16:creationId xmlns:a16="http://schemas.microsoft.com/office/drawing/2014/main" xmlns="" id="{BC4A4FB2-51EA-49AF-B300-D9C6B7E1C6AA}"/>
               </a:ext>
             </a:extLst>
           </p:cNvPr>
@@ -18750,7 +19320,7 @@
           <p:cNvPr id="21" name="타원 20">
             <a:extLst>
               <a:ext uri="{FF2B5EF4-FFF2-40B4-BE49-F238E27FC236}">
-                <a16:creationId xmlns:a16="http://schemas.microsoft.com/office/drawing/2014/main" id="{C969B8A6-0E86-44A1-AE1F-D2FB4051D31C}"/>
+                <a16:creationId xmlns:a16="http://schemas.microsoft.com/office/drawing/2014/main" xmlns="" id="{C969B8A6-0E86-44A1-AE1F-D2FB4051D31C}"/>
               </a:ext>
             </a:extLst>
           </p:cNvPr>
@@ -18804,7 +19374,7 @@
           <p:cNvPr id="26" name="직사각형 25">
             <a:extLst>
               <a:ext uri="{FF2B5EF4-FFF2-40B4-BE49-F238E27FC236}">
-                <a16:creationId xmlns:a16="http://schemas.microsoft.com/office/drawing/2014/main" id="{4872D681-9606-473E-852B-52FBB45983A7}"/>
+                <a16:creationId xmlns:a16="http://schemas.microsoft.com/office/drawing/2014/main" xmlns="" id="{4872D681-9606-473E-852B-52FBB45983A7}"/>
               </a:ext>
             </a:extLst>
           </p:cNvPr>
@@ -19670,7 +20240,7 @@
           <p:cNvPr id="27" name="타원 26">
             <a:extLst>
               <a:ext uri="{FF2B5EF4-FFF2-40B4-BE49-F238E27FC236}">
-                <a16:creationId xmlns:a16="http://schemas.microsoft.com/office/drawing/2014/main" id="{27BC121C-7CC1-4B12-84A7-FB8C4B78A469}"/>
+                <a16:creationId xmlns:a16="http://schemas.microsoft.com/office/drawing/2014/main" xmlns="" id="{27BC121C-7CC1-4B12-84A7-FB8C4B78A469}"/>
               </a:ext>
             </a:extLst>
           </p:cNvPr>
@@ -19724,7 +20294,7 @@
           <p:cNvPr id="22" name="타원 21">
             <a:extLst>
               <a:ext uri="{FF2B5EF4-FFF2-40B4-BE49-F238E27FC236}">
-                <a16:creationId xmlns:a16="http://schemas.microsoft.com/office/drawing/2014/main" id="{C68F243E-A897-4ECB-87CC-CDBA52DBFD12}"/>
+                <a16:creationId xmlns:a16="http://schemas.microsoft.com/office/drawing/2014/main" xmlns="" id="{C68F243E-A897-4ECB-87CC-CDBA52DBFD12}"/>
               </a:ext>
             </a:extLst>
           </p:cNvPr>
@@ -19778,7 +20348,7 @@
           <p:cNvPr id="23" name="타원 22">
             <a:extLst>
               <a:ext uri="{FF2B5EF4-FFF2-40B4-BE49-F238E27FC236}">
-                <a16:creationId xmlns:a16="http://schemas.microsoft.com/office/drawing/2014/main" id="{AA17F53E-9F63-4D3E-A954-6AB4CF33699B}"/>
+                <a16:creationId xmlns:a16="http://schemas.microsoft.com/office/drawing/2014/main" xmlns="" id="{AA17F53E-9F63-4D3E-A954-6AB4CF33699B}"/>
               </a:ext>
             </a:extLst>
           </p:cNvPr>
@@ -19832,7 +20402,7 @@
           <p:cNvPr id="25" name="타원 24">
             <a:extLst>
               <a:ext uri="{FF2B5EF4-FFF2-40B4-BE49-F238E27FC236}">
-                <a16:creationId xmlns:a16="http://schemas.microsoft.com/office/drawing/2014/main" id="{F64F584F-9B4E-40F7-A138-B3AEF61AD2BA}"/>
+                <a16:creationId xmlns:a16="http://schemas.microsoft.com/office/drawing/2014/main" xmlns="" id="{F64F584F-9B4E-40F7-A138-B3AEF61AD2BA}"/>
               </a:ext>
             </a:extLst>
           </p:cNvPr>
@@ -19886,7 +20456,7 @@
           <p:cNvPr id="28" name="타원 27">
             <a:extLst>
               <a:ext uri="{FF2B5EF4-FFF2-40B4-BE49-F238E27FC236}">
-                <a16:creationId xmlns:a16="http://schemas.microsoft.com/office/drawing/2014/main" id="{5B9B3E71-B3B1-4FF3-94F2-12E7C7913781}"/>
+                <a16:creationId xmlns:a16="http://schemas.microsoft.com/office/drawing/2014/main" xmlns="" id="{5B9B3E71-B3B1-4FF3-94F2-12E7C7913781}"/>
               </a:ext>
             </a:extLst>
           </p:cNvPr>
@@ -19940,7 +20510,7 @@
           <p:cNvPr id="29" name="타원 28">
             <a:extLst>
               <a:ext uri="{FF2B5EF4-FFF2-40B4-BE49-F238E27FC236}">
-                <a16:creationId xmlns:a16="http://schemas.microsoft.com/office/drawing/2014/main" id="{F85F1324-1292-426B-BB72-4F0EC113EAA3}"/>
+                <a16:creationId xmlns:a16="http://schemas.microsoft.com/office/drawing/2014/main" xmlns="" id="{F85F1324-1292-426B-BB72-4F0EC113EAA3}"/>
               </a:ext>
             </a:extLst>
           </p:cNvPr>
@@ -19994,7 +20564,7 @@
           <p:cNvPr id="30" name="타원 29">
             <a:extLst>
               <a:ext uri="{FF2B5EF4-FFF2-40B4-BE49-F238E27FC236}">
-                <a16:creationId xmlns:a16="http://schemas.microsoft.com/office/drawing/2014/main" id="{FA685177-A594-4E54-AE96-EB2E18EB9ACE}"/>
+                <a16:creationId xmlns:a16="http://schemas.microsoft.com/office/drawing/2014/main" xmlns="" id="{FA685177-A594-4E54-AE96-EB2E18EB9ACE}"/>
               </a:ext>
             </a:extLst>
           </p:cNvPr>
@@ -20048,7 +20618,7 @@
           <p:cNvPr id="32" name="직선 화살표 연결선 31">
             <a:extLst>
               <a:ext uri="{FF2B5EF4-FFF2-40B4-BE49-F238E27FC236}">
-                <a16:creationId xmlns:a16="http://schemas.microsoft.com/office/drawing/2014/main" id="{C911A864-A6DC-4997-B9E9-F8BC6D3B8D7E}"/>
+                <a16:creationId xmlns:a16="http://schemas.microsoft.com/office/drawing/2014/main" xmlns="" id="{C911A864-A6DC-4997-B9E9-F8BC6D3B8D7E}"/>
               </a:ext>
             </a:extLst>
           </p:cNvPr>
@@ -20092,7 +20662,7 @@
           <p:cNvPr id="14" name="화살표: 아래쪽 13">
             <a:extLst>
               <a:ext uri="{FF2B5EF4-FFF2-40B4-BE49-F238E27FC236}">
-                <a16:creationId xmlns:a16="http://schemas.microsoft.com/office/drawing/2014/main" id="{60B44A07-FFD2-4519-96C8-452F68947570}"/>
+                <a16:creationId xmlns:a16="http://schemas.microsoft.com/office/drawing/2014/main" xmlns="" id="{60B44A07-FFD2-4519-96C8-452F68947570}"/>
               </a:ext>
             </a:extLst>
           </p:cNvPr>
@@ -20146,7 +20716,7 @@
           <p:cNvPr id="34" name="타원 33">
             <a:extLst>
               <a:ext uri="{FF2B5EF4-FFF2-40B4-BE49-F238E27FC236}">
-                <a16:creationId xmlns:a16="http://schemas.microsoft.com/office/drawing/2014/main" id="{E6232360-DB32-477C-A325-EE1D23784928}"/>
+                <a16:creationId xmlns:a16="http://schemas.microsoft.com/office/drawing/2014/main" xmlns="" id="{E6232360-DB32-477C-A325-EE1D23784928}"/>
               </a:ext>
             </a:extLst>
           </p:cNvPr>
@@ -20200,7 +20770,7 @@
           <p:cNvPr id="43" name="직선 화살표 연결선 42">
             <a:extLst>
               <a:ext uri="{FF2B5EF4-FFF2-40B4-BE49-F238E27FC236}">
-                <a16:creationId xmlns:a16="http://schemas.microsoft.com/office/drawing/2014/main" id="{0E878D57-54B3-47C1-9056-2E07462CFE84}"/>
+                <a16:creationId xmlns:a16="http://schemas.microsoft.com/office/drawing/2014/main" xmlns="" id="{0E878D57-54B3-47C1-9056-2E07462CFE84}"/>
               </a:ext>
             </a:extLst>
           </p:cNvPr>
@@ -20244,7 +20814,7 @@
           <p:cNvPr id="44" name="직선 화살표 연결선 43">
             <a:extLst>
               <a:ext uri="{FF2B5EF4-FFF2-40B4-BE49-F238E27FC236}">
-                <a16:creationId xmlns:a16="http://schemas.microsoft.com/office/drawing/2014/main" id="{F25CCC98-B0EB-4DAA-9AAE-348251812BB4}"/>
+                <a16:creationId xmlns:a16="http://schemas.microsoft.com/office/drawing/2014/main" xmlns="" id="{F25CCC98-B0EB-4DAA-9AAE-348251812BB4}"/>
               </a:ext>
             </a:extLst>
           </p:cNvPr>
@@ -20288,7 +20858,7 @@
           <p:cNvPr id="47" name="타원 46">
             <a:extLst>
               <a:ext uri="{FF2B5EF4-FFF2-40B4-BE49-F238E27FC236}">
-                <a16:creationId xmlns:a16="http://schemas.microsoft.com/office/drawing/2014/main" id="{7F4F767B-FA1B-4ED9-8E72-11B5BBC096BD}"/>
+                <a16:creationId xmlns:a16="http://schemas.microsoft.com/office/drawing/2014/main" xmlns="" id="{7F4F767B-FA1B-4ED9-8E72-11B5BBC096BD}"/>
               </a:ext>
             </a:extLst>
           </p:cNvPr>
@@ -20342,7 +20912,7 @@
           <p:cNvPr id="48" name="직선 화살표 연결선 47">
             <a:extLst>
               <a:ext uri="{FF2B5EF4-FFF2-40B4-BE49-F238E27FC236}">
-                <a16:creationId xmlns:a16="http://schemas.microsoft.com/office/drawing/2014/main" id="{DFCACCE7-A28A-4C85-8D9E-F6D7B60A2C07}"/>
+                <a16:creationId xmlns:a16="http://schemas.microsoft.com/office/drawing/2014/main" xmlns="" id="{DFCACCE7-A28A-4C85-8D9E-F6D7B60A2C07}"/>
               </a:ext>
             </a:extLst>
           </p:cNvPr>
@@ -20386,7 +20956,7 @@
           <p:cNvPr id="53" name="직선 화살표 연결선 52">
             <a:extLst>
               <a:ext uri="{FF2B5EF4-FFF2-40B4-BE49-F238E27FC236}">
-                <a16:creationId xmlns:a16="http://schemas.microsoft.com/office/drawing/2014/main" id="{FBD9C4A3-16C4-49DB-9CA7-0CDC52BA8493}"/>
+                <a16:creationId xmlns:a16="http://schemas.microsoft.com/office/drawing/2014/main" xmlns="" id="{FBD9C4A3-16C4-49DB-9CA7-0CDC52BA8493}"/>
               </a:ext>
             </a:extLst>
           </p:cNvPr>
@@ -20430,7 +21000,7 @@
           <p:cNvPr id="35" name="직선 화살표 연결선 34">
             <a:extLst>
               <a:ext uri="{FF2B5EF4-FFF2-40B4-BE49-F238E27FC236}">
-                <a16:creationId xmlns:a16="http://schemas.microsoft.com/office/drawing/2014/main" id="{EFCE8B3D-1262-43AB-8B4D-6674F2E7BE83}"/>
+                <a16:creationId xmlns:a16="http://schemas.microsoft.com/office/drawing/2014/main" xmlns="" id="{EFCE8B3D-1262-43AB-8B4D-6674F2E7BE83}"/>
               </a:ext>
             </a:extLst>
           </p:cNvPr>
@@ -20474,7 +21044,7 @@
           <p:cNvPr id="40" name="화살표: 아래쪽 13">
             <a:extLst>
               <a:ext uri="{FF2B5EF4-FFF2-40B4-BE49-F238E27FC236}">
-                <a16:creationId xmlns:a16="http://schemas.microsoft.com/office/drawing/2014/main" id="{60B44A07-FFD2-4519-96C8-452F68947570}"/>
+                <a16:creationId xmlns:a16="http://schemas.microsoft.com/office/drawing/2014/main" xmlns="" id="{60B44A07-FFD2-4519-96C8-452F68947570}"/>
               </a:ext>
             </a:extLst>
           </p:cNvPr>
